--- a/Electron Musical Chairs.pptx
+++ b/Electron Musical Chairs.pptx
@@ -3877,7 +3877,7 @@
           <a:p>
             <a:r>
               <a:rPr lang="en-US" dirty="0"/>
-              <a:t>So in order to paint a picture with photons, we need to understand a description of their nature, the statistical nature</a:t>
+              <a:t>So, in order to paint a picture with photons, we need to understand a description of their nature, the statistical nature</a:t>
             </a:r>
           </a:p>
           <a:p>
@@ -4307,7 +4307,7 @@
           <a:p>
             <a:r>
               <a:rPr lang="en-US" dirty="0"/>
-              <a:t>In particular we will focus on the Quantum Dot </a:t>
+              <a:t>In particular, we will focus on the Quantum Dot </a:t>
             </a:r>
             <a:endParaRPr lang="en-CA" dirty="0"/>
           </a:p>
@@ -7533,15 +7533,6 @@
 </file>
 
 <file path=customXml/item2.xml><?xml version="1.0" encoding="utf-8"?>
-<?mso-contentType ?>
-<FormTemplates xmlns="http://schemas.microsoft.com/sharepoint/v3/contenttype/forms">
-  <Display>DocumentLibraryForm</Display>
-  <Edit>DocumentLibraryForm</Edit>
-  <New>DocumentLibraryForm</New>
-</FormTemplates>
-</file>
-
-<file path=customXml/item3.xml><?xml version="1.0" encoding="utf-8"?>
 <ct:contentTypeSchema xmlns:ct="http://schemas.microsoft.com/office/2006/metadata/contentType" xmlns:ma="http://schemas.microsoft.com/office/2006/metadata/properties/metaAttributes" ct:_="" ma:_="" ma:contentTypeName="Document" ma:contentTypeID="0x01010079F111ED35F8CC479449609E8A0923A6" ma:contentTypeVersion="12" ma:contentTypeDescription="Create a new document." ma:contentTypeScope="" ma:versionID="a410dd7f93c95333ffa1b60ed6adedd1">
   <xsd:schema xmlns:xsd="http://www.w3.org/2001/XMLSchema" xmlns:xs="http://www.w3.org/2001/XMLSchema" xmlns:p="http://schemas.microsoft.com/office/2006/metadata/properties" xmlns:ns2="71af3243-3dd4-4a8d-8c0d-dd76da1f02a5" xmlns:ns3="16c05727-aa75-4e4a-9b5f-8a80a1165891" targetNamespace="http://schemas.microsoft.com/office/2006/metadata/properties" ma:root="true" ma:fieldsID="a936d9baba76aa3866493feff160faab" ns2:_="" ns3:_="">
     <xsd:import namespace="71af3243-3dd4-4a8d-8c0d-dd76da1f02a5"/>
@@ -7762,6 +7753,15 @@
 </ct:contentTypeSchema>
 </file>
 
+<file path=customXml/item3.xml><?xml version="1.0" encoding="utf-8"?>
+<?mso-contentType ?>
+<FormTemplates xmlns="http://schemas.microsoft.com/sharepoint/v3/contenttype/forms">
+  <Display>DocumentLibraryForm</Display>
+  <Edit>DocumentLibraryForm</Edit>
+  <New>DocumentLibraryForm</New>
+</FormTemplates>
+</file>
+
 <file path=customXml/itemProps1.xml><?xml version="1.0" encoding="utf-8"?>
 <ds:datastoreItem xmlns:ds="http://schemas.openxmlformats.org/officeDocument/2006/customXml" ds:itemID="{A03EEFF0-FB57-4CB4-8BFC-DF397689E2ED}">
   <ds:schemaRefs>
@@ -7773,14 +7773,6 @@
 </file>
 
 <file path=customXml/itemProps2.xml><?xml version="1.0" encoding="utf-8"?>
-<ds:datastoreItem xmlns:ds="http://schemas.openxmlformats.org/officeDocument/2006/customXml" ds:itemID="{AA3F7EDC-E5B4-4BBC-9D2A-CBE6D46C37AD}">
-  <ds:schemaRefs>
-    <ds:schemaRef ds:uri="http://schemas.microsoft.com/sharepoint/v3/contenttype/forms"/>
-  </ds:schemaRefs>
-</ds:datastoreItem>
-</file>
-
-<file path=customXml/itemProps3.xml><?xml version="1.0" encoding="utf-8"?>
 <ds:datastoreItem xmlns:ds="http://schemas.openxmlformats.org/officeDocument/2006/customXml" ds:itemID="{93932EF5-314F-409E-8020-FEE5FA0795B9}">
   <ds:schemaRefs>
     <ds:schemaRef ds:uri="http://schemas.microsoft.com/office/2006/metadata/contentType"/>
@@ -7797,4 +7789,12 @@
     <ds:schemaRef ds:uri="http://schemas.microsoft.com/internal/obd"/>
   </ds:schemaRefs>
 </ds:datastoreItem>
+</file>
+
+<file path=customXml/itemProps3.xml><?xml version="1.0" encoding="utf-8"?>
+<ds:datastoreItem xmlns:ds="http://schemas.openxmlformats.org/officeDocument/2006/customXml" ds:itemID="{AA3F7EDC-E5B4-4BBC-9D2A-CBE6D46C37AD}">
+  <ds:schemaRefs>
+    <ds:schemaRef ds:uri="http://schemas.microsoft.com/sharepoint/v3/contenttype/forms"/>
+  </ds:schemaRefs>
+</ds:datastoreItem>
 </file>
--- a/Electron Musical Chairs.pptx
+++ b/Electron Musical Chairs.pptx
@@ -13,46 +13,47 @@
     <p:sldId id="317" r:id="rId10"/>
     <p:sldId id="303" r:id="rId11"/>
     <p:sldId id="318" r:id="rId12"/>
-    <p:sldId id="319" r:id="rId13"/>
-    <p:sldId id="304" r:id="rId14"/>
-    <p:sldId id="320" r:id="rId15"/>
-    <p:sldId id="321" r:id="rId16"/>
-    <p:sldId id="322" r:id="rId17"/>
-    <p:sldId id="323" r:id="rId18"/>
-    <p:sldId id="306" r:id="rId19"/>
-    <p:sldId id="324" r:id="rId20"/>
-    <p:sldId id="325" r:id="rId21"/>
-    <p:sldId id="326" r:id="rId22"/>
-    <p:sldId id="327" r:id="rId23"/>
-    <p:sldId id="328" r:id="rId24"/>
-    <p:sldId id="305" r:id="rId25"/>
-    <p:sldId id="329" r:id="rId26"/>
-    <p:sldId id="330" r:id="rId27"/>
-    <p:sldId id="307" r:id="rId28"/>
-    <p:sldId id="308" r:id="rId29"/>
-    <p:sldId id="309" r:id="rId30"/>
-    <p:sldId id="331" r:id="rId31"/>
-    <p:sldId id="332" r:id="rId32"/>
-    <p:sldId id="334" r:id="rId33"/>
-    <p:sldId id="333" r:id="rId34"/>
-    <p:sldId id="335" r:id="rId35"/>
-    <p:sldId id="338" r:id="rId36"/>
-    <p:sldId id="336" r:id="rId37"/>
-    <p:sldId id="337" r:id="rId38"/>
-    <p:sldId id="339" r:id="rId39"/>
-    <p:sldId id="314" r:id="rId40"/>
-    <p:sldId id="340" r:id="rId41"/>
-    <p:sldId id="341" r:id="rId42"/>
-    <p:sldId id="342" r:id="rId43"/>
-    <p:sldId id="311" r:id="rId44"/>
-    <p:sldId id="343" r:id="rId45"/>
-    <p:sldId id="312" r:id="rId46"/>
-    <p:sldId id="310" r:id="rId47"/>
-    <p:sldId id="344" r:id="rId48"/>
-    <p:sldId id="345" r:id="rId49"/>
-    <p:sldId id="346" r:id="rId50"/>
-    <p:sldId id="347" r:id="rId51"/>
-    <p:sldId id="313" r:id="rId52"/>
+    <p:sldId id="348" r:id="rId13"/>
+    <p:sldId id="319" r:id="rId14"/>
+    <p:sldId id="304" r:id="rId15"/>
+    <p:sldId id="320" r:id="rId16"/>
+    <p:sldId id="321" r:id="rId17"/>
+    <p:sldId id="322" r:id="rId18"/>
+    <p:sldId id="323" r:id="rId19"/>
+    <p:sldId id="306" r:id="rId20"/>
+    <p:sldId id="324" r:id="rId21"/>
+    <p:sldId id="325" r:id="rId22"/>
+    <p:sldId id="326" r:id="rId23"/>
+    <p:sldId id="327" r:id="rId24"/>
+    <p:sldId id="328" r:id="rId25"/>
+    <p:sldId id="305" r:id="rId26"/>
+    <p:sldId id="329" r:id="rId27"/>
+    <p:sldId id="330" r:id="rId28"/>
+    <p:sldId id="307" r:id="rId29"/>
+    <p:sldId id="308" r:id="rId30"/>
+    <p:sldId id="309" r:id="rId31"/>
+    <p:sldId id="331" r:id="rId32"/>
+    <p:sldId id="332" r:id="rId33"/>
+    <p:sldId id="334" r:id="rId34"/>
+    <p:sldId id="333" r:id="rId35"/>
+    <p:sldId id="335" r:id="rId36"/>
+    <p:sldId id="338" r:id="rId37"/>
+    <p:sldId id="336" r:id="rId38"/>
+    <p:sldId id="337" r:id="rId39"/>
+    <p:sldId id="339" r:id="rId40"/>
+    <p:sldId id="314" r:id="rId41"/>
+    <p:sldId id="340" r:id="rId42"/>
+    <p:sldId id="341" r:id="rId43"/>
+    <p:sldId id="342" r:id="rId44"/>
+    <p:sldId id="311" r:id="rId45"/>
+    <p:sldId id="343" r:id="rId46"/>
+    <p:sldId id="312" r:id="rId47"/>
+    <p:sldId id="310" r:id="rId48"/>
+    <p:sldId id="344" r:id="rId49"/>
+    <p:sldId id="345" r:id="rId50"/>
+    <p:sldId id="346" r:id="rId51"/>
+    <p:sldId id="347" r:id="rId52"/>
+    <p:sldId id="313" r:id="rId53"/>
   </p:sldIdLst>
   <p:sldSz cx="12192000" cy="6858000"/>
   <p:notesSz cx="6858000" cy="9144000"/>
@@ -6792,7 +6793,7 @@
             </a:pPr>
             <a:r>
               <a:rPr lang="en-US" sz="1600" dirty="0"/>
-              <a:t>Mapping rabi oscillations</a:t>
+              <a:t>Modelling rabi oscillations</a:t>
             </a:r>
           </a:p>
           <a:p>
@@ -6930,6 +6931,14 @@
 <file path=ppt/slides/slide10.xml><?xml version="1.0" encoding="utf-8"?>
 <p:sld xmlns:a="http://schemas.openxmlformats.org/drawingml/2006/main" xmlns:r="http://schemas.openxmlformats.org/officeDocument/2006/relationships" xmlns:p="http://schemas.openxmlformats.org/presentationml/2006/main">
   <p:cSld>
+    <p:bg>
+      <p:bgPr>
+        <a:solidFill>
+          <a:schemeClr val="bg1"/>
+        </a:solidFill>
+        <a:effectLst/>
+      </p:bgPr>
+    </p:bg>
     <p:spTree>
       <p:nvGrpSpPr>
         <p:cNvPr id="1" name=""/>
@@ -6946,10 +6955,76 @@
       </p:grpSpPr>
       <p:sp>
         <p:nvSpPr>
+          <p:cNvPr id="14" name="Rectangle 13">
+            <a:extLst>
+              <a:ext uri="{FF2B5EF4-FFF2-40B4-BE49-F238E27FC236}">
+                <a16:creationId xmlns:a16="http://schemas.microsoft.com/office/drawing/2014/main" id="{61B2A784-4501-42A8-86DF-DB27DE395089}"/>
+              </a:ext>
+              <a:ext uri="{C183D7F6-B498-43B3-948B-1728B52AA6E4}">
+                <adec:decorative xmlns:adec="http://schemas.microsoft.com/office/drawing/2017/decorative" val="1"/>
+              </a:ext>
+            </a:extLst>
+          </p:cNvPr>
+          <p:cNvSpPr>
+            <a:spLocks noGrp="1" noRot="1" noChangeAspect="1" noMove="1" noResize="1" noEditPoints="1" noAdjustHandles="1" noChangeArrowheads="1" noChangeShapeType="1" noTextEdit="1"/>
+          </p:cNvSpPr>
+          <p:nvPr>
+            <p:extLst>
+              <p:ext uri="{386F3935-93C4-4BCD-93E2-E3B085C9AB24}">
+                <p16:designElem xmlns:p16="http://schemas.microsoft.com/office/powerpoint/2015/main" val="1"/>
+              </p:ext>
+            </p:extLst>
+          </p:nvPr>
+        </p:nvSpPr>
+        <p:spPr>
+          <a:xfrm>
+            <a:off x="0" y="0"/>
+            <a:ext cx="12188256" cy="6400800"/>
+          </a:xfrm>
+          <a:prstGeom prst="rect">
+            <a:avLst/>
+          </a:prstGeom>
+          <a:solidFill>
+            <a:schemeClr val="bg1">
+              <a:lumMod val="85000"/>
+              <a:lumOff val="15000"/>
+            </a:schemeClr>
+          </a:solidFill>
+          <a:ln>
+            <a:noFill/>
+          </a:ln>
+        </p:spPr>
+        <p:style>
+          <a:lnRef idx="2">
+            <a:schemeClr val="accent1">
+              <a:shade val="50000"/>
+            </a:schemeClr>
+          </a:lnRef>
+          <a:fillRef idx="1">
+            <a:schemeClr val="accent1"/>
+          </a:fillRef>
+          <a:effectRef idx="0">
+            <a:schemeClr val="accent1"/>
+          </a:effectRef>
+          <a:fontRef idx="minor">
+            <a:schemeClr val="lt1"/>
+          </a:fontRef>
+        </p:style>
+        <p:txBody>
+          <a:bodyPr rtlCol="0" anchor="ctr"/>
+          <a:lstStyle/>
+          <a:p>
+            <a:pPr algn="ctr"/>
+            <a:endParaRPr lang="en-US"/>
+          </a:p>
+        </p:txBody>
+      </p:sp>
+      <p:sp>
+        <p:nvSpPr>
           <p:cNvPr id="2" name="Title 1">
             <a:extLst>
               <a:ext uri="{FF2B5EF4-FFF2-40B4-BE49-F238E27FC236}">
-                <a16:creationId xmlns:a16="http://schemas.microsoft.com/office/drawing/2014/main" id="{88B8F090-F805-7BBA-C87B-726047F8CA95}"/>
+                <a16:creationId xmlns:a16="http://schemas.microsoft.com/office/drawing/2014/main" id="{F12DEBEA-AEC5-52D3-F036-6849CEFFBE98}"/>
               </a:ext>
             </a:extLst>
           </p:cNvPr>
@@ -6960,14 +7035,21 @@
             <p:ph type="title"/>
           </p:nvPr>
         </p:nvSpPr>
-        <p:spPr/>
+        <p:spPr>
+          <a:xfrm>
+            <a:off x="5766318" y="1144980"/>
+            <a:ext cx="6332376" cy="1560716"/>
+          </a:xfrm>
+        </p:spPr>
         <p:txBody>
-          <a:bodyPr/>
+          <a:bodyPr>
+            <a:normAutofit/>
+          </a:bodyPr>
           <a:lstStyle/>
           <a:p>
             <a:r>
               <a:rPr lang="en-US" dirty="0"/>
-              <a:t>Photon Statistics -1</a:t>
+              <a:t>Rabi Oscillations - 4</a:t>
             </a:r>
             <a:endParaRPr lang="en-CA" dirty="0"/>
           </a:p>
@@ -6975,68 +7057,494 @@
       </p:sp>
       <p:sp>
         <p:nvSpPr>
-          <p:cNvPr id="3" name="Content Placeholder 2">
+          <p:cNvPr id="16" name="Rectangle 15">
             <a:extLst>
               <a:ext uri="{FF2B5EF4-FFF2-40B4-BE49-F238E27FC236}">
-                <a16:creationId xmlns:a16="http://schemas.microsoft.com/office/drawing/2014/main" id="{063559A0-4B45-F8C7-0081-55D27932E047}"/>
+                <a16:creationId xmlns:a16="http://schemas.microsoft.com/office/drawing/2014/main" id="{8A330AB8-A767-46C8-ABEF-2477854EF61D}"/>
+              </a:ext>
+              <a:ext uri="{C183D7F6-B498-43B3-948B-1728B52AA6E4}">
+                <adec:decorative xmlns:adec="http://schemas.microsoft.com/office/drawing/2017/decorative" val="1"/>
               </a:ext>
             </a:extLst>
           </p:cNvPr>
           <p:cNvSpPr>
-            <a:spLocks noGrp="1"/>
+            <a:spLocks noGrp="1" noRot="1" noChangeAspect="1" noMove="1" noResize="1" noEditPoints="1" noAdjustHandles="1" noChangeArrowheads="1" noChangeShapeType="1" noTextEdit="1"/>
           </p:cNvSpPr>
           <p:nvPr>
-            <p:ph idx="1"/>
+            <p:extLst>
+              <p:ext uri="{386F3935-93C4-4BCD-93E2-E3B085C9AB24}">
+                <p16:designElem xmlns:p16="http://schemas.microsoft.com/office/powerpoint/2015/main" val="1"/>
+              </p:ext>
+            </p:extLst>
           </p:nvPr>
         </p:nvSpPr>
-        <p:spPr/>
+        <p:spPr>
+          <a:xfrm>
+            <a:off x="705498" y="0"/>
+            <a:ext cx="4901184" cy="4021058"/>
+          </a:xfrm>
+          <a:prstGeom prst="rect">
+            <a:avLst/>
+          </a:prstGeom>
+          <a:solidFill>
+            <a:schemeClr val="tx1">
+              <a:lumMod val="85000"/>
+              <a:lumOff val="15000"/>
+            </a:schemeClr>
+          </a:solidFill>
+          <a:ln>
+            <a:noFill/>
+          </a:ln>
+        </p:spPr>
+        <p:style>
+          <a:lnRef idx="2">
+            <a:schemeClr val="accent1">
+              <a:shade val="50000"/>
+            </a:schemeClr>
+          </a:lnRef>
+          <a:fillRef idx="1">
+            <a:schemeClr val="accent1"/>
+          </a:fillRef>
+          <a:effectRef idx="0">
+            <a:schemeClr val="accent1"/>
+          </a:effectRef>
+          <a:fontRef idx="minor">
+            <a:schemeClr val="lt1"/>
+          </a:fontRef>
+        </p:style>
         <p:txBody>
-          <a:bodyPr/>
+          <a:bodyPr rtlCol="0" anchor="ctr"/>
           <a:lstStyle/>
           <a:p>
-            <a:r>
-              <a:rPr lang="en-US" dirty="0"/>
-              <a:t>Now that we know that these oscillations are in fact real and quantum in nature</a:t>
-            </a:r>
-          </a:p>
-          <a:p>
-            <a:r>
-              <a:rPr lang="en-US" dirty="0"/>
-              <a:t>We need a way to measure this</a:t>
-            </a:r>
-          </a:p>
-          <a:p>
-            <a:r>
-              <a:rPr lang="en-US" dirty="0"/>
-              <a:t>But we have no way to observe electron dynamics</a:t>
-            </a:r>
-          </a:p>
-          <a:p>
-            <a:r>
-              <a:rPr lang="en-US" dirty="0"/>
-              <a:t>However, we do have a way to measure their emissions – The Photon</a:t>
-            </a:r>
-          </a:p>
-          <a:p>
-            <a:r>
-              <a:rPr lang="en-US" dirty="0"/>
-              <a:t>So, in order to paint a picture with photons, we need to understand a description of their nature, the statistical nature</a:t>
-            </a:r>
-          </a:p>
-          <a:p>
-            <a:endParaRPr lang="en-CA" dirty="0"/>
+            <a:pPr algn="ctr"/>
+            <a:endParaRPr lang="en-US"/>
           </a:p>
         </p:txBody>
       </p:sp>
+      <p:pic>
+        <p:nvPicPr>
+          <p:cNvPr id="9" name="Picture 8">
+            <a:extLst>
+              <a:ext uri="{FF2B5EF4-FFF2-40B4-BE49-F238E27FC236}">
+                <a16:creationId xmlns:a16="http://schemas.microsoft.com/office/drawing/2014/main" id="{3933984C-1EE7-9350-65CD-B8E7C2AD3B7D}"/>
+              </a:ext>
+            </a:extLst>
+          </p:cNvPr>
+          <p:cNvPicPr>
+            <a:picLocks noChangeAspect="1"/>
+          </p:cNvPicPr>
+          <p:nvPr/>
+        </p:nvPicPr>
+        <p:blipFill>
+          <a:blip r:embed="rId2"/>
+          <a:stretch>
+            <a:fillRect/>
+          </a:stretch>
+        </p:blipFill>
+        <p:spPr>
+          <a:xfrm>
+            <a:off x="1077832" y="689465"/>
+            <a:ext cx="4156516" cy="2642126"/>
+          </a:xfrm>
+          <a:prstGeom prst="rect">
+            <a:avLst/>
+          </a:prstGeom>
+        </p:spPr>
+      </p:pic>
+      <p:sp>
+        <p:nvSpPr>
+          <p:cNvPr id="18" name="Rectangle 17">
+            <a:extLst>
+              <a:ext uri="{FF2B5EF4-FFF2-40B4-BE49-F238E27FC236}">
+                <a16:creationId xmlns:a16="http://schemas.microsoft.com/office/drawing/2014/main" id="{88E62604-C40E-4D56-9D66-FD94B0CA40CB}"/>
+              </a:ext>
+              <a:ext uri="{C183D7F6-B498-43B3-948B-1728B52AA6E4}">
+                <adec:decorative xmlns:adec="http://schemas.microsoft.com/office/drawing/2017/decorative" val="1"/>
+              </a:ext>
+            </a:extLst>
+          </p:cNvPr>
+          <p:cNvSpPr>
+            <a:spLocks noGrp="1" noRot="1" noChangeAspect="1" noMove="1" noResize="1" noEditPoints="1" noAdjustHandles="1" noChangeArrowheads="1" noChangeShapeType="1" noTextEdit="1"/>
+          </p:cNvSpPr>
+          <p:nvPr>
+            <p:extLst>
+              <p:ext uri="{386F3935-93C4-4BCD-93E2-E3B085C9AB24}">
+                <p16:designElem xmlns:p16="http://schemas.microsoft.com/office/powerpoint/2015/main" val="1"/>
+              </p:ext>
+            </p:extLst>
+          </p:nvPr>
+        </p:nvSpPr>
+        <p:spPr>
+          <a:xfrm>
+            <a:off x="705498" y="4241249"/>
+            <a:ext cx="4901184" cy="2616751"/>
+          </a:xfrm>
+          <a:prstGeom prst="rect">
+            <a:avLst/>
+          </a:prstGeom>
+          <a:solidFill>
+            <a:schemeClr val="tx1">
+              <a:lumMod val="85000"/>
+              <a:lumOff val="15000"/>
+            </a:schemeClr>
+          </a:solidFill>
+          <a:ln>
+            <a:noFill/>
+          </a:ln>
+        </p:spPr>
+        <p:style>
+          <a:lnRef idx="2">
+            <a:schemeClr val="accent1">
+              <a:shade val="50000"/>
+            </a:schemeClr>
+          </a:lnRef>
+          <a:fillRef idx="1">
+            <a:schemeClr val="accent1"/>
+          </a:fillRef>
+          <a:effectRef idx="0">
+            <a:schemeClr val="accent1"/>
+          </a:effectRef>
+          <a:fontRef idx="minor">
+            <a:schemeClr val="lt1"/>
+          </a:fontRef>
+        </p:style>
+        <p:txBody>
+          <a:bodyPr rtlCol="0" anchor="ctr"/>
+          <a:lstStyle/>
+          <a:p>
+            <a:pPr algn="ctr"/>
+            <a:endParaRPr lang="en-US"/>
+          </a:p>
+        </p:txBody>
+      </p:sp>
+      <p:pic>
+        <p:nvPicPr>
+          <p:cNvPr id="7" name="Picture 6">
+            <a:extLst>
+              <a:ext uri="{FF2B5EF4-FFF2-40B4-BE49-F238E27FC236}">
+                <a16:creationId xmlns:a16="http://schemas.microsoft.com/office/drawing/2014/main" id="{EFB7E4FD-6B1E-A69B-3900-11D749223EE4}"/>
+              </a:ext>
+            </a:extLst>
+          </p:cNvPr>
+          <p:cNvPicPr>
+            <a:picLocks noChangeAspect="1"/>
+          </p:cNvPicPr>
+          <p:nvPr/>
+        </p:nvPicPr>
+        <p:blipFill>
+          <a:blip r:embed="rId3"/>
+          <a:stretch>
+            <a:fillRect/>
+          </a:stretch>
+        </p:blipFill>
+        <p:spPr>
+          <a:xfrm>
+            <a:off x="1478421" y="4570358"/>
+            <a:ext cx="3355338" cy="1987392"/>
+          </a:xfrm>
+          <a:prstGeom prst="rect">
+            <a:avLst/>
+          </a:prstGeom>
+        </p:spPr>
+      </p:pic>
+      <mc:AlternateContent xmlns:mc="http://schemas.openxmlformats.org/markup-compatibility/2006">
+        <mc:Choice xmlns:a14="http://schemas.microsoft.com/office/drawing/2010/main" Requires="a14">
+          <p:sp>
+            <p:nvSpPr>
+              <p:cNvPr id="3" name="Content Placeholder 2">
+                <a:extLst>
+                  <a:ext uri="{FF2B5EF4-FFF2-40B4-BE49-F238E27FC236}">
+                    <a16:creationId xmlns:a16="http://schemas.microsoft.com/office/drawing/2014/main" id="{E94CADF7-D7F0-224D-F98D-7E8BE07D4FF5}"/>
+                  </a:ext>
+                </a:extLst>
+              </p:cNvPr>
+              <p:cNvSpPr>
+                <a:spLocks noGrp="1"/>
+              </p:cNvSpPr>
+              <p:nvPr>
+                <p:ph idx="1"/>
+              </p:nvPr>
+            </p:nvSpPr>
+            <p:spPr>
+              <a:xfrm>
+                <a:off x="6487431" y="2983824"/>
+                <a:ext cx="5063457" cy="3043752"/>
+              </a:xfrm>
+            </p:spPr>
+            <p:txBody>
+              <a:bodyPr>
+                <a:normAutofit fontScale="32500" lnSpcReduction="20000"/>
+              </a:bodyPr>
+              <a:lstStyle/>
+              <a:p>
+                <a:pPr>
+                  <a:lnSpc>
+                    <a:spcPct val="100000"/>
+                  </a:lnSpc>
+                </a:pPr>
+                <a:r>
+                  <a:rPr lang="en-US" sz="5900" dirty="0"/>
+                  <a:t>Solving the differential equation with these simplifications gives us these solutions</a:t>
+                </a:r>
+              </a:p>
+              <a:p>
+                <a:pPr>
+                  <a:lnSpc>
+                    <a:spcPct val="100000"/>
+                  </a:lnSpc>
+                </a:pPr>
+                <a:endParaRPr lang="en-US" sz="5900" dirty="0"/>
+              </a:p>
+              <a:p>
+                <a:pPr>
+                  <a:lnSpc>
+                    <a:spcPct val="100000"/>
+                  </a:lnSpc>
+                </a:pPr>
+                <a:endParaRPr lang="en-US" sz="5900" dirty="0"/>
+              </a:p>
+              <a:p>
+                <a:pPr marL="0" indent="0">
+                  <a:lnSpc>
+                    <a:spcPct val="100000"/>
+                  </a:lnSpc>
+                  <a:buNone/>
+                </a:pPr>
+                <a:endParaRPr lang="en-US" sz="5900" dirty="0"/>
+              </a:p>
+              <a:p>
+                <a:pPr>
+                  <a:lnSpc>
+                    <a:spcPct val="100000"/>
+                  </a:lnSpc>
+                </a:pPr>
+                <a:r>
+                  <a:rPr lang="en-US" sz="5900" dirty="0"/>
+                  <a:t>Wherein </a:t>
+                </a:r>
+                <a14:m>
+                  <m:oMath xmlns:m="http://schemas.openxmlformats.org/officeDocument/2006/math">
+                    <m:sSub>
+                      <m:sSubPr>
+                        <m:ctrlPr>
+                          <a:rPr lang="en-CA" sz="5900" i="1" smtClean="0">
+                            <a:effectLst/>
+                            <a:latin typeface="Cambria Math" panose="02040503050406030204" pitchFamily="18" charset="0"/>
+                          </a:rPr>
+                        </m:ctrlPr>
+                      </m:sSubPr>
+                      <m:e>
+                        <m:r>
+                          <a:rPr lang="en-CA" sz="5900" i="1">
+                            <a:effectLst/>
+                            <a:latin typeface="Cambria Math" panose="02040503050406030204" pitchFamily="18" charset="0"/>
+                            <a:ea typeface="Calibri" panose="020F0502020204030204" pitchFamily="34" charset="0"/>
+                            <a:cs typeface="Times New Roman" panose="02020603050405020304" pitchFamily="18" charset="0"/>
+                          </a:rPr>
+                          <m:t>𝛺</m:t>
+                        </m:r>
+                      </m:e>
+                      <m:sub>
+                        <m:r>
+                          <a:rPr lang="en-CA" sz="5900" i="1">
+                            <a:effectLst/>
+                            <a:latin typeface="Cambria Math" panose="02040503050406030204" pitchFamily="18" charset="0"/>
+                            <a:ea typeface="Calibri" panose="020F0502020204030204" pitchFamily="34" charset="0"/>
+                            <a:cs typeface="Times New Roman" panose="02020603050405020304" pitchFamily="18" charset="0"/>
+                          </a:rPr>
+                          <m:t>𝑅</m:t>
+                        </m:r>
+                      </m:sub>
+                    </m:sSub>
+                  </m:oMath>
+                </a14:m>
+                <a:r>
+                  <a:rPr lang="en-US" sz="5900" dirty="0"/>
+                  <a:t> is the Rabi frequency </a:t>
+                </a:r>
+              </a:p>
+              <a:p>
+                <a:pPr lvl="1"/>
+                <a:r>
+                  <a:rPr lang="en-US" sz="5900" dirty="0"/>
+                  <a:t>Electrons oscillate at frequency </a:t>
+                </a:r>
+                <a14:m>
+                  <m:oMath xmlns:m="http://schemas.openxmlformats.org/officeDocument/2006/math">
+                    <m:f>
+                      <m:fPr>
+                        <m:ctrlPr>
+                          <a:rPr lang="en-CA" sz="5900" i="1" smtClean="0">
+                            <a:effectLst/>
+                            <a:latin typeface="Cambria Math" panose="02040503050406030204" pitchFamily="18" charset="0"/>
+                          </a:rPr>
+                        </m:ctrlPr>
+                      </m:fPr>
+                      <m:num>
+                        <m:sSub>
+                          <m:sSubPr>
+                            <m:ctrlPr>
+                              <a:rPr lang="en-CA" sz="5900" i="1">
+                                <a:effectLst/>
+                                <a:latin typeface="Cambria Math" panose="02040503050406030204" pitchFamily="18" charset="0"/>
+                              </a:rPr>
+                            </m:ctrlPr>
+                          </m:sSubPr>
+                          <m:e>
+                            <m:r>
+                              <a:rPr lang="en-CA" sz="5900" i="1">
+                                <a:effectLst/>
+                                <a:latin typeface="Cambria Math" panose="02040503050406030204" pitchFamily="18" charset="0"/>
+                                <a:ea typeface="Calibri" panose="020F0502020204030204" pitchFamily="34" charset="0"/>
+                                <a:cs typeface="Times New Roman" panose="02020603050405020304" pitchFamily="18" charset="0"/>
+                              </a:rPr>
+                              <m:t>𝛺</m:t>
+                            </m:r>
+                          </m:e>
+                          <m:sub>
+                            <m:r>
+                              <a:rPr lang="en-CA" sz="5900" i="1">
+                                <a:effectLst/>
+                                <a:latin typeface="Cambria Math" panose="02040503050406030204" pitchFamily="18" charset="0"/>
+                                <a:ea typeface="Calibri" panose="020F0502020204030204" pitchFamily="34" charset="0"/>
+                                <a:cs typeface="Times New Roman" panose="02020603050405020304" pitchFamily="18" charset="0"/>
+                              </a:rPr>
+                              <m:t>𝑅</m:t>
+                            </m:r>
+                          </m:sub>
+                        </m:sSub>
+                      </m:num>
+                      <m:den>
+                        <m:r>
+                          <a:rPr lang="en-CA" sz="5900" i="1">
+                            <a:effectLst/>
+                            <a:latin typeface="Cambria Math" panose="02040503050406030204" pitchFamily="18" charset="0"/>
+                            <a:ea typeface="Calibri" panose="020F0502020204030204" pitchFamily="34" charset="0"/>
+                            <a:cs typeface="Times New Roman" panose="02020603050405020304" pitchFamily="18" charset="0"/>
+                          </a:rPr>
+                          <m:t>2</m:t>
+                        </m:r>
+                        <m:r>
+                          <a:rPr lang="en-CA" sz="5900" i="1">
+                            <a:effectLst/>
+                            <a:latin typeface="Cambria Math" panose="02040503050406030204" pitchFamily="18" charset="0"/>
+                            <a:ea typeface="Calibri" panose="020F0502020204030204" pitchFamily="34" charset="0"/>
+                            <a:cs typeface="Times New Roman" panose="02020603050405020304" pitchFamily="18" charset="0"/>
+                          </a:rPr>
+                          <m:t>𝜋</m:t>
+                        </m:r>
+                      </m:den>
+                    </m:f>
+                  </m:oMath>
+                </a14:m>
+                <a:endParaRPr lang="en-US" sz="5900" dirty="0"/>
+              </a:p>
+              <a:p>
+                <a:pPr>
+                  <a:lnSpc>
+                    <a:spcPct val="100000"/>
+                  </a:lnSpc>
+                </a:pPr>
+                <a:endParaRPr lang="en-US" sz="1300" dirty="0"/>
+              </a:p>
+              <a:p>
+                <a:pPr>
+                  <a:lnSpc>
+                    <a:spcPct val="100000"/>
+                  </a:lnSpc>
+                </a:pPr>
+                <a:endParaRPr lang="en-US" sz="1300" dirty="0"/>
+              </a:p>
+              <a:p>
+                <a:pPr>
+                  <a:lnSpc>
+                    <a:spcPct val="100000"/>
+                  </a:lnSpc>
+                </a:pPr>
+                <a:endParaRPr lang="en-US" sz="1300" dirty="0"/>
+              </a:p>
+              <a:p>
+                <a:pPr marL="0" indent="0">
+                  <a:lnSpc>
+                    <a:spcPct val="100000"/>
+                  </a:lnSpc>
+                  <a:buNone/>
+                </a:pPr>
+                <a:endParaRPr lang="en-US" sz="1300" dirty="0"/>
+              </a:p>
+              <a:p>
+                <a:pPr marL="0" indent="0">
+                  <a:lnSpc>
+                    <a:spcPct val="100000"/>
+                  </a:lnSpc>
+                  <a:buNone/>
+                </a:pPr>
+                <a:endParaRPr lang="en-US" sz="1300" dirty="0"/>
+              </a:p>
+              <a:p>
+                <a:pPr>
+                  <a:lnSpc>
+                    <a:spcPct val="100000"/>
+                  </a:lnSpc>
+                </a:pPr>
+                <a:endParaRPr lang="en-CA" sz="1300" dirty="0"/>
+              </a:p>
+            </p:txBody>
+          </p:sp>
+        </mc:Choice>
+        <mc:Fallback>
+          <p:sp>
+            <p:nvSpPr>
+              <p:cNvPr id="3" name="Content Placeholder 2">
+                <a:extLst>
+                  <a:ext uri="{FF2B5EF4-FFF2-40B4-BE49-F238E27FC236}">
+                    <a16:creationId xmlns:a16="http://schemas.microsoft.com/office/drawing/2014/main" id="{E94CADF7-D7F0-224D-F98D-7E8BE07D4FF5}"/>
+                  </a:ext>
+                </a:extLst>
+              </p:cNvPr>
+              <p:cNvSpPr>
+                <a:spLocks noGrp="1" noRot="1" noChangeAspect="1" noMove="1" noResize="1" noEditPoints="1" noAdjustHandles="1" noChangeArrowheads="1" noChangeShapeType="1" noTextEdit="1"/>
+              </p:cNvSpPr>
+              <p:nvPr>
+                <p:ph idx="1"/>
+              </p:nvPr>
+            </p:nvSpPr>
+            <p:spPr>
+              <a:xfrm>
+                <a:off x="6487431" y="2983824"/>
+                <a:ext cx="5063457" cy="3043752"/>
+              </a:xfrm>
+              <a:blipFill>
+                <a:blip r:embed="rId4"/>
+                <a:stretch>
+                  <a:fillRect l="-1083" t="-3000"/>
+                </a:stretch>
+              </a:blipFill>
+            </p:spPr>
+            <p:txBody>
+              <a:bodyPr/>
+              <a:lstStyle/>
+              <a:p>
+                <a:r>
+                  <a:rPr lang="en-CA">
+                    <a:noFill/>
+                  </a:rPr>
+                  <a:t> </a:t>
+                </a:r>
+              </a:p>
+            </p:txBody>
+          </p:sp>
+        </mc:Fallback>
+      </mc:AlternateContent>
     </p:spTree>
     <p:extLst>
       <p:ext uri="{BB962C8B-B14F-4D97-AF65-F5344CB8AC3E}">
-        <p14:creationId xmlns:p14="http://schemas.microsoft.com/office/powerpoint/2010/main" val="3630706665"/>
+        <p14:creationId xmlns:p14="http://schemas.microsoft.com/office/powerpoint/2010/main" val="3613884260"/>
       </p:ext>
     </p:extLst>
   </p:cSld>
   <p:clrMapOvr>
-    <a:masterClrMapping/>
+    <a:overrideClrMapping bg1="dk1" tx1="lt1" bg2="dk2" tx2="lt2" accent1="accent1" accent2="accent2" accent3="accent3" accent4="accent4" accent5="accent5" accent6="accent6" hlink="hlink" folHlink="folHlink"/>
   </p:clrMapOvr>
 </p:sld>
 </file>
@@ -7063,7 +7571,7 @@
           <p:cNvPr id="2" name="Title 1">
             <a:extLst>
               <a:ext uri="{FF2B5EF4-FFF2-40B4-BE49-F238E27FC236}">
-                <a16:creationId xmlns:a16="http://schemas.microsoft.com/office/drawing/2014/main" id="{0B19126C-3C00-CBF3-E739-BBEE10EEDFE0}"/>
+                <a16:creationId xmlns:a16="http://schemas.microsoft.com/office/drawing/2014/main" id="{88B8F090-F805-7BBA-C87B-726047F8CA95}"/>
               </a:ext>
             </a:extLst>
           </p:cNvPr>
@@ -7081,7 +7589,7 @@
           <a:p>
             <a:r>
               <a:rPr lang="en-US" dirty="0"/>
-              <a:t>Photon Statistics - 2</a:t>
+              <a:t>Photon Statistics -1</a:t>
             </a:r>
             <a:endParaRPr lang="en-CA" dirty="0"/>
           </a:p>
@@ -7092,7 +7600,7 @@
           <p:cNvPr id="3" name="Content Placeholder 2">
             <a:extLst>
               <a:ext uri="{FF2B5EF4-FFF2-40B4-BE49-F238E27FC236}">
-                <a16:creationId xmlns:a16="http://schemas.microsoft.com/office/drawing/2014/main" id="{E41687A5-B7BD-0CEC-C518-E52401597B64}"/>
+                <a16:creationId xmlns:a16="http://schemas.microsoft.com/office/drawing/2014/main" id="{063559A0-4B45-F8C7-0081-55D27932E047}"/>
               </a:ext>
             </a:extLst>
           </p:cNvPr>
@@ -7110,41 +7618,34 @@
           <a:p>
             <a:r>
               <a:rPr lang="en-US" dirty="0"/>
-              <a:t>Consider another toy model</a:t>
+              <a:t>Now that we know that these oscillations are in fact real and quantum in nature</a:t>
             </a:r>
           </a:p>
           <a:p>
             <a:r>
               <a:rPr lang="en-US" dirty="0"/>
-              <a:t>Beam of light of length L</a:t>
+              <a:t>We need a way to measure this</a:t>
             </a:r>
           </a:p>
           <a:p>
             <a:r>
               <a:rPr lang="en-US" dirty="0"/>
-              <a:t>Divide it into equal N segments</a:t>
+              <a:t>But we have no way to observe electron dynamics</a:t>
             </a:r>
           </a:p>
           <a:p>
             <a:r>
               <a:rPr lang="en-US" dirty="0"/>
-              <a:t>Then take that N out to infinity</a:t>
+              <a:t>However, we do have a way to measure their emissions – The Photon</a:t>
             </a:r>
           </a:p>
           <a:p>
             <a:r>
               <a:rPr lang="en-US" dirty="0"/>
-              <a:t>What we find is that all the segments do not contain photons, in fact very few of them do</a:t>
-            </a:r>
-          </a:p>
-          <a:p>
-            <a:pPr marL="0" indent="0">
-              <a:buNone/>
-            </a:pPr>
-            <a:r>
-              <a:rPr lang="en-US" dirty="0"/>
-              <a:t> </a:t>
-            </a:r>
+              <a:t>So, in order to paint a picture with photons, we need to understand a description of their nature, the statistical nature</a:t>
+            </a:r>
+          </a:p>
+          <a:p>
             <a:endParaRPr lang="en-CA" dirty="0"/>
           </a:p>
         </p:txBody>
@@ -7152,7 +7653,7 @@
     </p:spTree>
     <p:extLst>
       <p:ext uri="{BB962C8B-B14F-4D97-AF65-F5344CB8AC3E}">
-        <p14:creationId xmlns:p14="http://schemas.microsoft.com/office/powerpoint/2010/main" val="310527191"/>
+        <p14:creationId xmlns:p14="http://schemas.microsoft.com/office/powerpoint/2010/main" val="3630706665"/>
       </p:ext>
     </p:extLst>
   </p:cSld>
@@ -7184,7 +7685,7 @@
           <p:cNvPr id="2" name="Title 1">
             <a:extLst>
               <a:ext uri="{FF2B5EF4-FFF2-40B4-BE49-F238E27FC236}">
-                <a16:creationId xmlns:a16="http://schemas.microsoft.com/office/drawing/2014/main" id="{32558768-3A0B-D9E7-4D42-BBFDEE4C1855}"/>
+                <a16:creationId xmlns:a16="http://schemas.microsoft.com/office/drawing/2014/main" id="{0B19126C-3C00-CBF3-E739-BBEE10EEDFE0}"/>
               </a:ext>
             </a:extLst>
           </p:cNvPr>
@@ -7202,7 +7703,7 @@
           <a:p>
             <a:r>
               <a:rPr lang="en-US" dirty="0"/>
-              <a:t>Photon Statistics - 3</a:t>
+              <a:t>Photon Statistics - 2</a:t>
             </a:r>
             <a:endParaRPr lang="en-CA" dirty="0"/>
           </a:p>
@@ -7213,7 +7714,7 @@
           <p:cNvPr id="3" name="Content Placeholder 2">
             <a:extLst>
               <a:ext uri="{FF2B5EF4-FFF2-40B4-BE49-F238E27FC236}">
-                <a16:creationId xmlns:a16="http://schemas.microsoft.com/office/drawing/2014/main" id="{B31ADAC2-6C9C-CBB3-2E8A-08FFEF57F26B}"/>
+                <a16:creationId xmlns:a16="http://schemas.microsoft.com/office/drawing/2014/main" id="{E41687A5-B7BD-0CEC-C518-E52401597B64}"/>
               </a:ext>
             </a:extLst>
           </p:cNvPr>
@@ -7231,27 +7732,49 @@
           <a:p>
             <a:r>
               <a:rPr lang="en-US" dirty="0"/>
-              <a:t>We describe this mathematically using binomial theorem</a:t>
+              <a:t>Consider another toy model</a:t>
             </a:r>
           </a:p>
           <a:p>
             <a:r>
               <a:rPr lang="en-US" dirty="0"/>
-              <a:t>Using some approximations, we end up with the following equation</a:t>
-            </a:r>
-          </a:p>
-          <a:p>
-            <a:r>
-              <a:rPr lang="en-CA" dirty="0"/>
-              <a:t>Called Poissonian Distribution</a:t>
-            </a:r>
+              <a:t>Beam of light of length L</a:t>
+            </a:r>
+          </a:p>
+          <a:p>
+            <a:r>
+              <a:rPr lang="en-US" dirty="0"/>
+              <a:t>Divide it into equal N segments</a:t>
+            </a:r>
+          </a:p>
+          <a:p>
+            <a:r>
+              <a:rPr lang="en-US" dirty="0"/>
+              <a:t>Then take that N out to infinity</a:t>
+            </a:r>
+          </a:p>
+          <a:p>
+            <a:r>
+              <a:rPr lang="en-US" dirty="0"/>
+              <a:t>What we find is that all the segments do not contain photons, in fact very few of them do</a:t>
+            </a:r>
+          </a:p>
+          <a:p>
+            <a:pPr marL="0" indent="0">
+              <a:buNone/>
+            </a:pPr>
+            <a:r>
+              <a:rPr lang="en-US" dirty="0"/>
+              <a:t> </a:t>
+            </a:r>
+            <a:endParaRPr lang="en-CA" dirty="0"/>
           </a:p>
         </p:txBody>
       </p:sp>
     </p:spTree>
     <p:extLst>
       <p:ext uri="{BB962C8B-B14F-4D97-AF65-F5344CB8AC3E}">
-        <p14:creationId xmlns:p14="http://schemas.microsoft.com/office/powerpoint/2010/main" val="2548052457"/>
+        <p14:creationId xmlns:p14="http://schemas.microsoft.com/office/powerpoint/2010/main" val="310527191"/>
       </p:ext>
     </p:extLst>
   </p:cSld>
@@ -7283,7 +7806,7 @@
           <p:cNvPr id="2" name="Title 1">
             <a:extLst>
               <a:ext uri="{FF2B5EF4-FFF2-40B4-BE49-F238E27FC236}">
-                <a16:creationId xmlns:a16="http://schemas.microsoft.com/office/drawing/2014/main" id="{67AD98DC-F477-4224-93B3-53D99BAD14D1}"/>
+                <a16:creationId xmlns:a16="http://schemas.microsoft.com/office/drawing/2014/main" id="{32558768-3A0B-D9E7-4D42-BBFDEE4C1855}"/>
               </a:ext>
             </a:extLst>
           </p:cNvPr>
@@ -7301,7 +7824,7 @@
           <a:p>
             <a:r>
               <a:rPr lang="en-US" dirty="0"/>
-              <a:t>Photon Statistics - 4</a:t>
+              <a:t>Photon Statistics - 3</a:t>
             </a:r>
             <a:endParaRPr lang="en-CA" dirty="0"/>
           </a:p>
@@ -7312,7 +7835,7 @@
           <p:cNvPr id="3" name="Content Placeholder 2">
             <a:extLst>
               <a:ext uri="{FF2B5EF4-FFF2-40B4-BE49-F238E27FC236}">
-                <a16:creationId xmlns:a16="http://schemas.microsoft.com/office/drawing/2014/main" id="{3270072B-BA6B-1459-5874-16B66D798289}"/>
+                <a16:creationId xmlns:a16="http://schemas.microsoft.com/office/drawing/2014/main" id="{B31ADAC2-6C9C-CBB3-2E8A-08FFEF57F26B}"/>
               </a:ext>
             </a:extLst>
           </p:cNvPr>
@@ -7330,30 +7853,27 @@
           <a:p>
             <a:r>
               <a:rPr lang="en-US" dirty="0"/>
-              <a:t>3 Types of Poissonian Distribution characterized by relationship between standard deviation and mean</a:t>
+              <a:t>We describe this mathematically using binomial theorem</a:t>
             </a:r>
           </a:p>
           <a:p>
             <a:r>
               <a:rPr lang="en-US" dirty="0"/>
-              <a:t>Focus on sub-Poissonian distribution</a:t>
-            </a:r>
-          </a:p>
-          <a:p>
-            <a:r>
-              <a:rPr lang="en-US" dirty="0"/>
-              <a:t>Under idealized considerations, there is a photon in every segment of a beam – something akin to deterministic light</a:t>
-            </a:r>
-          </a:p>
-          <a:p>
-            <a:endParaRPr lang="en-CA" dirty="0"/>
+              <a:t>Using some approximations, we end up with the following equation</a:t>
+            </a:r>
+          </a:p>
+          <a:p>
+            <a:r>
+              <a:rPr lang="en-CA" dirty="0"/>
+              <a:t>Called Poissonian Distribution</a:t>
+            </a:r>
           </a:p>
         </p:txBody>
       </p:sp>
     </p:spTree>
     <p:extLst>
       <p:ext uri="{BB962C8B-B14F-4D97-AF65-F5344CB8AC3E}">
-        <p14:creationId xmlns:p14="http://schemas.microsoft.com/office/powerpoint/2010/main" val="2289481558"/>
+        <p14:creationId xmlns:p14="http://schemas.microsoft.com/office/powerpoint/2010/main" val="2548052457"/>
       </p:ext>
     </p:extLst>
   </p:cSld>
@@ -7385,7 +7905,7 @@
           <p:cNvPr id="2" name="Title 1">
             <a:extLst>
               <a:ext uri="{FF2B5EF4-FFF2-40B4-BE49-F238E27FC236}">
-                <a16:creationId xmlns:a16="http://schemas.microsoft.com/office/drawing/2014/main" id="{58C0E469-BDD9-463C-8EDB-C0A91B56AEDE}"/>
+                <a16:creationId xmlns:a16="http://schemas.microsoft.com/office/drawing/2014/main" id="{67AD98DC-F477-4224-93B3-53D99BAD14D1}"/>
               </a:ext>
             </a:extLst>
           </p:cNvPr>
@@ -7403,7 +7923,7 @@
           <a:p>
             <a:r>
               <a:rPr lang="en-US" dirty="0"/>
-              <a:t>Photon Statistics and the Quantum Dot</a:t>
+              <a:t>Photon Statistics - 4</a:t>
             </a:r>
             <a:endParaRPr lang="en-CA" dirty="0"/>
           </a:p>
@@ -7414,7 +7934,7 @@
           <p:cNvPr id="3" name="Content Placeholder 2">
             <a:extLst>
               <a:ext uri="{FF2B5EF4-FFF2-40B4-BE49-F238E27FC236}">
-                <a16:creationId xmlns:a16="http://schemas.microsoft.com/office/drawing/2014/main" id="{2C0E6307-A55C-1EFE-25A0-FD98CE89470D}"/>
+                <a16:creationId xmlns:a16="http://schemas.microsoft.com/office/drawing/2014/main" id="{3270072B-BA6B-1459-5874-16B66D798289}"/>
               </a:ext>
             </a:extLst>
           </p:cNvPr>
@@ -7432,35 +7952,22 @@
           <a:p>
             <a:r>
               <a:rPr lang="en-US" dirty="0"/>
-              <a:t>Theoretically, there is efficiency greater than that of SPDC </a:t>
-            </a:r>
-          </a:p>
-          <a:p>
-            <a:endParaRPr lang="en-US" dirty="0"/>
+              <a:t>3 Types of Poissonian Distribution characterized by relationship between standard deviation and mean</a:t>
+            </a:r>
           </a:p>
           <a:p>
             <a:r>
               <a:rPr lang="en-US" dirty="0"/>
-              <a:t>4 classes of sub-Poissonian light</a:t>
-            </a:r>
-          </a:p>
-          <a:p>
-            <a:endParaRPr lang="en-US" dirty="0"/>
+              <a:t>Focus on sub-Poissonian distribution</a:t>
+            </a:r>
           </a:p>
           <a:p>
             <a:r>
               <a:rPr lang="en-US" dirty="0"/>
-              <a:t>Our focus will be the second in which the atom actively takes energy from and external source </a:t>
-            </a:r>
-          </a:p>
-          <a:p>
-            <a:endParaRPr lang="en-US" dirty="0"/>
-          </a:p>
-          <a:p>
-            <a:r>
-              <a:rPr lang="en-US" dirty="0"/>
-              <a:t>In particular, we will focus on the Quantum Dot </a:t>
-            </a:r>
+              <a:t>Under idealized considerations, there is a photon in every segment of a beam – something akin to deterministic light</a:t>
+            </a:r>
+          </a:p>
+          <a:p>
             <a:endParaRPr lang="en-CA" dirty="0"/>
           </a:p>
         </p:txBody>
@@ -7468,7 +7975,7 @@
     </p:spTree>
     <p:extLst>
       <p:ext uri="{BB962C8B-B14F-4D97-AF65-F5344CB8AC3E}">
-        <p14:creationId xmlns:p14="http://schemas.microsoft.com/office/powerpoint/2010/main" val="4137704890"/>
+        <p14:creationId xmlns:p14="http://schemas.microsoft.com/office/powerpoint/2010/main" val="2289481558"/>
       </p:ext>
     </p:extLst>
   </p:cSld>
@@ -7500,7 +8007,7 @@
           <p:cNvPr id="2" name="Title 1">
             <a:extLst>
               <a:ext uri="{FF2B5EF4-FFF2-40B4-BE49-F238E27FC236}">
-                <a16:creationId xmlns:a16="http://schemas.microsoft.com/office/drawing/2014/main" id="{0BC97A25-B0D2-46BC-A4A2-2A3CF17619C6}"/>
+                <a16:creationId xmlns:a16="http://schemas.microsoft.com/office/drawing/2014/main" id="{58C0E469-BDD9-463C-8EDB-C0A91B56AEDE}"/>
               </a:ext>
             </a:extLst>
           </p:cNvPr>
@@ -7518,7 +8025,7 @@
           <a:p>
             <a:r>
               <a:rPr lang="en-US" dirty="0"/>
-              <a:t>The Quantum Dot - Benefits</a:t>
+              <a:t>Photon Statistics and the Quantum Dot</a:t>
             </a:r>
             <a:endParaRPr lang="en-CA" dirty="0"/>
           </a:p>
@@ -7529,7 +8036,7 @@
           <p:cNvPr id="3" name="Content Placeholder 2">
             <a:extLst>
               <a:ext uri="{FF2B5EF4-FFF2-40B4-BE49-F238E27FC236}">
-                <a16:creationId xmlns:a16="http://schemas.microsoft.com/office/drawing/2014/main" id="{1E0F2D7E-48CA-208B-33BE-644C6FF96592}"/>
+                <a16:creationId xmlns:a16="http://schemas.microsoft.com/office/drawing/2014/main" id="{2C0E6307-A55C-1EFE-25A0-FD98CE89470D}"/>
               </a:ext>
             </a:extLst>
           </p:cNvPr>
@@ -7547,175 +8054,35 @@
           <a:p>
             <a:r>
               <a:rPr lang="en-US" dirty="0"/>
-              <a:t>Quantum Dot has the following benefits</a:t>
-            </a:r>
-          </a:p>
-          <a:p>
-            <a:pPr marL="635508" lvl="1" indent="-342900" algn="just">
-              <a:lnSpc>
-                <a:spcPct val="200000"/>
-              </a:lnSpc>
-              <a:spcBef>
-                <a:spcPts val="420"/>
-              </a:spcBef>
-              <a:spcAft>
-                <a:spcPts val="420"/>
-              </a:spcAft>
-              <a:buFont typeface="+mj-lt"/>
-              <a:buAutoNum type="arabicPeriod"/>
-            </a:pPr>
-            <a:r>
-              <a:rPr lang="en-CA" sz="1600" dirty="0">
-                <a:solidFill>
-                  <a:srgbClr val="242424"/>
-                </a:solidFill>
-                <a:effectLst/>
-                <a:latin typeface="Times New Roman" panose="02020603050405020304" pitchFamily="18" charset="0"/>
-                <a:ea typeface="Times New Roman" panose="02020603050405020304" pitchFamily="18" charset="0"/>
-                <a:cs typeface="Times New Roman" panose="02020603050405020304" pitchFamily="18" charset="0"/>
-              </a:rPr>
-              <a:t>On-demand/deterministic generation of single photons or entangled photons</a:t>
-            </a:r>
-            <a:endParaRPr lang="en-CA" sz="1600" dirty="0">
-              <a:effectLst/>
-              <a:latin typeface="Times New Roman" panose="02020603050405020304" pitchFamily="18" charset="0"/>
-              <a:ea typeface="Calibri" panose="020F0502020204030204" pitchFamily="34" charset="0"/>
-              <a:cs typeface="Times New Roman" panose="02020603050405020304" pitchFamily="18" charset="0"/>
-            </a:endParaRPr>
-          </a:p>
-          <a:p>
-            <a:pPr marL="635508" lvl="1" indent="-342900" algn="just">
-              <a:lnSpc>
-                <a:spcPct val="200000"/>
-              </a:lnSpc>
-              <a:spcBef>
-                <a:spcPts val="420"/>
-              </a:spcBef>
-              <a:spcAft>
-                <a:spcPts val="420"/>
-              </a:spcAft>
-              <a:buFont typeface="+mj-lt"/>
-              <a:buAutoNum type="arabicPeriod"/>
-            </a:pPr>
-            <a:r>
-              <a:rPr lang="en-CA" sz="1600" dirty="0">
-                <a:solidFill>
-                  <a:srgbClr val="242424"/>
-                </a:solidFill>
-                <a:effectLst/>
-                <a:latin typeface="Times New Roman" panose="02020603050405020304" pitchFamily="18" charset="0"/>
-                <a:ea typeface="Times New Roman" panose="02020603050405020304" pitchFamily="18" charset="0"/>
-                <a:cs typeface="Times New Roman" panose="02020603050405020304" pitchFamily="18" charset="0"/>
-              </a:rPr>
-              <a:t>Low multi-photon emission probabilities </a:t>
-            </a:r>
-            <a:endParaRPr lang="en-CA" sz="1600" dirty="0">
-              <a:effectLst/>
-              <a:latin typeface="Times New Roman" panose="02020603050405020304" pitchFamily="18" charset="0"/>
-              <a:ea typeface="Calibri" panose="020F0502020204030204" pitchFamily="34" charset="0"/>
-              <a:cs typeface="Times New Roman" panose="02020603050405020304" pitchFamily="18" charset="0"/>
-            </a:endParaRPr>
-          </a:p>
-          <a:p>
-            <a:pPr marL="635508" lvl="1" indent="-342900" algn="just">
-              <a:lnSpc>
-                <a:spcPct val="200000"/>
-              </a:lnSpc>
-              <a:spcBef>
-                <a:spcPts val="420"/>
-              </a:spcBef>
-              <a:spcAft>
-                <a:spcPts val="420"/>
-              </a:spcAft>
-              <a:buFont typeface="+mj-lt"/>
-              <a:buAutoNum type="arabicPeriod"/>
-            </a:pPr>
-            <a:r>
-              <a:rPr lang="en-CA" sz="1600" dirty="0">
-                <a:solidFill>
-                  <a:srgbClr val="242424"/>
-                </a:solidFill>
-                <a:effectLst/>
-                <a:latin typeface="Times New Roman" panose="02020603050405020304" pitchFamily="18" charset="0"/>
-                <a:ea typeface="Times New Roman" panose="02020603050405020304" pitchFamily="18" charset="0"/>
-                <a:cs typeface="Times New Roman" panose="02020603050405020304" pitchFamily="18" charset="0"/>
-              </a:rPr>
-              <a:t>High photon flux </a:t>
-            </a:r>
-            <a:endParaRPr lang="en-CA" sz="1600" dirty="0">
-              <a:effectLst/>
-              <a:latin typeface="Times New Roman" panose="02020603050405020304" pitchFamily="18" charset="0"/>
-              <a:ea typeface="Calibri" panose="020F0502020204030204" pitchFamily="34" charset="0"/>
-              <a:cs typeface="Times New Roman" panose="02020603050405020304" pitchFamily="18" charset="0"/>
-            </a:endParaRPr>
-          </a:p>
-          <a:p>
-            <a:pPr marL="635508" lvl="1" indent="-342900" algn="just">
-              <a:lnSpc>
-                <a:spcPct val="200000"/>
-              </a:lnSpc>
-              <a:spcBef>
-                <a:spcPts val="420"/>
-              </a:spcBef>
-              <a:spcAft>
-                <a:spcPts val="420"/>
-              </a:spcAft>
-              <a:buFont typeface="+mj-lt"/>
-              <a:buAutoNum type="arabicPeriod"/>
-            </a:pPr>
-            <a:r>
-              <a:rPr lang="en-CA" sz="1600" dirty="0">
-                <a:solidFill>
-                  <a:srgbClr val="242424"/>
-                </a:solidFill>
-                <a:effectLst/>
-                <a:latin typeface="Times New Roman" panose="02020603050405020304" pitchFamily="18" charset="0"/>
-                <a:ea typeface="Times New Roman" panose="02020603050405020304" pitchFamily="18" charset="0"/>
-                <a:cs typeface="Times New Roman" panose="02020603050405020304" pitchFamily="18" charset="0"/>
-              </a:rPr>
-              <a:t>Emit indistinguishable photons</a:t>
-            </a:r>
-            <a:endParaRPr lang="en-CA" sz="1600" dirty="0">
-              <a:effectLst/>
-              <a:latin typeface="Times New Roman" panose="02020603050405020304" pitchFamily="18" charset="0"/>
-              <a:ea typeface="Calibri" panose="020F0502020204030204" pitchFamily="34" charset="0"/>
-              <a:cs typeface="Times New Roman" panose="02020603050405020304" pitchFamily="18" charset="0"/>
-            </a:endParaRPr>
-          </a:p>
-          <a:p>
-            <a:pPr marL="635508" lvl="1" indent="-342900" algn="just">
-              <a:lnSpc>
-                <a:spcPct val="200000"/>
-              </a:lnSpc>
-              <a:spcBef>
-                <a:spcPts val="420"/>
-              </a:spcBef>
-              <a:spcAft>
-                <a:spcPts val="420"/>
-              </a:spcAft>
-              <a:buFont typeface="+mj-lt"/>
-              <a:buAutoNum type="arabicPeriod"/>
-            </a:pPr>
-            <a:r>
-              <a:rPr lang="en-CA" sz="1600" dirty="0">
-                <a:solidFill>
-                  <a:srgbClr val="242424"/>
-                </a:solidFill>
-                <a:effectLst/>
-                <a:latin typeface="Times New Roman" panose="02020603050405020304" pitchFamily="18" charset="0"/>
-                <a:ea typeface="Times New Roman" panose="02020603050405020304" pitchFamily="18" charset="0"/>
-                <a:cs typeface="Times New Roman" panose="02020603050405020304" pitchFamily="18" charset="0"/>
-              </a:rPr>
-              <a:t>Numerous tuning mechanisms </a:t>
-            </a:r>
-            <a:endParaRPr lang="en-CA" sz="1600" dirty="0">
-              <a:effectLst/>
-              <a:latin typeface="Times New Roman" panose="02020603050405020304" pitchFamily="18" charset="0"/>
-              <a:ea typeface="Calibri" panose="020F0502020204030204" pitchFamily="34" charset="0"/>
-              <a:cs typeface="Times New Roman" panose="02020603050405020304" pitchFamily="18" charset="0"/>
-            </a:endParaRPr>
-          </a:p>
-          <a:p>
+              <a:t>Theoretically, there is efficiency greater than that of SPDC </a:t>
+            </a:r>
+          </a:p>
+          <a:p>
+            <a:endParaRPr lang="en-US" dirty="0"/>
+          </a:p>
+          <a:p>
+            <a:r>
+              <a:rPr lang="en-US" dirty="0"/>
+              <a:t>4 classes of sub-Poissonian light</a:t>
+            </a:r>
+          </a:p>
+          <a:p>
+            <a:endParaRPr lang="en-US" dirty="0"/>
+          </a:p>
+          <a:p>
+            <a:r>
+              <a:rPr lang="en-US" dirty="0"/>
+              <a:t>Our focus will be the second in which the atom actively takes energy from and external source </a:t>
+            </a:r>
+          </a:p>
+          <a:p>
+            <a:endParaRPr lang="en-US" dirty="0"/>
+          </a:p>
+          <a:p>
+            <a:r>
+              <a:rPr lang="en-US" dirty="0"/>
+              <a:t>In particular, we will focus on the Quantum Dot </a:t>
+            </a:r>
             <a:endParaRPr lang="en-CA" dirty="0"/>
           </a:p>
         </p:txBody>
@@ -7723,7 +8090,7 @@
     </p:spTree>
     <p:extLst>
       <p:ext uri="{BB962C8B-B14F-4D97-AF65-F5344CB8AC3E}">
-        <p14:creationId xmlns:p14="http://schemas.microsoft.com/office/powerpoint/2010/main" val="2628501967"/>
+        <p14:creationId xmlns:p14="http://schemas.microsoft.com/office/powerpoint/2010/main" val="4137704890"/>
       </p:ext>
     </p:extLst>
   </p:cSld>
@@ -7755,7 +8122,7 @@
           <p:cNvPr id="2" name="Title 1">
             <a:extLst>
               <a:ext uri="{FF2B5EF4-FFF2-40B4-BE49-F238E27FC236}">
-                <a16:creationId xmlns:a16="http://schemas.microsoft.com/office/drawing/2014/main" id="{D02AE31E-39DB-3608-DEC4-3D40517D9160}"/>
+                <a16:creationId xmlns:a16="http://schemas.microsoft.com/office/drawing/2014/main" id="{0BC97A25-B0D2-46BC-A4A2-2A3CF17619C6}"/>
               </a:ext>
             </a:extLst>
           </p:cNvPr>
@@ -7773,7 +8140,7 @@
           <a:p>
             <a:r>
               <a:rPr lang="en-US" dirty="0"/>
-              <a:t>The Quantum Dot – Structure </a:t>
+              <a:t>The Quantum Dot - Benefits</a:t>
             </a:r>
             <a:endParaRPr lang="en-CA" dirty="0"/>
           </a:p>
@@ -7784,7 +8151,7 @@
           <p:cNvPr id="3" name="Content Placeholder 2">
             <a:extLst>
               <a:ext uri="{FF2B5EF4-FFF2-40B4-BE49-F238E27FC236}">
-                <a16:creationId xmlns:a16="http://schemas.microsoft.com/office/drawing/2014/main" id="{F5787DDE-8128-7032-4807-00360B2087F7}"/>
+                <a16:creationId xmlns:a16="http://schemas.microsoft.com/office/drawing/2014/main" id="{1E0F2D7E-48CA-208B-33BE-644C6FF96592}"/>
               </a:ext>
             </a:extLst>
           </p:cNvPr>
@@ -7802,49 +8169,183 @@
           <a:p>
             <a:r>
               <a:rPr lang="en-US" dirty="0"/>
-              <a:t>Semi-conductor coated by another substance</a:t>
-            </a:r>
-          </a:p>
-          <a:p>
-            <a:pPr lvl="1"/>
-            <a:r>
-              <a:rPr lang="en-US" dirty="0"/>
-              <a:t>Reimer group quantum dot is </a:t>
-            </a:r>
-            <a:r>
-              <a:rPr lang="en-US" dirty="0" err="1"/>
-              <a:t>InP-InAsP</a:t>
-            </a:r>
-            <a:r>
-              <a:rPr lang="en-US" dirty="0"/>
-              <a:t>, a III-V semi-conductor</a:t>
-            </a:r>
-          </a:p>
-          <a:p>
-            <a:r>
-              <a:rPr lang="en-US" dirty="0"/>
-              <a:t>The other substance must have bandgap that is higher than the optically active quantum dot</a:t>
-            </a:r>
-          </a:p>
-          <a:p>
-            <a:r>
-              <a:rPr lang="en-US" dirty="0"/>
-              <a:t>Creates a confining potential </a:t>
-            </a:r>
-          </a:p>
-          <a:p>
-            <a:r>
-              <a:rPr lang="en-CA" dirty="0"/>
-              <a:t>If you remember from Quantum Harmonic Oscillator model, this creates a spectrum of bound states</a:t>
-            </a:r>
-            <a:endParaRPr lang="en-US" dirty="0"/>
+              <a:t>Quantum Dot has the following benefits</a:t>
+            </a:r>
+          </a:p>
+          <a:p>
+            <a:pPr marL="635508" lvl="1" indent="-342900" algn="just">
+              <a:lnSpc>
+                <a:spcPct val="200000"/>
+              </a:lnSpc>
+              <a:spcBef>
+                <a:spcPts val="420"/>
+              </a:spcBef>
+              <a:spcAft>
+                <a:spcPts val="420"/>
+              </a:spcAft>
+              <a:buFont typeface="+mj-lt"/>
+              <a:buAutoNum type="arabicPeriod"/>
+            </a:pPr>
+            <a:r>
+              <a:rPr lang="en-CA" sz="1600" dirty="0">
+                <a:solidFill>
+                  <a:srgbClr val="242424"/>
+                </a:solidFill>
+                <a:effectLst/>
+                <a:latin typeface="Times New Roman" panose="02020603050405020304" pitchFamily="18" charset="0"/>
+                <a:ea typeface="Times New Roman" panose="02020603050405020304" pitchFamily="18" charset="0"/>
+                <a:cs typeface="Times New Roman" panose="02020603050405020304" pitchFamily="18" charset="0"/>
+              </a:rPr>
+              <a:t>On-demand/deterministic generation of single photons or entangled photons</a:t>
+            </a:r>
+            <a:endParaRPr lang="en-CA" sz="1600" dirty="0">
+              <a:effectLst/>
+              <a:latin typeface="Times New Roman" panose="02020603050405020304" pitchFamily="18" charset="0"/>
+              <a:ea typeface="Calibri" panose="020F0502020204030204" pitchFamily="34" charset="0"/>
+              <a:cs typeface="Times New Roman" panose="02020603050405020304" pitchFamily="18" charset="0"/>
+            </a:endParaRPr>
+          </a:p>
+          <a:p>
+            <a:pPr marL="635508" lvl="1" indent="-342900" algn="just">
+              <a:lnSpc>
+                <a:spcPct val="200000"/>
+              </a:lnSpc>
+              <a:spcBef>
+                <a:spcPts val="420"/>
+              </a:spcBef>
+              <a:spcAft>
+                <a:spcPts val="420"/>
+              </a:spcAft>
+              <a:buFont typeface="+mj-lt"/>
+              <a:buAutoNum type="arabicPeriod"/>
+            </a:pPr>
+            <a:r>
+              <a:rPr lang="en-CA" sz="1600" dirty="0">
+                <a:solidFill>
+                  <a:srgbClr val="242424"/>
+                </a:solidFill>
+                <a:effectLst/>
+                <a:latin typeface="Times New Roman" panose="02020603050405020304" pitchFamily="18" charset="0"/>
+                <a:ea typeface="Times New Roman" panose="02020603050405020304" pitchFamily="18" charset="0"/>
+                <a:cs typeface="Times New Roman" panose="02020603050405020304" pitchFamily="18" charset="0"/>
+              </a:rPr>
+              <a:t>Low multi-photon emission probabilities </a:t>
+            </a:r>
+            <a:endParaRPr lang="en-CA" sz="1600" dirty="0">
+              <a:effectLst/>
+              <a:latin typeface="Times New Roman" panose="02020603050405020304" pitchFamily="18" charset="0"/>
+              <a:ea typeface="Calibri" panose="020F0502020204030204" pitchFamily="34" charset="0"/>
+              <a:cs typeface="Times New Roman" panose="02020603050405020304" pitchFamily="18" charset="0"/>
+            </a:endParaRPr>
+          </a:p>
+          <a:p>
+            <a:pPr marL="635508" lvl="1" indent="-342900" algn="just">
+              <a:lnSpc>
+                <a:spcPct val="200000"/>
+              </a:lnSpc>
+              <a:spcBef>
+                <a:spcPts val="420"/>
+              </a:spcBef>
+              <a:spcAft>
+                <a:spcPts val="420"/>
+              </a:spcAft>
+              <a:buFont typeface="+mj-lt"/>
+              <a:buAutoNum type="arabicPeriod"/>
+            </a:pPr>
+            <a:r>
+              <a:rPr lang="en-CA" sz="1600" dirty="0">
+                <a:solidFill>
+                  <a:srgbClr val="242424"/>
+                </a:solidFill>
+                <a:effectLst/>
+                <a:latin typeface="Times New Roman" panose="02020603050405020304" pitchFamily="18" charset="0"/>
+                <a:ea typeface="Times New Roman" panose="02020603050405020304" pitchFamily="18" charset="0"/>
+                <a:cs typeface="Times New Roman" panose="02020603050405020304" pitchFamily="18" charset="0"/>
+              </a:rPr>
+              <a:t>High photon flux </a:t>
+            </a:r>
+            <a:endParaRPr lang="en-CA" sz="1600" dirty="0">
+              <a:effectLst/>
+              <a:latin typeface="Times New Roman" panose="02020603050405020304" pitchFamily="18" charset="0"/>
+              <a:ea typeface="Calibri" panose="020F0502020204030204" pitchFamily="34" charset="0"/>
+              <a:cs typeface="Times New Roman" panose="02020603050405020304" pitchFamily="18" charset="0"/>
+            </a:endParaRPr>
+          </a:p>
+          <a:p>
+            <a:pPr marL="635508" lvl="1" indent="-342900" algn="just">
+              <a:lnSpc>
+                <a:spcPct val="200000"/>
+              </a:lnSpc>
+              <a:spcBef>
+                <a:spcPts val="420"/>
+              </a:spcBef>
+              <a:spcAft>
+                <a:spcPts val="420"/>
+              </a:spcAft>
+              <a:buFont typeface="+mj-lt"/>
+              <a:buAutoNum type="arabicPeriod"/>
+            </a:pPr>
+            <a:r>
+              <a:rPr lang="en-CA" sz="1600" dirty="0">
+                <a:solidFill>
+                  <a:srgbClr val="242424"/>
+                </a:solidFill>
+                <a:effectLst/>
+                <a:latin typeface="Times New Roman" panose="02020603050405020304" pitchFamily="18" charset="0"/>
+                <a:ea typeface="Times New Roman" panose="02020603050405020304" pitchFamily="18" charset="0"/>
+                <a:cs typeface="Times New Roman" panose="02020603050405020304" pitchFamily="18" charset="0"/>
+              </a:rPr>
+              <a:t>Emit indistinguishable photons</a:t>
+            </a:r>
+            <a:endParaRPr lang="en-CA" sz="1600" dirty="0">
+              <a:effectLst/>
+              <a:latin typeface="Times New Roman" panose="02020603050405020304" pitchFamily="18" charset="0"/>
+              <a:ea typeface="Calibri" panose="020F0502020204030204" pitchFamily="34" charset="0"/>
+              <a:cs typeface="Times New Roman" panose="02020603050405020304" pitchFamily="18" charset="0"/>
+            </a:endParaRPr>
+          </a:p>
+          <a:p>
+            <a:pPr marL="635508" lvl="1" indent="-342900" algn="just">
+              <a:lnSpc>
+                <a:spcPct val="200000"/>
+              </a:lnSpc>
+              <a:spcBef>
+                <a:spcPts val="420"/>
+              </a:spcBef>
+              <a:spcAft>
+                <a:spcPts val="420"/>
+              </a:spcAft>
+              <a:buFont typeface="+mj-lt"/>
+              <a:buAutoNum type="arabicPeriod"/>
+            </a:pPr>
+            <a:r>
+              <a:rPr lang="en-CA" sz="1600" dirty="0">
+                <a:solidFill>
+                  <a:srgbClr val="242424"/>
+                </a:solidFill>
+                <a:effectLst/>
+                <a:latin typeface="Times New Roman" panose="02020603050405020304" pitchFamily="18" charset="0"/>
+                <a:ea typeface="Times New Roman" panose="02020603050405020304" pitchFamily="18" charset="0"/>
+                <a:cs typeface="Times New Roman" panose="02020603050405020304" pitchFamily="18" charset="0"/>
+              </a:rPr>
+              <a:t>Numerous tuning mechanisms </a:t>
+            </a:r>
+            <a:endParaRPr lang="en-CA" sz="1600" dirty="0">
+              <a:effectLst/>
+              <a:latin typeface="Times New Roman" panose="02020603050405020304" pitchFamily="18" charset="0"/>
+              <a:ea typeface="Calibri" panose="020F0502020204030204" pitchFamily="34" charset="0"/>
+              <a:cs typeface="Times New Roman" panose="02020603050405020304" pitchFamily="18" charset="0"/>
+            </a:endParaRPr>
+          </a:p>
+          <a:p>
+            <a:endParaRPr lang="en-CA" dirty="0"/>
           </a:p>
         </p:txBody>
       </p:sp>
     </p:spTree>
     <p:extLst>
       <p:ext uri="{BB962C8B-B14F-4D97-AF65-F5344CB8AC3E}">
-        <p14:creationId xmlns:p14="http://schemas.microsoft.com/office/powerpoint/2010/main" val="3679978325"/>
+        <p14:creationId xmlns:p14="http://schemas.microsoft.com/office/powerpoint/2010/main" val="2628501967"/>
       </p:ext>
     </p:extLst>
   </p:cSld>
@@ -7876,7 +8377,7 @@
           <p:cNvPr id="2" name="Title 1">
             <a:extLst>
               <a:ext uri="{FF2B5EF4-FFF2-40B4-BE49-F238E27FC236}">
-                <a16:creationId xmlns:a16="http://schemas.microsoft.com/office/drawing/2014/main" id="{E94E4CE2-5B0F-D298-C706-4390D8B038D1}"/>
+                <a16:creationId xmlns:a16="http://schemas.microsoft.com/office/drawing/2014/main" id="{D02AE31E-39DB-3608-DEC4-3D40517D9160}"/>
               </a:ext>
             </a:extLst>
           </p:cNvPr>
@@ -7887,19 +8388,14 @@
             <p:ph type="title"/>
           </p:nvPr>
         </p:nvSpPr>
-        <p:spPr>
-          <a:xfrm>
-            <a:off x="895739" y="286603"/>
-            <a:ext cx="10456505" cy="1450757"/>
-          </a:xfrm>
-        </p:spPr>
+        <p:spPr/>
         <p:txBody>
           <a:bodyPr/>
           <a:lstStyle/>
           <a:p>
             <a:r>
               <a:rPr lang="en-US" dirty="0"/>
-              <a:t>The Quantum Dot – Mechanism - 1</a:t>
+              <a:t>The Quantum Dot – Structure </a:t>
             </a:r>
             <a:endParaRPr lang="en-CA" dirty="0"/>
           </a:p>
@@ -7910,7 +8406,7 @@
           <p:cNvPr id="3" name="Content Placeholder 2">
             <a:extLst>
               <a:ext uri="{FF2B5EF4-FFF2-40B4-BE49-F238E27FC236}">
-                <a16:creationId xmlns:a16="http://schemas.microsoft.com/office/drawing/2014/main" id="{6300EF3B-CDF3-AAF7-23C3-84394C13412B}"/>
+                <a16:creationId xmlns:a16="http://schemas.microsoft.com/office/drawing/2014/main" id="{F5787DDE-8128-7032-4807-00360B2087F7}"/>
               </a:ext>
             </a:extLst>
           </p:cNvPr>
@@ -7923,62 +8419,54 @@
         </p:nvSpPr>
         <p:spPr/>
         <p:txBody>
-          <a:bodyPr>
-            <a:normAutofit/>
-          </a:bodyPr>
+          <a:bodyPr/>
           <a:lstStyle/>
           <a:p>
             <a:r>
               <a:rPr lang="en-US" dirty="0"/>
-              <a:t>Any solid is characterized with:</a:t>
+              <a:t>Semi-conductor coated by another substance</a:t>
             </a:r>
           </a:p>
           <a:p>
             <a:pPr lvl="1"/>
             <a:r>
               <a:rPr lang="en-US" dirty="0"/>
-              <a:t>A valence band – wherein electrons are bound to the atom</a:t>
-            </a:r>
-          </a:p>
-          <a:p>
-            <a:pPr lvl="1"/>
+              <a:t>Reimer group quantum dot is </a:t>
+            </a:r>
+            <a:r>
+              <a:rPr lang="en-US" dirty="0" err="1"/>
+              <a:t>InP-InAsP</a:t>
+            </a:r>
             <a:r>
               <a:rPr lang="en-US" dirty="0"/>
-              <a:t>A conduction band – wherein the electrons are excited and free</a:t>
-            </a:r>
-          </a:p>
-          <a:p>
-            <a:pPr lvl="1"/>
+              <a:t>, a III-V semi-conductor</a:t>
+            </a:r>
+          </a:p>
+          <a:p>
             <a:r>
               <a:rPr lang="en-US" dirty="0"/>
-              <a:t>And a bandgap is an intermediate section that has no electronic states</a:t>
-            </a:r>
-            <a:endParaRPr lang="en-CA" dirty="0"/>
-          </a:p>
-          <a:p>
-            <a:pPr marL="0" indent="0">
-              <a:buNone/>
-            </a:pPr>
+              <a:t>The other substance must have bandgap that is higher than the optically active quantum dot</a:t>
+            </a:r>
+          </a:p>
+          <a:p>
+            <a:r>
+              <a:rPr lang="en-US" dirty="0"/>
+              <a:t>Creates a confining potential </a:t>
+            </a:r>
+          </a:p>
+          <a:p>
             <a:r>
               <a:rPr lang="en-CA" dirty="0"/>
-              <a:t>Upon excitation the electron moves to the excited state and leaves behind an oppositely charged hole </a:t>
-            </a:r>
-          </a:p>
-          <a:p>
-            <a:pPr marL="0" indent="0">
-              <a:buNone/>
-            </a:pPr>
-            <a:r>
-              <a:rPr lang="en-CA" dirty="0"/>
-              <a:t>Upon de-excitation the electron recombines with the hole to emit a photon – Radiative Recombination</a:t>
-            </a:r>
+              <a:t>If you remember from Quantum Harmonic Oscillator model, this creates a spectrum of bound states</a:t>
+            </a:r>
+            <a:endParaRPr lang="en-US" dirty="0"/>
           </a:p>
         </p:txBody>
       </p:sp>
     </p:spTree>
     <p:extLst>
       <p:ext uri="{BB962C8B-B14F-4D97-AF65-F5344CB8AC3E}">
-        <p14:creationId xmlns:p14="http://schemas.microsoft.com/office/powerpoint/2010/main" val="3049362793"/>
+        <p14:creationId xmlns:p14="http://schemas.microsoft.com/office/powerpoint/2010/main" val="3679978325"/>
       </p:ext>
     </p:extLst>
   </p:cSld>
@@ -8010,7 +8498,7 @@
           <p:cNvPr id="2" name="Title 1">
             <a:extLst>
               <a:ext uri="{FF2B5EF4-FFF2-40B4-BE49-F238E27FC236}">
-                <a16:creationId xmlns:a16="http://schemas.microsoft.com/office/drawing/2014/main" id="{8C38ED2F-ED41-B26C-2B44-0AC37802DCEB}"/>
+                <a16:creationId xmlns:a16="http://schemas.microsoft.com/office/drawing/2014/main" id="{E94E4CE2-5B0F-D298-C706-4390D8B038D1}"/>
               </a:ext>
             </a:extLst>
           </p:cNvPr>
@@ -8023,8 +8511,8 @@
         </p:nvSpPr>
         <p:spPr>
           <a:xfrm>
-            <a:off x="802433" y="286603"/>
-            <a:ext cx="10549812" cy="1450757"/>
+            <a:off x="895739" y="286603"/>
+            <a:ext cx="10456505" cy="1450757"/>
           </a:xfrm>
         </p:spPr>
         <p:txBody>
@@ -8033,7 +8521,7 @@
           <a:p>
             <a:r>
               <a:rPr lang="en-US" dirty="0"/>
-              <a:t>The Quantum Dot – Mechanism - 2</a:t>
+              <a:t>The Quantum Dot – Mechanism - 1</a:t>
             </a:r>
             <a:endParaRPr lang="en-CA" dirty="0"/>
           </a:p>
@@ -8044,7 +8532,7 @@
           <p:cNvPr id="3" name="Content Placeholder 2">
             <a:extLst>
               <a:ext uri="{FF2B5EF4-FFF2-40B4-BE49-F238E27FC236}">
-                <a16:creationId xmlns:a16="http://schemas.microsoft.com/office/drawing/2014/main" id="{9E8F1B62-A7B2-1B77-0927-B75BD30F76DA}"/>
+                <a16:creationId xmlns:a16="http://schemas.microsoft.com/office/drawing/2014/main" id="{6300EF3B-CDF3-AAF7-23C3-84394C13412B}"/>
               </a:ext>
             </a:extLst>
           </p:cNvPr>
@@ -8057,72 +8545,62 @@
         </p:nvSpPr>
         <p:spPr/>
         <p:txBody>
-          <a:bodyPr/>
+          <a:bodyPr>
+            <a:normAutofit/>
+          </a:bodyPr>
           <a:lstStyle/>
           <a:p>
-            <a:endParaRPr lang="en-US" dirty="0"/>
-          </a:p>
-          <a:p>
             <a:r>
               <a:rPr lang="en-US" dirty="0"/>
-              <a:t>Quantum dot also produces entangled pairs </a:t>
+              <a:t>Any solid is characterized with:</a:t>
             </a:r>
           </a:p>
           <a:p>
             <a:pPr lvl="1"/>
             <a:r>
               <a:rPr lang="en-US" dirty="0"/>
-              <a:t>Through the presence of a secondary excited state – the biexciton </a:t>
+              <a:t>A valence band – wherein electrons are bound to the atom</a:t>
             </a:r>
           </a:p>
           <a:p>
             <a:pPr lvl="1"/>
-            <a:endParaRPr lang="en-US" dirty="0"/>
-          </a:p>
-          <a:p>
             <a:r>
               <a:rPr lang="en-US" dirty="0"/>
-              <a:t>Not the focus of this project but you will see that this adds some challenge to the problem</a:t>
+              <a:t>A conduction band – wherein the electrons are excited and free</a:t>
             </a:r>
           </a:p>
           <a:p>
             <a:pPr lvl="1"/>
-            <a:endParaRPr lang="en-US" dirty="0"/>
-          </a:p>
-          <a:p>
+            <a:r>
+              <a:rPr lang="en-US" dirty="0"/>
+              <a:t>And a bandgap is an intermediate section that has no electronic states</a:t>
+            </a:r>
+            <a:endParaRPr lang="en-CA" dirty="0"/>
+          </a:p>
+          <a:p>
+            <a:pPr marL="0" indent="0">
+              <a:buNone/>
+            </a:pPr>
             <a:r>
               <a:rPr lang="en-CA" dirty="0"/>
-              <a:t>Biexciton – Exciton Cascade</a:t>
-            </a:r>
-          </a:p>
-          <a:p>
-            <a:pPr lvl="1"/>
+              <a:t>Upon excitation the electron moves to the excited state and leaves behind an oppositely charged hole </a:t>
+            </a:r>
+          </a:p>
+          <a:p>
+            <a:pPr marL="0" indent="0">
+              <a:buNone/>
+            </a:pPr>
             <a:r>
               <a:rPr lang="en-CA" dirty="0"/>
-              <a:t>Biexciton is a collection of two electron-hole pairs with opposing angular momentum</a:t>
-            </a:r>
-          </a:p>
-          <a:p>
-            <a:pPr lvl="1"/>
-            <a:r>
-              <a:rPr lang="en-CA" dirty="0"/>
-              <a:t>These undergo two separate recombinations</a:t>
-            </a:r>
-          </a:p>
-          <a:p>
-            <a:pPr lvl="1"/>
-            <a:endParaRPr lang="en-CA" dirty="0"/>
-          </a:p>
-          <a:p>
-            <a:pPr lvl="1"/>
-            <a:endParaRPr lang="en-CA" dirty="0"/>
+              <a:t>Upon de-excitation the electron recombines with the hole to emit a photon – Radiative Recombination</a:t>
+            </a:r>
           </a:p>
         </p:txBody>
       </p:sp>
     </p:spTree>
     <p:extLst>
       <p:ext uri="{BB962C8B-B14F-4D97-AF65-F5344CB8AC3E}">
-        <p14:creationId xmlns:p14="http://schemas.microsoft.com/office/powerpoint/2010/main" val="2101834847"/>
+        <p14:creationId xmlns:p14="http://schemas.microsoft.com/office/powerpoint/2010/main" val="3049362793"/>
       </p:ext>
     </p:extLst>
   </p:cSld>
@@ -8154,7 +8632,7 @@
           <p:cNvPr id="2" name="Title 1">
             <a:extLst>
               <a:ext uri="{FF2B5EF4-FFF2-40B4-BE49-F238E27FC236}">
-                <a16:creationId xmlns:a16="http://schemas.microsoft.com/office/drawing/2014/main" id="{02C43646-B1FF-41BB-D36B-F090D666293E}"/>
+                <a16:creationId xmlns:a16="http://schemas.microsoft.com/office/drawing/2014/main" id="{8C38ED2F-ED41-B26C-2B44-0AC37802DCEB}"/>
               </a:ext>
             </a:extLst>
           </p:cNvPr>
@@ -8165,14 +8643,19 @@
             <p:ph type="title"/>
           </p:nvPr>
         </p:nvSpPr>
-        <p:spPr/>
+        <p:spPr>
+          <a:xfrm>
+            <a:off x="802433" y="286603"/>
+            <a:ext cx="10549812" cy="1450757"/>
+          </a:xfrm>
+        </p:spPr>
         <p:txBody>
           <a:bodyPr/>
           <a:lstStyle/>
           <a:p>
             <a:r>
               <a:rPr lang="en-US" dirty="0"/>
-              <a:t>Biexciton – Exciton Cascade</a:t>
+              <a:t>The Quantum Dot – Mechanism - 2</a:t>
             </a:r>
             <a:endParaRPr lang="en-CA" dirty="0"/>
           </a:p>
@@ -8183,7 +8666,7 @@
           <p:cNvPr id="3" name="Content Placeholder 2">
             <a:extLst>
               <a:ext uri="{FF2B5EF4-FFF2-40B4-BE49-F238E27FC236}">
-                <a16:creationId xmlns:a16="http://schemas.microsoft.com/office/drawing/2014/main" id="{8A3FE058-7814-2BAE-8DB0-2B5E941D2F46}"/>
+                <a16:creationId xmlns:a16="http://schemas.microsoft.com/office/drawing/2014/main" id="{9E8F1B62-A7B2-1B77-0927-B75BD30F76DA}"/>
               </a:ext>
             </a:extLst>
           </p:cNvPr>
@@ -8196,49 +8679,72 @@
         </p:nvSpPr>
         <p:spPr/>
         <p:txBody>
-          <a:bodyPr>
-            <a:normAutofit/>
-          </a:bodyPr>
+          <a:bodyPr/>
           <a:lstStyle/>
           <a:p>
+            <a:endParaRPr lang="en-US" dirty="0"/>
+          </a:p>
+          <a:p>
             <a:r>
               <a:rPr lang="en-US" dirty="0"/>
-              <a:t>First recombination generates a left circularly polarized photon and left with an electron-hole pair</a:t>
-            </a:r>
-          </a:p>
-          <a:p>
+              <a:t>Quantum dot also produces entangled pairs </a:t>
+            </a:r>
+          </a:p>
+          <a:p>
+            <a:pPr lvl="1"/>
+            <a:r>
+              <a:rPr lang="en-US" dirty="0"/>
+              <a:t>Through the presence of a secondary excited state – the biexciton </a:t>
+            </a:r>
+          </a:p>
+          <a:p>
+            <a:pPr lvl="1"/>
             <a:endParaRPr lang="en-US" dirty="0"/>
           </a:p>
           <a:p>
             <a:r>
               <a:rPr lang="en-US" dirty="0"/>
-              <a:t>Second recombination generates a right circularly polarized photon with the remaining pair</a:t>
-            </a:r>
-          </a:p>
-          <a:p>
+              <a:t>Not the focus of this project but you will see that this adds some challenge to the problem</a:t>
+            </a:r>
+          </a:p>
+          <a:p>
+            <a:pPr lvl="1"/>
             <a:endParaRPr lang="en-US" dirty="0"/>
           </a:p>
           <a:p>
             <a:r>
-              <a:rPr lang="en-US" dirty="0"/>
-              <a:t>The opposite can happen as well – We don’t know which</a:t>
-            </a:r>
-          </a:p>
-          <a:p>
-            <a:endParaRPr lang="en-US" dirty="0"/>
-          </a:p>
-          <a:p>
-            <a:r>
-              <a:rPr lang="en-US" dirty="0"/>
-              <a:t>Left with following maximally entangled state</a:t>
-            </a:r>
+              <a:rPr lang="en-CA" dirty="0"/>
+              <a:t>Biexciton – Exciton Cascade</a:t>
+            </a:r>
+          </a:p>
+          <a:p>
+            <a:pPr lvl="1"/>
+            <a:r>
+              <a:rPr lang="en-CA" dirty="0"/>
+              <a:t>Biexciton is a collection of two electron-hole pairs with opposing angular momentum</a:t>
+            </a:r>
+          </a:p>
+          <a:p>
+            <a:pPr lvl="1"/>
+            <a:r>
+              <a:rPr lang="en-CA" dirty="0"/>
+              <a:t>These undergo two separate recombinations</a:t>
+            </a:r>
+          </a:p>
+          <a:p>
+            <a:pPr lvl="1"/>
+            <a:endParaRPr lang="en-CA" dirty="0"/>
+          </a:p>
+          <a:p>
+            <a:pPr lvl="1"/>
+            <a:endParaRPr lang="en-CA" dirty="0"/>
           </a:p>
         </p:txBody>
       </p:sp>
     </p:spTree>
     <p:extLst>
       <p:ext uri="{BB962C8B-B14F-4D97-AF65-F5344CB8AC3E}">
-        <p14:creationId xmlns:p14="http://schemas.microsoft.com/office/powerpoint/2010/main" val="2742257549"/>
+        <p14:creationId xmlns:p14="http://schemas.microsoft.com/office/powerpoint/2010/main" val="2101834847"/>
       </p:ext>
     </p:extLst>
   </p:cSld>
@@ -8303,7 +8809,7 @@
           <a:p>
             <a:r>
               <a:rPr lang="en-US" dirty="0"/>
-              <a:t>The Presentation</a:t>
+              <a:t>Outline</a:t>
             </a:r>
           </a:p>
         </p:txBody>
@@ -9167,6 +9673,122 @@
 <file path=ppt/slides/slide20.xml><?xml version="1.0" encoding="utf-8"?>
 <p:sld xmlns:a="http://schemas.openxmlformats.org/drawingml/2006/main" xmlns:r="http://schemas.openxmlformats.org/officeDocument/2006/relationships" xmlns:p="http://schemas.openxmlformats.org/presentationml/2006/main">
   <p:cSld>
+    <p:spTree>
+      <p:nvGrpSpPr>
+        <p:cNvPr id="1" name=""/>
+        <p:cNvGrpSpPr/>
+        <p:nvPr/>
+      </p:nvGrpSpPr>
+      <p:grpSpPr>
+        <a:xfrm>
+          <a:off x="0" y="0"/>
+          <a:ext cx="0" cy="0"/>
+          <a:chOff x="0" y="0"/>
+          <a:chExt cx="0" cy="0"/>
+        </a:xfrm>
+      </p:grpSpPr>
+      <p:sp>
+        <p:nvSpPr>
+          <p:cNvPr id="2" name="Title 1">
+            <a:extLst>
+              <a:ext uri="{FF2B5EF4-FFF2-40B4-BE49-F238E27FC236}">
+                <a16:creationId xmlns:a16="http://schemas.microsoft.com/office/drawing/2014/main" id="{02C43646-B1FF-41BB-D36B-F090D666293E}"/>
+              </a:ext>
+            </a:extLst>
+          </p:cNvPr>
+          <p:cNvSpPr>
+            <a:spLocks noGrp="1"/>
+          </p:cNvSpPr>
+          <p:nvPr>
+            <p:ph type="title"/>
+          </p:nvPr>
+        </p:nvSpPr>
+        <p:spPr/>
+        <p:txBody>
+          <a:bodyPr/>
+          <a:lstStyle/>
+          <a:p>
+            <a:r>
+              <a:rPr lang="en-US" dirty="0"/>
+              <a:t>Biexciton – Exciton Cascade</a:t>
+            </a:r>
+            <a:endParaRPr lang="en-CA" dirty="0"/>
+          </a:p>
+        </p:txBody>
+      </p:sp>
+      <p:sp>
+        <p:nvSpPr>
+          <p:cNvPr id="3" name="Content Placeholder 2">
+            <a:extLst>
+              <a:ext uri="{FF2B5EF4-FFF2-40B4-BE49-F238E27FC236}">
+                <a16:creationId xmlns:a16="http://schemas.microsoft.com/office/drawing/2014/main" id="{8A3FE058-7814-2BAE-8DB0-2B5E941D2F46}"/>
+              </a:ext>
+            </a:extLst>
+          </p:cNvPr>
+          <p:cNvSpPr>
+            <a:spLocks noGrp="1"/>
+          </p:cNvSpPr>
+          <p:nvPr>
+            <p:ph idx="1"/>
+          </p:nvPr>
+        </p:nvSpPr>
+        <p:spPr/>
+        <p:txBody>
+          <a:bodyPr>
+            <a:normAutofit/>
+          </a:bodyPr>
+          <a:lstStyle/>
+          <a:p>
+            <a:r>
+              <a:rPr lang="en-US" dirty="0"/>
+              <a:t>First recombination generates a left circularly polarized photon and left with an electron-hole pair</a:t>
+            </a:r>
+          </a:p>
+          <a:p>
+            <a:endParaRPr lang="en-US" dirty="0"/>
+          </a:p>
+          <a:p>
+            <a:r>
+              <a:rPr lang="en-US" dirty="0"/>
+              <a:t>Second recombination generates a right circularly polarized photon with the remaining pair</a:t>
+            </a:r>
+          </a:p>
+          <a:p>
+            <a:endParaRPr lang="en-US" dirty="0"/>
+          </a:p>
+          <a:p>
+            <a:r>
+              <a:rPr lang="en-US" dirty="0"/>
+              <a:t>The opposite can happen as well – We don’t know which</a:t>
+            </a:r>
+          </a:p>
+          <a:p>
+            <a:endParaRPr lang="en-US" dirty="0"/>
+          </a:p>
+          <a:p>
+            <a:r>
+              <a:rPr lang="en-US" dirty="0"/>
+              <a:t>Left with following maximally entangled state</a:t>
+            </a:r>
+          </a:p>
+        </p:txBody>
+      </p:sp>
+    </p:spTree>
+    <p:extLst>
+      <p:ext uri="{BB962C8B-B14F-4D97-AF65-F5344CB8AC3E}">
+        <p14:creationId xmlns:p14="http://schemas.microsoft.com/office/powerpoint/2010/main" val="2742257549"/>
+      </p:ext>
+    </p:extLst>
+  </p:cSld>
+  <p:clrMapOvr>
+    <a:masterClrMapping/>
+  </p:clrMapOvr>
+</p:sld>
+</file>
+
+<file path=ppt/slides/slide21.xml><?xml version="1.0" encoding="utf-8"?>
+<p:sld xmlns:a="http://schemas.openxmlformats.org/drawingml/2006/main" xmlns:r="http://schemas.openxmlformats.org/officeDocument/2006/relationships" xmlns:p="http://schemas.openxmlformats.org/presentationml/2006/main">
+  <p:cSld>
     <p:bg>
       <p:bgPr>
         <a:solidFill>
@@ -9659,7 +10281,7 @@
 </p:sld>
 </file>
 
-<file path=ppt/slides/slide21.xml><?xml version="1.0" encoding="utf-8"?>
+<file path=ppt/slides/slide22.xml><?xml version="1.0" encoding="utf-8"?>
 <p:sld xmlns:a="http://schemas.openxmlformats.org/drawingml/2006/main" xmlns:r="http://schemas.openxmlformats.org/officeDocument/2006/relationships" xmlns:p="http://schemas.openxmlformats.org/presentationml/2006/main">
   <p:cSld>
     <p:spTree>
@@ -9781,123 +10403,6 @@
     <p:extLst>
       <p:ext uri="{BB962C8B-B14F-4D97-AF65-F5344CB8AC3E}">
         <p14:creationId xmlns:p14="http://schemas.microsoft.com/office/powerpoint/2010/main" val="843213913"/>
-      </p:ext>
-    </p:extLst>
-  </p:cSld>
-  <p:clrMapOvr>
-    <a:masterClrMapping/>
-  </p:clrMapOvr>
-</p:sld>
-</file>
-
-<file path=ppt/slides/slide22.xml><?xml version="1.0" encoding="utf-8"?>
-<p:sld xmlns:a="http://schemas.openxmlformats.org/drawingml/2006/main" xmlns:r="http://schemas.openxmlformats.org/officeDocument/2006/relationships" xmlns:p="http://schemas.openxmlformats.org/presentationml/2006/main">
-  <p:cSld>
-    <p:spTree>
-      <p:nvGrpSpPr>
-        <p:cNvPr id="1" name=""/>
-        <p:cNvGrpSpPr/>
-        <p:nvPr/>
-      </p:nvGrpSpPr>
-      <p:grpSpPr>
-        <a:xfrm>
-          <a:off x="0" y="0"/>
-          <a:ext cx="0" cy="0"/>
-          <a:chOff x="0" y="0"/>
-          <a:chExt cx="0" cy="0"/>
-        </a:xfrm>
-      </p:grpSpPr>
-      <p:sp>
-        <p:nvSpPr>
-          <p:cNvPr id="2" name="Title 1">
-            <a:extLst>
-              <a:ext uri="{FF2B5EF4-FFF2-40B4-BE49-F238E27FC236}">
-                <a16:creationId xmlns:a16="http://schemas.microsoft.com/office/drawing/2014/main" id="{A6F2A89B-0C24-36A8-6EEF-54196A65088A}"/>
-              </a:ext>
-            </a:extLst>
-          </p:cNvPr>
-          <p:cNvSpPr>
-            <a:spLocks noGrp="1"/>
-          </p:cNvSpPr>
-          <p:nvPr>
-            <p:ph type="title"/>
-          </p:nvPr>
-        </p:nvSpPr>
-        <p:spPr/>
-        <p:txBody>
-          <a:bodyPr/>
-          <a:lstStyle/>
-          <a:p>
-            <a:r>
-              <a:rPr lang="en-US" dirty="0"/>
-              <a:t>Lindblad Master Equation - 2</a:t>
-            </a:r>
-            <a:endParaRPr lang="en-CA" dirty="0"/>
-          </a:p>
-        </p:txBody>
-      </p:sp>
-      <p:sp>
-        <p:nvSpPr>
-          <p:cNvPr id="3" name="Content Placeholder 2">
-            <a:extLst>
-              <a:ext uri="{FF2B5EF4-FFF2-40B4-BE49-F238E27FC236}">
-                <a16:creationId xmlns:a16="http://schemas.microsoft.com/office/drawing/2014/main" id="{5D417513-3C2E-0622-4CEA-DD61BCCD25F6}"/>
-              </a:ext>
-            </a:extLst>
-          </p:cNvPr>
-          <p:cNvSpPr>
-            <a:spLocks noGrp="1"/>
-          </p:cNvSpPr>
-          <p:nvPr>
-            <p:ph idx="1"/>
-          </p:nvPr>
-        </p:nvSpPr>
-        <p:spPr/>
-        <p:txBody>
-          <a:bodyPr>
-            <a:normAutofit fontScale="92500"/>
-          </a:bodyPr>
-          <a:lstStyle/>
-          <a:p>
-            <a:r>
-              <a:rPr lang="en-US" dirty="0"/>
-              <a:t>We can map out our quantum dot system as follows:</a:t>
-            </a:r>
-          </a:p>
-          <a:p>
-            <a:endParaRPr lang="en-US" dirty="0"/>
-          </a:p>
-          <a:p>
-            <a:r>
-              <a:rPr lang="en-US" dirty="0"/>
-              <a:t>Each space is unique and separate from one another </a:t>
-            </a:r>
-          </a:p>
-          <a:p>
-            <a:endParaRPr lang="en-US" dirty="0"/>
-          </a:p>
-          <a:p>
-            <a:r>
-              <a:rPr lang="en-US" dirty="0"/>
-              <a:t>The total system would be the tensor product of the system, environment, and the coupling mechanism</a:t>
-            </a:r>
-          </a:p>
-          <a:p>
-            <a:endParaRPr lang="en-US" dirty="0"/>
-          </a:p>
-          <a:p>
-            <a:r>
-              <a:rPr lang="en-US" dirty="0"/>
-              <a:t>However, for simplicity we can write the environment and the coupling using the basis of the quantum dot</a:t>
-            </a:r>
-            <a:endParaRPr lang="en-CA" dirty="0"/>
-          </a:p>
-        </p:txBody>
-      </p:sp>
-    </p:spTree>
-    <p:extLst>
-      <p:ext uri="{BB962C8B-B14F-4D97-AF65-F5344CB8AC3E}">
-        <p14:creationId xmlns:p14="http://schemas.microsoft.com/office/powerpoint/2010/main" val="3407298909"/>
       </p:ext>
     </p:extLst>
   </p:cSld>
@@ -9929,7 +10434,7 @@
           <p:cNvPr id="2" name="Title 1">
             <a:extLst>
               <a:ext uri="{FF2B5EF4-FFF2-40B4-BE49-F238E27FC236}">
-                <a16:creationId xmlns:a16="http://schemas.microsoft.com/office/drawing/2014/main" id="{4B16DD42-B722-558E-FEF6-D34F0687EA6B}"/>
+                <a16:creationId xmlns:a16="http://schemas.microsoft.com/office/drawing/2014/main" id="{A6F2A89B-0C24-36A8-6EEF-54196A65088A}"/>
               </a:ext>
             </a:extLst>
           </p:cNvPr>
@@ -9947,14 +10452,131 @@
           <a:p>
             <a:r>
               <a:rPr lang="en-US" dirty="0"/>
-              <a:t>Lindblad Master Equation - 3</a:t>
+              <a:t>Lindblad Master Equation - 2</a:t>
             </a:r>
             <a:endParaRPr lang="en-CA" dirty="0"/>
           </a:p>
         </p:txBody>
       </p:sp>
-      <mc:AlternateContent xmlns:mc="http://schemas.openxmlformats.org/markup-compatibility/2006">
-        <mc:Choice xmlns:a14="http://schemas.microsoft.com/office/drawing/2010/main" Requires="a14">
+      <p:sp>
+        <p:nvSpPr>
+          <p:cNvPr id="3" name="Content Placeholder 2">
+            <a:extLst>
+              <a:ext uri="{FF2B5EF4-FFF2-40B4-BE49-F238E27FC236}">
+                <a16:creationId xmlns:a16="http://schemas.microsoft.com/office/drawing/2014/main" id="{5D417513-3C2E-0622-4CEA-DD61BCCD25F6}"/>
+              </a:ext>
+            </a:extLst>
+          </p:cNvPr>
+          <p:cNvSpPr>
+            <a:spLocks noGrp="1"/>
+          </p:cNvSpPr>
+          <p:nvPr>
+            <p:ph idx="1"/>
+          </p:nvPr>
+        </p:nvSpPr>
+        <p:spPr/>
+        <p:txBody>
+          <a:bodyPr>
+            <a:normAutofit fontScale="92500"/>
+          </a:bodyPr>
+          <a:lstStyle/>
+          <a:p>
+            <a:r>
+              <a:rPr lang="en-US" dirty="0"/>
+              <a:t>We can map out our quantum dot system as follows:</a:t>
+            </a:r>
+          </a:p>
+          <a:p>
+            <a:endParaRPr lang="en-US" dirty="0"/>
+          </a:p>
+          <a:p>
+            <a:r>
+              <a:rPr lang="en-US" dirty="0"/>
+              <a:t>Each space is unique and separate from one another </a:t>
+            </a:r>
+          </a:p>
+          <a:p>
+            <a:endParaRPr lang="en-US" dirty="0"/>
+          </a:p>
+          <a:p>
+            <a:r>
+              <a:rPr lang="en-US" dirty="0"/>
+              <a:t>The total system would be the tensor product of the system, environment, and the coupling mechanism</a:t>
+            </a:r>
+          </a:p>
+          <a:p>
+            <a:endParaRPr lang="en-US" dirty="0"/>
+          </a:p>
+          <a:p>
+            <a:r>
+              <a:rPr lang="en-US" dirty="0"/>
+              <a:t>However, for simplicity we can write the environment and the coupling using the basis of the quantum dot</a:t>
+            </a:r>
+            <a:endParaRPr lang="en-CA" dirty="0"/>
+          </a:p>
+        </p:txBody>
+      </p:sp>
+    </p:spTree>
+    <p:extLst>
+      <p:ext uri="{BB962C8B-B14F-4D97-AF65-F5344CB8AC3E}">
+        <p14:creationId xmlns:p14="http://schemas.microsoft.com/office/powerpoint/2010/main" val="3407298909"/>
+      </p:ext>
+    </p:extLst>
+  </p:cSld>
+  <p:clrMapOvr>
+    <a:masterClrMapping/>
+  </p:clrMapOvr>
+</p:sld>
+</file>
+
+<file path=ppt/slides/slide24.xml><?xml version="1.0" encoding="utf-8"?>
+<p:sld xmlns:a="http://schemas.openxmlformats.org/drawingml/2006/main" xmlns:r="http://schemas.openxmlformats.org/officeDocument/2006/relationships" xmlns:p="http://schemas.openxmlformats.org/presentationml/2006/main">
+  <p:cSld>
+    <p:spTree>
+      <p:nvGrpSpPr>
+        <p:cNvPr id="1" name=""/>
+        <p:cNvGrpSpPr/>
+        <p:nvPr/>
+      </p:nvGrpSpPr>
+      <p:grpSpPr>
+        <a:xfrm>
+          <a:off x="0" y="0"/>
+          <a:ext cx="0" cy="0"/>
+          <a:chOff x="0" y="0"/>
+          <a:chExt cx="0" cy="0"/>
+        </a:xfrm>
+      </p:grpSpPr>
+      <p:sp>
+        <p:nvSpPr>
+          <p:cNvPr id="2" name="Title 1">
+            <a:extLst>
+              <a:ext uri="{FF2B5EF4-FFF2-40B4-BE49-F238E27FC236}">
+                <a16:creationId xmlns:a16="http://schemas.microsoft.com/office/drawing/2014/main" id="{4B16DD42-B722-558E-FEF6-D34F0687EA6B}"/>
+              </a:ext>
+            </a:extLst>
+          </p:cNvPr>
+          <p:cNvSpPr>
+            <a:spLocks noGrp="1"/>
+          </p:cNvSpPr>
+          <p:nvPr>
+            <p:ph type="title"/>
+          </p:nvPr>
+        </p:nvSpPr>
+        <p:spPr/>
+        <p:txBody>
+          <a:bodyPr/>
+          <a:lstStyle/>
+          <a:p>
+            <a:r>
+              <a:rPr lang="en-US" dirty="0"/>
+              <a:t>Lindblad Master Equation - 3</a:t>
+            </a:r>
+            <a:endParaRPr lang="en-CA" dirty="0"/>
+          </a:p>
+        </p:txBody>
+      </p:sp>
+      <mc:AlternateContent xmlns:mc="http://schemas.openxmlformats.org/markup-compatibility/2006" xmlns:a14="http://schemas.microsoft.com/office/drawing/2010/main">
+        <mc:Choice Requires="a14">
           <p:sp>
             <p:nvSpPr>
               <p:cNvPr id="3" name="Content Placeholder 2">
@@ -10031,6 +10653,7 @@
                         <m:ctrlPr>
                           <a:rPr lang="en-CA" sz="1800" i="1" smtClean="0">
                             <a:effectLst/>
+                            <a:latin typeface="Cambria Math" panose="02040503050406030204" pitchFamily="18" charset="0"/>
                             <a:ea typeface="Calibri" panose="020F0502020204030204" pitchFamily="34" charset="0"/>
                             <a:cs typeface="Times New Roman" panose="02020603050405020304" pitchFamily="18" charset="0"/>
                           </a:rPr>
@@ -10042,6 +10665,7 @@
                             <m:ctrlPr>
                               <a:rPr lang="en-CA" sz="1800" i="1">
                                 <a:effectLst/>
+                                <a:latin typeface="Cambria Math" panose="02040503050406030204" pitchFamily="18" charset="0"/>
                                 <a:ea typeface="Calibri" panose="020F0502020204030204" pitchFamily="34" charset="0"/>
                                 <a:cs typeface="Times New Roman" panose="02020603050405020304" pitchFamily="18" charset="0"/>
                               </a:rPr>
@@ -10049,7 +10673,9 @@
                           </m:sSupPr>
                           <m:e>
                             <m:r>
-                              <a:rPr lang="en-CA" i="1"/>
+                              <a:rPr lang="en-CA" i="1">
+                                <a:latin typeface="Cambria Math" panose="02040503050406030204" pitchFamily="18" charset="0"/>
+                              </a:rPr>
                               <m:t>ℒ</m:t>
                             </m:r>
                           </m:e>
@@ -10057,6 +10683,7 @@
                             <m:r>
                               <a:rPr lang="en-CA" sz="1800" i="1">
                                 <a:effectLst/>
+                                <a:latin typeface="Cambria Math" panose="02040503050406030204" pitchFamily="18" charset="0"/>
                                 <a:ea typeface="Calibri" panose="020F0502020204030204" pitchFamily="34" charset="0"/>
                                 <a:cs typeface="Times New Roman" panose="02020603050405020304" pitchFamily="18" charset="0"/>
                               </a:rPr>
@@ -10069,6 +10696,7 @@
                         <m:r>
                           <a:rPr lang="en-CA" sz="1800" i="1">
                             <a:effectLst/>
+                            <a:latin typeface="Cambria Math" panose="02040503050406030204" pitchFamily="18" charset="0"/>
                             <a:ea typeface="Calibri" panose="020F0502020204030204" pitchFamily="34" charset="0"/>
                             <a:cs typeface="Times New Roman" panose="02020603050405020304" pitchFamily="18" charset="0"/>
                           </a:rPr>
@@ -10093,6 +10721,7 @@
                         <m:ctrlPr>
                           <a:rPr lang="en-CA" sz="1800" i="1">
                             <a:effectLst/>
+                            <a:latin typeface="Cambria Math" panose="02040503050406030204" pitchFamily="18" charset="0"/>
                             <a:ea typeface="Calibri" panose="020F0502020204030204" pitchFamily="34" charset="0"/>
                             <a:cs typeface="Times New Roman" panose="02020603050405020304" pitchFamily="18" charset="0"/>
                           </a:rPr>
@@ -10100,7 +10729,9 @@
                       </m:sSubPr>
                       <m:e>
                         <m:r>
-                          <a:rPr lang="en-CA" i="1"/>
+                          <a:rPr lang="en-CA" i="1">
+                            <a:latin typeface="Cambria Math" panose="02040503050406030204" pitchFamily="18" charset="0"/>
+                          </a:rPr>
                           <m:t>ℒ</m:t>
                         </m:r>
                       </m:e>
@@ -10108,6 +10739,7 @@
                         <m:r>
                           <a:rPr lang="en-CA" sz="1800" i="1">
                             <a:effectLst/>
+                            <a:latin typeface="Cambria Math" panose="02040503050406030204" pitchFamily="18" charset="0"/>
                             <a:ea typeface="Calibri" panose="020F0502020204030204" pitchFamily="34" charset="0"/>
                             <a:cs typeface="Times New Roman" panose="02020603050405020304" pitchFamily="18" charset="0"/>
                           </a:rPr>
@@ -10147,6 +10779,7 @@
                         <m:ctrlPr>
                           <a:rPr lang="en-CA" sz="1800" i="1">
                             <a:effectLst/>
+                            <a:latin typeface="Cambria Math" panose="02040503050406030204" pitchFamily="18" charset="0"/>
                             <a:ea typeface="Calibri" panose="020F0502020204030204" pitchFamily="34" charset="0"/>
                             <a:cs typeface="Times New Roman" panose="02020603050405020304" pitchFamily="18" charset="0"/>
                           </a:rPr>
@@ -10156,6 +10789,7 @@
                         <m:r>
                           <a:rPr lang="en-CA" sz="1800" i="1">
                             <a:effectLst/>
+                            <a:latin typeface="Cambria Math" panose="02040503050406030204" pitchFamily="18" charset="0"/>
                             <a:ea typeface="Calibri" panose="020F0502020204030204" pitchFamily="34" charset="0"/>
                             <a:cs typeface="Times New Roman" panose="02020603050405020304" pitchFamily="18" charset="0"/>
                           </a:rPr>
@@ -10166,6 +10800,7 @@
                         <m:r>
                           <a:rPr lang="en-CA" sz="1800" i="1">
                             <a:effectLst/>
+                            <a:latin typeface="Cambria Math" panose="02040503050406030204" pitchFamily="18" charset="0"/>
                             <a:ea typeface="Calibri" panose="020F0502020204030204" pitchFamily="34" charset="0"/>
                             <a:cs typeface="Times New Roman" panose="02020603050405020304" pitchFamily="18" charset="0"/>
                           </a:rPr>
@@ -10188,7 +10823,7 @@
             </p:txBody>
           </p:sp>
         </mc:Choice>
-        <mc:Fallback>
+        <mc:Fallback xmlns="">
           <p:sp>
             <p:nvSpPr>
               <p:cNvPr id="3" name="Content Placeholder 2">
@@ -10241,7 +10876,7 @@
 </p:sld>
 </file>
 
-<file path=ppt/slides/slide24.xml><?xml version="1.0" encoding="utf-8"?>
+<file path=ppt/slides/slide25.xml><?xml version="1.0" encoding="utf-8"?>
 <p:sld xmlns:a="http://schemas.openxmlformats.org/drawingml/2006/main" xmlns:r="http://schemas.openxmlformats.org/officeDocument/2006/relationships" xmlns:p="http://schemas.openxmlformats.org/presentationml/2006/main">
   <p:cSld>
     <p:spTree>
@@ -10348,184 +10983,6 @@
     <p:extLst>
       <p:ext uri="{BB962C8B-B14F-4D97-AF65-F5344CB8AC3E}">
         <p14:creationId xmlns:p14="http://schemas.microsoft.com/office/powerpoint/2010/main" val="3829261711"/>
-      </p:ext>
-    </p:extLst>
-  </p:cSld>
-  <p:clrMapOvr>
-    <a:masterClrMapping/>
-  </p:clrMapOvr>
-</p:sld>
-</file>
-
-<file path=ppt/slides/slide25.xml><?xml version="1.0" encoding="utf-8"?>
-<p:sld xmlns:a="http://schemas.openxmlformats.org/drawingml/2006/main" xmlns:r="http://schemas.openxmlformats.org/officeDocument/2006/relationships" xmlns:p="http://schemas.openxmlformats.org/presentationml/2006/main">
-  <p:cSld>
-    <p:spTree>
-      <p:nvGrpSpPr>
-        <p:cNvPr id="1" name=""/>
-        <p:cNvGrpSpPr/>
-        <p:nvPr/>
-      </p:nvGrpSpPr>
-      <p:grpSpPr>
-        <a:xfrm>
-          <a:off x="0" y="0"/>
-          <a:ext cx="0" cy="0"/>
-          <a:chOff x="0" y="0"/>
-          <a:chExt cx="0" cy="0"/>
-        </a:xfrm>
-      </p:grpSpPr>
-      <p:sp>
-        <p:nvSpPr>
-          <p:cNvPr id="2" name="Title 1">
-            <a:extLst>
-              <a:ext uri="{FF2B5EF4-FFF2-40B4-BE49-F238E27FC236}">
-                <a16:creationId xmlns:a16="http://schemas.microsoft.com/office/drawing/2014/main" id="{2795C85A-BE6E-1716-AB00-505C68BF5083}"/>
-              </a:ext>
-            </a:extLst>
-          </p:cNvPr>
-          <p:cNvSpPr>
-            <a:spLocks noGrp="1"/>
-          </p:cNvSpPr>
-          <p:nvPr>
-            <p:ph type="title"/>
-          </p:nvPr>
-        </p:nvSpPr>
-        <p:spPr/>
-        <p:txBody>
-          <a:bodyPr/>
-          <a:lstStyle/>
-          <a:p>
-            <a:r>
-              <a:rPr lang="en-US" dirty="0"/>
-              <a:t>Problem at Hand - 2</a:t>
-            </a:r>
-            <a:endParaRPr lang="en-CA" dirty="0"/>
-          </a:p>
-        </p:txBody>
-      </p:sp>
-      <p:sp>
-        <p:nvSpPr>
-          <p:cNvPr id="3" name="Content Placeholder 2">
-            <a:extLst>
-              <a:ext uri="{FF2B5EF4-FFF2-40B4-BE49-F238E27FC236}">
-                <a16:creationId xmlns:a16="http://schemas.microsoft.com/office/drawing/2014/main" id="{3C2C6CD8-A539-2746-2D78-6E5253B738AB}"/>
-              </a:ext>
-            </a:extLst>
-          </p:cNvPr>
-          <p:cNvSpPr>
-            <a:spLocks noGrp="1"/>
-          </p:cNvSpPr>
-          <p:nvPr>
-            <p:ph idx="1"/>
-          </p:nvPr>
-        </p:nvSpPr>
-        <p:spPr/>
-        <p:txBody>
-          <a:bodyPr/>
-          <a:lstStyle/>
-          <a:p>
-            <a:r>
-              <a:rPr lang="en-CA" sz="1800" dirty="0">
-                <a:effectLst/>
-                <a:ea typeface="Calibri" panose="020F0502020204030204" pitchFamily="34" charset="0"/>
-              </a:rPr>
-              <a:t>Coherence and Degree of Time-Bin Entanglement from Quantum Dots</a:t>
-            </a:r>
-            <a:r>
-              <a:rPr lang="en-US" dirty="0"/>
-              <a:t> </a:t>
-            </a:r>
-          </a:p>
-          <a:p>
-            <a:pPr lvl="1"/>
-            <a:r>
-              <a:rPr lang="en-CA" sz="1600" dirty="0">
-                <a:effectLst/>
-                <a:ea typeface="Calibri" panose="020F0502020204030204" pitchFamily="34" charset="0"/>
-              </a:rPr>
-              <a:t>Written by Tobias Huber, Laurin Ostermann, Maximilian </a:t>
-            </a:r>
-            <a:r>
-              <a:rPr lang="en-CA" sz="1600" dirty="0" err="1">
-                <a:effectLst/>
-                <a:ea typeface="Calibri" panose="020F0502020204030204" pitchFamily="34" charset="0"/>
-              </a:rPr>
-              <a:t>Prilmüller</a:t>
-            </a:r>
-            <a:r>
-              <a:rPr lang="en-CA" sz="1600" dirty="0">
-                <a:effectLst/>
-                <a:ea typeface="Calibri" panose="020F0502020204030204" pitchFamily="34" charset="0"/>
-              </a:rPr>
-              <a:t>, Glenn S. Solomon, Helmut </a:t>
-            </a:r>
-            <a:r>
-              <a:rPr lang="en-CA" sz="1600" dirty="0" err="1">
-                <a:effectLst/>
-                <a:ea typeface="Calibri" panose="020F0502020204030204" pitchFamily="34" charset="0"/>
-              </a:rPr>
-              <a:t>Ritsch</a:t>
-            </a:r>
-            <a:r>
-              <a:rPr lang="en-CA" sz="1600" dirty="0">
-                <a:effectLst/>
-                <a:ea typeface="Calibri" panose="020F0502020204030204" pitchFamily="34" charset="0"/>
-              </a:rPr>
-              <a:t>, Gregor </a:t>
-            </a:r>
-            <a:r>
-              <a:rPr lang="en-CA" sz="1600" dirty="0" err="1">
-                <a:effectLst/>
-                <a:ea typeface="Calibri" panose="020F0502020204030204" pitchFamily="34" charset="0"/>
-              </a:rPr>
-              <a:t>Weihs</a:t>
-            </a:r>
-            <a:r>
-              <a:rPr lang="en-CA" sz="1600" dirty="0">
-                <a:effectLst/>
-                <a:ea typeface="Calibri" panose="020F0502020204030204" pitchFamily="34" charset="0"/>
-              </a:rPr>
-              <a:t>, and Ana </a:t>
-            </a:r>
-            <a:r>
-              <a:rPr lang="en-CA" sz="1600" dirty="0" err="1">
-                <a:effectLst/>
-                <a:ea typeface="Calibri" panose="020F0502020204030204" pitchFamily="34" charset="0"/>
-              </a:rPr>
-              <a:t>Predojević</a:t>
-            </a:r>
-            <a:endParaRPr lang="en-CA" sz="1600" dirty="0">
-              <a:effectLst/>
-              <a:ea typeface="Calibri" panose="020F0502020204030204" pitchFamily="34" charset="0"/>
-            </a:endParaRPr>
-          </a:p>
-          <a:p>
-            <a:pPr lvl="1"/>
-            <a:endParaRPr lang="en-CA" sz="1600" dirty="0">
-              <a:ea typeface="Calibri" panose="020F0502020204030204" pitchFamily="34" charset="0"/>
-            </a:endParaRPr>
-          </a:p>
-          <a:p>
-            <a:r>
-              <a:rPr lang="en-CA" dirty="0"/>
-              <a:t>As title suggests this is time bin entanglement rather than polarization, however the Hamiltonian still applies as it is not specific to entanglement mode</a:t>
-            </a:r>
-          </a:p>
-          <a:p>
-            <a:endParaRPr lang="en-CA" dirty="0"/>
-          </a:p>
-          <a:p>
-            <a:pPr marL="0" indent="0">
-              <a:buNone/>
-            </a:pPr>
-            <a:endParaRPr lang="en-CA" dirty="0"/>
-          </a:p>
-        </p:txBody>
-      </p:sp>
-    </p:spTree>
-    <p:extLst>
-      <p:ext uri="{BB962C8B-B14F-4D97-AF65-F5344CB8AC3E}">
-        <p14:creationId xmlns:p14="http://schemas.microsoft.com/office/powerpoint/2010/main" val="3318223238"/>
       </p:ext>
     </p:extLst>
   </p:cSld>
@@ -10557,7 +11014,7 @@
           <p:cNvPr id="2" name="Title 1">
             <a:extLst>
               <a:ext uri="{FF2B5EF4-FFF2-40B4-BE49-F238E27FC236}">
-                <a16:creationId xmlns:a16="http://schemas.microsoft.com/office/drawing/2014/main" id="{AD9302FB-858F-EC94-ED9F-D9597CB21A46}"/>
+                <a16:creationId xmlns:a16="http://schemas.microsoft.com/office/drawing/2014/main" id="{2795C85A-BE6E-1716-AB00-505C68BF5083}"/>
               </a:ext>
             </a:extLst>
           </p:cNvPr>
@@ -10575,14 +11032,192 @@
           <a:p>
             <a:r>
               <a:rPr lang="en-US" dirty="0"/>
-              <a:t>Problem at Hand - 3</a:t>
+              <a:t>Problem at Hand - 2</a:t>
             </a:r>
             <a:endParaRPr lang="en-CA" dirty="0"/>
           </a:p>
         </p:txBody>
       </p:sp>
-      <mc:AlternateContent xmlns:mc="http://schemas.openxmlformats.org/markup-compatibility/2006">
-        <mc:Choice xmlns:a14="http://schemas.microsoft.com/office/drawing/2010/main" Requires="a14">
+      <p:sp>
+        <p:nvSpPr>
+          <p:cNvPr id="3" name="Content Placeholder 2">
+            <a:extLst>
+              <a:ext uri="{FF2B5EF4-FFF2-40B4-BE49-F238E27FC236}">
+                <a16:creationId xmlns:a16="http://schemas.microsoft.com/office/drawing/2014/main" id="{3C2C6CD8-A539-2746-2D78-6E5253B738AB}"/>
+              </a:ext>
+            </a:extLst>
+          </p:cNvPr>
+          <p:cNvSpPr>
+            <a:spLocks noGrp="1"/>
+          </p:cNvSpPr>
+          <p:nvPr>
+            <p:ph idx="1"/>
+          </p:nvPr>
+        </p:nvSpPr>
+        <p:spPr/>
+        <p:txBody>
+          <a:bodyPr/>
+          <a:lstStyle/>
+          <a:p>
+            <a:r>
+              <a:rPr lang="en-CA" sz="1800" dirty="0">
+                <a:effectLst/>
+                <a:ea typeface="Calibri" panose="020F0502020204030204" pitchFamily="34" charset="0"/>
+              </a:rPr>
+              <a:t>Coherence and Degree of Time-Bin Entanglement from Quantum Dots</a:t>
+            </a:r>
+            <a:r>
+              <a:rPr lang="en-US" dirty="0"/>
+              <a:t> </a:t>
+            </a:r>
+          </a:p>
+          <a:p>
+            <a:pPr lvl="1"/>
+            <a:r>
+              <a:rPr lang="en-CA" sz="1600" dirty="0">
+                <a:effectLst/>
+                <a:ea typeface="Calibri" panose="020F0502020204030204" pitchFamily="34" charset="0"/>
+              </a:rPr>
+              <a:t>Written by Tobias Huber, Laurin Ostermann, Maximilian </a:t>
+            </a:r>
+            <a:r>
+              <a:rPr lang="en-CA" sz="1600" dirty="0" err="1">
+                <a:effectLst/>
+                <a:ea typeface="Calibri" panose="020F0502020204030204" pitchFamily="34" charset="0"/>
+              </a:rPr>
+              <a:t>Prilmüller</a:t>
+            </a:r>
+            <a:r>
+              <a:rPr lang="en-CA" sz="1600" dirty="0">
+                <a:effectLst/>
+                <a:ea typeface="Calibri" panose="020F0502020204030204" pitchFamily="34" charset="0"/>
+              </a:rPr>
+              <a:t>, Glenn S. Solomon, Helmut </a:t>
+            </a:r>
+            <a:r>
+              <a:rPr lang="en-CA" sz="1600" dirty="0" err="1">
+                <a:effectLst/>
+                <a:ea typeface="Calibri" panose="020F0502020204030204" pitchFamily="34" charset="0"/>
+              </a:rPr>
+              <a:t>Ritsch</a:t>
+            </a:r>
+            <a:r>
+              <a:rPr lang="en-CA" sz="1600" dirty="0">
+                <a:effectLst/>
+                <a:ea typeface="Calibri" panose="020F0502020204030204" pitchFamily="34" charset="0"/>
+              </a:rPr>
+              <a:t>, Gregor </a:t>
+            </a:r>
+            <a:r>
+              <a:rPr lang="en-CA" sz="1600" dirty="0" err="1">
+                <a:effectLst/>
+                <a:ea typeface="Calibri" panose="020F0502020204030204" pitchFamily="34" charset="0"/>
+              </a:rPr>
+              <a:t>Weihs</a:t>
+            </a:r>
+            <a:r>
+              <a:rPr lang="en-CA" sz="1600" dirty="0">
+                <a:effectLst/>
+                <a:ea typeface="Calibri" panose="020F0502020204030204" pitchFamily="34" charset="0"/>
+              </a:rPr>
+              <a:t>, and Ana </a:t>
+            </a:r>
+            <a:r>
+              <a:rPr lang="en-CA" sz="1600" dirty="0" err="1">
+                <a:effectLst/>
+                <a:ea typeface="Calibri" panose="020F0502020204030204" pitchFamily="34" charset="0"/>
+              </a:rPr>
+              <a:t>Predojević</a:t>
+            </a:r>
+            <a:endParaRPr lang="en-CA" sz="1600" dirty="0">
+              <a:effectLst/>
+              <a:ea typeface="Calibri" panose="020F0502020204030204" pitchFamily="34" charset="0"/>
+            </a:endParaRPr>
+          </a:p>
+          <a:p>
+            <a:pPr lvl="1"/>
+            <a:endParaRPr lang="en-CA" sz="1600" dirty="0">
+              <a:ea typeface="Calibri" panose="020F0502020204030204" pitchFamily="34" charset="0"/>
+            </a:endParaRPr>
+          </a:p>
+          <a:p>
+            <a:r>
+              <a:rPr lang="en-CA" dirty="0"/>
+              <a:t>As title suggests this is time bin entanglement rather than polarization, however the Hamiltonian still applies as it is not specific to entanglement mode</a:t>
+            </a:r>
+          </a:p>
+          <a:p>
+            <a:endParaRPr lang="en-CA" dirty="0"/>
+          </a:p>
+          <a:p>
+            <a:pPr marL="0" indent="0">
+              <a:buNone/>
+            </a:pPr>
+            <a:endParaRPr lang="en-CA" dirty="0"/>
+          </a:p>
+        </p:txBody>
+      </p:sp>
+    </p:spTree>
+    <p:extLst>
+      <p:ext uri="{BB962C8B-B14F-4D97-AF65-F5344CB8AC3E}">
+        <p14:creationId xmlns:p14="http://schemas.microsoft.com/office/powerpoint/2010/main" val="3318223238"/>
+      </p:ext>
+    </p:extLst>
+  </p:cSld>
+  <p:clrMapOvr>
+    <a:masterClrMapping/>
+  </p:clrMapOvr>
+</p:sld>
+</file>
+
+<file path=ppt/slides/slide27.xml><?xml version="1.0" encoding="utf-8"?>
+<p:sld xmlns:a="http://schemas.openxmlformats.org/drawingml/2006/main" xmlns:r="http://schemas.openxmlformats.org/officeDocument/2006/relationships" xmlns:p="http://schemas.openxmlformats.org/presentationml/2006/main">
+  <p:cSld>
+    <p:spTree>
+      <p:nvGrpSpPr>
+        <p:cNvPr id="1" name=""/>
+        <p:cNvGrpSpPr/>
+        <p:nvPr/>
+      </p:nvGrpSpPr>
+      <p:grpSpPr>
+        <a:xfrm>
+          <a:off x="0" y="0"/>
+          <a:ext cx="0" cy="0"/>
+          <a:chOff x="0" y="0"/>
+          <a:chExt cx="0" cy="0"/>
+        </a:xfrm>
+      </p:grpSpPr>
+      <p:sp>
+        <p:nvSpPr>
+          <p:cNvPr id="2" name="Title 1">
+            <a:extLst>
+              <a:ext uri="{FF2B5EF4-FFF2-40B4-BE49-F238E27FC236}">
+                <a16:creationId xmlns:a16="http://schemas.microsoft.com/office/drawing/2014/main" id="{AD9302FB-858F-EC94-ED9F-D9597CB21A46}"/>
+              </a:ext>
+            </a:extLst>
+          </p:cNvPr>
+          <p:cNvSpPr>
+            <a:spLocks noGrp="1"/>
+          </p:cNvSpPr>
+          <p:nvPr>
+            <p:ph type="title"/>
+          </p:nvPr>
+        </p:nvSpPr>
+        <p:spPr/>
+        <p:txBody>
+          <a:bodyPr/>
+          <a:lstStyle/>
+          <a:p>
+            <a:r>
+              <a:rPr lang="en-US" dirty="0"/>
+              <a:t>Problem at Hand - 3</a:t>
+            </a:r>
+            <a:endParaRPr lang="en-CA" dirty="0"/>
+          </a:p>
+        </p:txBody>
+      </p:sp>
+      <mc:AlternateContent xmlns:mc="http://schemas.openxmlformats.org/markup-compatibility/2006" xmlns:a14="http://schemas.microsoft.com/office/drawing/2010/main">
+        <mc:Choice Requires="a14">
           <p:sp>
             <p:nvSpPr>
               <p:cNvPr id="3" name="Content Placeholder 2">
@@ -11111,7 +11746,7 @@
             </p:txBody>
           </p:sp>
         </mc:Choice>
-        <mc:Fallback>
+        <mc:Fallback xmlns="">
           <p:sp>
             <p:nvSpPr>
               <p:cNvPr id="3" name="Content Placeholder 2">
@@ -11164,7 +11799,7 @@
 </p:sld>
 </file>
 
-<file path=ppt/slides/slide27.xml><?xml version="1.0" encoding="utf-8"?>
+<file path=ppt/slides/slide28.xml><?xml version="1.0" encoding="utf-8"?>
 <p:sld xmlns:a="http://schemas.openxmlformats.org/drawingml/2006/main" xmlns:r="http://schemas.openxmlformats.org/officeDocument/2006/relationships" xmlns:p="http://schemas.openxmlformats.org/presentationml/2006/main">
   <p:cSld>
     <p:spTree>
@@ -11210,8 +11845,8 @@
           </a:p>
         </p:txBody>
       </p:sp>
-      <mc:AlternateContent xmlns:mc="http://schemas.openxmlformats.org/markup-compatibility/2006">
-        <mc:Choice xmlns:a14="http://schemas.microsoft.com/office/drawing/2010/main" Requires="a14">
+      <mc:AlternateContent xmlns:mc="http://schemas.openxmlformats.org/markup-compatibility/2006" xmlns:a14="http://schemas.microsoft.com/office/drawing/2010/main">
+        <mc:Choice Requires="a14">
           <p:sp>
             <p:nvSpPr>
               <p:cNvPr id="3" name="Content Placeholder 2">
@@ -11277,6 +11912,7 @@
                               <a:srgbClr val="000000"/>
                             </a:solidFill>
                             <a:effectLst/>
+                            <a:latin typeface="Cambria Math" panose="02040503050406030204" pitchFamily="18" charset="0"/>
                             <a:ea typeface="Calibri" panose="020F0502020204030204" pitchFamily="34" charset="0"/>
                             <a:cs typeface="Times New Roman" panose="02020603050405020304" pitchFamily="18" charset="0"/>
                           </a:rPr>
@@ -11289,6 +11925,7 @@
                               <a:srgbClr val="000000"/>
                             </a:solidFill>
                             <a:effectLst/>
+                            <a:latin typeface="Cambria Math" panose="02040503050406030204" pitchFamily="18" charset="0"/>
                             <a:ea typeface="Calibri" panose="020F0502020204030204" pitchFamily="34" charset="0"/>
                             <a:cs typeface="Times New Roman" panose="02020603050405020304" pitchFamily="18" charset="0"/>
                           </a:rPr>
@@ -11302,6 +11939,7 @@
                               <a:srgbClr val="000000"/>
                             </a:solidFill>
                             <a:effectLst/>
+                            <a:latin typeface="Cambria Math" panose="02040503050406030204" pitchFamily="18" charset="0"/>
                             <a:ea typeface="Calibri" panose="020F0502020204030204" pitchFamily="34" charset="0"/>
                             <a:cs typeface="Times New Roman" panose="02020603050405020304" pitchFamily="18" charset="0"/>
                           </a:rPr>
@@ -11332,6 +11970,7 @@
                               <a:srgbClr val="000000"/>
                             </a:solidFill>
                             <a:effectLst/>
+                            <a:latin typeface="Cambria Math" panose="02040503050406030204" pitchFamily="18" charset="0"/>
                             <a:ea typeface="Calibri" panose="020F0502020204030204" pitchFamily="34" charset="0"/>
                             <a:cs typeface="Times New Roman" panose="02020603050405020304" pitchFamily="18" charset="0"/>
                           </a:rPr>
@@ -11344,6 +11983,7 @@
                               <a:srgbClr val="000000"/>
                             </a:solidFill>
                             <a:effectLst/>
+                            <a:latin typeface="Cambria Math" panose="02040503050406030204" pitchFamily="18" charset="0"/>
                             <a:ea typeface="Calibri" panose="020F0502020204030204" pitchFamily="34" charset="0"/>
                             <a:cs typeface="Times New Roman" panose="02020603050405020304" pitchFamily="18" charset="0"/>
                           </a:rPr>
@@ -11357,6 +11997,7 @@
                               <a:srgbClr val="000000"/>
                             </a:solidFill>
                             <a:effectLst/>
+                            <a:latin typeface="Cambria Math" panose="02040503050406030204" pitchFamily="18" charset="0"/>
                             <a:ea typeface="Calibri" panose="020F0502020204030204" pitchFamily="34" charset="0"/>
                             <a:cs typeface="Times New Roman" panose="02020603050405020304" pitchFamily="18" charset="0"/>
                           </a:rPr>
@@ -11404,6 +12045,7 @@
                         <m:ctrlPr>
                           <a:rPr lang="en-CA" sz="1800" i="1">
                             <a:effectLst/>
+                            <a:latin typeface="Cambria Math" panose="02040503050406030204" pitchFamily="18" charset="0"/>
                             <a:ea typeface="Calibri" panose="020F0502020204030204" pitchFamily="34" charset="0"/>
                             <a:cs typeface="Times New Roman" panose="02020603050405020304" pitchFamily="18" charset="0"/>
                           </a:rPr>
@@ -11413,6 +12055,7 @@
                         <m:r>
                           <a:rPr lang="en-CA" sz="1800" i="1">
                             <a:effectLst/>
+                            <a:latin typeface="Cambria Math" panose="02040503050406030204" pitchFamily="18" charset="0"/>
                             <a:ea typeface="Calibri" panose="020F0502020204030204" pitchFamily="34" charset="0"/>
                             <a:cs typeface="Times New Roman" panose="02020603050405020304" pitchFamily="18" charset="0"/>
                           </a:rPr>
@@ -11423,6 +12066,7 @@
                         <m:r>
                           <a:rPr lang="en-CA" sz="1800" i="1">
                             <a:effectLst/>
+                            <a:latin typeface="Cambria Math" panose="02040503050406030204" pitchFamily="18" charset="0"/>
                             <a:ea typeface="Calibri" panose="020F0502020204030204" pitchFamily="34" charset="0"/>
                             <a:cs typeface="Times New Roman" panose="02020603050405020304" pitchFamily="18" charset="0"/>
                           </a:rPr>
@@ -11447,6 +12091,7 @@
                         <m:ctrlPr>
                           <a:rPr lang="en-CA" sz="1800" i="1">
                             <a:effectLst/>
+                            <a:latin typeface="Cambria Math" panose="02040503050406030204" pitchFamily="18" charset="0"/>
                             <a:ea typeface="Calibri" panose="020F0502020204030204" pitchFamily="34" charset="0"/>
                             <a:cs typeface="Times New Roman" panose="02020603050405020304" pitchFamily="18" charset="0"/>
                           </a:rPr>
@@ -11456,6 +12101,7 @@
                         <m:r>
                           <a:rPr lang="en-CA" sz="1800" i="1">
                             <a:effectLst/>
+                            <a:latin typeface="Cambria Math" panose="02040503050406030204" pitchFamily="18" charset="0"/>
                             <a:ea typeface="Calibri" panose="020F0502020204030204" pitchFamily="34" charset="0"/>
                             <a:cs typeface="Times New Roman" panose="02020603050405020304" pitchFamily="18" charset="0"/>
                           </a:rPr>
@@ -11466,6 +12112,7 @@
                         <m:r>
                           <a:rPr lang="en-CA" sz="1800" i="1">
                             <a:effectLst/>
+                            <a:latin typeface="Cambria Math" panose="02040503050406030204" pitchFamily="18" charset="0"/>
                             <a:ea typeface="Calibri" panose="020F0502020204030204" pitchFamily="34" charset="0"/>
                             <a:cs typeface="Times New Roman" panose="02020603050405020304" pitchFamily="18" charset="0"/>
                           </a:rPr>
@@ -11513,6 +12160,7 @@
                               <a:srgbClr val="000000"/>
                             </a:solidFill>
                             <a:effectLst/>
+                            <a:latin typeface="Cambria Math" panose="02040503050406030204" pitchFamily="18" charset="0"/>
                             <a:ea typeface="Calibri" panose="020F0502020204030204" pitchFamily="34" charset="0"/>
                             <a:cs typeface="Times New Roman" panose="02020603050405020304" pitchFamily="18" charset="0"/>
                           </a:rPr>
@@ -11525,6 +12173,7 @@
                               <a:srgbClr val="000000"/>
                             </a:solidFill>
                             <a:effectLst/>
+                            <a:latin typeface="Cambria Math" panose="02040503050406030204" pitchFamily="18" charset="0"/>
                             <a:ea typeface="Calibri" panose="020F0502020204030204" pitchFamily="34" charset="0"/>
                             <a:cs typeface="Times New Roman" panose="02020603050405020304" pitchFamily="18" charset="0"/>
                           </a:rPr>
@@ -11538,6 +12187,7 @@
                               <a:srgbClr val="000000"/>
                             </a:solidFill>
                             <a:effectLst/>
+                            <a:latin typeface="Cambria Math" panose="02040503050406030204" pitchFamily="18" charset="0"/>
                             <a:ea typeface="Calibri" panose="020F0502020204030204" pitchFamily="34" charset="0"/>
                             <a:cs typeface="Times New Roman" panose="02020603050405020304" pitchFamily="18" charset="0"/>
                           </a:rPr>
@@ -11568,6 +12218,7 @@
                               <a:srgbClr val="000000"/>
                             </a:solidFill>
                             <a:effectLst/>
+                            <a:latin typeface="Cambria Math" panose="02040503050406030204" pitchFamily="18" charset="0"/>
                             <a:ea typeface="Calibri" panose="020F0502020204030204" pitchFamily="34" charset="0"/>
                             <a:cs typeface="Times New Roman" panose="02020603050405020304" pitchFamily="18" charset="0"/>
                           </a:rPr>
@@ -11580,6 +12231,7 @@
                               <a:srgbClr val="000000"/>
                             </a:solidFill>
                             <a:effectLst/>
+                            <a:latin typeface="Cambria Math" panose="02040503050406030204" pitchFamily="18" charset="0"/>
                             <a:ea typeface="Calibri" panose="020F0502020204030204" pitchFamily="34" charset="0"/>
                             <a:cs typeface="Times New Roman" panose="02020603050405020304" pitchFamily="18" charset="0"/>
                           </a:rPr>
@@ -11593,6 +12245,7 @@
                               <a:srgbClr val="000000"/>
                             </a:solidFill>
                             <a:effectLst/>
+                            <a:latin typeface="Cambria Math" panose="02040503050406030204" pitchFamily="18" charset="0"/>
                             <a:ea typeface="Calibri" panose="020F0502020204030204" pitchFamily="34" charset="0"/>
                             <a:cs typeface="Times New Roman" panose="02020603050405020304" pitchFamily="18" charset="0"/>
                           </a:rPr>
@@ -11640,6 +12293,7 @@
                         <m:ctrlPr>
                           <a:rPr lang="en-CA" sz="1800" i="1">
                             <a:effectLst/>
+                            <a:latin typeface="Cambria Math" panose="02040503050406030204" pitchFamily="18" charset="0"/>
                             <a:ea typeface="Calibri" panose="020F0502020204030204" pitchFamily="34" charset="0"/>
                             <a:cs typeface="Times New Roman" panose="02020603050405020304" pitchFamily="18" charset="0"/>
                           </a:rPr>
@@ -11651,6 +12305,7 @@
                             <m:ctrlPr>
                               <a:rPr lang="en-CA" sz="1800" i="1">
                                 <a:effectLst/>
+                                <a:latin typeface="Cambria Math" panose="02040503050406030204" pitchFamily="18" charset="0"/>
                                 <a:ea typeface="Calibri" panose="020F0502020204030204" pitchFamily="34" charset="0"/>
                                 <a:cs typeface="Times New Roman" panose="02020603050405020304" pitchFamily="18" charset="0"/>
                               </a:rPr>
@@ -11660,6 +12315,7 @@
                             <m:r>
                               <a:rPr lang="en-CA" sz="1800" i="1">
                                 <a:effectLst/>
+                                <a:latin typeface="Cambria Math" panose="02040503050406030204" pitchFamily="18" charset="0"/>
                                 <a:ea typeface="Calibri" panose="020F0502020204030204" pitchFamily="34" charset="0"/>
                                 <a:cs typeface="Times New Roman" panose="02020603050405020304" pitchFamily="18" charset="0"/>
                               </a:rPr>
@@ -11670,6 +12326,7 @@
                             <m:r>
                               <a:rPr lang="en-CA" sz="1800" i="1">
                                 <a:effectLst/>
+                                <a:latin typeface="Cambria Math" panose="02040503050406030204" pitchFamily="18" charset="0"/>
                                 <a:ea typeface="Calibri" panose="020F0502020204030204" pitchFamily="34" charset="0"/>
                                 <a:cs typeface="Times New Roman" panose="02020603050405020304" pitchFamily="18" charset="0"/>
                               </a:rPr>
@@ -11682,6 +12339,7 @@
                         <m:r>
                           <a:rPr lang="en-CA" sz="1800" i="1">
                             <a:effectLst/>
+                            <a:latin typeface="Cambria Math" panose="02040503050406030204" pitchFamily="18" charset="0"/>
                             <a:ea typeface="Calibri" panose="020F0502020204030204" pitchFamily="34" charset="0"/>
                             <a:cs typeface="Times New Roman" panose="02020603050405020304" pitchFamily="18" charset="0"/>
                           </a:rPr>
@@ -11706,6 +12364,7 @@
                         <m:ctrlPr>
                           <a:rPr lang="en-CA" sz="1800" i="1">
                             <a:effectLst/>
+                            <a:latin typeface="Cambria Math" panose="02040503050406030204" pitchFamily="18" charset="0"/>
                             <a:ea typeface="Calibri" panose="020F0502020204030204" pitchFamily="34" charset="0"/>
                             <a:cs typeface="Times New Roman" panose="02020603050405020304" pitchFamily="18" charset="0"/>
                           </a:rPr>
@@ -11717,6 +12376,7 @@
                             <m:ctrlPr>
                               <a:rPr lang="en-CA" sz="1800" i="1">
                                 <a:effectLst/>
+                                <a:latin typeface="Cambria Math" panose="02040503050406030204" pitchFamily="18" charset="0"/>
                                 <a:ea typeface="Calibri" panose="020F0502020204030204" pitchFamily="34" charset="0"/>
                                 <a:cs typeface="Times New Roman" panose="02020603050405020304" pitchFamily="18" charset="0"/>
                               </a:rPr>
@@ -11726,6 +12386,7 @@
                             <m:r>
                               <a:rPr lang="en-CA" sz="1800" i="1">
                                 <a:effectLst/>
+                                <a:latin typeface="Cambria Math" panose="02040503050406030204" pitchFamily="18" charset="0"/>
                                 <a:ea typeface="Calibri" panose="020F0502020204030204" pitchFamily="34" charset="0"/>
                                 <a:cs typeface="Times New Roman" panose="02020603050405020304" pitchFamily="18" charset="0"/>
                               </a:rPr>
@@ -11736,6 +12397,7 @@
                             <m:r>
                               <a:rPr lang="en-CA" sz="1800" i="1">
                                 <a:effectLst/>
+                                <a:latin typeface="Cambria Math" panose="02040503050406030204" pitchFamily="18" charset="0"/>
                                 <a:ea typeface="Calibri" panose="020F0502020204030204" pitchFamily="34" charset="0"/>
                                 <a:cs typeface="Times New Roman" panose="02020603050405020304" pitchFamily="18" charset="0"/>
                               </a:rPr>
@@ -11748,6 +12410,7 @@
                         <m:r>
                           <a:rPr lang="en-CA" sz="1800" i="1">
                             <a:effectLst/>
+                            <a:latin typeface="Cambria Math" panose="02040503050406030204" pitchFamily="18" charset="0"/>
                             <a:ea typeface="Calibri" panose="020F0502020204030204" pitchFamily="34" charset="0"/>
                             <a:cs typeface="Times New Roman" panose="02020603050405020304" pitchFamily="18" charset="0"/>
                           </a:rPr>
@@ -11788,7 +12451,7 @@
             </p:txBody>
           </p:sp>
         </mc:Choice>
-        <mc:Fallback>
+        <mc:Fallback xmlns="">
           <p:sp>
             <p:nvSpPr>
               <p:cNvPr id="3" name="Content Placeholder 2">
@@ -11841,7 +12504,7 @@
 </p:sld>
 </file>
 
-<file path=ppt/slides/slide28.xml><?xml version="1.0" encoding="utf-8"?>
+<file path=ppt/slides/slide29.xml><?xml version="1.0" encoding="utf-8"?>
 <p:sld xmlns:a="http://schemas.openxmlformats.org/drawingml/2006/main" xmlns:r="http://schemas.openxmlformats.org/officeDocument/2006/relationships" xmlns:p="http://schemas.openxmlformats.org/presentationml/2006/main">
   <p:cSld>
     <p:spTree>
@@ -11962,9 +12625,17 @@
 </p:sld>
 </file>
 
-<file path=ppt/slides/slide29.xml><?xml version="1.0" encoding="utf-8"?>
+<file path=ppt/slides/slide3.xml><?xml version="1.0" encoding="utf-8"?>
 <p:sld xmlns:a="http://schemas.openxmlformats.org/drawingml/2006/main" xmlns:r="http://schemas.openxmlformats.org/officeDocument/2006/relationships" xmlns:p="http://schemas.openxmlformats.org/presentationml/2006/main">
   <p:cSld>
+    <p:bg>
+      <p:bgPr>
+        <a:solidFill>
+          <a:schemeClr val="bg1"/>
+        </a:solidFill>
+        <a:effectLst/>
+      </p:bgPr>
+    </p:bg>
     <p:spTree>
       <p:nvGrpSpPr>
         <p:cNvPr id="1" name=""/>
@@ -11981,10 +12652,65 @@
       </p:grpSpPr>
       <p:sp>
         <p:nvSpPr>
+          <p:cNvPr id="1031" name="Rectangle 1030">
+            <a:extLst>
+              <a:ext uri="{FF2B5EF4-FFF2-40B4-BE49-F238E27FC236}">
+                <a16:creationId xmlns:a16="http://schemas.microsoft.com/office/drawing/2014/main" id="{E844E128-FF69-4E9F-8327-6B504B3C5AE1}"/>
+              </a:ext>
+              <a:ext uri="{C183D7F6-B498-43B3-948B-1728B52AA6E4}">
+                <adec:decorative xmlns:adec="http://schemas.microsoft.com/office/drawing/2017/decorative" val="1"/>
+              </a:ext>
+            </a:extLst>
+          </p:cNvPr>
+          <p:cNvSpPr>
+            <a:spLocks noGrp="1" noRot="1" noChangeAspect="1" noMove="1" noResize="1" noEditPoints="1" noAdjustHandles="1" noChangeArrowheads="1" noChangeShapeType="1" noTextEdit="1"/>
+          </p:cNvSpPr>
+          <p:nvPr>
+            <p:extLst>
+              <p:ext uri="{386F3935-93C4-4BCD-93E2-E3B085C9AB24}">
+                <p16:designElem xmlns:p16="http://schemas.microsoft.com/office/powerpoint/2015/main" val="1"/>
+              </p:ext>
+            </p:extLst>
+          </p:nvPr>
+        </p:nvSpPr>
+        <p:spPr bwMode="white">
+          <a:xfrm>
+            <a:off x="15" y="0"/>
+            <a:ext cx="12191985" cy="6858000"/>
+          </a:xfrm>
+          <a:prstGeom prst="rect">
+            <a:avLst/>
+          </a:prstGeom>
+          <a:solidFill>
+            <a:srgbClr val="262626"/>
+          </a:solidFill>
+          <a:ln>
+            <a:noFill/>
+          </a:ln>
+        </p:spPr>
+        <p:style>
+          <a:lnRef idx="2">
+            <a:schemeClr val="accent1">
+              <a:shade val="50000"/>
+            </a:schemeClr>
+          </a:lnRef>
+          <a:fillRef idx="1">
+            <a:schemeClr val="accent1"/>
+          </a:fillRef>
+          <a:effectRef idx="0">
+            <a:schemeClr val="accent1"/>
+          </a:effectRef>
+          <a:fontRef idx="minor">
+            <a:schemeClr val="lt1"/>
+          </a:fontRef>
+        </p:style>
+      </p:sp>
+      <p:sp>
+        <p:nvSpPr>
           <p:cNvPr id="2" name="Title 1">
             <a:extLst>
               <a:ext uri="{FF2B5EF4-FFF2-40B4-BE49-F238E27FC236}">
-                <a16:creationId xmlns:a16="http://schemas.microsoft.com/office/drawing/2014/main" id="{502C80E5-5FD2-16A3-37E3-8B324B604E79}"/>
+                <a16:creationId xmlns:a16="http://schemas.microsoft.com/office/drawing/2014/main" id="{3F7AF35E-3D63-9890-AB51-9B9D5BD54384}"/>
               </a:ext>
             </a:extLst>
           </p:cNvPr>
@@ -11995,25 +12721,92 @@
             <p:ph type="title"/>
           </p:nvPr>
         </p:nvSpPr>
-        <p:spPr/>
+        <p:spPr>
+          <a:xfrm>
+            <a:off x="643467" y="516835"/>
+            <a:ext cx="3448259" cy="1666501"/>
+          </a:xfrm>
+        </p:spPr>
         <p:txBody>
-          <a:bodyPr/>
+          <a:bodyPr>
+            <a:normAutofit/>
+          </a:bodyPr>
           <a:lstStyle/>
           <a:p>
             <a:r>
-              <a:rPr lang="en-US" dirty="0"/>
-              <a:t>Implementation - 2</a:t>
-            </a:r>
-            <a:endParaRPr lang="en-CA" dirty="0"/>
+              <a:rPr lang="en-US" sz="4000">
+                <a:solidFill>
+                  <a:srgbClr val="FFFFFF"/>
+                </a:solidFill>
+              </a:rPr>
+              <a:t>Quantum Optics - 1</a:t>
+            </a:r>
+            <a:endParaRPr lang="en-CA" sz="4000">
+              <a:solidFill>
+                <a:srgbClr val="FFFFFF"/>
+              </a:solidFill>
+            </a:endParaRPr>
           </a:p>
         </p:txBody>
       </p:sp>
+      <p:cxnSp>
+        <p:nvCxnSpPr>
+          <p:cNvPr id="1033" name="Straight Connector 1032">
+            <a:extLst>
+              <a:ext uri="{FF2B5EF4-FFF2-40B4-BE49-F238E27FC236}">
+                <a16:creationId xmlns:a16="http://schemas.microsoft.com/office/drawing/2014/main" id="{055CEADF-09EA-423C-8C45-F94AF44D5AF0}"/>
+              </a:ext>
+              <a:ext uri="{C183D7F6-B498-43B3-948B-1728B52AA6E4}">
+                <adec:decorative xmlns:adec="http://schemas.microsoft.com/office/drawing/2017/decorative" val="1"/>
+              </a:ext>
+            </a:extLst>
+          </p:cNvPr>
+          <p:cNvCxnSpPr>
+            <a:cxnSpLocks noGrp="1" noRot="1" noChangeAspect="1" noMove="1" noResize="1" noEditPoints="1" noAdjustHandles="1" noChangeArrowheads="1" noChangeShapeType="1"/>
+          </p:cNvCxnSpPr>
+          <p:nvPr>
+            <p:extLst>
+              <p:ext uri="{386F3935-93C4-4BCD-93E2-E3B085C9AB24}">
+                <p16:designElem xmlns:p16="http://schemas.microsoft.com/office/powerpoint/2015/main" val="1"/>
+              </p:ext>
+            </p:extLst>
+          </p:nvPr>
+        </p:nvCxnSpPr>
+        <p:spPr>
+          <a:xfrm>
+            <a:off x="723686" y="2353592"/>
+            <a:ext cx="3291840" cy="0"/>
+          </a:xfrm>
+          <a:prstGeom prst="line">
+            <a:avLst/>
+          </a:prstGeom>
+          <a:ln w="19050">
+            <a:solidFill>
+              <a:schemeClr val="accent1"/>
+            </a:solidFill>
+          </a:ln>
+        </p:spPr>
+        <p:style>
+          <a:lnRef idx="1">
+            <a:schemeClr val="accent1"/>
+          </a:lnRef>
+          <a:fillRef idx="0">
+            <a:schemeClr val="accent1"/>
+          </a:fillRef>
+          <a:effectRef idx="0">
+            <a:schemeClr val="accent1"/>
+          </a:effectRef>
+          <a:fontRef idx="minor">
+            <a:schemeClr val="tx1"/>
+          </a:fontRef>
+        </p:style>
+      </p:cxnSp>
       <p:sp>
         <p:nvSpPr>
           <p:cNvPr id="3" name="Content Placeholder 2">
             <a:extLst>
               <a:ext uri="{FF2B5EF4-FFF2-40B4-BE49-F238E27FC236}">
-                <a16:creationId xmlns:a16="http://schemas.microsoft.com/office/drawing/2014/main" id="{B1D2286A-05C5-E243-62CC-B65C67E387EE}"/>
+                <a16:creationId xmlns:a16="http://schemas.microsoft.com/office/drawing/2014/main" id="{6A0D9FB6-F992-053A-F54A-DD86E4CB98EE}"/>
               </a:ext>
             </a:extLst>
           </p:cNvPr>
@@ -12024,277 +12817,205 @@
             <p:ph idx="1"/>
           </p:nvPr>
         </p:nvSpPr>
-        <p:spPr/>
+        <p:spPr>
+          <a:xfrm>
+            <a:off x="643467" y="2546224"/>
+            <a:ext cx="3448259" cy="3342747"/>
+          </a:xfrm>
+        </p:spPr>
         <p:txBody>
           <a:bodyPr>
-            <a:normAutofit fontScale="92500" lnSpcReduction="10000"/>
+            <a:normAutofit/>
           </a:bodyPr>
           <a:lstStyle/>
           <a:p>
-            <a:r>
-              <a:rPr lang="en-US" dirty="0"/>
-              <a:t>Made implementation easy as it solved the analytical component with the following required parameters:</a:t>
-            </a:r>
-          </a:p>
-          <a:p>
-            <a:pPr marL="742950" marR="0" lvl="1" indent="-285750" algn="just">
+            <a:pPr>
               <a:lnSpc>
-                <a:spcPct val="200000"/>
+                <a:spcPct val="100000"/>
               </a:lnSpc>
-              <a:spcBef>
-                <a:spcPts val="0"/>
-              </a:spcBef>
-              <a:spcAft>
-                <a:spcPts val="0"/>
-              </a:spcAft>
-              <a:buFont typeface="Courier New" panose="02070309020205020404" pitchFamily="49" charset="0"/>
-              <a:buChar char="o"/>
             </a:pPr>
             <a:r>
-              <a:rPr lang="en-CA" sz="1800" dirty="0">
-                <a:effectLst/>
-                <a:ea typeface="Calibri" panose="020F0502020204030204" pitchFamily="34" charset="0"/>
-                <a:cs typeface="Times New Roman" panose="02020603050405020304" pitchFamily="18" charset="0"/>
+              <a:rPr lang="en-US" sz="1400" dirty="0">
+                <a:solidFill>
+                  <a:srgbClr val="FFFFFF"/>
+                </a:solidFill>
               </a:rPr>
-              <a:t>The Effective Hamiltonian</a:t>
-            </a:r>
-          </a:p>
-          <a:p>
-            <a:pPr marL="742950" marR="0" lvl="1" indent="-285750" algn="just">
+              <a:t>Most popular mode of implementation for Quantum Information Processing</a:t>
+            </a:r>
+          </a:p>
+          <a:p>
+            <a:pPr>
               <a:lnSpc>
-                <a:spcPct val="200000"/>
+                <a:spcPct val="100000"/>
               </a:lnSpc>
-              <a:spcBef>
-                <a:spcPts val="0"/>
-              </a:spcBef>
-              <a:spcAft>
-                <a:spcPts val="0"/>
-              </a:spcAft>
-              <a:buFont typeface="Courier New" panose="02070309020205020404" pitchFamily="49" charset="0"/>
-              <a:buChar char="o"/>
             </a:pPr>
-            <a:r>
-              <a:rPr lang="en-CA" sz="1800" dirty="0">
-                <a:effectLst/>
-                <a:ea typeface="Calibri" panose="020F0502020204030204" pitchFamily="34" charset="0"/>
-                <a:cs typeface="Times New Roman" panose="02020603050405020304" pitchFamily="18" charset="0"/>
+            <a:endParaRPr lang="en-US" sz="1400" dirty="0">
+              <a:solidFill>
+                <a:srgbClr val="FFFFFF"/>
+              </a:solidFill>
+            </a:endParaRPr>
+          </a:p>
+          <a:p>
+            <a:pPr>
+              <a:lnSpc>
+                <a:spcPct val="100000"/>
+              </a:lnSpc>
+            </a:pPr>
+            <a:r>
+              <a:rPr lang="en-US" sz="1400" dirty="0">
+                <a:solidFill>
+                  <a:srgbClr val="FFFFFF"/>
+                </a:solidFill>
               </a:rPr>
-              <a:t>Wave function: Providing information on the initial state of the system</a:t>
-            </a:r>
-          </a:p>
-          <a:p>
-            <a:pPr marL="742950" marR="0" lvl="1" indent="-285750" algn="just">
+              <a:t>Photons are durable and have high mobility</a:t>
+            </a:r>
+          </a:p>
+          <a:p>
+            <a:pPr>
               <a:lnSpc>
-                <a:spcPct val="200000"/>
+                <a:spcPct val="100000"/>
               </a:lnSpc>
-              <a:spcBef>
-                <a:spcPts val="0"/>
-              </a:spcBef>
-              <a:spcAft>
-                <a:spcPts val="0"/>
-              </a:spcAft>
-              <a:buFont typeface="Courier New" panose="02070309020205020404" pitchFamily="49" charset="0"/>
-              <a:buChar char="o"/>
             </a:pPr>
-            <a:r>
-              <a:rPr lang="en-CA" sz="1800" dirty="0">
-                <a:effectLst/>
-                <a:ea typeface="Calibri" panose="020F0502020204030204" pitchFamily="34" charset="0"/>
-                <a:cs typeface="Times New Roman" panose="02020603050405020304" pitchFamily="18" charset="0"/>
+            <a:endParaRPr lang="en-US" sz="1400" dirty="0">
+              <a:solidFill>
+                <a:srgbClr val="FFFFFF"/>
+              </a:solidFill>
+            </a:endParaRPr>
+          </a:p>
+          <a:p>
+            <a:pPr>
+              <a:lnSpc>
+                <a:spcPct val="100000"/>
+              </a:lnSpc>
+            </a:pPr>
+            <a:r>
+              <a:rPr lang="en-US" sz="1400" dirty="0">
+                <a:solidFill>
+                  <a:srgbClr val="FFFFFF"/>
+                </a:solidFill>
               </a:rPr>
-              <a:t>Gaussian pulse used to excite the system</a:t>
-            </a:r>
-          </a:p>
-          <a:p>
-            <a:pPr marL="742950" marR="0" lvl="1" indent="-285750" algn="just">
+              <a:t>Problematic for the same reasons</a:t>
+            </a:r>
+          </a:p>
+          <a:p>
+            <a:pPr>
               <a:lnSpc>
-                <a:spcPct val="200000"/>
+                <a:spcPct val="100000"/>
               </a:lnSpc>
-              <a:spcBef>
-                <a:spcPts val="0"/>
-              </a:spcBef>
-              <a:spcAft>
-                <a:spcPts val="0"/>
-              </a:spcAft>
-              <a:buFont typeface="Courier New" panose="02070309020205020404" pitchFamily="49" charset="0"/>
-              <a:buChar char="o"/>
             </a:pPr>
-            <a:r>
-              <a:rPr lang="en-CA" sz="1800" dirty="0">
-                <a:effectLst/>
-                <a:ea typeface="Calibri" panose="020F0502020204030204" pitchFamily="34" charset="0"/>
-                <a:cs typeface="Times New Roman" panose="02020603050405020304" pitchFamily="18" charset="0"/>
+            <a:endParaRPr lang="en-US" sz="1400" dirty="0">
+              <a:solidFill>
+                <a:srgbClr val="FFFFFF"/>
+              </a:solidFill>
+            </a:endParaRPr>
+          </a:p>
+          <a:p>
+            <a:pPr>
+              <a:lnSpc>
+                <a:spcPct val="100000"/>
+              </a:lnSpc>
+            </a:pPr>
+            <a:r>
+              <a:rPr lang="en-US" sz="1400" dirty="0" err="1">
+                <a:solidFill>
+                  <a:srgbClr val="FFFFFF"/>
+                </a:solidFill>
               </a:rPr>
-              <a:t>T-list: A list of times that are used to perform calculations </a:t>
-            </a:r>
-          </a:p>
-          <a:p>
-            <a:pPr marL="742950" marR="0" lvl="1" indent="-285750" algn="just">
-              <a:lnSpc>
-                <a:spcPct val="200000"/>
-              </a:lnSpc>
-              <a:spcBef>
-                <a:spcPts val="0"/>
-              </a:spcBef>
-              <a:spcAft>
-                <a:spcPts val="0"/>
-              </a:spcAft>
-              <a:buFont typeface="Courier New" panose="02070309020205020404" pitchFamily="49" charset="0"/>
-              <a:buChar char="o"/>
-            </a:pPr>
-            <a:r>
-              <a:rPr lang="en-CA" sz="1800" dirty="0">
-                <a:effectLst/>
-                <a:ea typeface="Calibri" panose="020F0502020204030204" pitchFamily="34" charset="0"/>
-                <a:cs typeface="Times New Roman" panose="02020603050405020304" pitchFamily="18" charset="0"/>
+              <a:t>Knill</a:t>
+            </a:r>
+            <a:r>
+              <a:rPr lang="en-US" sz="1400" dirty="0">
+                <a:solidFill>
+                  <a:srgbClr val="FFFFFF"/>
+                </a:solidFill>
               </a:rPr>
-              <a:t>A Set of Collapse Operators: Which detail dephasing within the system</a:t>
-            </a:r>
-          </a:p>
-          <a:p>
-            <a:pPr marL="742950" marR="0" lvl="1" indent="-285750" algn="just">
-              <a:lnSpc>
-                <a:spcPct val="200000"/>
-              </a:lnSpc>
-              <a:spcBef>
-                <a:spcPts val="0"/>
-              </a:spcBef>
-              <a:spcAft>
-                <a:spcPts val="600"/>
-              </a:spcAft>
-              <a:buFont typeface="Courier New" panose="02070309020205020404" pitchFamily="49" charset="0"/>
-              <a:buChar char="o"/>
-            </a:pPr>
-            <a:r>
-              <a:rPr lang="en-CA" sz="1800" dirty="0">
-                <a:effectLst/>
-                <a:ea typeface="Calibri" panose="020F0502020204030204" pitchFamily="34" charset="0"/>
-                <a:cs typeface="Times New Roman" panose="02020603050405020304" pitchFamily="18" charset="0"/>
-              </a:rPr>
-              <a:t>and a Set of Environmental Operators: Which detail dephasing due to environmental factors</a:t>
-            </a:r>
-          </a:p>
-          <a:p>
-            <a:endParaRPr lang="en-CA" dirty="0"/>
+              <a:t>, Laflamme, and Milburn Implement (KLM) protocol</a:t>
+            </a:r>
+            <a:endParaRPr lang="en-CA" sz="1400" dirty="0">
+              <a:solidFill>
+                <a:srgbClr val="FFFFFF"/>
+              </a:solidFill>
+            </a:endParaRPr>
           </a:p>
         </p:txBody>
       </p:sp>
-    </p:spTree>
-    <p:extLst>
-      <p:ext uri="{BB962C8B-B14F-4D97-AF65-F5344CB8AC3E}">
-        <p14:creationId xmlns:p14="http://schemas.microsoft.com/office/powerpoint/2010/main" val="2113832642"/>
-      </p:ext>
-    </p:extLst>
-  </p:cSld>
-  <p:clrMapOvr>
-    <a:masterClrMapping/>
-  </p:clrMapOvr>
-</p:sld>
-</file>
-
-<file path=ppt/slides/slide3.xml><?xml version="1.0" encoding="utf-8"?>
-<p:sld xmlns:a="http://schemas.openxmlformats.org/drawingml/2006/main" xmlns:r="http://schemas.openxmlformats.org/officeDocument/2006/relationships" xmlns:p="http://schemas.openxmlformats.org/presentationml/2006/main">
-  <p:cSld>
-    <p:spTree>
-      <p:nvGrpSpPr>
-        <p:cNvPr id="1" name=""/>
-        <p:cNvGrpSpPr/>
-        <p:nvPr/>
-      </p:nvGrpSpPr>
-      <p:grpSpPr>
-        <a:xfrm>
-          <a:off x="0" y="0"/>
-          <a:ext cx="0" cy="0"/>
-          <a:chOff x="0" y="0"/>
-          <a:chExt cx="0" cy="0"/>
-        </a:xfrm>
-      </p:grpSpPr>
+      <p:pic>
+        <p:nvPicPr>
+          <p:cNvPr id="1026" name="Picture 2">
+            <a:extLst>
+              <a:ext uri="{FF2B5EF4-FFF2-40B4-BE49-F238E27FC236}">
+                <a16:creationId xmlns:a16="http://schemas.microsoft.com/office/drawing/2014/main" id="{9F5235B2-FC5A-AA3B-0A14-350B9759351C}"/>
+              </a:ext>
+            </a:extLst>
+          </p:cNvPr>
+          <p:cNvPicPr>
+            <a:picLocks noChangeAspect="1" noChangeArrowheads="1"/>
+          </p:cNvPicPr>
+          <p:nvPr/>
+        </p:nvPicPr>
+        <p:blipFill rotWithShape="1">
+          <a:blip r:embed="rId2">
+            <a:extLst>
+              <a:ext uri="{28A0092B-C50C-407E-A947-70E740481C1C}">
+                <a14:useLocalDpi xmlns:a14="http://schemas.microsoft.com/office/drawing/2010/main" val="0"/>
+              </a:ext>
+            </a:extLst>
+          </a:blip>
+          <a:srcRect l="3765" r="22868" b="-1"/>
+          <a:stretch/>
+        </p:blipFill>
+        <p:spPr bwMode="auto">
+          <a:xfrm>
+            <a:off x="4654296" y="10"/>
+            <a:ext cx="7537703" cy="6857990"/>
+          </a:xfrm>
+          <a:prstGeom prst="rect">
+            <a:avLst/>
+          </a:prstGeom>
+          <a:noFill/>
+          <a:extLst>
+            <a:ext uri="{909E8E84-426E-40DD-AFC4-6F175D3DCCD1}">
+              <a14:hiddenFill xmlns:a14="http://schemas.microsoft.com/office/drawing/2010/main">
+                <a:solidFill>
+                  <a:srgbClr val="FFFFFF"/>
+                </a:solidFill>
+              </a14:hiddenFill>
+            </a:ext>
+          </a:extLst>
+        </p:spPr>
+      </p:pic>
       <p:sp>
         <p:nvSpPr>
-          <p:cNvPr id="2" name="Title 1">
+          <p:cNvPr id="4" name="TextBox 3">
             <a:extLst>
               <a:ext uri="{FF2B5EF4-FFF2-40B4-BE49-F238E27FC236}">
-                <a16:creationId xmlns:a16="http://schemas.microsoft.com/office/drawing/2014/main" id="{3F7AF35E-3D63-9890-AB51-9B9D5BD54384}"/>
+                <a16:creationId xmlns:a16="http://schemas.microsoft.com/office/drawing/2014/main" id="{349D8CF5-E847-843B-97FC-DF2FB6CCDACF}"/>
               </a:ext>
             </a:extLst>
           </p:cNvPr>
-          <p:cNvSpPr>
-            <a:spLocks noGrp="1"/>
-          </p:cNvSpPr>
-          <p:nvPr>
-            <p:ph type="title"/>
-          </p:nvPr>
+          <p:cNvSpPr txBox="1"/>
+          <p:nvPr/>
         </p:nvSpPr>
-        <p:spPr/>
+        <p:spPr>
+          <a:xfrm>
+            <a:off x="7414697" y="6613066"/>
+            <a:ext cx="2016899" cy="184666"/>
+          </a:xfrm>
+          <a:prstGeom prst="rect">
+            <a:avLst/>
+          </a:prstGeom>
+          <a:noFill/>
+        </p:spPr>
         <p:txBody>
-          <a:bodyPr/>
+          <a:bodyPr wrap="none" rtlCol="0">
+            <a:spAutoFit/>
+          </a:bodyPr>
           <a:lstStyle/>
           <a:p>
             <a:r>
-              <a:rPr lang="en-US" dirty="0"/>
-              <a:t>Quantum Optics - 1</a:t>
-            </a:r>
-            <a:endParaRPr lang="en-CA" dirty="0"/>
-          </a:p>
-        </p:txBody>
-      </p:sp>
-      <p:sp>
-        <p:nvSpPr>
-          <p:cNvPr id="3" name="Content Placeholder 2">
-            <a:extLst>
-              <a:ext uri="{FF2B5EF4-FFF2-40B4-BE49-F238E27FC236}">
-                <a16:creationId xmlns:a16="http://schemas.microsoft.com/office/drawing/2014/main" id="{6A0D9FB6-F992-053A-F54A-DD86E4CB98EE}"/>
-              </a:ext>
-            </a:extLst>
-          </p:cNvPr>
-          <p:cNvSpPr>
-            <a:spLocks noGrp="1"/>
-          </p:cNvSpPr>
-          <p:nvPr>
-            <p:ph idx="1"/>
-          </p:nvPr>
-        </p:nvSpPr>
-        <p:spPr/>
-        <p:txBody>
-          <a:bodyPr/>
-          <a:lstStyle/>
-          <a:p>
-            <a:r>
-              <a:rPr lang="en-US" dirty="0"/>
-              <a:t>Most popular mode of implementation for Quantum Information Processing</a:t>
-            </a:r>
-          </a:p>
-          <a:p>
-            <a:endParaRPr lang="en-US" dirty="0"/>
-          </a:p>
-          <a:p>
-            <a:r>
-              <a:rPr lang="en-US" dirty="0"/>
-              <a:t>Photons are durable and have high mobility</a:t>
-            </a:r>
-          </a:p>
-          <a:p>
-            <a:endParaRPr lang="en-US" dirty="0"/>
-          </a:p>
-          <a:p>
-            <a:r>
-              <a:rPr lang="en-US" dirty="0"/>
-              <a:t>Problematic for the same reasons</a:t>
-            </a:r>
-          </a:p>
-          <a:p>
-            <a:endParaRPr lang="en-US" dirty="0"/>
-          </a:p>
-          <a:p>
-            <a:r>
-              <a:rPr lang="en-US" dirty="0" err="1"/>
-              <a:t>Knill</a:t>
-            </a:r>
-            <a:r>
-              <a:rPr lang="en-US" dirty="0"/>
-              <a:t>, Laflamme, and Milburn Implement (KLM) Implement protocol</a:t>
-            </a:r>
-            <a:endParaRPr lang="en-CA" dirty="0"/>
+              <a:rPr lang="en-CA" sz="600" dirty="0"/>
+              <a:t>https://www.azooptics.com/Article.aspx?ArticleID=1502</a:t>
+            </a:r>
           </a:p>
         </p:txBody>
       </p:sp>
@@ -12306,7 +13027,7 @@
     </p:extLst>
   </p:cSld>
   <p:clrMapOvr>
-    <a:masterClrMapping/>
+    <a:overrideClrMapping bg1="dk1" tx1="lt1" bg2="dk2" tx2="lt2" accent1="accent1" accent2="accent2" accent3="accent3" accent4="accent4" accent5="accent5" accent6="accent6" hlink="hlink" folHlink="folHlink"/>
   </p:clrMapOvr>
 </p:sld>
 </file>
@@ -12333,7 +13054,7 @@
           <p:cNvPr id="2" name="Title 1">
             <a:extLst>
               <a:ext uri="{FF2B5EF4-FFF2-40B4-BE49-F238E27FC236}">
-                <a16:creationId xmlns:a16="http://schemas.microsoft.com/office/drawing/2014/main" id="{8868DA0D-B976-A0B7-DDE1-BEF726AAB842}"/>
+                <a16:creationId xmlns:a16="http://schemas.microsoft.com/office/drawing/2014/main" id="{502C80E5-5FD2-16A3-37E3-8B324B604E79}"/>
               </a:ext>
             </a:extLst>
           </p:cNvPr>
@@ -12351,7 +13072,7 @@
           <a:p>
             <a:r>
               <a:rPr lang="en-US" dirty="0"/>
-              <a:t>Challenges</a:t>
+              <a:t>Implementation - 2</a:t>
             </a:r>
             <a:endParaRPr lang="en-CA" dirty="0"/>
           </a:p>
@@ -12362,7 +13083,7 @@
           <p:cNvPr id="3" name="Content Placeholder 2">
             <a:extLst>
               <a:ext uri="{FF2B5EF4-FFF2-40B4-BE49-F238E27FC236}">
-                <a16:creationId xmlns:a16="http://schemas.microsoft.com/office/drawing/2014/main" id="{72932D12-9D57-CBD3-0E36-396F57EE6031}"/>
+                <a16:creationId xmlns:a16="http://schemas.microsoft.com/office/drawing/2014/main" id="{B1D2286A-05C5-E243-62CC-B65C67E387EE}"/>
               </a:ext>
             </a:extLst>
           </p:cNvPr>
@@ -12375,48 +13096,155 @@
         </p:nvSpPr>
         <p:spPr/>
         <p:txBody>
-          <a:bodyPr/>
+          <a:bodyPr>
+            <a:normAutofit fontScale="92500" lnSpcReduction="10000"/>
+          </a:bodyPr>
           <a:lstStyle/>
           <a:p>
             <a:r>
               <a:rPr lang="en-US" dirty="0"/>
-              <a:t>Ran into 3 Challenges</a:t>
-            </a:r>
-          </a:p>
-          <a:p>
-            <a:endParaRPr lang="en-US" dirty="0"/>
-          </a:p>
-          <a:p>
-            <a:pPr lvl="1"/>
-            <a:r>
-              <a:rPr lang="en-US" dirty="0"/>
-              <a:t>Our problem had 3 states (ground, exciton, and biexciton) rather than the usual 2</a:t>
-            </a:r>
-          </a:p>
-          <a:p>
-            <a:pPr lvl="1"/>
-            <a:endParaRPr lang="en-US" dirty="0"/>
-          </a:p>
-          <a:p>
-            <a:pPr lvl="1"/>
-            <a:r>
-              <a:rPr lang="en-US" dirty="0"/>
-              <a:t>Rewriting operators so that it made sense to QuTiP</a:t>
-            </a:r>
-          </a:p>
-          <a:p>
-            <a:pPr lvl="1"/>
-            <a:endParaRPr lang="en-US" dirty="0"/>
-          </a:p>
-          <a:p>
-            <a:pPr lvl="1"/>
-            <a:r>
-              <a:rPr lang="en-US" dirty="0"/>
-              <a:t>Incident Pulse Shape Interfering with Rabi Oscillation Detection</a:t>
-            </a:r>
-          </a:p>
-          <a:p>
-            <a:pPr lvl="1"/>
+              <a:t>Made implementation easy as it solved the analytical component with the following required parameters:</a:t>
+            </a:r>
+          </a:p>
+          <a:p>
+            <a:pPr marL="742950" marR="0" lvl="1" indent="-285750" algn="just">
+              <a:lnSpc>
+                <a:spcPct val="200000"/>
+              </a:lnSpc>
+              <a:spcBef>
+                <a:spcPts val="0"/>
+              </a:spcBef>
+              <a:spcAft>
+                <a:spcPts val="0"/>
+              </a:spcAft>
+              <a:buFont typeface="Courier New" panose="02070309020205020404" pitchFamily="49" charset="0"/>
+              <a:buChar char="o"/>
+            </a:pPr>
+            <a:r>
+              <a:rPr lang="en-CA" sz="1800" dirty="0">
+                <a:effectLst/>
+                <a:ea typeface="Calibri" panose="020F0502020204030204" pitchFamily="34" charset="0"/>
+                <a:cs typeface="Times New Roman" panose="02020603050405020304" pitchFamily="18" charset="0"/>
+              </a:rPr>
+              <a:t>The Effective Hamiltonian</a:t>
+            </a:r>
+          </a:p>
+          <a:p>
+            <a:pPr marL="742950" marR="0" lvl="1" indent="-285750" algn="just">
+              <a:lnSpc>
+                <a:spcPct val="200000"/>
+              </a:lnSpc>
+              <a:spcBef>
+                <a:spcPts val="0"/>
+              </a:spcBef>
+              <a:spcAft>
+                <a:spcPts val="0"/>
+              </a:spcAft>
+              <a:buFont typeface="Courier New" panose="02070309020205020404" pitchFamily="49" charset="0"/>
+              <a:buChar char="o"/>
+            </a:pPr>
+            <a:r>
+              <a:rPr lang="en-CA" sz="1800" dirty="0">
+                <a:effectLst/>
+                <a:ea typeface="Calibri" panose="020F0502020204030204" pitchFamily="34" charset="0"/>
+                <a:cs typeface="Times New Roman" panose="02020603050405020304" pitchFamily="18" charset="0"/>
+              </a:rPr>
+              <a:t>Wave function: Providing information on the initial state of the system</a:t>
+            </a:r>
+          </a:p>
+          <a:p>
+            <a:pPr marL="742950" marR="0" lvl="1" indent="-285750" algn="just">
+              <a:lnSpc>
+                <a:spcPct val="200000"/>
+              </a:lnSpc>
+              <a:spcBef>
+                <a:spcPts val="0"/>
+              </a:spcBef>
+              <a:spcAft>
+                <a:spcPts val="0"/>
+              </a:spcAft>
+              <a:buFont typeface="Courier New" panose="02070309020205020404" pitchFamily="49" charset="0"/>
+              <a:buChar char="o"/>
+            </a:pPr>
+            <a:r>
+              <a:rPr lang="en-CA" sz="1800" dirty="0">
+                <a:effectLst/>
+                <a:ea typeface="Calibri" panose="020F0502020204030204" pitchFamily="34" charset="0"/>
+                <a:cs typeface="Times New Roman" panose="02020603050405020304" pitchFamily="18" charset="0"/>
+              </a:rPr>
+              <a:t>Gaussian pulse used to excite the system</a:t>
+            </a:r>
+          </a:p>
+          <a:p>
+            <a:pPr marL="742950" marR="0" lvl="1" indent="-285750" algn="just">
+              <a:lnSpc>
+                <a:spcPct val="200000"/>
+              </a:lnSpc>
+              <a:spcBef>
+                <a:spcPts val="0"/>
+              </a:spcBef>
+              <a:spcAft>
+                <a:spcPts val="0"/>
+              </a:spcAft>
+              <a:buFont typeface="Courier New" panose="02070309020205020404" pitchFamily="49" charset="0"/>
+              <a:buChar char="o"/>
+            </a:pPr>
+            <a:r>
+              <a:rPr lang="en-CA" sz="1800" dirty="0">
+                <a:effectLst/>
+                <a:ea typeface="Calibri" panose="020F0502020204030204" pitchFamily="34" charset="0"/>
+                <a:cs typeface="Times New Roman" panose="02020603050405020304" pitchFamily="18" charset="0"/>
+              </a:rPr>
+              <a:t>T-list: A list of times that are used to perform calculations </a:t>
+            </a:r>
+          </a:p>
+          <a:p>
+            <a:pPr marL="742950" marR="0" lvl="1" indent="-285750" algn="just">
+              <a:lnSpc>
+                <a:spcPct val="200000"/>
+              </a:lnSpc>
+              <a:spcBef>
+                <a:spcPts val="0"/>
+              </a:spcBef>
+              <a:spcAft>
+                <a:spcPts val="0"/>
+              </a:spcAft>
+              <a:buFont typeface="Courier New" panose="02070309020205020404" pitchFamily="49" charset="0"/>
+              <a:buChar char="o"/>
+            </a:pPr>
+            <a:r>
+              <a:rPr lang="en-CA" sz="1800" dirty="0">
+                <a:effectLst/>
+                <a:ea typeface="Calibri" panose="020F0502020204030204" pitchFamily="34" charset="0"/>
+                <a:cs typeface="Times New Roman" panose="02020603050405020304" pitchFamily="18" charset="0"/>
+              </a:rPr>
+              <a:t>A Set of Collapse Operators: Which detail dephasing within the system</a:t>
+            </a:r>
+          </a:p>
+          <a:p>
+            <a:pPr marL="742950" marR="0" lvl="1" indent="-285750" algn="just">
+              <a:lnSpc>
+                <a:spcPct val="200000"/>
+              </a:lnSpc>
+              <a:spcBef>
+                <a:spcPts val="0"/>
+              </a:spcBef>
+              <a:spcAft>
+                <a:spcPts val="600"/>
+              </a:spcAft>
+              <a:buFont typeface="Courier New" panose="02070309020205020404" pitchFamily="49" charset="0"/>
+              <a:buChar char="o"/>
+            </a:pPr>
+            <a:r>
+              <a:rPr lang="en-CA" sz="1800" dirty="0">
+                <a:effectLst/>
+                <a:ea typeface="Calibri" panose="020F0502020204030204" pitchFamily="34" charset="0"/>
+                <a:cs typeface="Times New Roman" panose="02020603050405020304" pitchFamily="18" charset="0"/>
+              </a:rPr>
+              <a:t>and a Set of Environmental Operators: Which detail dephasing due to environmental factors</a:t>
+            </a:r>
+          </a:p>
+          <a:p>
             <a:endParaRPr lang="en-CA" dirty="0"/>
           </a:p>
         </p:txBody>
@@ -12424,7 +13252,7 @@
     </p:spTree>
     <p:extLst>
       <p:ext uri="{BB962C8B-B14F-4D97-AF65-F5344CB8AC3E}">
-        <p14:creationId xmlns:p14="http://schemas.microsoft.com/office/powerpoint/2010/main" val="3113576827"/>
+        <p14:creationId xmlns:p14="http://schemas.microsoft.com/office/powerpoint/2010/main" val="2113832642"/>
       </p:ext>
     </p:extLst>
   </p:cSld>
@@ -12456,7 +13284,7 @@
           <p:cNvPr id="2" name="Title 1">
             <a:extLst>
               <a:ext uri="{FF2B5EF4-FFF2-40B4-BE49-F238E27FC236}">
-                <a16:creationId xmlns:a16="http://schemas.microsoft.com/office/drawing/2014/main" id="{F9F9E71D-3E58-D931-A411-FE627D5CCCE5}"/>
+                <a16:creationId xmlns:a16="http://schemas.microsoft.com/office/drawing/2014/main" id="{8868DA0D-B976-A0B7-DDE1-BEF726AAB842}"/>
               </a:ext>
             </a:extLst>
           </p:cNvPr>
@@ -12474,14 +13302,137 @@
           <a:p>
             <a:r>
               <a:rPr lang="en-US" dirty="0"/>
-              <a:t>Challenge 1</a:t>
+              <a:t>Challenges</a:t>
             </a:r>
             <a:endParaRPr lang="en-CA" dirty="0"/>
           </a:p>
         </p:txBody>
       </p:sp>
-      <mc:AlternateContent xmlns:mc="http://schemas.openxmlformats.org/markup-compatibility/2006">
-        <mc:Choice xmlns:a14="http://schemas.microsoft.com/office/drawing/2010/main" Requires="a14">
+      <p:sp>
+        <p:nvSpPr>
+          <p:cNvPr id="3" name="Content Placeholder 2">
+            <a:extLst>
+              <a:ext uri="{FF2B5EF4-FFF2-40B4-BE49-F238E27FC236}">
+                <a16:creationId xmlns:a16="http://schemas.microsoft.com/office/drawing/2014/main" id="{72932D12-9D57-CBD3-0E36-396F57EE6031}"/>
+              </a:ext>
+            </a:extLst>
+          </p:cNvPr>
+          <p:cNvSpPr>
+            <a:spLocks noGrp="1"/>
+          </p:cNvSpPr>
+          <p:nvPr>
+            <p:ph idx="1"/>
+          </p:nvPr>
+        </p:nvSpPr>
+        <p:spPr/>
+        <p:txBody>
+          <a:bodyPr/>
+          <a:lstStyle/>
+          <a:p>
+            <a:r>
+              <a:rPr lang="en-US" dirty="0"/>
+              <a:t>Ran into 3 Challenges</a:t>
+            </a:r>
+          </a:p>
+          <a:p>
+            <a:endParaRPr lang="en-US" dirty="0"/>
+          </a:p>
+          <a:p>
+            <a:pPr lvl="1"/>
+            <a:r>
+              <a:rPr lang="en-US" dirty="0"/>
+              <a:t>Our problem had 3 states (ground, exciton, and biexciton) rather than the usual 2</a:t>
+            </a:r>
+          </a:p>
+          <a:p>
+            <a:pPr lvl="1"/>
+            <a:endParaRPr lang="en-US" dirty="0"/>
+          </a:p>
+          <a:p>
+            <a:pPr lvl="1"/>
+            <a:r>
+              <a:rPr lang="en-US" dirty="0"/>
+              <a:t>Rewriting operators so that it made sense to QuTiP</a:t>
+            </a:r>
+          </a:p>
+          <a:p>
+            <a:pPr lvl="1"/>
+            <a:endParaRPr lang="en-US" dirty="0"/>
+          </a:p>
+          <a:p>
+            <a:pPr lvl="1"/>
+            <a:r>
+              <a:rPr lang="en-US" dirty="0"/>
+              <a:t>Incident Pulse Shape Interfering with Rabi Oscillation Detection</a:t>
+            </a:r>
+          </a:p>
+          <a:p>
+            <a:pPr lvl="1"/>
+            <a:endParaRPr lang="en-CA" dirty="0"/>
+          </a:p>
+        </p:txBody>
+      </p:sp>
+    </p:spTree>
+    <p:extLst>
+      <p:ext uri="{BB962C8B-B14F-4D97-AF65-F5344CB8AC3E}">
+        <p14:creationId xmlns:p14="http://schemas.microsoft.com/office/powerpoint/2010/main" val="3113576827"/>
+      </p:ext>
+    </p:extLst>
+  </p:cSld>
+  <p:clrMapOvr>
+    <a:masterClrMapping/>
+  </p:clrMapOvr>
+</p:sld>
+</file>
+
+<file path=ppt/slides/slide32.xml><?xml version="1.0" encoding="utf-8"?>
+<p:sld xmlns:a="http://schemas.openxmlformats.org/drawingml/2006/main" xmlns:r="http://schemas.openxmlformats.org/officeDocument/2006/relationships" xmlns:p="http://schemas.openxmlformats.org/presentationml/2006/main">
+  <p:cSld>
+    <p:spTree>
+      <p:nvGrpSpPr>
+        <p:cNvPr id="1" name=""/>
+        <p:cNvGrpSpPr/>
+        <p:nvPr/>
+      </p:nvGrpSpPr>
+      <p:grpSpPr>
+        <a:xfrm>
+          <a:off x="0" y="0"/>
+          <a:ext cx="0" cy="0"/>
+          <a:chOff x="0" y="0"/>
+          <a:chExt cx="0" cy="0"/>
+        </a:xfrm>
+      </p:grpSpPr>
+      <p:sp>
+        <p:nvSpPr>
+          <p:cNvPr id="2" name="Title 1">
+            <a:extLst>
+              <a:ext uri="{FF2B5EF4-FFF2-40B4-BE49-F238E27FC236}">
+                <a16:creationId xmlns:a16="http://schemas.microsoft.com/office/drawing/2014/main" id="{F9F9E71D-3E58-D931-A411-FE627D5CCCE5}"/>
+              </a:ext>
+            </a:extLst>
+          </p:cNvPr>
+          <p:cNvSpPr>
+            <a:spLocks noGrp="1"/>
+          </p:cNvSpPr>
+          <p:nvPr>
+            <p:ph type="title"/>
+          </p:nvPr>
+        </p:nvSpPr>
+        <p:spPr/>
+        <p:txBody>
+          <a:bodyPr/>
+          <a:lstStyle/>
+          <a:p>
+            <a:r>
+              <a:rPr lang="en-US" dirty="0"/>
+              <a:t>Challenge 1</a:t>
+            </a:r>
+            <a:endParaRPr lang="en-CA" dirty="0"/>
+          </a:p>
+        </p:txBody>
+      </p:sp>
+      <mc:AlternateContent xmlns:mc="http://schemas.openxmlformats.org/markup-compatibility/2006" xmlns:a14="http://schemas.microsoft.com/office/drawing/2010/main">
+        <mc:Choice Requires="a14">
           <p:sp>
             <p:nvSpPr>
               <p:cNvPr id="3" name="Content Placeholder 2">
@@ -12552,7 +13503,7 @@
             </p:txBody>
           </p:sp>
         </mc:Choice>
-        <mc:Fallback>
+        <mc:Fallback xmlns="">
           <p:sp>
             <p:nvSpPr>
               <p:cNvPr id="3" name="Content Placeholder 2">
@@ -12605,7 +13556,7 @@
 </p:sld>
 </file>
 
-<file path=ppt/slides/slide32.xml><?xml version="1.0" encoding="utf-8"?>
+<file path=ppt/slides/slide33.xml><?xml version="1.0" encoding="utf-8"?>
 <p:sld xmlns:a="http://schemas.openxmlformats.org/drawingml/2006/main" xmlns:r="http://schemas.openxmlformats.org/officeDocument/2006/relationships" xmlns:p="http://schemas.openxmlformats.org/presentationml/2006/main">
   <p:cSld>
     <p:spTree>
@@ -12696,116 +13647,6 @@
     <p:extLst>
       <p:ext uri="{BB962C8B-B14F-4D97-AF65-F5344CB8AC3E}">
         <p14:creationId xmlns:p14="http://schemas.microsoft.com/office/powerpoint/2010/main" val="2269859483"/>
-      </p:ext>
-    </p:extLst>
-  </p:cSld>
-  <p:clrMapOvr>
-    <a:masterClrMapping/>
-  </p:clrMapOvr>
-</p:sld>
-</file>
-
-<file path=ppt/slides/slide33.xml><?xml version="1.0" encoding="utf-8"?>
-<p:sld xmlns:a="http://schemas.openxmlformats.org/drawingml/2006/main" xmlns:r="http://schemas.openxmlformats.org/officeDocument/2006/relationships" xmlns:p="http://schemas.openxmlformats.org/presentationml/2006/main">
-  <p:cSld>
-    <p:spTree>
-      <p:nvGrpSpPr>
-        <p:cNvPr id="1" name=""/>
-        <p:cNvGrpSpPr/>
-        <p:nvPr/>
-      </p:nvGrpSpPr>
-      <p:grpSpPr>
-        <a:xfrm>
-          <a:off x="0" y="0"/>
-          <a:ext cx="0" cy="0"/>
-          <a:chOff x="0" y="0"/>
-          <a:chExt cx="0" cy="0"/>
-        </a:xfrm>
-      </p:grpSpPr>
-      <p:sp>
-        <p:nvSpPr>
-          <p:cNvPr id="2" name="Title 1">
-            <a:extLst>
-              <a:ext uri="{FF2B5EF4-FFF2-40B4-BE49-F238E27FC236}">
-                <a16:creationId xmlns:a16="http://schemas.microsoft.com/office/drawing/2014/main" id="{28047BF4-C01E-F277-1E6A-701CBA90A487}"/>
-              </a:ext>
-            </a:extLst>
-          </p:cNvPr>
-          <p:cNvSpPr>
-            <a:spLocks noGrp="1"/>
-          </p:cNvSpPr>
-          <p:nvPr>
-            <p:ph type="title"/>
-          </p:nvPr>
-        </p:nvSpPr>
-        <p:spPr/>
-        <p:txBody>
-          <a:bodyPr/>
-          <a:lstStyle/>
-          <a:p>
-            <a:r>
-              <a:rPr lang="en-US" dirty="0"/>
-              <a:t>Challenge 2</a:t>
-            </a:r>
-            <a:endParaRPr lang="en-CA" dirty="0"/>
-          </a:p>
-        </p:txBody>
-      </p:sp>
-      <p:sp>
-        <p:nvSpPr>
-          <p:cNvPr id="3" name="Content Placeholder 2">
-            <a:extLst>
-              <a:ext uri="{FF2B5EF4-FFF2-40B4-BE49-F238E27FC236}">
-                <a16:creationId xmlns:a16="http://schemas.microsoft.com/office/drawing/2014/main" id="{3AF2895F-DDA7-A5EE-777D-4EAE1C9188A3}"/>
-              </a:ext>
-            </a:extLst>
-          </p:cNvPr>
-          <p:cNvSpPr>
-            <a:spLocks noGrp="1"/>
-          </p:cNvSpPr>
-          <p:nvPr>
-            <p:ph idx="1"/>
-          </p:nvPr>
-        </p:nvSpPr>
-        <p:spPr/>
-        <p:txBody>
-          <a:bodyPr/>
-          <a:lstStyle/>
-          <a:p>
-            <a:r>
-              <a:rPr lang="en-US" dirty="0"/>
-              <a:t>Operators in the Hamiltonian and Liouvillian were not recognizable in QuTiP</a:t>
-            </a:r>
-          </a:p>
-          <a:p>
-            <a:r>
-              <a:rPr lang="en-US" dirty="0"/>
-              <a:t>Considered material from Dr. </a:t>
-            </a:r>
-            <a:r>
-              <a:rPr lang="en-US" dirty="0" err="1"/>
-              <a:t>Bajcsy</a:t>
-            </a:r>
-            <a:r>
-              <a:rPr lang="en-US" dirty="0"/>
-              <a:t> wherein he suggests the following transformation:</a:t>
-            </a:r>
-          </a:p>
-          <a:p>
-            <a:endParaRPr lang="en-US" dirty="0"/>
-          </a:p>
-          <a:p>
-            <a:r>
-              <a:rPr lang="en-US" dirty="0"/>
-              <a:t>We can rewrite what we have using 3-D basis in challenge 1, leaving us with:</a:t>
-            </a:r>
-          </a:p>
-        </p:txBody>
-      </p:sp>
-    </p:spTree>
-    <p:extLst>
-      <p:ext uri="{BB962C8B-B14F-4D97-AF65-F5344CB8AC3E}">
-        <p14:creationId xmlns:p14="http://schemas.microsoft.com/office/powerpoint/2010/main" val="739211327"/>
       </p:ext>
     </p:extLst>
   </p:cSld>
@@ -12837,7 +13678,7 @@
           <p:cNvPr id="2" name="Title 1">
             <a:extLst>
               <a:ext uri="{FF2B5EF4-FFF2-40B4-BE49-F238E27FC236}">
-                <a16:creationId xmlns:a16="http://schemas.microsoft.com/office/drawing/2014/main" id="{67FC4378-6A56-4DF6-97DB-1E5C3529EA34}"/>
+                <a16:creationId xmlns:a16="http://schemas.microsoft.com/office/drawing/2014/main" id="{28047BF4-C01E-F277-1E6A-701CBA90A487}"/>
               </a:ext>
             </a:extLst>
           </p:cNvPr>
@@ -12855,7 +13696,7 @@
           <a:p>
             <a:r>
               <a:rPr lang="en-US" dirty="0"/>
-              <a:t>Challenge 3</a:t>
+              <a:t>Challenge 2</a:t>
             </a:r>
             <a:endParaRPr lang="en-CA" dirty="0"/>
           </a:p>
@@ -12866,7 +13707,7 @@
           <p:cNvPr id="3" name="Content Placeholder 2">
             <a:extLst>
               <a:ext uri="{FF2B5EF4-FFF2-40B4-BE49-F238E27FC236}">
-                <a16:creationId xmlns:a16="http://schemas.microsoft.com/office/drawing/2014/main" id="{E4F846E0-FA8F-C262-B9F3-854EFEB2F67D}"/>
+                <a16:creationId xmlns:a16="http://schemas.microsoft.com/office/drawing/2014/main" id="{3AF2895F-DDA7-A5EE-777D-4EAE1C9188A3}"/>
               </a:ext>
             </a:extLst>
           </p:cNvPr>
@@ -12884,44 +13725,38 @@
           <a:p>
             <a:r>
               <a:rPr lang="en-US" dirty="0"/>
-              <a:t>Gaussian pulse shape from Kevin Fischer’s two-photon interference tutorial used</a:t>
+              <a:t>Operators in the Hamiltonian and Liouvillian were not recognizable in QuTiP</a:t>
             </a:r>
           </a:p>
           <a:p>
             <a:r>
               <a:rPr lang="en-US" dirty="0"/>
-              <a:t>Resulted in a typical decay plot </a:t>
-            </a:r>
-          </a:p>
-          <a:p>
+              <a:t>Considered material from Dr. </a:t>
+            </a:r>
+            <a:r>
+              <a:rPr lang="en-US" dirty="0" err="1"/>
+              <a:t>Bajcsy</a:t>
+            </a:r>
             <a:r>
               <a:rPr lang="en-US" dirty="0"/>
-              <a:t>Wanted to remain in short pulse regime used by Reimer group</a:t>
-            </a:r>
-          </a:p>
-          <a:p>
-            <a:pPr lvl="1"/>
-            <a:r>
-              <a:rPr lang="en-CA" dirty="0"/>
-              <a:t>Standard deviation of the pulse was smaller than the peak intensity of the pulse</a:t>
-            </a:r>
-          </a:p>
-          <a:p>
-            <a:pPr lvl="1"/>
-            <a:endParaRPr lang="en-CA" dirty="0"/>
-          </a:p>
-          <a:p>
-            <a:pPr marL="201168" lvl="1" indent="0">
-              <a:buNone/>
-            </a:pPr>
-            <a:endParaRPr lang="en-CA" dirty="0"/>
+              <a:t> wherein he suggests the following transformation:</a:t>
+            </a:r>
+          </a:p>
+          <a:p>
+            <a:endParaRPr lang="en-US" dirty="0"/>
+          </a:p>
+          <a:p>
+            <a:r>
+              <a:rPr lang="en-US" dirty="0"/>
+              <a:t>We can rewrite what we have using 3-D basis in challenge 1, leaving us with:</a:t>
+            </a:r>
           </a:p>
         </p:txBody>
       </p:sp>
     </p:spTree>
     <p:extLst>
       <p:ext uri="{BB962C8B-B14F-4D97-AF65-F5344CB8AC3E}">
-        <p14:creationId xmlns:p14="http://schemas.microsoft.com/office/powerpoint/2010/main" val="3231027443"/>
+        <p14:creationId xmlns:p14="http://schemas.microsoft.com/office/powerpoint/2010/main" val="739211327"/>
       </p:ext>
     </p:extLst>
   </p:cSld>
@@ -12953,7 +13788,7 @@
           <p:cNvPr id="2" name="Title 1">
             <a:extLst>
               <a:ext uri="{FF2B5EF4-FFF2-40B4-BE49-F238E27FC236}">
-                <a16:creationId xmlns:a16="http://schemas.microsoft.com/office/drawing/2014/main" id="{FD77189E-CF2B-47A7-4317-5BAA4314092C}"/>
+                <a16:creationId xmlns:a16="http://schemas.microsoft.com/office/drawing/2014/main" id="{67FC4378-6A56-4DF6-97DB-1E5C3529EA34}"/>
               </a:ext>
             </a:extLst>
           </p:cNvPr>
@@ -12971,7 +13806,7 @@
           <a:p>
             <a:r>
               <a:rPr lang="en-US" dirty="0"/>
-              <a:t>Challenge 3 - Continued</a:t>
+              <a:t>Challenge 3</a:t>
             </a:r>
             <a:endParaRPr lang="en-CA" dirty="0"/>
           </a:p>
@@ -12982,7 +13817,7 @@
           <p:cNvPr id="3" name="Content Placeholder 2">
             <a:extLst>
               <a:ext uri="{FF2B5EF4-FFF2-40B4-BE49-F238E27FC236}">
-                <a16:creationId xmlns:a16="http://schemas.microsoft.com/office/drawing/2014/main" id="{AB74A31D-2AE3-2C0D-E146-D244430A823E}"/>
+                <a16:creationId xmlns:a16="http://schemas.microsoft.com/office/drawing/2014/main" id="{E4F846E0-FA8F-C262-B9F3-854EFEB2F67D}"/>
               </a:ext>
             </a:extLst>
           </p:cNvPr>
@@ -12999,30 +13834,37 @@
           <a:lstStyle/>
           <a:p>
             <a:r>
+              <a:rPr lang="en-US" dirty="0"/>
+              <a:t>Gaussian pulse shape from Kevin Fischer’s two-photon interference tutorial used</a:t>
+            </a:r>
+          </a:p>
+          <a:p>
+            <a:r>
+              <a:rPr lang="en-US" dirty="0"/>
+              <a:t>Resulted in a typical decay plot </a:t>
+            </a:r>
+          </a:p>
+          <a:p>
+            <a:r>
+              <a:rPr lang="en-US" dirty="0"/>
+              <a:t>Wanted to remain in short pulse regime used by Reimer group</a:t>
+            </a:r>
+          </a:p>
+          <a:p>
+            <a:pPr lvl="1"/>
+            <a:r>
               <a:rPr lang="en-CA" dirty="0"/>
-              <a:t>No theory for this, so used trial and error method</a:t>
-            </a:r>
-          </a:p>
-          <a:p>
+              <a:t>Standard deviation of the pulse was smaller than the peak intensity of the pulse</a:t>
+            </a:r>
+          </a:p>
+          <a:p>
+            <a:pPr lvl="1"/>
             <a:endParaRPr lang="en-CA" dirty="0"/>
           </a:p>
           <a:p>
-            <a:r>
-              <a:rPr lang="en-CA" dirty="0"/>
-              <a:t>Found that if standard deviation of the pulse was the same order of magnitude as that of the standard deviation</a:t>
-            </a:r>
-          </a:p>
-          <a:p>
-            <a:endParaRPr lang="en-CA" dirty="0"/>
-          </a:p>
-          <a:p>
-            <a:pPr algn="ctr"/>
-            <a:r>
-              <a:rPr lang="en-CA" dirty="0"/>
-              <a:t>Rabi oscillations were detected!</a:t>
-            </a:r>
-          </a:p>
-          <a:p>
+            <a:pPr marL="201168" lvl="1" indent="0">
+              <a:buNone/>
+            </a:pPr>
             <a:endParaRPr lang="en-CA" dirty="0"/>
           </a:p>
         </p:txBody>
@@ -13030,7 +13872,7 @@
     </p:spTree>
     <p:extLst>
       <p:ext uri="{BB962C8B-B14F-4D97-AF65-F5344CB8AC3E}">
-        <p14:creationId xmlns:p14="http://schemas.microsoft.com/office/powerpoint/2010/main" val="3663449859"/>
+        <p14:creationId xmlns:p14="http://schemas.microsoft.com/office/powerpoint/2010/main" val="3231027443"/>
       </p:ext>
     </p:extLst>
   </p:cSld>
@@ -13062,7 +13904,7 @@
           <p:cNvPr id="2" name="Title 1">
             <a:extLst>
               <a:ext uri="{FF2B5EF4-FFF2-40B4-BE49-F238E27FC236}">
-                <a16:creationId xmlns:a16="http://schemas.microsoft.com/office/drawing/2014/main" id="{4E7D6F79-764B-BFF8-B298-2CF4F3D26A40}"/>
+                <a16:creationId xmlns:a16="http://schemas.microsoft.com/office/drawing/2014/main" id="{FD77189E-CF2B-47A7-4317-5BAA4314092C}"/>
               </a:ext>
             </a:extLst>
           </p:cNvPr>
@@ -13080,7 +13922,7 @@
           <a:p>
             <a:r>
               <a:rPr lang="en-US" dirty="0"/>
-              <a:t>Results and Analysis - 1 </a:t>
+              <a:t>Challenge 3 - Continued</a:t>
             </a:r>
             <a:endParaRPr lang="en-CA" dirty="0"/>
           </a:p>
@@ -13091,7 +13933,7 @@
           <p:cNvPr id="3" name="Content Placeholder 2">
             <a:extLst>
               <a:ext uri="{FF2B5EF4-FFF2-40B4-BE49-F238E27FC236}">
-                <a16:creationId xmlns:a16="http://schemas.microsoft.com/office/drawing/2014/main" id="{B0D90168-1674-D6D4-C22A-4846D50FDEED}"/>
+                <a16:creationId xmlns:a16="http://schemas.microsoft.com/office/drawing/2014/main" id="{AB74A31D-2AE3-2C0D-E146-D244430A823E}"/>
               </a:ext>
             </a:extLst>
           </p:cNvPr>
@@ -13104,88 +13946,32 @@
         </p:nvSpPr>
         <p:spPr/>
         <p:txBody>
-          <a:bodyPr>
-            <a:normAutofit/>
-          </a:bodyPr>
+          <a:bodyPr/>
           <a:lstStyle/>
           <a:p>
             <a:r>
-              <a:rPr lang="en-US" dirty="0"/>
-              <a:t>Parameters input to QuTiP:</a:t>
-            </a:r>
-          </a:p>
-          <a:p>
-            <a:pPr marL="742950" marR="0" lvl="1" indent="-285750" algn="just">
-              <a:lnSpc>
-                <a:spcPct val="200000"/>
-              </a:lnSpc>
-              <a:spcBef>
-                <a:spcPts val="0"/>
-              </a:spcBef>
-              <a:spcAft>
-                <a:spcPts val="0"/>
-              </a:spcAft>
-              <a:buFont typeface="Courier New" panose="02070309020205020404" pitchFamily="49" charset="0"/>
-              <a:buChar char="o"/>
-            </a:pPr>
-            <a:r>
-              <a:rPr lang="en-CA" sz="2000" dirty="0">
-                <a:effectLst/>
-                <a:ea typeface="Calibri" panose="020F0502020204030204" pitchFamily="34" charset="0"/>
-                <a:cs typeface="Times New Roman" panose="02020603050405020304" pitchFamily="18" charset="0"/>
-              </a:rPr>
-              <a:t>The Effective Hamiltonian:</a:t>
-            </a:r>
-          </a:p>
-          <a:p>
-            <a:pPr marL="742950" marR="0" lvl="1" indent="-285750" algn="just">
-              <a:lnSpc>
-                <a:spcPct val="200000"/>
-              </a:lnSpc>
-              <a:spcBef>
-                <a:spcPts val="0"/>
-              </a:spcBef>
-              <a:spcAft>
-                <a:spcPts val="0"/>
-              </a:spcAft>
-              <a:buFont typeface="Courier New" panose="02070309020205020404" pitchFamily="49" charset="0"/>
-              <a:buChar char="o"/>
-            </a:pPr>
-            <a:r>
-              <a:rPr lang="en-CA" sz="2000" dirty="0">
-                <a:effectLst/>
-                <a:ea typeface="Calibri" panose="020F0502020204030204" pitchFamily="34" charset="0"/>
-                <a:cs typeface="Times New Roman" panose="02020603050405020304" pitchFamily="18" charset="0"/>
-              </a:rPr>
-              <a:t>Gaussian pulse used to excite the system:</a:t>
-            </a:r>
-          </a:p>
-          <a:p>
-            <a:pPr marL="742950" marR="0" lvl="1" indent="-285750" algn="just">
-              <a:lnSpc>
-                <a:spcPct val="200000"/>
-              </a:lnSpc>
-              <a:spcBef>
-                <a:spcPts val="0"/>
-              </a:spcBef>
-              <a:spcAft>
-                <a:spcPts val="0"/>
-              </a:spcAft>
-              <a:buFont typeface="Courier New" panose="02070309020205020404" pitchFamily="49" charset="0"/>
-              <a:buChar char="o"/>
-            </a:pPr>
-            <a:r>
-              <a:rPr lang="en-CA" sz="2000" dirty="0">
-                <a:ea typeface="Calibri" panose="020F0502020204030204" pitchFamily="34" charset="0"/>
-                <a:cs typeface="Times New Roman" panose="02020603050405020304" pitchFamily="18" charset="0"/>
-              </a:rPr>
-              <a:t>Wave function:</a:t>
-            </a:r>
-            <a:endParaRPr lang="en-CA" sz="2000" dirty="0">
-              <a:effectLst/>
-              <a:ea typeface="Calibri" panose="020F0502020204030204" pitchFamily="34" charset="0"/>
-              <a:cs typeface="Times New Roman" panose="02020603050405020304" pitchFamily="18" charset="0"/>
-            </a:endParaRPr>
+              <a:rPr lang="en-CA" dirty="0"/>
+              <a:t>No theory for this, so used trial and error method</a:t>
+            </a:r>
+          </a:p>
+          <a:p>
+            <a:endParaRPr lang="en-CA" dirty="0"/>
+          </a:p>
+          <a:p>
+            <a:r>
+              <a:rPr lang="en-CA" dirty="0"/>
+              <a:t>Found that if standard deviation of the pulse was the same order of magnitude as that of the standard deviation</a:t>
+            </a:r>
+          </a:p>
+          <a:p>
+            <a:endParaRPr lang="en-CA" dirty="0"/>
+          </a:p>
+          <a:p>
+            <a:pPr algn="ctr"/>
+            <a:r>
+              <a:rPr lang="en-CA" dirty="0"/>
+              <a:t>Rabi oscillations were detected!</a:t>
+            </a:r>
           </a:p>
           <a:p>
             <a:endParaRPr lang="en-CA" dirty="0"/>
@@ -13195,7 +13981,7 @@
     </p:spTree>
     <p:extLst>
       <p:ext uri="{BB962C8B-B14F-4D97-AF65-F5344CB8AC3E}">
-        <p14:creationId xmlns:p14="http://schemas.microsoft.com/office/powerpoint/2010/main" val="3242637247"/>
+        <p14:creationId xmlns:p14="http://schemas.microsoft.com/office/powerpoint/2010/main" val="3663449859"/>
       </p:ext>
     </p:extLst>
   </p:cSld>
@@ -13227,7 +14013,7 @@
           <p:cNvPr id="2" name="Title 1">
             <a:extLst>
               <a:ext uri="{FF2B5EF4-FFF2-40B4-BE49-F238E27FC236}">
-                <a16:creationId xmlns:a16="http://schemas.microsoft.com/office/drawing/2014/main" id="{C4A4ECC3-8EDD-E742-684D-49069861919F}"/>
+                <a16:creationId xmlns:a16="http://schemas.microsoft.com/office/drawing/2014/main" id="{4E7D6F79-764B-BFF8-B298-2CF4F3D26A40}"/>
               </a:ext>
             </a:extLst>
           </p:cNvPr>
@@ -13245,7 +14031,7 @@
           <a:p>
             <a:r>
               <a:rPr lang="en-US" dirty="0"/>
-              <a:t>Results and Analysis - 2</a:t>
+              <a:t>Results and Analysis - 1 </a:t>
             </a:r>
             <a:endParaRPr lang="en-CA" dirty="0"/>
           </a:p>
@@ -13256,7 +14042,7 @@
           <p:cNvPr id="3" name="Content Placeholder 2">
             <a:extLst>
               <a:ext uri="{FF2B5EF4-FFF2-40B4-BE49-F238E27FC236}">
-                <a16:creationId xmlns:a16="http://schemas.microsoft.com/office/drawing/2014/main" id="{D89226BA-004B-91DF-6C2B-725927269365}"/>
+                <a16:creationId xmlns:a16="http://schemas.microsoft.com/office/drawing/2014/main" id="{B0D90168-1674-D6D4-C22A-4846D50FDEED}"/>
               </a:ext>
             </a:extLst>
           </p:cNvPr>
@@ -13276,20 +14062,83 @@
           <a:p>
             <a:r>
               <a:rPr lang="en-US" dirty="0"/>
-              <a:t>Ground State Population</a:t>
-            </a:r>
-          </a:p>
-          <a:p>
-            <a:r>
-              <a:rPr lang="en-US" dirty="0"/>
-              <a:t>Starts with 100% probability for occupation</a:t>
-            </a:r>
-          </a:p>
-          <a:p>
-            <a:r>
-              <a:rPr lang="en-US" dirty="0"/>
-              <a:t>As peaks diminish, oscillates at about 33.33% probability for occupation</a:t>
-            </a:r>
+              <a:t>Parameters input to QuTiP:</a:t>
+            </a:r>
+          </a:p>
+          <a:p>
+            <a:pPr marL="742950" marR="0" lvl="1" indent="-285750" algn="just">
+              <a:lnSpc>
+                <a:spcPct val="200000"/>
+              </a:lnSpc>
+              <a:spcBef>
+                <a:spcPts val="0"/>
+              </a:spcBef>
+              <a:spcAft>
+                <a:spcPts val="0"/>
+              </a:spcAft>
+              <a:buFont typeface="Courier New" panose="02070309020205020404" pitchFamily="49" charset="0"/>
+              <a:buChar char="o"/>
+            </a:pPr>
+            <a:r>
+              <a:rPr lang="en-CA" sz="2000" dirty="0">
+                <a:effectLst/>
+                <a:ea typeface="Calibri" panose="020F0502020204030204" pitchFamily="34" charset="0"/>
+                <a:cs typeface="Times New Roman" panose="02020603050405020304" pitchFamily="18" charset="0"/>
+              </a:rPr>
+              <a:t>The Effective Hamiltonian:</a:t>
+            </a:r>
+          </a:p>
+          <a:p>
+            <a:pPr marL="742950" marR="0" lvl="1" indent="-285750" algn="just">
+              <a:lnSpc>
+                <a:spcPct val="200000"/>
+              </a:lnSpc>
+              <a:spcBef>
+                <a:spcPts val="0"/>
+              </a:spcBef>
+              <a:spcAft>
+                <a:spcPts val="0"/>
+              </a:spcAft>
+              <a:buFont typeface="Courier New" panose="02070309020205020404" pitchFamily="49" charset="0"/>
+              <a:buChar char="o"/>
+            </a:pPr>
+            <a:r>
+              <a:rPr lang="en-CA" sz="2000" dirty="0">
+                <a:effectLst/>
+                <a:ea typeface="Calibri" panose="020F0502020204030204" pitchFamily="34" charset="0"/>
+                <a:cs typeface="Times New Roman" panose="02020603050405020304" pitchFamily="18" charset="0"/>
+              </a:rPr>
+              <a:t>Gaussian pulse used to excite the system:</a:t>
+            </a:r>
+          </a:p>
+          <a:p>
+            <a:pPr marL="742950" marR="0" lvl="1" indent="-285750" algn="just">
+              <a:lnSpc>
+                <a:spcPct val="200000"/>
+              </a:lnSpc>
+              <a:spcBef>
+                <a:spcPts val="0"/>
+              </a:spcBef>
+              <a:spcAft>
+                <a:spcPts val="0"/>
+              </a:spcAft>
+              <a:buFont typeface="Courier New" panose="02070309020205020404" pitchFamily="49" charset="0"/>
+              <a:buChar char="o"/>
+            </a:pPr>
+            <a:r>
+              <a:rPr lang="en-CA" sz="2000" dirty="0">
+                <a:ea typeface="Calibri" panose="020F0502020204030204" pitchFamily="34" charset="0"/>
+                <a:cs typeface="Times New Roman" panose="02020603050405020304" pitchFamily="18" charset="0"/>
+              </a:rPr>
+              <a:t>Wave function:</a:t>
+            </a:r>
+            <a:endParaRPr lang="en-CA" sz="2000" dirty="0">
+              <a:effectLst/>
+              <a:ea typeface="Calibri" panose="020F0502020204030204" pitchFamily="34" charset="0"/>
+              <a:cs typeface="Times New Roman" panose="02020603050405020304" pitchFamily="18" charset="0"/>
+            </a:endParaRPr>
+          </a:p>
+          <a:p>
             <a:endParaRPr lang="en-CA" dirty="0"/>
           </a:p>
         </p:txBody>
@@ -13297,7 +14146,7 @@
     </p:spTree>
     <p:extLst>
       <p:ext uri="{BB962C8B-B14F-4D97-AF65-F5344CB8AC3E}">
-        <p14:creationId xmlns:p14="http://schemas.microsoft.com/office/powerpoint/2010/main" val="2388382106"/>
+        <p14:creationId xmlns:p14="http://schemas.microsoft.com/office/powerpoint/2010/main" val="3242637247"/>
       </p:ext>
     </p:extLst>
   </p:cSld>
@@ -13347,7 +14196,7 @@
           <a:p>
             <a:r>
               <a:rPr lang="en-US" dirty="0"/>
-              <a:t>Results and Analysis - 3</a:t>
+              <a:t>Results and Analysis - 2</a:t>
             </a:r>
             <a:endParaRPr lang="en-CA" dirty="0"/>
           </a:p>
@@ -13377,31 +14226,14 @@
           <a:lstStyle/>
           <a:p>
             <a:r>
-              <a:rPr lang="en-US" dirty="0" err="1"/>
-              <a:t>Exicton</a:t>
-            </a:r>
-            <a:r>
               <a:rPr lang="en-US" dirty="0"/>
-              <a:t> State Population</a:t>
+              <a:t>Ground State Population</a:t>
             </a:r>
           </a:p>
           <a:p>
             <a:r>
               <a:rPr lang="en-US" dirty="0"/>
-              <a:t>Starts with 0% probability for occupation</a:t>
-            </a:r>
-          </a:p>
-          <a:p>
-            <a:r>
-              <a:rPr lang="en-US" dirty="0"/>
-              <a:t>Low peak at 45% occupation probability – representative of not wanting direct exciton excitation</a:t>
-            </a:r>
-          </a:p>
-          <a:p>
-            <a:pPr lvl="1"/>
-            <a:r>
-              <a:rPr lang="en-US" dirty="0"/>
-              <a:t>However real life may cause direct exciton population</a:t>
+              <a:t>Starts with 100% probability for occupation</a:t>
             </a:r>
           </a:p>
           <a:p>
@@ -13416,7 +14248,7 @@
     </p:spTree>
     <p:extLst>
       <p:ext uri="{BB962C8B-B14F-4D97-AF65-F5344CB8AC3E}">
-        <p14:creationId xmlns:p14="http://schemas.microsoft.com/office/powerpoint/2010/main" val="13009849"/>
+        <p14:creationId xmlns:p14="http://schemas.microsoft.com/office/powerpoint/2010/main" val="2388382106"/>
       </p:ext>
     </p:extLst>
   </p:cSld>
@@ -13466,7 +14298,7 @@
           <a:p>
             <a:r>
               <a:rPr lang="en-US" dirty="0"/>
-              <a:t>Results and Analysis - 4</a:t>
+              <a:t>Results and Analysis - 3</a:t>
             </a:r>
             <a:endParaRPr lang="en-CA" dirty="0"/>
           </a:p>
@@ -13497,7 +14329,7 @@
           <a:p>
             <a:r>
               <a:rPr lang="en-US" dirty="0" err="1"/>
-              <a:t>Biexicton</a:t>
+              <a:t>Exicton</a:t>
             </a:r>
             <a:r>
               <a:rPr lang="en-US" dirty="0"/>
@@ -13513,7 +14345,14 @@
           <a:p>
             <a:r>
               <a:rPr lang="en-US" dirty="0"/>
-              <a:t>High peak at 90% occupation probability – representative of wanting direct biexciton population</a:t>
+              <a:t>Low peak at 45% occupation probability – representative of not wanting direct exciton excitation</a:t>
+            </a:r>
+          </a:p>
+          <a:p>
+            <a:pPr lvl="1"/>
+            <a:r>
+              <a:rPr lang="en-US" dirty="0"/>
+              <a:t>However real life may cause direct exciton population</a:t>
             </a:r>
           </a:p>
           <a:p>
@@ -13528,7 +14367,7 @@
     </p:spTree>
     <p:extLst>
       <p:ext uri="{BB962C8B-B14F-4D97-AF65-F5344CB8AC3E}">
-        <p14:creationId xmlns:p14="http://schemas.microsoft.com/office/powerpoint/2010/main" val="4093602747"/>
+        <p14:creationId xmlns:p14="http://schemas.microsoft.com/office/powerpoint/2010/main" val="13009849"/>
       </p:ext>
     </p:extLst>
   </p:cSld>
@@ -13541,6 +14380,14 @@
 <file path=ppt/slides/slide4.xml><?xml version="1.0" encoding="utf-8"?>
 <p:sld xmlns:a="http://schemas.openxmlformats.org/drawingml/2006/main" xmlns:r="http://schemas.openxmlformats.org/officeDocument/2006/relationships" xmlns:p="http://schemas.openxmlformats.org/presentationml/2006/main">
   <p:cSld>
+    <p:bg>
+      <p:bgPr>
+        <a:solidFill>
+          <a:schemeClr val="bg1"/>
+        </a:solidFill>
+        <a:effectLst/>
+      </p:bgPr>
+    </p:bg>
     <p:spTree>
       <p:nvGrpSpPr>
         <p:cNvPr id="1" name=""/>
@@ -13557,6 +14404,64 @@
       </p:grpSpPr>
       <p:sp>
         <p:nvSpPr>
+          <p:cNvPr id="2059" name="Rectangle 2058">
+            <a:extLst>
+              <a:ext uri="{FF2B5EF4-FFF2-40B4-BE49-F238E27FC236}">
+                <a16:creationId xmlns:a16="http://schemas.microsoft.com/office/drawing/2014/main" id="{E844E128-FF69-4E9F-8327-6B504B3C5AE1}"/>
+              </a:ext>
+              <a:ext uri="{C183D7F6-B498-43B3-948B-1728B52AA6E4}">
+                <adec:decorative xmlns:adec="http://schemas.microsoft.com/office/drawing/2017/decorative" val="1"/>
+              </a:ext>
+            </a:extLst>
+          </p:cNvPr>
+          <p:cNvSpPr>
+            <a:spLocks noGrp="1" noRot="1" noChangeAspect="1" noMove="1" noResize="1" noEditPoints="1" noAdjustHandles="1" noChangeArrowheads="1" noChangeShapeType="1" noTextEdit="1"/>
+          </p:cNvSpPr>
+          <p:nvPr>
+            <p:extLst>
+              <p:ext uri="{386F3935-93C4-4BCD-93E2-E3B085C9AB24}">
+                <p16:designElem xmlns:p16="http://schemas.microsoft.com/office/powerpoint/2015/main" val="1"/>
+              </p:ext>
+            </p:extLst>
+          </p:nvPr>
+        </p:nvSpPr>
+        <p:spPr bwMode="white">
+          <a:xfrm>
+            <a:off x="15" y="0"/>
+            <a:ext cx="12191985" cy="6858000"/>
+          </a:xfrm>
+          <a:prstGeom prst="rect">
+            <a:avLst/>
+          </a:prstGeom>
+          <a:solidFill>
+            <a:schemeClr val="bg1">
+              <a:lumMod val="85000"/>
+              <a:lumOff val="15000"/>
+            </a:schemeClr>
+          </a:solidFill>
+          <a:ln>
+            <a:noFill/>
+          </a:ln>
+        </p:spPr>
+        <p:style>
+          <a:lnRef idx="2">
+            <a:schemeClr val="accent1">
+              <a:shade val="50000"/>
+            </a:schemeClr>
+          </a:lnRef>
+          <a:fillRef idx="1">
+            <a:schemeClr val="accent1"/>
+          </a:fillRef>
+          <a:effectRef idx="0">
+            <a:schemeClr val="accent1"/>
+          </a:effectRef>
+          <a:fontRef idx="minor">
+            <a:schemeClr val="lt1"/>
+          </a:fontRef>
+        </p:style>
+      </p:sp>
+      <p:sp>
+        <p:nvSpPr>
           <p:cNvPr id="2" name="Title 1">
             <a:extLst>
               <a:ext uri="{FF2B5EF4-FFF2-40B4-BE49-F238E27FC236}">
@@ -13571,19 +14476,86 @@
             <p:ph type="title"/>
           </p:nvPr>
         </p:nvSpPr>
-        <p:spPr/>
+        <p:spPr>
+          <a:xfrm>
+            <a:off x="1097280" y="516835"/>
+            <a:ext cx="5977937" cy="1666501"/>
+          </a:xfrm>
+        </p:spPr>
         <p:txBody>
-          <a:bodyPr/>
+          <a:bodyPr>
+            <a:normAutofit/>
+          </a:bodyPr>
           <a:lstStyle/>
           <a:p>
             <a:r>
-              <a:rPr lang="en-US" dirty="0"/>
+              <a:rPr lang="en-US" sz="4000">
+                <a:solidFill>
+                  <a:schemeClr val="tx1"/>
+                </a:solidFill>
+              </a:rPr>
               <a:t>Quantum Optics 2</a:t>
             </a:r>
-            <a:endParaRPr lang="en-CA" dirty="0"/>
+            <a:endParaRPr lang="en-CA" sz="4000">
+              <a:solidFill>
+                <a:schemeClr val="tx1"/>
+              </a:solidFill>
+            </a:endParaRPr>
           </a:p>
         </p:txBody>
       </p:sp>
+      <p:cxnSp>
+        <p:nvCxnSpPr>
+          <p:cNvPr id="2061" name="Straight Connector 2060">
+            <a:extLst>
+              <a:ext uri="{FF2B5EF4-FFF2-40B4-BE49-F238E27FC236}">
+                <a16:creationId xmlns:a16="http://schemas.microsoft.com/office/drawing/2014/main" id="{055CEADF-09EA-423C-8C45-F94AF44D5AF0}"/>
+              </a:ext>
+              <a:ext uri="{C183D7F6-B498-43B3-948B-1728B52AA6E4}">
+                <adec:decorative xmlns:adec="http://schemas.microsoft.com/office/drawing/2017/decorative" val="1"/>
+              </a:ext>
+            </a:extLst>
+          </p:cNvPr>
+          <p:cNvCxnSpPr>
+            <a:cxnSpLocks noGrp="1" noRot="1" noChangeAspect="1" noMove="1" noResize="1" noEditPoints="1" noAdjustHandles="1" noChangeArrowheads="1" noChangeShapeType="1"/>
+          </p:cNvCxnSpPr>
+          <p:nvPr>
+            <p:extLst>
+              <p:ext uri="{386F3935-93C4-4BCD-93E2-E3B085C9AB24}">
+                <p16:designElem xmlns:p16="http://schemas.microsoft.com/office/powerpoint/2015/main" val="1"/>
+              </p:ext>
+            </p:extLst>
+          </p:nvPr>
+        </p:nvCxnSpPr>
+        <p:spPr>
+          <a:xfrm>
+            <a:off x="1215896" y="2353592"/>
+            <a:ext cx="5212080" cy="0"/>
+          </a:xfrm>
+          <a:prstGeom prst="line">
+            <a:avLst/>
+          </a:prstGeom>
+          <a:ln w="12700">
+            <a:solidFill>
+              <a:schemeClr val="tx1"/>
+            </a:solidFill>
+          </a:ln>
+        </p:spPr>
+        <p:style>
+          <a:lnRef idx="1">
+            <a:schemeClr val="accent1"/>
+          </a:lnRef>
+          <a:fillRef idx="0">
+            <a:schemeClr val="accent1"/>
+          </a:fillRef>
+          <a:effectRef idx="0">
+            <a:schemeClr val="accent1"/>
+          </a:effectRef>
+          <a:fontRef idx="minor">
+            <a:schemeClr val="tx1"/>
+          </a:fontRef>
+        </p:style>
+      </p:cxnSp>
       <p:sp>
         <p:nvSpPr>
           <p:cNvPr id="3" name="Content Placeholder 2">
@@ -13600,88 +14572,314 @@
             <p:ph idx="1"/>
           </p:nvPr>
         </p:nvSpPr>
-        <p:spPr/>
+        <p:spPr>
+          <a:xfrm>
+            <a:off x="1097279" y="2546224"/>
+            <a:ext cx="5977938" cy="3342747"/>
+          </a:xfrm>
+        </p:spPr>
         <p:txBody>
-          <a:bodyPr/>
+          <a:bodyPr>
+            <a:normAutofit/>
+          </a:bodyPr>
           <a:lstStyle/>
           <a:p>
-            <a:r>
-              <a:rPr lang="en-US" dirty="0"/>
+            <a:pPr>
+              <a:lnSpc>
+                <a:spcPct val="90000"/>
+              </a:lnSpc>
+            </a:pPr>
+            <a:r>
+              <a:rPr lang="en-US" sz="1500">
+                <a:solidFill>
+                  <a:schemeClr val="tx1"/>
+                </a:solidFill>
+              </a:rPr>
               <a:t>3 Main Criteria Outlined in Protocol</a:t>
             </a:r>
           </a:p>
           <a:p>
             <a:pPr marL="292608" lvl="1" indent="0">
+              <a:lnSpc>
+                <a:spcPct val="90000"/>
+              </a:lnSpc>
               <a:buNone/>
             </a:pPr>
-            <a:endParaRPr lang="en-US" dirty="0"/>
+            <a:endParaRPr lang="en-US" sz="1500">
+              <a:solidFill>
+                <a:schemeClr val="tx1"/>
+              </a:solidFill>
+            </a:endParaRPr>
           </a:p>
           <a:p>
             <a:pPr marL="292608" lvl="1" indent="0">
+              <a:lnSpc>
+                <a:spcPct val="90000"/>
+              </a:lnSpc>
               <a:buNone/>
             </a:pPr>
             <a:r>
-              <a:rPr lang="en-US" dirty="0"/>
+              <a:rPr lang="en-US" sz="1500">
+                <a:solidFill>
+                  <a:schemeClr val="tx1"/>
+                </a:solidFill>
+              </a:rPr>
               <a:t>1. Entangling photon sources </a:t>
             </a:r>
           </a:p>
           <a:p>
             <a:pPr marL="292608" lvl="1" indent="0">
+              <a:lnSpc>
+                <a:spcPct val="90000"/>
+              </a:lnSpc>
               <a:buNone/>
             </a:pPr>
-            <a:endParaRPr lang="en-US" dirty="0"/>
+            <a:endParaRPr lang="en-US" sz="1500">
+              <a:solidFill>
+                <a:schemeClr val="tx1"/>
+              </a:solidFill>
+            </a:endParaRPr>
           </a:p>
           <a:p>
             <a:pPr marL="292608" lvl="1" indent="0">
+              <a:lnSpc>
+                <a:spcPct val="90000"/>
+              </a:lnSpc>
               <a:buNone/>
             </a:pPr>
             <a:r>
-              <a:rPr lang="en-US" dirty="0"/>
+              <a:rPr lang="en-US" sz="1500">
+                <a:solidFill>
+                  <a:schemeClr val="tx1"/>
+                </a:solidFill>
+              </a:rPr>
               <a:t>2. High efficiency number-resolving detectors</a:t>
             </a:r>
           </a:p>
           <a:p>
             <a:pPr marL="292608" lvl="1" indent="0">
+              <a:lnSpc>
+                <a:spcPct val="90000"/>
+              </a:lnSpc>
               <a:buNone/>
             </a:pPr>
-            <a:endParaRPr lang="en-US" dirty="0"/>
+            <a:endParaRPr lang="en-US" sz="1500">
+              <a:solidFill>
+                <a:schemeClr val="tx1"/>
+              </a:solidFill>
+            </a:endParaRPr>
           </a:p>
           <a:p>
             <a:pPr marL="292608" lvl="1" indent="0">
+              <a:lnSpc>
+                <a:spcPct val="90000"/>
+              </a:lnSpc>
               <a:buNone/>
             </a:pPr>
             <a:r>
-              <a:rPr lang="en-US" dirty="0"/>
+              <a:rPr lang="en-US" sz="1500">
+                <a:solidFill>
+                  <a:schemeClr val="tx1"/>
+                </a:solidFill>
+              </a:rPr>
               <a:t>3. Construction of complex optical circuits that exhibit both quantum and classical interference</a:t>
             </a:r>
           </a:p>
           <a:p>
             <a:pPr marL="292608" lvl="1" indent="0">
+              <a:lnSpc>
+                <a:spcPct val="90000"/>
+              </a:lnSpc>
               <a:buNone/>
             </a:pPr>
-            <a:endParaRPr lang="en-US" dirty="0"/>
+            <a:endParaRPr lang="en-US" sz="1500">
+              <a:solidFill>
+                <a:schemeClr val="tx1"/>
+              </a:solidFill>
+            </a:endParaRPr>
           </a:p>
           <a:p>
             <a:pPr marL="0" indent="0">
+              <a:lnSpc>
+                <a:spcPct val="90000"/>
+              </a:lnSpc>
               <a:buNone/>
             </a:pPr>
             <a:r>
-              <a:rPr lang="en-US" dirty="0"/>
+              <a:rPr lang="en-US" sz="1500">
+                <a:solidFill>
+                  <a:schemeClr val="tx1"/>
+                </a:solidFill>
+              </a:rPr>
               <a:t>Our primary focus will be the first, and without much consideration to the entangling portion</a:t>
             </a:r>
           </a:p>
           <a:p>
             <a:pPr marL="932688" lvl="2" indent="-457200">
+              <a:lnSpc>
+                <a:spcPct val="90000"/>
+              </a:lnSpc>
               <a:buFont typeface="+mj-lt"/>
               <a:buAutoNum type="arabicPeriod"/>
             </a:pPr>
-            <a:endParaRPr lang="en-US" dirty="0"/>
-          </a:p>
-          <a:p>
-            <a:endParaRPr lang="en-CA" dirty="0"/>
+            <a:endParaRPr lang="en-US" sz="1500">
+              <a:solidFill>
+                <a:schemeClr val="tx1"/>
+              </a:solidFill>
+            </a:endParaRPr>
+          </a:p>
+          <a:p>
+            <a:pPr>
+              <a:lnSpc>
+                <a:spcPct val="90000"/>
+              </a:lnSpc>
+            </a:pPr>
+            <a:endParaRPr lang="en-CA" sz="1500">
+              <a:solidFill>
+                <a:schemeClr val="tx1"/>
+              </a:solidFill>
+            </a:endParaRPr>
           </a:p>
         </p:txBody>
       </p:sp>
+      <p:pic>
+        <p:nvPicPr>
+          <p:cNvPr id="2050" name="Picture 2">
+            <a:extLst>
+              <a:ext uri="{FF2B5EF4-FFF2-40B4-BE49-F238E27FC236}">
+                <a16:creationId xmlns:a16="http://schemas.microsoft.com/office/drawing/2014/main" id="{E8BE2076-21F5-82EB-1217-F9E163CEDEDD}"/>
+              </a:ext>
+            </a:extLst>
+          </p:cNvPr>
+          <p:cNvPicPr>
+            <a:picLocks noChangeAspect="1" noChangeArrowheads="1"/>
+          </p:cNvPicPr>
+          <p:nvPr/>
+        </p:nvPicPr>
+        <p:blipFill>
+          <a:blip r:embed="rId2">
+            <a:extLst>
+              <a:ext uri="{28A0092B-C50C-407E-A947-70E740481C1C}">
+                <a14:useLocalDpi xmlns:a14="http://schemas.microsoft.com/office/drawing/2010/main" val="0"/>
+              </a:ext>
+            </a:extLst>
+          </a:blip>
+          <a:stretch>
+            <a:fillRect/>
+          </a:stretch>
+        </p:blipFill>
+        <p:spPr bwMode="auto">
+          <a:xfrm>
+            <a:off x="7641522" y="643467"/>
+            <a:ext cx="1605300" cy="2624666"/>
+          </a:xfrm>
+          <a:prstGeom prst="rect">
+            <a:avLst/>
+          </a:prstGeom>
+          <a:noFill/>
+          <a:extLst>
+            <a:ext uri="{909E8E84-426E-40DD-AFC4-6F175D3DCCD1}">
+              <a14:hiddenFill xmlns:a14="http://schemas.microsoft.com/office/drawing/2010/main">
+                <a:solidFill>
+                  <a:srgbClr val="FFFFFF"/>
+                </a:solidFill>
+              </a14:hiddenFill>
+            </a:ext>
+          </a:extLst>
+        </p:spPr>
+      </p:pic>
+      <p:pic>
+        <p:nvPicPr>
+          <p:cNvPr id="2054" name="Picture 6">
+            <a:extLst>
+              <a:ext uri="{FF2B5EF4-FFF2-40B4-BE49-F238E27FC236}">
+                <a16:creationId xmlns:a16="http://schemas.microsoft.com/office/drawing/2014/main" id="{089F534C-1142-B486-7A47-8B52161A3BB9}"/>
+              </a:ext>
+            </a:extLst>
+          </p:cNvPr>
+          <p:cNvPicPr>
+            <a:picLocks noChangeAspect="1" noChangeArrowheads="1"/>
+          </p:cNvPicPr>
+          <p:nvPr/>
+        </p:nvPicPr>
+        <p:blipFill>
+          <a:blip r:embed="rId3">
+            <a:extLst>
+              <a:ext uri="{28A0092B-C50C-407E-A947-70E740481C1C}">
+                <a14:useLocalDpi xmlns:a14="http://schemas.microsoft.com/office/drawing/2010/main" val="0"/>
+              </a:ext>
+            </a:extLst>
+          </a:blip>
+          <a:stretch>
+            <a:fillRect/>
+          </a:stretch>
+        </p:blipFill>
+        <p:spPr bwMode="auto">
+          <a:xfrm>
+            <a:off x="9713180" y="633238"/>
+            <a:ext cx="1756597" cy="2634896"/>
+          </a:xfrm>
+          <a:prstGeom prst="rect">
+            <a:avLst/>
+          </a:prstGeom>
+          <a:noFill/>
+          <a:extLst>
+            <a:ext uri="{909E8E84-426E-40DD-AFC4-6F175D3DCCD1}">
+              <a14:hiddenFill xmlns:a14="http://schemas.microsoft.com/office/drawing/2010/main">
+                <a:solidFill>
+                  <a:srgbClr val="FFFFFF"/>
+                </a:solidFill>
+              </a14:hiddenFill>
+            </a:ext>
+          </a:extLst>
+        </p:spPr>
+      </p:pic>
+      <p:pic>
+        <p:nvPicPr>
+          <p:cNvPr id="2052" name="Picture 4" descr="Raymond Laflamme">
+            <a:extLst>
+              <a:ext uri="{FF2B5EF4-FFF2-40B4-BE49-F238E27FC236}">
+                <a16:creationId xmlns:a16="http://schemas.microsoft.com/office/drawing/2014/main" id="{D22DB95A-6CED-B36C-8552-9F04C31E96D7}"/>
+              </a:ext>
+            </a:extLst>
+          </p:cNvPr>
+          <p:cNvPicPr>
+            <a:picLocks noChangeAspect="1" noChangeArrowheads="1"/>
+          </p:cNvPicPr>
+          <p:nvPr/>
+        </p:nvPicPr>
+        <p:blipFill>
+          <a:blip r:embed="rId4">
+            <a:extLst>
+              <a:ext uri="{28A0092B-C50C-407E-A947-70E740481C1C}">
+                <a14:useLocalDpi xmlns:a14="http://schemas.microsoft.com/office/drawing/2010/main" val="0"/>
+              </a:ext>
+            </a:extLst>
+          </a:blip>
+          <a:stretch>
+            <a:fillRect/>
+          </a:stretch>
+        </p:blipFill>
+        <p:spPr bwMode="auto">
+          <a:xfrm>
+            <a:off x="8505535" y="3600097"/>
+            <a:ext cx="2072104" cy="2624666"/>
+          </a:xfrm>
+          <a:prstGeom prst="rect">
+            <a:avLst/>
+          </a:prstGeom>
+          <a:noFill/>
+          <a:extLst>
+            <a:ext uri="{909E8E84-426E-40DD-AFC4-6F175D3DCCD1}">
+              <a14:hiddenFill xmlns:a14="http://schemas.microsoft.com/office/drawing/2010/main">
+                <a:solidFill>
+                  <a:srgbClr val="FFFFFF"/>
+                </a:solidFill>
+              </a14:hiddenFill>
+            </a:ext>
+          </a:extLst>
+        </p:spPr>
+      </p:pic>
     </p:spTree>
     <p:extLst>
       <p:ext uri="{BB962C8B-B14F-4D97-AF65-F5344CB8AC3E}">
@@ -13690,7 +14888,7 @@
     </p:extLst>
   </p:cSld>
   <p:clrMapOvr>
-    <a:masterClrMapping/>
+    <a:overrideClrMapping bg1="dk1" tx1="lt1" bg2="dk2" tx2="lt2" accent1="accent1" accent2="accent2" accent3="accent3" accent4="accent4" accent5="accent5" accent6="accent6" hlink="hlink" folHlink="folHlink"/>
   </p:clrMapOvr>
 </p:sld>
 </file>
@@ -13717,7 +14915,7 @@
           <p:cNvPr id="2" name="Title 1">
             <a:extLst>
               <a:ext uri="{FF2B5EF4-FFF2-40B4-BE49-F238E27FC236}">
-                <a16:creationId xmlns:a16="http://schemas.microsoft.com/office/drawing/2014/main" id="{613B37F4-B0B8-8D79-2A8C-EB744F3BE126}"/>
+                <a16:creationId xmlns:a16="http://schemas.microsoft.com/office/drawing/2014/main" id="{C4A4ECC3-8EDD-E742-684D-49069861919F}"/>
               </a:ext>
             </a:extLst>
           </p:cNvPr>
@@ -13735,7 +14933,7 @@
           <a:p>
             <a:r>
               <a:rPr lang="en-US" dirty="0"/>
-              <a:t>Conclusions - 1</a:t>
+              <a:t>Results and Analysis - 4</a:t>
             </a:r>
             <a:endParaRPr lang="en-CA" dirty="0"/>
           </a:p>
@@ -13746,7 +14944,7 @@
           <p:cNvPr id="3" name="Content Placeholder 2">
             <a:extLst>
               <a:ext uri="{FF2B5EF4-FFF2-40B4-BE49-F238E27FC236}">
-                <a16:creationId xmlns:a16="http://schemas.microsoft.com/office/drawing/2014/main" id="{79867E40-C1F8-C934-5921-8978E18C6D47}"/>
+                <a16:creationId xmlns:a16="http://schemas.microsoft.com/office/drawing/2014/main" id="{D89226BA-004B-91DF-6C2B-725927269365}"/>
               </a:ext>
             </a:extLst>
           </p:cNvPr>
@@ -13759,87 +14957,37 @@
         </p:nvSpPr>
         <p:spPr/>
         <p:txBody>
-          <a:bodyPr/>
+          <a:bodyPr>
+            <a:normAutofit/>
+          </a:bodyPr>
           <a:lstStyle/>
           <a:p>
             <a:r>
+              <a:rPr lang="en-US" dirty="0" err="1"/>
+              <a:t>Biexicton</a:t>
+            </a:r>
+            <a:r>
               <a:rPr lang="en-US" dirty="0"/>
-              <a:t>Determine quantum nature of the quantum dot by considering Rabi oscillations:</a:t>
-            </a:r>
-          </a:p>
-          <a:p>
-            <a:endParaRPr lang="en-US" dirty="0"/>
-          </a:p>
-          <a:p>
-            <a:pPr marL="544068" lvl="1" indent="-342900">
-              <a:buFont typeface="+mj-lt"/>
-              <a:buAutoNum type="arabicPeriod"/>
-            </a:pPr>
+              <a:t> State Population</a:t>
+            </a:r>
+          </a:p>
+          <a:p>
             <a:r>
               <a:rPr lang="en-US" dirty="0"/>
-              <a:t>Rabi oscillations are indeed a quantum effect due to electron repopulation</a:t>
-            </a:r>
-          </a:p>
-          <a:p>
-            <a:pPr marL="544068" lvl="1" indent="-342900">
-              <a:buFont typeface="+mj-lt"/>
-              <a:buAutoNum type="arabicPeriod"/>
-            </a:pPr>
-            <a:endParaRPr lang="en-US" dirty="0"/>
-          </a:p>
-          <a:p>
-            <a:pPr marL="544068" lvl="1" indent="-342900">
-              <a:buFont typeface="+mj-lt"/>
-              <a:buAutoNum type="arabicPeriod"/>
-            </a:pPr>
+              <a:t>Starts with 0% probability for occupation</a:t>
+            </a:r>
+          </a:p>
+          <a:p>
             <a:r>
               <a:rPr lang="en-US" dirty="0"/>
-              <a:t>Cannot directly study electrons – study photons instead</a:t>
-            </a:r>
-          </a:p>
-          <a:p>
-            <a:pPr lvl="2"/>
+              <a:t>High peak at 90% occupation probability – representative of wanting direct biexciton population</a:t>
+            </a:r>
+          </a:p>
+          <a:p>
             <a:r>
               <a:rPr lang="en-US" dirty="0"/>
-              <a:t>Statistical nature of photons lends to the possibility of deterministic source – sub-Poissonian</a:t>
-            </a:r>
-          </a:p>
-          <a:p>
-            <a:pPr lvl="2"/>
-            <a:endParaRPr lang="en-US" dirty="0"/>
-          </a:p>
-          <a:p>
-            <a:pPr marL="544068" lvl="1" indent="-342900">
-              <a:buFont typeface="+mj-lt"/>
-              <a:buAutoNum type="arabicPeriod"/>
-            </a:pPr>
-            <a:r>
-              <a:rPr lang="en-US" dirty="0"/>
-              <a:t>Quantum dot is a sub-Poissonian source </a:t>
-            </a:r>
-          </a:p>
-          <a:p>
-            <a:pPr lvl="2"/>
-            <a:r>
-              <a:rPr lang="en-US" dirty="0"/>
-              <a:t>Biexciton-Exciton cascade requires a 3-state model</a:t>
-            </a:r>
-          </a:p>
-          <a:p>
-            <a:pPr lvl="2"/>
-            <a:endParaRPr lang="en-US" dirty="0"/>
-          </a:p>
-          <a:p>
-            <a:pPr marL="544068" lvl="1" indent="-342900">
-              <a:buFont typeface="+mj-lt"/>
-              <a:buAutoNum type="arabicPeriod"/>
-            </a:pPr>
-            <a:r>
-              <a:rPr lang="en-US" dirty="0"/>
-              <a:t>Framework to represent all of this and environmental effects – Lindblad Master Equation</a:t>
-            </a:r>
-          </a:p>
-          <a:p>
+              <a:t>As peaks diminish, oscillates at about 33.33% probability for occupation</a:t>
+            </a:r>
             <a:endParaRPr lang="en-CA" dirty="0"/>
           </a:p>
         </p:txBody>
@@ -13847,7 +14995,7 @@
     </p:spTree>
     <p:extLst>
       <p:ext uri="{BB962C8B-B14F-4D97-AF65-F5344CB8AC3E}">
-        <p14:creationId xmlns:p14="http://schemas.microsoft.com/office/powerpoint/2010/main" val="987317963"/>
+        <p14:creationId xmlns:p14="http://schemas.microsoft.com/office/powerpoint/2010/main" val="4093602747"/>
       </p:ext>
     </p:extLst>
   </p:cSld>
@@ -13879,7 +15027,7 @@
           <p:cNvPr id="2" name="Title 1">
             <a:extLst>
               <a:ext uri="{FF2B5EF4-FFF2-40B4-BE49-F238E27FC236}">
-                <a16:creationId xmlns:a16="http://schemas.microsoft.com/office/drawing/2014/main" id="{33280BD5-9D4B-B14C-E6A4-EEDB69ACFB30}"/>
+                <a16:creationId xmlns:a16="http://schemas.microsoft.com/office/drawing/2014/main" id="{613B37F4-B0B8-8D79-2A8C-EB744F3BE126}"/>
               </a:ext>
             </a:extLst>
           </p:cNvPr>
@@ -13897,7 +15045,7 @@
           <a:p>
             <a:r>
               <a:rPr lang="en-US" dirty="0"/>
-              <a:t>Conclusions - 2</a:t>
+              <a:t>Conclusions - 1</a:t>
             </a:r>
             <a:endParaRPr lang="en-CA" dirty="0"/>
           </a:p>
@@ -13908,7 +15056,7 @@
           <p:cNvPr id="3" name="Content Placeholder 2">
             <a:extLst>
               <a:ext uri="{FF2B5EF4-FFF2-40B4-BE49-F238E27FC236}">
-                <a16:creationId xmlns:a16="http://schemas.microsoft.com/office/drawing/2014/main" id="{3A44E0D7-994A-E2DD-EC35-6A9D48E28D70}"/>
+                <a16:creationId xmlns:a16="http://schemas.microsoft.com/office/drawing/2014/main" id="{79867E40-C1F8-C934-5921-8978E18C6D47}"/>
               </a:ext>
             </a:extLst>
           </p:cNvPr>
@@ -13926,58 +15074,90 @@
           <a:p>
             <a:r>
               <a:rPr lang="en-US" dirty="0"/>
-              <a:t>5.   Python package to put all of this information together – QuTiP</a:t>
+              <a:t>Determine quantum nature of the quantum dot by considering Rabi oscillations:</a:t>
             </a:r>
           </a:p>
           <a:p>
             <a:endParaRPr lang="en-US" dirty="0"/>
           </a:p>
           <a:p>
+            <a:pPr marL="544068" lvl="1" indent="-342900">
+              <a:buFont typeface="+mj-lt"/>
+              <a:buAutoNum type="arabicPeriod"/>
+            </a:pPr>
             <a:r>
               <a:rPr lang="en-US" dirty="0"/>
-              <a:t>6.   Challenges in implementation</a:t>
-            </a:r>
-          </a:p>
-          <a:p>
-            <a:pPr lvl="1"/>
+              <a:t>Rabi oscillations are indeed a quantum effect due to electron repopulation</a:t>
+            </a:r>
+          </a:p>
+          <a:p>
+            <a:pPr marL="544068" lvl="1" indent="-342900">
+              <a:buFont typeface="+mj-lt"/>
+              <a:buAutoNum type="arabicPeriod"/>
+            </a:pPr>
+            <a:endParaRPr lang="en-US" dirty="0"/>
+          </a:p>
+          <a:p>
+            <a:pPr marL="544068" lvl="1" indent="-342900">
+              <a:buFont typeface="+mj-lt"/>
+              <a:buAutoNum type="arabicPeriod"/>
+            </a:pPr>
             <a:r>
               <a:rPr lang="en-US" dirty="0"/>
-              <a:t>3-D system instead of 2-D</a:t>
-            </a:r>
-          </a:p>
-          <a:p>
-            <a:pPr lvl="1"/>
+              <a:t>Cannot directly study electrons – study photons instead</a:t>
+            </a:r>
+          </a:p>
+          <a:p>
+            <a:pPr lvl="2"/>
             <a:r>
               <a:rPr lang="en-US" dirty="0"/>
-              <a:t>Converting operators to a language that python understood</a:t>
-            </a:r>
-          </a:p>
-          <a:p>
-            <a:pPr lvl="1"/>
+              <a:t>Statistical nature of photons lends to the possibility of deterministic source – sub-Poissonian</a:t>
+            </a:r>
+          </a:p>
+          <a:p>
+            <a:pPr lvl="2"/>
+            <a:endParaRPr lang="en-US" dirty="0"/>
+          </a:p>
+          <a:p>
+            <a:pPr marL="544068" lvl="1" indent="-342900">
+              <a:buFont typeface="+mj-lt"/>
+              <a:buAutoNum type="arabicPeriod"/>
+            </a:pPr>
             <a:r>
               <a:rPr lang="en-US" dirty="0"/>
-              <a:t>Changing Gaussian pulse to detect Rabi oscillations</a:t>
-            </a:r>
-          </a:p>
-          <a:p>
-            <a:pPr lvl="1"/>
+              <a:t>Quantum dot is a sub-Poissonian source </a:t>
+            </a:r>
+          </a:p>
+          <a:p>
+            <a:pPr lvl="2"/>
+            <a:r>
+              <a:rPr lang="en-US" dirty="0"/>
+              <a:t>Biexciton-Exciton cascade requires a 3-state model</a:t>
+            </a:r>
+          </a:p>
+          <a:p>
+            <a:pPr lvl="2"/>
             <a:endParaRPr lang="en-US" dirty="0"/>
           </a:p>
           <a:p>
-            <a:pPr marL="201168" lvl="1" indent="0" algn="ctr">
-              <a:buNone/>
+            <a:pPr marL="544068" lvl="1" indent="-342900">
+              <a:buFont typeface="+mj-lt"/>
+              <a:buAutoNum type="arabicPeriod"/>
             </a:pPr>
             <a:r>
-              <a:rPr lang="en-CA" dirty="0"/>
-              <a:t>RABI OSCILLATIONS IN ALL 3 STATES OF THE QUANTUM DOT!</a:t>
-            </a:r>
+              <a:rPr lang="en-US" dirty="0"/>
+              <a:t>Framework to represent all of this and environmental effects – Lindblad Master Equation</a:t>
+            </a:r>
+          </a:p>
+          <a:p>
+            <a:endParaRPr lang="en-CA" dirty="0"/>
           </a:p>
         </p:txBody>
       </p:sp>
     </p:spTree>
     <p:extLst>
       <p:ext uri="{BB962C8B-B14F-4D97-AF65-F5344CB8AC3E}">
-        <p14:creationId xmlns:p14="http://schemas.microsoft.com/office/powerpoint/2010/main" val="511001004"/>
+        <p14:creationId xmlns:p14="http://schemas.microsoft.com/office/powerpoint/2010/main" val="987317963"/>
       </p:ext>
     </p:extLst>
   </p:cSld>
@@ -14009,6 +15189,136 @@
           <p:cNvPr id="2" name="Title 1">
             <a:extLst>
               <a:ext uri="{FF2B5EF4-FFF2-40B4-BE49-F238E27FC236}">
+                <a16:creationId xmlns:a16="http://schemas.microsoft.com/office/drawing/2014/main" id="{33280BD5-9D4B-B14C-E6A4-EEDB69ACFB30}"/>
+              </a:ext>
+            </a:extLst>
+          </p:cNvPr>
+          <p:cNvSpPr>
+            <a:spLocks noGrp="1"/>
+          </p:cNvSpPr>
+          <p:nvPr>
+            <p:ph type="title"/>
+          </p:nvPr>
+        </p:nvSpPr>
+        <p:spPr/>
+        <p:txBody>
+          <a:bodyPr/>
+          <a:lstStyle/>
+          <a:p>
+            <a:r>
+              <a:rPr lang="en-US" dirty="0"/>
+              <a:t>Conclusions - 2</a:t>
+            </a:r>
+            <a:endParaRPr lang="en-CA" dirty="0"/>
+          </a:p>
+        </p:txBody>
+      </p:sp>
+      <p:sp>
+        <p:nvSpPr>
+          <p:cNvPr id="3" name="Content Placeholder 2">
+            <a:extLst>
+              <a:ext uri="{FF2B5EF4-FFF2-40B4-BE49-F238E27FC236}">
+                <a16:creationId xmlns:a16="http://schemas.microsoft.com/office/drawing/2014/main" id="{3A44E0D7-994A-E2DD-EC35-6A9D48E28D70}"/>
+              </a:ext>
+            </a:extLst>
+          </p:cNvPr>
+          <p:cNvSpPr>
+            <a:spLocks noGrp="1"/>
+          </p:cNvSpPr>
+          <p:nvPr>
+            <p:ph idx="1"/>
+          </p:nvPr>
+        </p:nvSpPr>
+        <p:spPr/>
+        <p:txBody>
+          <a:bodyPr/>
+          <a:lstStyle/>
+          <a:p>
+            <a:r>
+              <a:rPr lang="en-US" dirty="0"/>
+              <a:t>5.   Python package to put all of this information together – QuTiP</a:t>
+            </a:r>
+          </a:p>
+          <a:p>
+            <a:endParaRPr lang="en-US" dirty="0"/>
+          </a:p>
+          <a:p>
+            <a:r>
+              <a:rPr lang="en-US" dirty="0"/>
+              <a:t>6.   Challenges in implementation</a:t>
+            </a:r>
+          </a:p>
+          <a:p>
+            <a:pPr lvl="1"/>
+            <a:r>
+              <a:rPr lang="en-US" dirty="0"/>
+              <a:t>3-D system instead of 2-D</a:t>
+            </a:r>
+          </a:p>
+          <a:p>
+            <a:pPr lvl="1"/>
+            <a:r>
+              <a:rPr lang="en-US" dirty="0"/>
+              <a:t>Converting operators to a language that python understood</a:t>
+            </a:r>
+          </a:p>
+          <a:p>
+            <a:pPr lvl="1"/>
+            <a:r>
+              <a:rPr lang="en-US" dirty="0"/>
+              <a:t>Changing Gaussian pulse to detect Rabi oscillations</a:t>
+            </a:r>
+          </a:p>
+          <a:p>
+            <a:pPr lvl="1"/>
+            <a:endParaRPr lang="en-US" dirty="0"/>
+          </a:p>
+          <a:p>
+            <a:pPr marL="201168" lvl="1" indent="0" algn="ctr">
+              <a:buNone/>
+            </a:pPr>
+            <a:r>
+              <a:rPr lang="en-CA" dirty="0"/>
+              <a:t>RABI OSCILLATIONS IN ALL 3 STATES OF THE QUANTUM DOT!</a:t>
+            </a:r>
+          </a:p>
+        </p:txBody>
+      </p:sp>
+    </p:spTree>
+    <p:extLst>
+      <p:ext uri="{BB962C8B-B14F-4D97-AF65-F5344CB8AC3E}">
+        <p14:creationId xmlns:p14="http://schemas.microsoft.com/office/powerpoint/2010/main" val="511001004"/>
+      </p:ext>
+    </p:extLst>
+  </p:cSld>
+  <p:clrMapOvr>
+    <a:masterClrMapping/>
+  </p:clrMapOvr>
+</p:sld>
+</file>
+
+<file path=ppt/slides/slide43.xml><?xml version="1.0" encoding="utf-8"?>
+<p:sld xmlns:a="http://schemas.openxmlformats.org/drawingml/2006/main" xmlns:r="http://schemas.openxmlformats.org/officeDocument/2006/relationships" xmlns:p="http://schemas.openxmlformats.org/presentationml/2006/main">
+  <p:cSld>
+    <p:spTree>
+      <p:nvGrpSpPr>
+        <p:cNvPr id="1" name=""/>
+        <p:cNvGrpSpPr/>
+        <p:nvPr/>
+      </p:nvGrpSpPr>
+      <p:grpSpPr>
+        <a:xfrm>
+          <a:off x="0" y="0"/>
+          <a:ext cx="0" cy="0"/>
+          <a:chOff x="0" y="0"/>
+          <a:chExt cx="0" cy="0"/>
+        </a:xfrm>
+      </p:grpSpPr>
+      <p:sp>
+        <p:nvSpPr>
+          <p:cNvPr id="2" name="Title 1">
+            <a:extLst>
+              <a:ext uri="{FF2B5EF4-FFF2-40B4-BE49-F238E27FC236}">
                 <a16:creationId xmlns:a16="http://schemas.microsoft.com/office/drawing/2014/main" id="{7C16E3F2-6548-09C3-1B24-5CF5D0F25AE4}"/>
               </a:ext>
             </a:extLst>
@@ -14107,7 +15417,7 @@
 </p:sld>
 </file>
 
-<file path=ppt/slides/slide43.xml><?xml version="1.0" encoding="utf-8"?>
+<file path=ppt/slides/slide44.xml><?xml version="1.0" encoding="utf-8"?>
 <p:sld xmlns:a="http://schemas.openxmlformats.org/drawingml/2006/main" xmlns:r="http://schemas.openxmlformats.org/officeDocument/2006/relationships" xmlns:p="http://schemas.openxmlformats.org/presentationml/2006/main">
   <p:cSld>
     <p:bg>
@@ -14382,7 +15692,7 @@
 </p:sld>
 </file>
 
-<file path=ppt/slides/slide44.xml><?xml version="1.0" encoding="utf-8"?>
+<file path=ppt/slides/slide45.xml><?xml version="1.0" encoding="utf-8"?>
 <p:sld xmlns:a="http://schemas.openxmlformats.org/drawingml/2006/main" xmlns:r="http://schemas.openxmlformats.org/officeDocument/2006/relationships" xmlns:p="http://schemas.openxmlformats.org/presentationml/2006/main">
   <p:cSld>
     <p:spTree>
@@ -14680,378 +15990,6 @@
     <p:extLst>
       <p:ext uri="{BB962C8B-B14F-4D97-AF65-F5344CB8AC3E}">
         <p14:creationId xmlns:p14="http://schemas.microsoft.com/office/powerpoint/2010/main" val="1512396912"/>
-      </p:ext>
-    </p:extLst>
-  </p:cSld>
-  <p:clrMapOvr>
-    <a:masterClrMapping/>
-  </p:clrMapOvr>
-</p:sld>
-</file>
-
-<file path=ppt/slides/slide45.xml><?xml version="1.0" encoding="utf-8"?>
-<p:sld xmlns:a="http://schemas.openxmlformats.org/drawingml/2006/main" xmlns:r="http://schemas.openxmlformats.org/officeDocument/2006/relationships" xmlns:p="http://schemas.openxmlformats.org/presentationml/2006/main">
-  <p:cSld>
-    <p:spTree>
-      <p:nvGrpSpPr>
-        <p:cNvPr id="1" name=""/>
-        <p:cNvGrpSpPr/>
-        <p:nvPr/>
-      </p:nvGrpSpPr>
-      <p:grpSpPr>
-        <a:xfrm>
-          <a:off x="0" y="0"/>
-          <a:ext cx="0" cy="0"/>
-          <a:chOff x="0" y="0"/>
-          <a:chExt cx="0" cy="0"/>
-        </a:xfrm>
-      </p:grpSpPr>
-      <p:sp>
-        <p:nvSpPr>
-          <p:cNvPr id="2" name="Title 1">
-            <a:extLst>
-              <a:ext uri="{FF2B5EF4-FFF2-40B4-BE49-F238E27FC236}">
-                <a16:creationId xmlns:a16="http://schemas.microsoft.com/office/drawing/2014/main" id="{B0936EA5-38B1-175D-036D-BB6B7D88FC46}"/>
-              </a:ext>
-            </a:extLst>
-          </p:cNvPr>
-          <p:cNvSpPr>
-            <a:spLocks noGrp="1"/>
-          </p:cNvSpPr>
-          <p:nvPr>
-            <p:ph type="title"/>
-          </p:nvPr>
-        </p:nvSpPr>
-        <p:spPr/>
-        <p:txBody>
-          <a:bodyPr/>
-          <a:lstStyle/>
-          <a:p>
-            <a:r>
-              <a:rPr lang="en-US" dirty="0"/>
-              <a:t>References - 2</a:t>
-            </a:r>
-            <a:endParaRPr lang="en-CA" dirty="0"/>
-          </a:p>
-        </p:txBody>
-      </p:sp>
-      <p:sp>
-        <p:nvSpPr>
-          <p:cNvPr id="3" name="Content Placeholder 2">
-            <a:extLst>
-              <a:ext uri="{FF2B5EF4-FFF2-40B4-BE49-F238E27FC236}">
-                <a16:creationId xmlns:a16="http://schemas.microsoft.com/office/drawing/2014/main" id="{DA6CD2C8-6031-5465-ACC6-8C88982682FD}"/>
-              </a:ext>
-            </a:extLst>
-          </p:cNvPr>
-          <p:cNvSpPr>
-            <a:spLocks noGrp="1"/>
-          </p:cNvSpPr>
-          <p:nvPr>
-            <p:ph idx="1"/>
-          </p:nvPr>
-        </p:nvSpPr>
-        <p:spPr/>
-        <p:txBody>
-          <a:bodyPr>
-            <a:normAutofit fontScale="92500"/>
-          </a:bodyPr>
-          <a:lstStyle/>
-          <a:p>
-            <a:pPr marL="457200" marR="0" indent="-457200">
-              <a:lnSpc>
-                <a:spcPct val="150000"/>
-              </a:lnSpc>
-              <a:spcBef>
-                <a:spcPts val="0"/>
-              </a:spcBef>
-              <a:spcAft>
-                <a:spcPts val="600"/>
-              </a:spcAft>
-            </a:pPr>
-            <a:r>
-              <a:rPr lang="en-CA" sz="1800" dirty="0">
-                <a:effectLst/>
-                <a:latin typeface="Times New Roman" panose="02020603050405020304" pitchFamily="18" charset="0"/>
-                <a:ea typeface="Calibri" panose="020F0502020204030204" pitchFamily="34" charset="0"/>
-                <a:cs typeface="Times New Roman" panose="02020603050405020304" pitchFamily="18" charset="0"/>
-              </a:rPr>
-              <a:t>Fischer, K. A., </a:t>
-            </a:r>
-            <a:r>
-              <a:rPr lang="en-CA" sz="1800" dirty="0" err="1">
-                <a:effectLst/>
-                <a:latin typeface="Times New Roman" panose="02020603050405020304" pitchFamily="18" charset="0"/>
-                <a:ea typeface="Calibri" panose="020F0502020204030204" pitchFamily="34" charset="0"/>
-                <a:cs typeface="Times New Roman" panose="02020603050405020304" pitchFamily="18" charset="0"/>
-              </a:rPr>
-              <a:t>Hanschke</a:t>
-            </a:r>
-            <a:r>
-              <a:rPr lang="en-CA" sz="1800" dirty="0">
-                <a:effectLst/>
-                <a:latin typeface="Times New Roman" panose="02020603050405020304" pitchFamily="18" charset="0"/>
-                <a:ea typeface="Calibri" panose="020F0502020204030204" pitchFamily="34" charset="0"/>
-                <a:cs typeface="Times New Roman" panose="02020603050405020304" pitchFamily="18" charset="0"/>
-              </a:rPr>
-              <a:t>, L., </a:t>
-            </a:r>
-            <a:r>
-              <a:rPr lang="en-CA" sz="1800" dirty="0" err="1">
-                <a:effectLst/>
-                <a:latin typeface="Times New Roman" panose="02020603050405020304" pitchFamily="18" charset="0"/>
-                <a:ea typeface="Calibri" panose="020F0502020204030204" pitchFamily="34" charset="0"/>
-                <a:cs typeface="Times New Roman" panose="02020603050405020304" pitchFamily="18" charset="0"/>
-              </a:rPr>
-              <a:t>Kremser</a:t>
-            </a:r>
-            <a:r>
-              <a:rPr lang="en-CA" sz="1800" dirty="0">
-                <a:effectLst/>
-                <a:latin typeface="Times New Roman" panose="02020603050405020304" pitchFamily="18" charset="0"/>
-                <a:ea typeface="Calibri" panose="020F0502020204030204" pitchFamily="34" charset="0"/>
-                <a:cs typeface="Times New Roman" panose="02020603050405020304" pitchFamily="18" charset="0"/>
-              </a:rPr>
-              <a:t>, M., Finley, J. J., Muller, K., &amp; </a:t>
-            </a:r>
-            <a:r>
-              <a:rPr lang="en-CA" sz="1800" dirty="0" err="1">
-                <a:effectLst/>
-                <a:latin typeface="Times New Roman" panose="02020603050405020304" pitchFamily="18" charset="0"/>
-                <a:ea typeface="Calibri" panose="020F0502020204030204" pitchFamily="34" charset="0"/>
-                <a:cs typeface="Times New Roman" panose="02020603050405020304" pitchFamily="18" charset="0"/>
-              </a:rPr>
-              <a:t>Vucokvic</a:t>
-            </a:r>
-            <a:r>
-              <a:rPr lang="en-CA" sz="1800" dirty="0">
-                <a:effectLst/>
-                <a:latin typeface="Times New Roman" panose="02020603050405020304" pitchFamily="18" charset="0"/>
-                <a:ea typeface="Calibri" panose="020F0502020204030204" pitchFamily="34" charset="0"/>
-                <a:cs typeface="Times New Roman" panose="02020603050405020304" pitchFamily="18" charset="0"/>
-              </a:rPr>
-              <a:t>, J. (2017). Pulsed Rabi oscillations in quantum two-level systems:. </a:t>
-            </a:r>
-            <a:r>
-              <a:rPr lang="en-CA" sz="1800" i="1" dirty="0">
-                <a:effectLst/>
-                <a:latin typeface="Times New Roman" panose="02020603050405020304" pitchFamily="18" charset="0"/>
-                <a:ea typeface="Calibri" panose="020F0502020204030204" pitchFamily="34" charset="0"/>
-                <a:cs typeface="Times New Roman" panose="02020603050405020304" pitchFamily="18" charset="0"/>
-              </a:rPr>
-              <a:t>Quantum Science and Technology</a:t>
-            </a:r>
-            <a:r>
-              <a:rPr lang="en-CA" sz="1800" dirty="0">
-                <a:effectLst/>
-                <a:latin typeface="Times New Roman" panose="02020603050405020304" pitchFamily="18" charset="0"/>
-                <a:ea typeface="Calibri" panose="020F0502020204030204" pitchFamily="34" charset="0"/>
-                <a:cs typeface="Times New Roman" panose="02020603050405020304" pitchFamily="18" charset="0"/>
-              </a:rPr>
-              <a:t>.</a:t>
-            </a:r>
-          </a:p>
-          <a:p>
-            <a:pPr marL="457200" marR="0" indent="-457200">
-              <a:lnSpc>
-                <a:spcPct val="150000"/>
-              </a:lnSpc>
-              <a:spcBef>
-                <a:spcPts val="0"/>
-              </a:spcBef>
-              <a:spcAft>
-                <a:spcPts val="600"/>
-              </a:spcAft>
-            </a:pPr>
-            <a:r>
-              <a:rPr lang="en-CA" sz="1800" dirty="0">
-                <a:effectLst/>
-                <a:latin typeface="Times New Roman" panose="02020603050405020304" pitchFamily="18" charset="0"/>
-                <a:ea typeface="Calibri" panose="020F0502020204030204" pitchFamily="34" charset="0"/>
-                <a:cs typeface="Times New Roman" panose="02020603050405020304" pitchFamily="18" charset="0"/>
-              </a:rPr>
-              <a:t>Fox, M. (2006). </a:t>
-            </a:r>
-            <a:r>
-              <a:rPr lang="en-CA" sz="1800" i="1" dirty="0">
-                <a:effectLst/>
-                <a:latin typeface="Times New Roman" panose="02020603050405020304" pitchFamily="18" charset="0"/>
-                <a:ea typeface="Calibri" panose="020F0502020204030204" pitchFamily="34" charset="0"/>
-                <a:cs typeface="Times New Roman" panose="02020603050405020304" pitchFamily="18" charset="0"/>
-              </a:rPr>
-              <a:t>Quantum Optics.</a:t>
-            </a:r>
-            <a:r>
-              <a:rPr lang="en-CA" sz="1800" dirty="0">
-                <a:effectLst/>
-                <a:latin typeface="Times New Roman" panose="02020603050405020304" pitchFamily="18" charset="0"/>
-                <a:ea typeface="Calibri" panose="020F0502020204030204" pitchFamily="34" charset="0"/>
-                <a:cs typeface="Times New Roman" panose="02020603050405020304" pitchFamily="18" charset="0"/>
-              </a:rPr>
-              <a:t> Oxford University Press.</a:t>
-            </a:r>
-          </a:p>
-          <a:p>
-            <a:pPr marL="457200" marR="0" indent="-457200">
-              <a:lnSpc>
-                <a:spcPct val="150000"/>
-              </a:lnSpc>
-              <a:spcBef>
-                <a:spcPts val="0"/>
-              </a:spcBef>
-              <a:spcAft>
-                <a:spcPts val="600"/>
-              </a:spcAft>
-            </a:pPr>
-            <a:r>
-              <a:rPr lang="en-CA" sz="1800" dirty="0">
-                <a:effectLst/>
-                <a:latin typeface="Times New Roman" panose="02020603050405020304" pitchFamily="18" charset="0"/>
-                <a:ea typeface="Calibri" panose="020F0502020204030204" pitchFamily="34" charset="0"/>
-                <a:cs typeface="Times New Roman" panose="02020603050405020304" pitchFamily="18" charset="0"/>
-              </a:rPr>
-              <a:t>Huber, T., Osterman, L., </a:t>
-            </a:r>
-            <a:r>
-              <a:rPr lang="en-CA" sz="1800" dirty="0" err="1">
-                <a:effectLst/>
-                <a:latin typeface="Times New Roman" panose="02020603050405020304" pitchFamily="18" charset="0"/>
-                <a:ea typeface="Calibri" panose="020F0502020204030204" pitchFamily="34" charset="0"/>
-                <a:cs typeface="Times New Roman" panose="02020603050405020304" pitchFamily="18" charset="0"/>
-              </a:rPr>
-              <a:t>Prilmüller</a:t>
-            </a:r>
-            <a:r>
-              <a:rPr lang="en-CA" sz="1800" dirty="0">
-                <a:effectLst/>
-                <a:latin typeface="Times New Roman" panose="02020603050405020304" pitchFamily="18" charset="0"/>
-                <a:ea typeface="Calibri" panose="020F0502020204030204" pitchFamily="34" charset="0"/>
-                <a:cs typeface="Times New Roman" panose="02020603050405020304" pitchFamily="18" charset="0"/>
-              </a:rPr>
-              <a:t>, M., Solomon, G. S., </a:t>
-            </a:r>
-            <a:r>
-              <a:rPr lang="en-CA" sz="1800" dirty="0" err="1">
-                <a:effectLst/>
-                <a:latin typeface="Times New Roman" panose="02020603050405020304" pitchFamily="18" charset="0"/>
-                <a:ea typeface="Calibri" panose="020F0502020204030204" pitchFamily="34" charset="0"/>
-                <a:cs typeface="Times New Roman" panose="02020603050405020304" pitchFamily="18" charset="0"/>
-              </a:rPr>
-              <a:t>Ritsch</a:t>
-            </a:r>
-            <a:r>
-              <a:rPr lang="en-CA" sz="1800" dirty="0">
-                <a:effectLst/>
-                <a:latin typeface="Times New Roman" panose="02020603050405020304" pitchFamily="18" charset="0"/>
-                <a:ea typeface="Calibri" panose="020F0502020204030204" pitchFamily="34" charset="0"/>
-                <a:cs typeface="Times New Roman" panose="02020603050405020304" pitchFamily="18" charset="0"/>
-              </a:rPr>
-              <a:t>, H., </a:t>
-            </a:r>
-            <a:r>
-              <a:rPr lang="en-CA" sz="1800" dirty="0" err="1">
-                <a:effectLst/>
-                <a:latin typeface="Times New Roman" panose="02020603050405020304" pitchFamily="18" charset="0"/>
-                <a:ea typeface="Calibri" panose="020F0502020204030204" pitchFamily="34" charset="0"/>
-                <a:cs typeface="Times New Roman" panose="02020603050405020304" pitchFamily="18" charset="0"/>
-              </a:rPr>
-              <a:t>Weihs</a:t>
-            </a:r>
-            <a:r>
-              <a:rPr lang="en-CA" sz="1800" dirty="0">
-                <a:effectLst/>
-                <a:latin typeface="Times New Roman" panose="02020603050405020304" pitchFamily="18" charset="0"/>
-                <a:ea typeface="Calibri" panose="020F0502020204030204" pitchFamily="34" charset="0"/>
-                <a:cs typeface="Times New Roman" panose="02020603050405020304" pitchFamily="18" charset="0"/>
-              </a:rPr>
-              <a:t>, G., &amp; </a:t>
-            </a:r>
-            <a:r>
-              <a:rPr lang="en-CA" sz="1800" dirty="0" err="1">
-                <a:effectLst/>
-                <a:latin typeface="Times New Roman" panose="02020603050405020304" pitchFamily="18" charset="0"/>
-                <a:ea typeface="Calibri" panose="020F0502020204030204" pitchFamily="34" charset="0"/>
-                <a:cs typeface="Times New Roman" panose="02020603050405020304" pitchFamily="18" charset="0"/>
-              </a:rPr>
-              <a:t>Predojević</a:t>
-            </a:r>
-            <a:r>
-              <a:rPr lang="en-CA" sz="1800" dirty="0">
-                <a:effectLst/>
-                <a:latin typeface="Times New Roman" panose="02020603050405020304" pitchFamily="18" charset="0"/>
-                <a:ea typeface="Calibri" panose="020F0502020204030204" pitchFamily="34" charset="0"/>
-                <a:cs typeface="Times New Roman" panose="02020603050405020304" pitchFamily="18" charset="0"/>
-              </a:rPr>
-              <a:t>, A. (2016). Coherence and degree of time-bin entanglement from quantum dots. </a:t>
-            </a:r>
-            <a:r>
-              <a:rPr lang="en-CA" sz="1800" i="1" dirty="0">
-                <a:effectLst/>
-                <a:latin typeface="Times New Roman" panose="02020603050405020304" pitchFamily="18" charset="0"/>
-                <a:ea typeface="Calibri" panose="020F0502020204030204" pitchFamily="34" charset="0"/>
-                <a:cs typeface="Times New Roman" panose="02020603050405020304" pitchFamily="18" charset="0"/>
-              </a:rPr>
-              <a:t>Physical Review B</a:t>
-            </a:r>
-            <a:r>
-              <a:rPr lang="en-CA" sz="1800" dirty="0">
-                <a:effectLst/>
-                <a:latin typeface="Times New Roman" panose="02020603050405020304" pitchFamily="18" charset="0"/>
-                <a:ea typeface="Calibri" panose="020F0502020204030204" pitchFamily="34" charset="0"/>
-                <a:cs typeface="Times New Roman" panose="02020603050405020304" pitchFamily="18" charset="0"/>
-              </a:rPr>
-              <a:t>.</a:t>
-            </a:r>
-          </a:p>
-          <a:p>
-            <a:pPr marL="457200" marR="0" indent="-457200">
-              <a:lnSpc>
-                <a:spcPct val="150000"/>
-              </a:lnSpc>
-              <a:spcBef>
-                <a:spcPts val="0"/>
-              </a:spcBef>
-              <a:spcAft>
-                <a:spcPts val="600"/>
-              </a:spcAft>
-            </a:pPr>
-            <a:r>
-              <a:rPr lang="en-CA" sz="1800" dirty="0">
-                <a:effectLst/>
-                <a:latin typeface="Times New Roman" panose="02020603050405020304" pitchFamily="18" charset="0"/>
-                <a:ea typeface="Calibri" panose="020F0502020204030204" pitchFamily="34" charset="0"/>
-                <a:cs typeface="Times New Roman" panose="02020603050405020304" pitchFamily="18" charset="0"/>
-              </a:rPr>
-              <a:t>Leica. (2017, November 15). </a:t>
-            </a:r>
-            <a:r>
-              <a:rPr lang="en-CA" sz="1800" i="1" dirty="0">
-                <a:effectLst/>
-                <a:latin typeface="Times New Roman" panose="02020603050405020304" pitchFamily="18" charset="0"/>
-                <a:ea typeface="Calibri" panose="020F0502020204030204" pitchFamily="34" charset="0"/>
-                <a:cs typeface="Times New Roman" panose="02020603050405020304" pitchFamily="18" charset="0"/>
-              </a:rPr>
-              <a:t>The Fundamentals and History of Fluorescence and Quantum Dots</a:t>
-            </a:r>
-            <a:r>
-              <a:rPr lang="en-CA" sz="1800" dirty="0">
-                <a:effectLst/>
-                <a:latin typeface="Times New Roman" panose="02020603050405020304" pitchFamily="18" charset="0"/>
-                <a:ea typeface="Calibri" panose="020F0502020204030204" pitchFamily="34" charset="0"/>
-                <a:cs typeface="Times New Roman" panose="02020603050405020304" pitchFamily="18" charset="0"/>
-              </a:rPr>
-              <a:t>. Retrieved from Leica-Microsystems: https://www.leica-microsystems.com/science-lab/the-fundamentals-and-history-of-fluorescence-and-quantum-dots/#:~:text=Quantum%20Dots%20(or%20%22Qdots%22,Petersburg</a:t>
-            </a:r>
-          </a:p>
-          <a:p>
-            <a:endParaRPr lang="en-CA" dirty="0"/>
-          </a:p>
-        </p:txBody>
-      </p:sp>
-    </p:spTree>
-    <p:extLst>
-      <p:ext uri="{BB962C8B-B14F-4D97-AF65-F5344CB8AC3E}">
-        <p14:creationId xmlns:p14="http://schemas.microsoft.com/office/powerpoint/2010/main" val="4031585289"/>
       </p:ext>
     </p:extLst>
   </p:cSld>
@@ -15083,7 +16021,7 @@
           <p:cNvPr id="2" name="Title 1">
             <a:extLst>
               <a:ext uri="{FF2B5EF4-FFF2-40B4-BE49-F238E27FC236}">
-                <a16:creationId xmlns:a16="http://schemas.microsoft.com/office/drawing/2014/main" id="{C6536F3D-D205-FDB3-7172-1C611B7144CA}"/>
+                <a16:creationId xmlns:a16="http://schemas.microsoft.com/office/drawing/2014/main" id="{B0936EA5-38B1-175D-036D-BB6B7D88FC46}"/>
               </a:ext>
             </a:extLst>
           </p:cNvPr>
@@ -15101,7 +16039,7 @@
           <a:p>
             <a:r>
               <a:rPr lang="en-US" dirty="0"/>
-              <a:t>References - 3</a:t>
+              <a:t>References - 2</a:t>
             </a:r>
             <a:endParaRPr lang="en-CA" dirty="0"/>
           </a:p>
@@ -15112,7 +16050,7 @@
           <p:cNvPr id="3" name="Content Placeholder 2">
             <a:extLst>
               <a:ext uri="{FF2B5EF4-FFF2-40B4-BE49-F238E27FC236}">
-                <a16:creationId xmlns:a16="http://schemas.microsoft.com/office/drawing/2014/main" id="{B33A37B2-031C-AC2E-2DBB-0CC1BC24F9D5}"/>
+                <a16:creationId xmlns:a16="http://schemas.microsoft.com/office/drawing/2014/main" id="{DA6CD2C8-6031-5465-ACC6-8C88982682FD}"/>
               </a:ext>
             </a:extLst>
           </p:cNvPr>
@@ -15126,7 +16064,7 @@
         <p:spPr/>
         <p:txBody>
           <a:bodyPr>
-            <a:normAutofit fontScale="92500" lnSpcReduction="10000"/>
+            <a:normAutofit fontScale="92500"/>
           </a:bodyPr>
           <a:lstStyle/>
           <a:p>
@@ -15148,7 +16086,61 @@
                 <a:ea typeface="Calibri" panose="020F0502020204030204" pitchFamily="34" charset="0"/>
                 <a:cs typeface="Times New Roman" panose="02020603050405020304" pitchFamily="18" charset="0"/>
               </a:rPr>
-              <a:t>Manzano, D. (2020). </a:t>
+              <a:t>Fischer, K. A., </a:t>
+            </a:r>
+            <a:r>
+              <a:rPr lang="en-CA" sz="1800" dirty="0" err="1">
+                <a:effectLst/>
+                <a:latin typeface="Times New Roman" panose="02020603050405020304" pitchFamily="18" charset="0"/>
+                <a:ea typeface="Calibri" panose="020F0502020204030204" pitchFamily="34" charset="0"/>
+                <a:cs typeface="Times New Roman" panose="02020603050405020304" pitchFamily="18" charset="0"/>
+              </a:rPr>
+              <a:t>Hanschke</a:t>
+            </a:r>
+            <a:r>
+              <a:rPr lang="en-CA" sz="1800" dirty="0">
+                <a:effectLst/>
+                <a:latin typeface="Times New Roman" panose="02020603050405020304" pitchFamily="18" charset="0"/>
+                <a:ea typeface="Calibri" panose="020F0502020204030204" pitchFamily="34" charset="0"/>
+                <a:cs typeface="Times New Roman" panose="02020603050405020304" pitchFamily="18" charset="0"/>
+              </a:rPr>
+              <a:t>, L., </a:t>
+            </a:r>
+            <a:r>
+              <a:rPr lang="en-CA" sz="1800" dirty="0" err="1">
+                <a:effectLst/>
+                <a:latin typeface="Times New Roman" panose="02020603050405020304" pitchFamily="18" charset="0"/>
+                <a:ea typeface="Calibri" panose="020F0502020204030204" pitchFamily="34" charset="0"/>
+                <a:cs typeface="Times New Roman" panose="02020603050405020304" pitchFamily="18" charset="0"/>
+              </a:rPr>
+              <a:t>Kremser</a:t>
+            </a:r>
+            <a:r>
+              <a:rPr lang="en-CA" sz="1800" dirty="0">
+                <a:effectLst/>
+                <a:latin typeface="Times New Roman" panose="02020603050405020304" pitchFamily="18" charset="0"/>
+                <a:ea typeface="Calibri" panose="020F0502020204030204" pitchFamily="34" charset="0"/>
+                <a:cs typeface="Times New Roman" panose="02020603050405020304" pitchFamily="18" charset="0"/>
+              </a:rPr>
+              <a:t>, M., Finley, J. J., Muller, K., &amp; </a:t>
+            </a:r>
+            <a:r>
+              <a:rPr lang="en-CA" sz="1800" dirty="0" err="1">
+                <a:effectLst/>
+                <a:latin typeface="Times New Roman" panose="02020603050405020304" pitchFamily="18" charset="0"/>
+                <a:ea typeface="Calibri" panose="020F0502020204030204" pitchFamily="34" charset="0"/>
+                <a:cs typeface="Times New Roman" panose="02020603050405020304" pitchFamily="18" charset="0"/>
+              </a:rPr>
+              <a:t>Vucokvic</a:t>
+            </a:r>
+            <a:r>
+              <a:rPr lang="en-CA" sz="1800" dirty="0">
+                <a:effectLst/>
+                <a:latin typeface="Times New Roman" panose="02020603050405020304" pitchFamily="18" charset="0"/>
+                <a:ea typeface="Calibri" panose="020F0502020204030204" pitchFamily="34" charset="0"/>
+                <a:cs typeface="Times New Roman" panose="02020603050405020304" pitchFamily="18" charset="0"/>
+              </a:rPr>
+              <a:t>, J. (2017). Pulsed Rabi oscillations in quantum two-level systems:. </a:t>
             </a:r>
             <a:r>
               <a:rPr lang="en-CA" sz="1800" i="1" dirty="0">
@@ -15157,7 +16149,7 @@
                 <a:ea typeface="Calibri" panose="020F0502020204030204" pitchFamily="34" charset="0"/>
                 <a:cs typeface="Times New Roman" panose="02020603050405020304" pitchFamily="18" charset="0"/>
               </a:rPr>
-              <a:t>A Short Introduction to the Lindblad Master Equation.</a:t>
+              <a:t>Quantum Science and Technology</a:t>
             </a:r>
             <a:r>
               <a:rPr lang="en-CA" sz="1800" dirty="0">
@@ -15166,7 +16158,7 @@
                 <a:ea typeface="Calibri" panose="020F0502020204030204" pitchFamily="34" charset="0"/>
                 <a:cs typeface="Times New Roman" panose="02020603050405020304" pitchFamily="18" charset="0"/>
               </a:rPr>
-              <a:t> Granada.</a:t>
+              <a:t>.</a:t>
             </a:r>
           </a:p>
           <a:p>
@@ -15188,16 +16180,16 @@
                 <a:ea typeface="Calibri" panose="020F0502020204030204" pitchFamily="34" charset="0"/>
                 <a:cs typeface="Times New Roman" panose="02020603050405020304" pitchFamily="18" charset="0"/>
               </a:rPr>
-              <a:t>Matthias, B., Lenhard, A., </a:t>
-            </a:r>
-            <a:r>
-              <a:rPr lang="en-CA" sz="1800" dirty="0" err="1">
+              <a:t>Fox, M. (2006). </a:t>
+            </a:r>
+            <a:r>
+              <a:rPr lang="en-CA" sz="1800" i="1" dirty="0">
                 <a:effectLst/>
                 <a:latin typeface="Times New Roman" panose="02020603050405020304" pitchFamily="18" charset="0"/>
                 <a:ea typeface="Calibri" panose="020F0502020204030204" pitchFamily="34" charset="0"/>
                 <a:cs typeface="Times New Roman" panose="02020603050405020304" pitchFamily="18" charset="0"/>
               </a:rPr>
-              <a:t>Chunniall</a:t>
+              <a:t>Quantum Optics.</a:t>
             </a:r>
             <a:r>
               <a:rPr lang="en-CA" sz="1800" dirty="0">
@@ -15206,25 +16198,7 @@
                 <a:ea typeface="Calibri" panose="020F0502020204030204" pitchFamily="34" charset="0"/>
                 <a:cs typeface="Times New Roman" panose="02020603050405020304" pitchFamily="18" charset="0"/>
               </a:rPr>
-              <a:t>, C., &amp; Becher, C. (2016). Highly efficient heralded single-photon source for telecom wavelengths based on a PPLN waveguide. </a:t>
-            </a:r>
-            <a:r>
-              <a:rPr lang="en-CA" sz="1800" i="1" dirty="0">
-                <a:effectLst/>
-                <a:latin typeface="Times New Roman" panose="02020603050405020304" pitchFamily="18" charset="0"/>
-                <a:ea typeface="Calibri" panose="020F0502020204030204" pitchFamily="34" charset="0"/>
-                <a:cs typeface="Times New Roman" panose="02020603050405020304" pitchFamily="18" charset="0"/>
-              </a:rPr>
-              <a:t>Optics Express</a:t>
-            </a:r>
-            <a:r>
-              <a:rPr lang="en-CA" sz="1800" dirty="0">
-                <a:effectLst/>
-                <a:latin typeface="Times New Roman" panose="02020603050405020304" pitchFamily="18" charset="0"/>
-                <a:ea typeface="Calibri" panose="020F0502020204030204" pitchFamily="34" charset="0"/>
-                <a:cs typeface="Times New Roman" panose="02020603050405020304" pitchFamily="18" charset="0"/>
-              </a:rPr>
-              <a:t>, 23992-24001.</a:t>
+              <a:t> Oxford University Press.</a:t>
             </a:r>
           </a:p>
           <a:p>
@@ -15240,13 +16214,22 @@
               </a:spcAft>
             </a:pPr>
             <a:r>
+              <a:rPr lang="en-CA" sz="1800" dirty="0">
+                <a:effectLst/>
+                <a:latin typeface="Times New Roman" panose="02020603050405020304" pitchFamily="18" charset="0"/>
+                <a:ea typeface="Calibri" panose="020F0502020204030204" pitchFamily="34" charset="0"/>
+                <a:cs typeface="Times New Roman" panose="02020603050405020304" pitchFamily="18" charset="0"/>
+              </a:rPr>
+              <a:t>Huber, T., Osterman, L., </a:t>
+            </a:r>
+            <a:r>
               <a:rPr lang="en-CA" sz="1800" dirty="0" err="1">
                 <a:effectLst/>
                 <a:latin typeface="Times New Roman" panose="02020603050405020304" pitchFamily="18" charset="0"/>
                 <a:ea typeface="Calibri" panose="020F0502020204030204" pitchFamily="34" charset="0"/>
                 <a:cs typeface="Times New Roman" panose="02020603050405020304" pitchFamily="18" charset="0"/>
               </a:rPr>
-              <a:t>Nexdot</a:t>
+              <a:t>Prilmüller</a:t>
             </a:r>
             <a:r>
               <a:rPr lang="en-CA" sz="1800" dirty="0">
@@ -15255,7 +16238,61 @@
                 <a:ea typeface="Calibri" panose="020F0502020204030204" pitchFamily="34" charset="0"/>
                 <a:cs typeface="Times New Roman" panose="02020603050405020304" pitchFamily="18" charset="0"/>
               </a:rPr>
-              <a:t>. (n.d.). </a:t>
+              <a:t>, M., Solomon, G. S., </a:t>
+            </a:r>
+            <a:r>
+              <a:rPr lang="en-CA" sz="1800" dirty="0" err="1">
+                <a:effectLst/>
+                <a:latin typeface="Times New Roman" panose="02020603050405020304" pitchFamily="18" charset="0"/>
+                <a:ea typeface="Calibri" panose="020F0502020204030204" pitchFamily="34" charset="0"/>
+                <a:cs typeface="Times New Roman" panose="02020603050405020304" pitchFamily="18" charset="0"/>
+              </a:rPr>
+              <a:t>Ritsch</a:t>
+            </a:r>
+            <a:r>
+              <a:rPr lang="en-CA" sz="1800" dirty="0">
+                <a:effectLst/>
+                <a:latin typeface="Times New Roman" panose="02020603050405020304" pitchFamily="18" charset="0"/>
+                <a:ea typeface="Calibri" panose="020F0502020204030204" pitchFamily="34" charset="0"/>
+                <a:cs typeface="Times New Roman" panose="02020603050405020304" pitchFamily="18" charset="0"/>
+              </a:rPr>
+              <a:t>, H., </a:t>
+            </a:r>
+            <a:r>
+              <a:rPr lang="en-CA" sz="1800" dirty="0" err="1">
+                <a:effectLst/>
+                <a:latin typeface="Times New Roman" panose="02020603050405020304" pitchFamily="18" charset="0"/>
+                <a:ea typeface="Calibri" panose="020F0502020204030204" pitchFamily="34" charset="0"/>
+                <a:cs typeface="Times New Roman" panose="02020603050405020304" pitchFamily="18" charset="0"/>
+              </a:rPr>
+              <a:t>Weihs</a:t>
+            </a:r>
+            <a:r>
+              <a:rPr lang="en-CA" sz="1800" dirty="0">
+                <a:effectLst/>
+                <a:latin typeface="Times New Roman" panose="02020603050405020304" pitchFamily="18" charset="0"/>
+                <a:ea typeface="Calibri" panose="020F0502020204030204" pitchFamily="34" charset="0"/>
+                <a:cs typeface="Times New Roman" panose="02020603050405020304" pitchFamily="18" charset="0"/>
+              </a:rPr>
+              <a:t>, G., &amp; </a:t>
+            </a:r>
+            <a:r>
+              <a:rPr lang="en-CA" sz="1800" dirty="0" err="1">
+                <a:effectLst/>
+                <a:latin typeface="Times New Roman" panose="02020603050405020304" pitchFamily="18" charset="0"/>
+                <a:ea typeface="Calibri" panose="020F0502020204030204" pitchFamily="34" charset="0"/>
+                <a:cs typeface="Times New Roman" panose="02020603050405020304" pitchFamily="18" charset="0"/>
+              </a:rPr>
+              <a:t>Predojević</a:t>
+            </a:r>
+            <a:r>
+              <a:rPr lang="en-CA" sz="1800" dirty="0">
+                <a:effectLst/>
+                <a:latin typeface="Times New Roman" panose="02020603050405020304" pitchFamily="18" charset="0"/>
+                <a:ea typeface="Calibri" panose="020F0502020204030204" pitchFamily="34" charset="0"/>
+                <a:cs typeface="Times New Roman" panose="02020603050405020304" pitchFamily="18" charset="0"/>
+              </a:rPr>
+              <a:t>, A. (2016). Coherence and degree of time-bin entanglement from quantum dots. </a:t>
             </a:r>
             <a:r>
               <a:rPr lang="en-CA" sz="1800" i="1" dirty="0">
@@ -15264,7 +16301,7 @@
                 <a:ea typeface="Calibri" panose="020F0502020204030204" pitchFamily="34" charset="0"/>
                 <a:cs typeface="Times New Roman" panose="02020603050405020304" pitchFamily="18" charset="0"/>
               </a:rPr>
-              <a:t>Quantum Dots History</a:t>
+              <a:t>Physical Review B</a:t>
             </a:r>
             <a:r>
               <a:rPr lang="en-CA" sz="1800" dirty="0">
@@ -15273,25 +16310,7 @@
                 <a:ea typeface="Calibri" panose="020F0502020204030204" pitchFamily="34" charset="0"/>
                 <a:cs typeface="Times New Roman" panose="02020603050405020304" pitchFamily="18" charset="0"/>
               </a:rPr>
-              <a:t>. Retrieved December 2022, from </a:t>
-            </a:r>
-            <a:r>
-              <a:rPr lang="en-CA" sz="1800" dirty="0" err="1">
-                <a:effectLst/>
-                <a:latin typeface="Times New Roman" panose="02020603050405020304" pitchFamily="18" charset="0"/>
-                <a:ea typeface="Calibri" panose="020F0502020204030204" pitchFamily="34" charset="0"/>
-                <a:cs typeface="Times New Roman" panose="02020603050405020304" pitchFamily="18" charset="0"/>
-              </a:rPr>
-              <a:t>nexdot</a:t>
-            </a:r>
-            <a:r>
-              <a:rPr lang="en-CA" sz="1800" dirty="0">
-                <a:effectLst/>
-                <a:latin typeface="Times New Roman" panose="02020603050405020304" pitchFamily="18" charset="0"/>
-                <a:ea typeface="Calibri" panose="020F0502020204030204" pitchFamily="34" charset="0"/>
-                <a:cs typeface="Times New Roman" panose="02020603050405020304" pitchFamily="18" charset="0"/>
-              </a:rPr>
-              <a:t>: https://nexdot.fr/en/history-of-quantum-dots/</a:t>
+              <a:t>.</a:t>
             </a:r>
           </a:p>
           <a:p>
@@ -15307,31 +16326,22 @@
               </a:spcAft>
             </a:pPr>
             <a:r>
-              <a:rPr lang="en-CA" sz="1800" dirty="0" err="1">
-                <a:effectLst/>
-                <a:latin typeface="Times New Roman" panose="02020603050405020304" pitchFamily="18" charset="0"/>
-                <a:ea typeface="Calibri" panose="020F0502020204030204" pitchFamily="34" charset="0"/>
-                <a:cs typeface="Times New Roman" panose="02020603050405020304" pitchFamily="18" charset="0"/>
-              </a:rPr>
-              <a:t>Papoyan</a:t>
-            </a:r>
-            <a:r>
               <a:rPr lang="en-CA" sz="1800" dirty="0">
                 <a:effectLst/>
                 <a:latin typeface="Times New Roman" panose="02020603050405020304" pitchFamily="18" charset="0"/>
                 <a:ea typeface="Calibri" panose="020F0502020204030204" pitchFamily="34" charset="0"/>
                 <a:cs typeface="Times New Roman" panose="02020603050405020304" pitchFamily="18" charset="0"/>
               </a:rPr>
-              <a:t>, A., &amp; </a:t>
-            </a:r>
-            <a:r>
-              <a:rPr lang="en-CA" sz="1800" dirty="0" err="1">
+              <a:t>Leica. (2017, November 15). </a:t>
+            </a:r>
+            <a:r>
+              <a:rPr lang="en-CA" sz="1800" i="1" dirty="0">
                 <a:effectLst/>
                 <a:latin typeface="Times New Roman" panose="02020603050405020304" pitchFamily="18" charset="0"/>
                 <a:ea typeface="Calibri" panose="020F0502020204030204" pitchFamily="34" charset="0"/>
                 <a:cs typeface="Times New Roman" panose="02020603050405020304" pitchFamily="18" charset="0"/>
               </a:rPr>
-              <a:t>Shmavonyan</a:t>
+              <a:t>The Fundamentals and History of Fluorescence and Quantum Dots</a:t>
             </a:r>
             <a:r>
               <a:rPr lang="en-CA" sz="1800" dirty="0">
@@ -15340,65 +16350,7 @@
                 <a:ea typeface="Calibri" panose="020F0502020204030204" pitchFamily="34" charset="0"/>
                 <a:cs typeface="Times New Roman" panose="02020603050405020304" pitchFamily="18" charset="0"/>
               </a:rPr>
-              <a:t>, S. (2021). Signature of optical Rabi oscillations in transmission signal of atomic vapor under continuous-wave laser excitation. </a:t>
-            </a:r>
-            <a:r>
-              <a:rPr lang="en-CA" sz="1800" i="1" dirty="0">
-                <a:effectLst/>
-                <a:latin typeface="Times New Roman" panose="02020603050405020304" pitchFamily="18" charset="0"/>
-                <a:ea typeface="Calibri" panose="020F0502020204030204" pitchFamily="34" charset="0"/>
-                <a:cs typeface="Times New Roman" panose="02020603050405020304" pitchFamily="18" charset="0"/>
-              </a:rPr>
-              <a:t>Optics Communications</a:t>
-            </a:r>
-            <a:r>
-              <a:rPr lang="en-CA" sz="1800" dirty="0">
-                <a:effectLst/>
-                <a:latin typeface="Times New Roman" panose="02020603050405020304" pitchFamily="18" charset="0"/>
-                <a:ea typeface="Calibri" panose="020F0502020204030204" pitchFamily="34" charset="0"/>
-                <a:cs typeface="Times New Roman" panose="02020603050405020304" pitchFamily="18" charset="0"/>
-              </a:rPr>
-              <a:t>.</a:t>
-            </a:r>
-          </a:p>
-          <a:p>
-            <a:pPr marL="457200" marR="0" indent="-457200">
-              <a:lnSpc>
-                <a:spcPct val="150000"/>
-              </a:lnSpc>
-              <a:spcBef>
-                <a:spcPts val="0"/>
-              </a:spcBef>
-              <a:spcAft>
-                <a:spcPts val="600"/>
-              </a:spcAft>
-            </a:pPr>
-            <a:r>
-              <a:rPr lang="en-CA" sz="1800" dirty="0">
-                <a:effectLst/>
-                <a:latin typeface="Times New Roman" panose="02020603050405020304" pitchFamily="18" charset="0"/>
-                <a:ea typeface="Calibri" panose="020F0502020204030204" pitchFamily="34" charset="0"/>
-                <a:cs typeface="Times New Roman" panose="02020603050405020304" pitchFamily="18" charset="0"/>
-              </a:rPr>
-              <a:t>PR Newswire. (2019, February 23). </a:t>
-            </a:r>
-            <a:r>
-              <a:rPr lang="en-CA" sz="1800" i="1" dirty="0" err="1">
-                <a:effectLst/>
-                <a:latin typeface="Times New Roman" panose="02020603050405020304" pitchFamily="18" charset="0"/>
-                <a:ea typeface="Calibri" panose="020F0502020204030204" pitchFamily="34" charset="0"/>
-                <a:cs typeface="Times New Roman" panose="02020603050405020304" pitchFamily="18" charset="0"/>
-              </a:rPr>
-              <a:t>Benzinga</a:t>
-            </a:r>
-            <a:r>
-              <a:rPr lang="en-CA" sz="1800" dirty="0">
-                <a:effectLst/>
-                <a:latin typeface="Times New Roman" panose="02020603050405020304" pitchFamily="18" charset="0"/>
-                <a:ea typeface="Calibri" panose="020F0502020204030204" pitchFamily="34" charset="0"/>
-                <a:cs typeface="Times New Roman" panose="02020603050405020304" pitchFamily="18" charset="0"/>
-              </a:rPr>
-              <a:t>. Retrieved from The History and Future of Quantum Dots: https://www.benzinga.com/pressreleases/19/02/r13231898/the-history-and-future-of-quantum-dots</a:t>
+              <a:t>. Retrieved from Leica-Microsystems: https://www.leica-microsystems.com/science-lab/the-fundamentals-and-history-of-fluorescence-and-quantum-dots/#:~:text=Quantum%20Dots%20(or%20%22Qdots%22,Petersburg</a:t>
             </a:r>
           </a:p>
           <a:p>
@@ -15409,7 +16361,7 @@
     </p:spTree>
     <p:extLst>
       <p:ext uri="{BB962C8B-B14F-4D97-AF65-F5344CB8AC3E}">
-        <p14:creationId xmlns:p14="http://schemas.microsoft.com/office/powerpoint/2010/main" val="9634631"/>
+        <p14:creationId xmlns:p14="http://schemas.microsoft.com/office/powerpoint/2010/main" val="4031585289"/>
       </p:ext>
     </p:extLst>
   </p:cSld>
@@ -15441,6 +16393,364 @@
           <p:cNvPr id="2" name="Title 1">
             <a:extLst>
               <a:ext uri="{FF2B5EF4-FFF2-40B4-BE49-F238E27FC236}">
+                <a16:creationId xmlns:a16="http://schemas.microsoft.com/office/drawing/2014/main" id="{C6536F3D-D205-FDB3-7172-1C611B7144CA}"/>
+              </a:ext>
+            </a:extLst>
+          </p:cNvPr>
+          <p:cNvSpPr>
+            <a:spLocks noGrp="1"/>
+          </p:cNvSpPr>
+          <p:nvPr>
+            <p:ph type="title"/>
+          </p:nvPr>
+        </p:nvSpPr>
+        <p:spPr/>
+        <p:txBody>
+          <a:bodyPr/>
+          <a:lstStyle/>
+          <a:p>
+            <a:r>
+              <a:rPr lang="en-US" dirty="0"/>
+              <a:t>References - 3</a:t>
+            </a:r>
+            <a:endParaRPr lang="en-CA" dirty="0"/>
+          </a:p>
+        </p:txBody>
+      </p:sp>
+      <p:sp>
+        <p:nvSpPr>
+          <p:cNvPr id="3" name="Content Placeholder 2">
+            <a:extLst>
+              <a:ext uri="{FF2B5EF4-FFF2-40B4-BE49-F238E27FC236}">
+                <a16:creationId xmlns:a16="http://schemas.microsoft.com/office/drawing/2014/main" id="{B33A37B2-031C-AC2E-2DBB-0CC1BC24F9D5}"/>
+              </a:ext>
+            </a:extLst>
+          </p:cNvPr>
+          <p:cNvSpPr>
+            <a:spLocks noGrp="1"/>
+          </p:cNvSpPr>
+          <p:nvPr>
+            <p:ph idx="1"/>
+          </p:nvPr>
+        </p:nvSpPr>
+        <p:spPr/>
+        <p:txBody>
+          <a:bodyPr>
+            <a:normAutofit fontScale="92500" lnSpcReduction="10000"/>
+          </a:bodyPr>
+          <a:lstStyle/>
+          <a:p>
+            <a:pPr marL="457200" marR="0" indent="-457200">
+              <a:lnSpc>
+                <a:spcPct val="150000"/>
+              </a:lnSpc>
+              <a:spcBef>
+                <a:spcPts val="0"/>
+              </a:spcBef>
+              <a:spcAft>
+                <a:spcPts val="600"/>
+              </a:spcAft>
+            </a:pPr>
+            <a:r>
+              <a:rPr lang="en-CA" sz="1800" dirty="0">
+                <a:effectLst/>
+                <a:latin typeface="Times New Roman" panose="02020603050405020304" pitchFamily="18" charset="0"/>
+                <a:ea typeface="Calibri" panose="020F0502020204030204" pitchFamily="34" charset="0"/>
+                <a:cs typeface="Times New Roman" panose="02020603050405020304" pitchFamily="18" charset="0"/>
+              </a:rPr>
+              <a:t>Manzano, D. (2020). </a:t>
+            </a:r>
+            <a:r>
+              <a:rPr lang="en-CA" sz="1800" i="1" dirty="0">
+                <a:effectLst/>
+                <a:latin typeface="Times New Roman" panose="02020603050405020304" pitchFamily="18" charset="0"/>
+                <a:ea typeface="Calibri" panose="020F0502020204030204" pitchFamily="34" charset="0"/>
+                <a:cs typeface="Times New Roman" panose="02020603050405020304" pitchFamily="18" charset="0"/>
+              </a:rPr>
+              <a:t>A Short Introduction to the Lindblad Master Equation.</a:t>
+            </a:r>
+            <a:r>
+              <a:rPr lang="en-CA" sz="1800" dirty="0">
+                <a:effectLst/>
+                <a:latin typeface="Times New Roman" panose="02020603050405020304" pitchFamily="18" charset="0"/>
+                <a:ea typeface="Calibri" panose="020F0502020204030204" pitchFamily="34" charset="0"/>
+                <a:cs typeface="Times New Roman" panose="02020603050405020304" pitchFamily="18" charset="0"/>
+              </a:rPr>
+              <a:t> Granada.</a:t>
+            </a:r>
+          </a:p>
+          <a:p>
+            <a:pPr marL="457200" marR="0" indent="-457200">
+              <a:lnSpc>
+                <a:spcPct val="150000"/>
+              </a:lnSpc>
+              <a:spcBef>
+                <a:spcPts val="0"/>
+              </a:spcBef>
+              <a:spcAft>
+                <a:spcPts val="600"/>
+              </a:spcAft>
+            </a:pPr>
+            <a:r>
+              <a:rPr lang="en-CA" sz="1800" dirty="0">
+                <a:effectLst/>
+                <a:latin typeface="Times New Roman" panose="02020603050405020304" pitchFamily="18" charset="0"/>
+                <a:ea typeface="Calibri" panose="020F0502020204030204" pitchFamily="34" charset="0"/>
+                <a:cs typeface="Times New Roman" panose="02020603050405020304" pitchFamily="18" charset="0"/>
+              </a:rPr>
+              <a:t>Matthias, B., Lenhard, A., </a:t>
+            </a:r>
+            <a:r>
+              <a:rPr lang="en-CA" sz="1800" dirty="0" err="1">
+                <a:effectLst/>
+                <a:latin typeface="Times New Roman" panose="02020603050405020304" pitchFamily="18" charset="0"/>
+                <a:ea typeface="Calibri" panose="020F0502020204030204" pitchFamily="34" charset="0"/>
+                <a:cs typeface="Times New Roman" panose="02020603050405020304" pitchFamily="18" charset="0"/>
+              </a:rPr>
+              <a:t>Chunniall</a:t>
+            </a:r>
+            <a:r>
+              <a:rPr lang="en-CA" sz="1800" dirty="0">
+                <a:effectLst/>
+                <a:latin typeface="Times New Roman" panose="02020603050405020304" pitchFamily="18" charset="0"/>
+                <a:ea typeface="Calibri" panose="020F0502020204030204" pitchFamily="34" charset="0"/>
+                <a:cs typeface="Times New Roman" panose="02020603050405020304" pitchFamily="18" charset="0"/>
+              </a:rPr>
+              <a:t>, C., &amp; Becher, C. (2016). Highly efficient heralded single-photon source for telecom wavelengths based on a PPLN waveguide. </a:t>
+            </a:r>
+            <a:r>
+              <a:rPr lang="en-CA" sz="1800" i="1" dirty="0">
+                <a:effectLst/>
+                <a:latin typeface="Times New Roman" panose="02020603050405020304" pitchFamily="18" charset="0"/>
+                <a:ea typeface="Calibri" panose="020F0502020204030204" pitchFamily="34" charset="0"/>
+                <a:cs typeface="Times New Roman" panose="02020603050405020304" pitchFamily="18" charset="0"/>
+              </a:rPr>
+              <a:t>Optics Express</a:t>
+            </a:r>
+            <a:r>
+              <a:rPr lang="en-CA" sz="1800" dirty="0">
+                <a:effectLst/>
+                <a:latin typeface="Times New Roman" panose="02020603050405020304" pitchFamily="18" charset="0"/>
+                <a:ea typeface="Calibri" panose="020F0502020204030204" pitchFamily="34" charset="0"/>
+                <a:cs typeface="Times New Roman" panose="02020603050405020304" pitchFamily="18" charset="0"/>
+              </a:rPr>
+              <a:t>, 23992-24001.</a:t>
+            </a:r>
+          </a:p>
+          <a:p>
+            <a:pPr marL="457200" marR="0" indent="-457200">
+              <a:lnSpc>
+                <a:spcPct val="150000"/>
+              </a:lnSpc>
+              <a:spcBef>
+                <a:spcPts val="0"/>
+              </a:spcBef>
+              <a:spcAft>
+                <a:spcPts val="600"/>
+              </a:spcAft>
+            </a:pPr>
+            <a:r>
+              <a:rPr lang="en-CA" sz="1800" dirty="0" err="1">
+                <a:effectLst/>
+                <a:latin typeface="Times New Roman" panose="02020603050405020304" pitchFamily="18" charset="0"/>
+                <a:ea typeface="Calibri" panose="020F0502020204030204" pitchFamily="34" charset="0"/>
+                <a:cs typeface="Times New Roman" panose="02020603050405020304" pitchFamily="18" charset="0"/>
+              </a:rPr>
+              <a:t>Nexdot</a:t>
+            </a:r>
+            <a:r>
+              <a:rPr lang="en-CA" sz="1800" dirty="0">
+                <a:effectLst/>
+                <a:latin typeface="Times New Roman" panose="02020603050405020304" pitchFamily="18" charset="0"/>
+                <a:ea typeface="Calibri" panose="020F0502020204030204" pitchFamily="34" charset="0"/>
+                <a:cs typeface="Times New Roman" panose="02020603050405020304" pitchFamily="18" charset="0"/>
+              </a:rPr>
+              <a:t>. (n.d.). </a:t>
+            </a:r>
+            <a:r>
+              <a:rPr lang="en-CA" sz="1800" i="1" dirty="0">
+                <a:effectLst/>
+                <a:latin typeface="Times New Roman" panose="02020603050405020304" pitchFamily="18" charset="0"/>
+                <a:ea typeface="Calibri" panose="020F0502020204030204" pitchFamily="34" charset="0"/>
+                <a:cs typeface="Times New Roman" panose="02020603050405020304" pitchFamily="18" charset="0"/>
+              </a:rPr>
+              <a:t>Quantum Dots History</a:t>
+            </a:r>
+            <a:r>
+              <a:rPr lang="en-CA" sz="1800" dirty="0">
+                <a:effectLst/>
+                <a:latin typeface="Times New Roman" panose="02020603050405020304" pitchFamily="18" charset="0"/>
+                <a:ea typeface="Calibri" panose="020F0502020204030204" pitchFamily="34" charset="0"/>
+                <a:cs typeface="Times New Roman" panose="02020603050405020304" pitchFamily="18" charset="0"/>
+              </a:rPr>
+              <a:t>. Retrieved December 2022, from </a:t>
+            </a:r>
+            <a:r>
+              <a:rPr lang="en-CA" sz="1800" dirty="0" err="1">
+                <a:effectLst/>
+                <a:latin typeface="Times New Roman" panose="02020603050405020304" pitchFamily="18" charset="0"/>
+                <a:ea typeface="Calibri" panose="020F0502020204030204" pitchFamily="34" charset="0"/>
+                <a:cs typeface="Times New Roman" panose="02020603050405020304" pitchFamily="18" charset="0"/>
+              </a:rPr>
+              <a:t>nexdot</a:t>
+            </a:r>
+            <a:r>
+              <a:rPr lang="en-CA" sz="1800" dirty="0">
+                <a:effectLst/>
+                <a:latin typeface="Times New Roman" panose="02020603050405020304" pitchFamily="18" charset="0"/>
+                <a:ea typeface="Calibri" panose="020F0502020204030204" pitchFamily="34" charset="0"/>
+                <a:cs typeface="Times New Roman" panose="02020603050405020304" pitchFamily="18" charset="0"/>
+              </a:rPr>
+              <a:t>: https://nexdot.fr/en/history-of-quantum-dots/</a:t>
+            </a:r>
+          </a:p>
+          <a:p>
+            <a:pPr marL="457200" marR="0" indent="-457200">
+              <a:lnSpc>
+                <a:spcPct val="150000"/>
+              </a:lnSpc>
+              <a:spcBef>
+                <a:spcPts val="0"/>
+              </a:spcBef>
+              <a:spcAft>
+                <a:spcPts val="600"/>
+              </a:spcAft>
+            </a:pPr>
+            <a:r>
+              <a:rPr lang="en-CA" sz="1800" dirty="0" err="1">
+                <a:effectLst/>
+                <a:latin typeface="Times New Roman" panose="02020603050405020304" pitchFamily="18" charset="0"/>
+                <a:ea typeface="Calibri" panose="020F0502020204030204" pitchFamily="34" charset="0"/>
+                <a:cs typeface="Times New Roman" panose="02020603050405020304" pitchFamily="18" charset="0"/>
+              </a:rPr>
+              <a:t>Papoyan</a:t>
+            </a:r>
+            <a:r>
+              <a:rPr lang="en-CA" sz="1800" dirty="0">
+                <a:effectLst/>
+                <a:latin typeface="Times New Roman" panose="02020603050405020304" pitchFamily="18" charset="0"/>
+                <a:ea typeface="Calibri" panose="020F0502020204030204" pitchFamily="34" charset="0"/>
+                <a:cs typeface="Times New Roman" panose="02020603050405020304" pitchFamily="18" charset="0"/>
+              </a:rPr>
+              <a:t>, A., &amp; </a:t>
+            </a:r>
+            <a:r>
+              <a:rPr lang="en-CA" sz="1800" dirty="0" err="1">
+                <a:effectLst/>
+                <a:latin typeface="Times New Roman" panose="02020603050405020304" pitchFamily="18" charset="0"/>
+                <a:ea typeface="Calibri" panose="020F0502020204030204" pitchFamily="34" charset="0"/>
+                <a:cs typeface="Times New Roman" panose="02020603050405020304" pitchFamily="18" charset="0"/>
+              </a:rPr>
+              <a:t>Shmavonyan</a:t>
+            </a:r>
+            <a:r>
+              <a:rPr lang="en-CA" sz="1800" dirty="0">
+                <a:effectLst/>
+                <a:latin typeface="Times New Roman" panose="02020603050405020304" pitchFamily="18" charset="0"/>
+                <a:ea typeface="Calibri" panose="020F0502020204030204" pitchFamily="34" charset="0"/>
+                <a:cs typeface="Times New Roman" panose="02020603050405020304" pitchFamily="18" charset="0"/>
+              </a:rPr>
+              <a:t>, S. (2021). Signature of optical Rabi oscillations in transmission signal of atomic vapor under continuous-wave laser excitation. </a:t>
+            </a:r>
+            <a:r>
+              <a:rPr lang="en-CA" sz="1800" i="1" dirty="0">
+                <a:effectLst/>
+                <a:latin typeface="Times New Roman" panose="02020603050405020304" pitchFamily="18" charset="0"/>
+                <a:ea typeface="Calibri" panose="020F0502020204030204" pitchFamily="34" charset="0"/>
+                <a:cs typeface="Times New Roman" panose="02020603050405020304" pitchFamily="18" charset="0"/>
+              </a:rPr>
+              <a:t>Optics Communications</a:t>
+            </a:r>
+            <a:r>
+              <a:rPr lang="en-CA" sz="1800" dirty="0">
+                <a:effectLst/>
+                <a:latin typeface="Times New Roman" panose="02020603050405020304" pitchFamily="18" charset="0"/>
+                <a:ea typeface="Calibri" panose="020F0502020204030204" pitchFamily="34" charset="0"/>
+                <a:cs typeface="Times New Roman" panose="02020603050405020304" pitchFamily="18" charset="0"/>
+              </a:rPr>
+              <a:t>.</a:t>
+            </a:r>
+          </a:p>
+          <a:p>
+            <a:pPr marL="457200" marR="0" indent="-457200">
+              <a:lnSpc>
+                <a:spcPct val="150000"/>
+              </a:lnSpc>
+              <a:spcBef>
+                <a:spcPts val="0"/>
+              </a:spcBef>
+              <a:spcAft>
+                <a:spcPts val="600"/>
+              </a:spcAft>
+            </a:pPr>
+            <a:r>
+              <a:rPr lang="en-CA" sz="1800" dirty="0">
+                <a:effectLst/>
+                <a:latin typeface="Times New Roman" panose="02020603050405020304" pitchFamily="18" charset="0"/>
+                <a:ea typeface="Calibri" panose="020F0502020204030204" pitchFamily="34" charset="0"/>
+                <a:cs typeface="Times New Roman" panose="02020603050405020304" pitchFamily="18" charset="0"/>
+              </a:rPr>
+              <a:t>PR Newswire. (2019, February 23). </a:t>
+            </a:r>
+            <a:r>
+              <a:rPr lang="en-CA" sz="1800" i="1" dirty="0" err="1">
+                <a:effectLst/>
+                <a:latin typeface="Times New Roman" panose="02020603050405020304" pitchFamily="18" charset="0"/>
+                <a:ea typeface="Calibri" panose="020F0502020204030204" pitchFamily="34" charset="0"/>
+                <a:cs typeface="Times New Roman" panose="02020603050405020304" pitchFamily="18" charset="0"/>
+              </a:rPr>
+              <a:t>Benzinga</a:t>
+            </a:r>
+            <a:r>
+              <a:rPr lang="en-CA" sz="1800" dirty="0">
+                <a:effectLst/>
+                <a:latin typeface="Times New Roman" panose="02020603050405020304" pitchFamily="18" charset="0"/>
+                <a:ea typeface="Calibri" panose="020F0502020204030204" pitchFamily="34" charset="0"/>
+                <a:cs typeface="Times New Roman" panose="02020603050405020304" pitchFamily="18" charset="0"/>
+              </a:rPr>
+              <a:t>. Retrieved from The History and Future of Quantum Dots: https://www.benzinga.com/pressreleases/19/02/r13231898/the-history-and-future-of-quantum-dots</a:t>
+            </a:r>
+          </a:p>
+          <a:p>
+            <a:endParaRPr lang="en-CA" dirty="0"/>
+          </a:p>
+        </p:txBody>
+      </p:sp>
+    </p:spTree>
+    <p:extLst>
+      <p:ext uri="{BB962C8B-B14F-4D97-AF65-F5344CB8AC3E}">
+        <p14:creationId xmlns:p14="http://schemas.microsoft.com/office/powerpoint/2010/main" val="9634631"/>
+      </p:ext>
+    </p:extLst>
+  </p:cSld>
+  <p:clrMapOvr>
+    <a:masterClrMapping/>
+  </p:clrMapOvr>
+</p:sld>
+</file>
+
+<file path=ppt/slides/slide48.xml><?xml version="1.0" encoding="utf-8"?>
+<p:sld xmlns:a="http://schemas.openxmlformats.org/drawingml/2006/main" xmlns:r="http://schemas.openxmlformats.org/officeDocument/2006/relationships" xmlns:p="http://schemas.openxmlformats.org/presentationml/2006/main">
+  <p:cSld>
+    <p:spTree>
+      <p:nvGrpSpPr>
+        <p:cNvPr id="1" name=""/>
+        <p:cNvGrpSpPr/>
+        <p:nvPr/>
+      </p:nvGrpSpPr>
+      <p:grpSpPr>
+        <a:xfrm>
+          <a:off x="0" y="0"/>
+          <a:ext cx="0" cy="0"/>
+          <a:chOff x="0" y="0"/>
+          <a:chExt cx="0" cy="0"/>
+        </a:xfrm>
+      </p:grpSpPr>
+      <p:sp>
+        <p:nvSpPr>
+          <p:cNvPr id="2" name="Title 1">
+            <a:extLst>
+              <a:ext uri="{FF2B5EF4-FFF2-40B4-BE49-F238E27FC236}">
                 <a16:creationId xmlns:a16="http://schemas.microsoft.com/office/drawing/2014/main" id="{8DC7F89A-5EF8-D2DD-7E6A-E047BB048EE5}"/>
               </a:ext>
             </a:extLst>
@@ -15659,7 +16969,7 @@
 </p:sld>
 </file>
 
-<file path=ppt/slides/slide48.xml><?xml version="1.0" encoding="utf-8"?>
+<file path=ppt/slides/slide49.xml><?xml version="1.0" encoding="utf-8"?>
 <p:sld xmlns:a="http://schemas.openxmlformats.org/drawingml/2006/main" xmlns:r="http://schemas.openxmlformats.org/officeDocument/2006/relationships" xmlns:p="http://schemas.openxmlformats.org/presentationml/2006/main">
   <p:cSld>
     <p:bg>
@@ -16030,6 +17340,14 @@
 <file path=ppt/slides/slide5.xml><?xml version="1.0" encoding="utf-8"?>
 <p:sld xmlns:a="http://schemas.openxmlformats.org/drawingml/2006/main" xmlns:r="http://schemas.openxmlformats.org/officeDocument/2006/relationships" xmlns:p="http://schemas.openxmlformats.org/presentationml/2006/main">
   <p:cSld>
+    <p:bg>
+      <p:bgPr>
+        <a:solidFill>
+          <a:schemeClr val="bg1"/>
+        </a:solidFill>
+        <a:effectLst/>
+      </p:bgPr>
+    </p:bg>
     <p:spTree>
       <p:nvGrpSpPr>
         <p:cNvPr id="1" name=""/>
@@ -16044,6 +17362,121 @@
           <a:chExt cx="0" cy="0"/>
         </a:xfrm>
       </p:grpSpPr>
+      <p:sp useBgFill="1">
+        <p:nvSpPr>
+          <p:cNvPr id="15" name="Rectangle 8">
+            <a:extLst>
+              <a:ext uri="{FF2B5EF4-FFF2-40B4-BE49-F238E27FC236}">
+                <a16:creationId xmlns:a16="http://schemas.microsoft.com/office/drawing/2014/main" id="{0AB6E427-3F73-4C06-A5D5-AE52C3883B50}"/>
+              </a:ext>
+              <a:ext uri="{C183D7F6-B498-43B3-948B-1728B52AA6E4}">
+                <adec:decorative xmlns:adec="http://schemas.microsoft.com/office/drawing/2017/decorative" val="1"/>
+              </a:ext>
+            </a:extLst>
+          </p:cNvPr>
+          <p:cNvSpPr>
+            <a:spLocks noGrp="1" noRot="1" noChangeAspect="1" noMove="1" noResize="1" noEditPoints="1" noAdjustHandles="1" noChangeArrowheads="1" noChangeShapeType="1" noTextEdit="1"/>
+          </p:cNvSpPr>
+          <p:nvPr>
+            <p:extLst>
+              <p:ext uri="{386F3935-93C4-4BCD-93E2-E3B085C9AB24}">
+                <p16:designElem xmlns:p16="http://schemas.microsoft.com/office/powerpoint/2015/main" val="1"/>
+              </p:ext>
+            </p:extLst>
+          </p:nvPr>
+        </p:nvSpPr>
+        <p:spPr>
+          <a:xfrm>
+            <a:off x="5685" y="0"/>
+            <a:ext cx="12186315" cy="6858000"/>
+          </a:xfrm>
+          <a:prstGeom prst="rect">
+            <a:avLst/>
+          </a:prstGeom>
+          <a:ln>
+            <a:noFill/>
+          </a:ln>
+        </p:spPr>
+        <p:style>
+          <a:lnRef idx="2">
+            <a:schemeClr val="accent6">
+              <a:shade val="50000"/>
+            </a:schemeClr>
+          </a:lnRef>
+          <a:fillRef idx="1001">
+            <a:schemeClr val="lt1"/>
+          </a:fillRef>
+          <a:effectRef idx="0">
+            <a:schemeClr val="accent6"/>
+          </a:effectRef>
+          <a:fontRef idx="minor">
+            <a:schemeClr val="lt1"/>
+          </a:fontRef>
+        </p:style>
+        <p:txBody>
+          <a:bodyPr rtlCol="0" anchor="ctr"/>
+          <a:lstStyle/>
+          <a:p>
+            <a:pPr algn="ctr"/>
+            <a:endParaRPr lang="en-US"/>
+          </a:p>
+        </p:txBody>
+      </p:sp>
+      <p:sp>
+        <p:nvSpPr>
+          <p:cNvPr id="16" name="Rectangle 10">
+            <a:extLst>
+              <a:ext uri="{FF2B5EF4-FFF2-40B4-BE49-F238E27FC236}">
+                <a16:creationId xmlns:a16="http://schemas.microsoft.com/office/drawing/2014/main" id="{D8C9BDAA-0390-4B39-9B5C-BC95E5120DA4}"/>
+              </a:ext>
+              <a:ext uri="{C183D7F6-B498-43B3-948B-1728B52AA6E4}">
+                <adec:decorative xmlns:adec="http://schemas.microsoft.com/office/drawing/2017/decorative" val="1"/>
+              </a:ext>
+            </a:extLst>
+          </p:cNvPr>
+          <p:cNvSpPr>
+            <a:spLocks noGrp="1" noRot="1" noChangeAspect="1" noMove="1" noResize="1" noEditPoints="1" noAdjustHandles="1" noChangeArrowheads="1" noChangeShapeType="1" noTextEdit="1"/>
+          </p:cNvSpPr>
+          <p:nvPr>
+            <p:extLst>
+              <p:ext uri="{386F3935-93C4-4BCD-93E2-E3B085C9AB24}">
+                <p16:designElem xmlns:p16="http://schemas.microsoft.com/office/powerpoint/2015/main" val="1"/>
+              </p:ext>
+            </p:extLst>
+          </p:nvPr>
+        </p:nvSpPr>
+        <p:spPr>
+          <a:xfrm>
+            <a:off x="16" y="0"/>
+            <a:ext cx="4059919" cy="6858000"/>
+          </a:xfrm>
+          <a:prstGeom prst="rect">
+            <a:avLst/>
+          </a:prstGeom>
+          <a:solidFill>
+            <a:srgbClr val="5E768F"/>
+          </a:solidFill>
+          <a:ln>
+            <a:noFill/>
+          </a:ln>
+        </p:spPr>
+        <p:style>
+          <a:lnRef idx="2">
+            <a:schemeClr val="accent1">
+              <a:shade val="50000"/>
+            </a:schemeClr>
+          </a:lnRef>
+          <a:fillRef idx="1">
+            <a:schemeClr val="accent1"/>
+          </a:fillRef>
+          <a:effectRef idx="0">
+            <a:schemeClr val="accent1"/>
+          </a:effectRef>
+          <a:fontRef idx="minor">
+            <a:schemeClr val="lt1"/>
+          </a:fontRef>
+        </p:style>
+      </p:sp>
       <p:sp>
         <p:nvSpPr>
           <p:cNvPr id="2" name="Title 1">
@@ -16060,19 +17493,86 @@
             <p:ph type="title"/>
           </p:nvPr>
         </p:nvSpPr>
-        <p:spPr/>
+        <p:spPr>
+          <a:xfrm>
+            <a:off x="492370" y="516836"/>
+            <a:ext cx="3084844" cy="1961086"/>
+          </a:xfrm>
+        </p:spPr>
         <p:txBody>
-          <a:bodyPr/>
+          <a:bodyPr>
+            <a:normAutofit/>
+          </a:bodyPr>
           <a:lstStyle/>
           <a:p>
             <a:r>
-              <a:rPr lang="en-US" dirty="0"/>
+              <a:rPr lang="en-US" sz="2500">
+                <a:solidFill>
+                  <a:srgbClr val="FFFFFF"/>
+                </a:solidFill>
+              </a:rPr>
               <a:t>Spontaneous Parametric Down Conversion (SPDC) - 1</a:t>
             </a:r>
-            <a:endParaRPr lang="en-CA" dirty="0"/>
+            <a:endParaRPr lang="en-CA" sz="2500">
+              <a:solidFill>
+                <a:srgbClr val="FFFFFF"/>
+              </a:solidFill>
+            </a:endParaRPr>
           </a:p>
         </p:txBody>
       </p:sp>
+      <p:cxnSp>
+        <p:nvCxnSpPr>
+          <p:cNvPr id="17" name="Straight Connector 12">
+            <a:extLst>
+              <a:ext uri="{FF2B5EF4-FFF2-40B4-BE49-F238E27FC236}">
+                <a16:creationId xmlns:a16="http://schemas.microsoft.com/office/drawing/2014/main" id="{E04A321A-A039-4720-87B4-66A4210E0D57}"/>
+              </a:ext>
+              <a:ext uri="{C183D7F6-B498-43B3-948B-1728B52AA6E4}">
+                <adec:decorative xmlns:adec="http://schemas.microsoft.com/office/drawing/2017/decorative" val="1"/>
+              </a:ext>
+            </a:extLst>
+          </p:cNvPr>
+          <p:cNvCxnSpPr>
+            <a:cxnSpLocks noGrp="1" noRot="1" noChangeAspect="1" noMove="1" noResize="1" noEditPoints="1" noAdjustHandles="1" noChangeArrowheads="1" noChangeShapeType="1"/>
+          </p:cNvCxnSpPr>
+          <p:nvPr>
+            <p:extLst>
+              <p:ext uri="{386F3935-93C4-4BCD-93E2-E3B085C9AB24}">
+                <p16:designElem xmlns:p16="http://schemas.microsoft.com/office/powerpoint/2015/main" val="1"/>
+              </p:ext>
+            </p:extLst>
+          </p:nvPr>
+        </p:nvCxnSpPr>
+        <p:spPr>
+          <a:xfrm>
+            <a:off x="571752" y="2638787"/>
+            <a:ext cx="2743200" cy="0"/>
+          </a:xfrm>
+          <a:prstGeom prst="line">
+            <a:avLst/>
+          </a:prstGeom>
+          <a:ln w="19050">
+            <a:solidFill>
+              <a:schemeClr val="accent1"/>
+            </a:solidFill>
+          </a:ln>
+        </p:spPr>
+        <p:style>
+          <a:lnRef idx="1">
+            <a:schemeClr val="accent1"/>
+          </a:lnRef>
+          <a:fillRef idx="0">
+            <a:schemeClr val="accent1"/>
+          </a:fillRef>
+          <a:effectRef idx="0">
+            <a:schemeClr val="accent1"/>
+          </a:effectRef>
+          <a:fontRef idx="minor">
+            <a:schemeClr val="tx1"/>
+          </a:fontRef>
+        </p:style>
+      </p:cxnSp>
       <p:sp>
         <p:nvSpPr>
           <p:cNvPr id="3" name="Content Placeholder 2">
@@ -16089,74 +17589,242 @@
             <p:ph idx="1"/>
           </p:nvPr>
         </p:nvSpPr>
-        <p:spPr/>
+        <p:spPr>
+          <a:xfrm>
+            <a:off x="571752" y="2799654"/>
+            <a:ext cx="3005462" cy="3594615"/>
+          </a:xfrm>
+        </p:spPr>
         <p:txBody>
-          <a:bodyPr/>
+          <a:bodyPr>
+            <a:normAutofit/>
+          </a:bodyPr>
           <a:lstStyle/>
           <a:p>
-            <a:r>
-              <a:rPr lang="en-US" dirty="0"/>
+            <a:pPr>
+              <a:lnSpc>
+                <a:spcPct val="90000"/>
+              </a:lnSpc>
+            </a:pPr>
+            <a:r>
+              <a:rPr lang="en-US" sz="1600" dirty="0">
+                <a:solidFill>
+                  <a:srgbClr val="FFFFFF"/>
+                </a:solidFill>
+              </a:rPr>
               <a:t>Current standard for implementation</a:t>
             </a:r>
           </a:p>
           <a:p>
-            <a:r>
-              <a:rPr lang="en-US" dirty="0"/>
+            <a:pPr>
+              <a:lnSpc>
+                <a:spcPct val="90000"/>
+              </a:lnSpc>
+            </a:pPr>
+            <a:r>
+              <a:rPr lang="en-US" sz="1600" dirty="0">
+                <a:solidFill>
+                  <a:srgbClr val="FFFFFF"/>
+                </a:solidFill>
+              </a:rPr>
               <a:t>Process:</a:t>
             </a:r>
           </a:p>
           <a:p>
-            <a:endParaRPr lang="en-US" dirty="0"/>
+            <a:pPr>
+              <a:lnSpc>
+                <a:spcPct val="90000"/>
+              </a:lnSpc>
+            </a:pPr>
+            <a:endParaRPr lang="en-US" sz="1600" dirty="0">
+              <a:solidFill>
+                <a:srgbClr val="FFFFFF"/>
+              </a:solidFill>
+            </a:endParaRPr>
           </a:p>
           <a:p>
             <a:pPr marL="475488" lvl="2" indent="0">
+              <a:lnSpc>
+                <a:spcPct val="90000"/>
+              </a:lnSpc>
               <a:buNone/>
             </a:pPr>
             <a:r>
-              <a:rPr lang="en-US" dirty="0"/>
+              <a:rPr lang="en-US" sz="1600" dirty="0">
+                <a:solidFill>
+                  <a:srgbClr val="FFFFFF"/>
+                </a:solidFill>
+              </a:rPr>
               <a:t>Single photon is incident upon a crystal</a:t>
             </a:r>
           </a:p>
           <a:p>
             <a:pPr marL="475488" lvl="2" indent="0">
+              <a:lnSpc>
+                <a:spcPct val="90000"/>
+              </a:lnSpc>
               <a:buNone/>
             </a:pPr>
-            <a:endParaRPr lang="en-US" dirty="0"/>
+            <a:endParaRPr lang="en-US" sz="1600" dirty="0">
+              <a:solidFill>
+                <a:srgbClr val="FFFFFF"/>
+              </a:solidFill>
+            </a:endParaRPr>
           </a:p>
           <a:p>
             <a:pPr marL="475488" lvl="2" indent="0">
+              <a:lnSpc>
+                <a:spcPct val="90000"/>
+              </a:lnSpc>
               <a:buNone/>
             </a:pPr>
             <a:r>
-              <a:rPr lang="en-US" dirty="0"/>
+              <a:rPr lang="en-US" sz="1600" dirty="0">
+                <a:solidFill>
+                  <a:srgbClr val="FFFFFF"/>
+                </a:solidFill>
+              </a:rPr>
               <a:t>Photon is split and outputs entangled photon </a:t>
             </a:r>
             <a:r>
-              <a:rPr lang="en-US" dirty="0" err="1"/>
+              <a:rPr lang="en-US" sz="1600" dirty="0" err="1">
+                <a:solidFill>
+                  <a:srgbClr val="FFFFFF"/>
+                </a:solidFill>
+              </a:rPr>
               <a:t>parirs</a:t>
             </a:r>
-            <a:endParaRPr lang="en-US" dirty="0"/>
+            <a:endParaRPr lang="en-US" sz="1600" dirty="0">
+              <a:solidFill>
+                <a:srgbClr val="FFFFFF"/>
+              </a:solidFill>
+            </a:endParaRPr>
           </a:p>
           <a:p>
             <a:pPr marL="475488" lvl="2" indent="0">
+              <a:lnSpc>
+                <a:spcPct val="90000"/>
+              </a:lnSpc>
               <a:buNone/>
             </a:pPr>
-            <a:endParaRPr lang="en-US" dirty="0"/>
+            <a:endParaRPr lang="en-US" sz="1600" dirty="0">
+              <a:solidFill>
+                <a:srgbClr val="FFFFFF"/>
+              </a:solidFill>
+            </a:endParaRPr>
           </a:p>
           <a:p>
             <a:pPr marL="475488" lvl="2" indent="0">
+              <a:lnSpc>
+                <a:spcPct val="90000"/>
+              </a:lnSpc>
               <a:buNone/>
             </a:pPr>
             <a:r>
-              <a:rPr lang="en-US" dirty="0"/>
-              <a:t>Sum of energy and momenta of the output pair is that of the incident photon  - following conservation laws</a:t>
-            </a:r>
-          </a:p>
-          <a:p>
-            <a:endParaRPr lang="en-US" dirty="0"/>
-          </a:p>
-          <a:p>
-            <a:endParaRPr lang="en-US" dirty="0"/>
+              <a:rPr lang="en-US" sz="1600" dirty="0">
+                <a:solidFill>
+                  <a:srgbClr val="FFFFFF"/>
+                </a:solidFill>
+              </a:rPr>
+              <a:t>Conservation laws are obey</a:t>
+            </a:r>
+          </a:p>
+          <a:p>
+            <a:pPr>
+              <a:lnSpc>
+                <a:spcPct val="90000"/>
+              </a:lnSpc>
+            </a:pPr>
+            <a:endParaRPr lang="en-US" sz="1100" dirty="0">
+              <a:solidFill>
+                <a:srgbClr val="FFFFFF"/>
+              </a:solidFill>
+            </a:endParaRPr>
+          </a:p>
+          <a:p>
+            <a:pPr>
+              <a:lnSpc>
+                <a:spcPct val="90000"/>
+              </a:lnSpc>
+            </a:pPr>
+            <a:endParaRPr lang="en-US" sz="1100" dirty="0">
+              <a:solidFill>
+                <a:srgbClr val="FFFFFF"/>
+              </a:solidFill>
+            </a:endParaRPr>
+          </a:p>
+        </p:txBody>
+      </p:sp>
+      <p:pic>
+        <p:nvPicPr>
+          <p:cNvPr id="4" name="Picture 3">
+            <a:extLst>
+              <a:ext uri="{FF2B5EF4-FFF2-40B4-BE49-F238E27FC236}">
+                <a16:creationId xmlns:a16="http://schemas.microsoft.com/office/drawing/2014/main" id="{66D49619-1EF9-D865-5E1B-335C095519E2}"/>
+              </a:ext>
+            </a:extLst>
+          </p:cNvPr>
+          <p:cNvPicPr>
+            <a:picLocks noChangeAspect="1"/>
+          </p:cNvPicPr>
+          <p:nvPr/>
+        </p:nvPicPr>
+        <p:blipFill>
+          <a:blip r:embed="rId2">
+            <a:extLst>
+              <a:ext uri="{28A0092B-C50C-407E-A947-70E740481C1C}">
+                <a14:useLocalDpi xmlns:a14="http://schemas.microsoft.com/office/drawing/2010/main" val="0"/>
+              </a:ext>
+            </a:extLst>
+          </a:blip>
+          <a:stretch>
+            <a:fillRect/>
+          </a:stretch>
+        </p:blipFill>
+        <p:spPr bwMode="auto">
+          <a:xfrm>
+            <a:off x="4742017" y="806883"/>
+            <a:ext cx="6798082" cy="5244234"/>
+          </a:xfrm>
+          <a:prstGeom prst="rect">
+            <a:avLst/>
+          </a:prstGeom>
+          <a:noFill/>
+        </p:spPr>
+      </p:pic>
+      <p:sp>
+        <p:nvSpPr>
+          <p:cNvPr id="5" name="TextBox 4">
+            <a:extLst>
+              <a:ext uri="{FF2B5EF4-FFF2-40B4-BE49-F238E27FC236}">
+                <a16:creationId xmlns:a16="http://schemas.microsoft.com/office/drawing/2014/main" id="{90A94BF0-9368-88C8-C40B-64891D604DB3}"/>
+              </a:ext>
+            </a:extLst>
+          </p:cNvPr>
+          <p:cNvSpPr txBox="1"/>
+          <p:nvPr/>
+        </p:nvSpPr>
+        <p:spPr>
+          <a:xfrm>
+            <a:off x="4628450" y="6673334"/>
+            <a:ext cx="7025216" cy="184666"/>
+          </a:xfrm>
+          <a:prstGeom prst="rect">
+            <a:avLst/>
+          </a:prstGeom>
+          <a:noFill/>
+        </p:spPr>
+        <p:txBody>
+          <a:bodyPr wrap="square" rtlCol="0">
+            <a:spAutoFit/>
+          </a:bodyPr>
+          <a:lstStyle/>
+          <a:p>
+            <a:pPr algn="ctr"/>
+            <a:r>
+              <a:rPr lang="en-CA" sz="600" dirty="0"/>
+              <a:t>https://en.wikipedia.org/wiki/File:Scheme_of_spontaneous_parametric_down-conversion.pdf</a:t>
+            </a:r>
           </a:p>
         </p:txBody>
       </p:sp>
@@ -16176,6 +17844,14 @@
 <file path=ppt/slides/slide6.xml><?xml version="1.0" encoding="utf-8"?>
 <p:sld xmlns:a="http://schemas.openxmlformats.org/drawingml/2006/main" xmlns:r="http://schemas.openxmlformats.org/officeDocument/2006/relationships" xmlns:p="http://schemas.openxmlformats.org/presentationml/2006/main">
   <p:cSld>
+    <p:bg>
+      <p:bgPr>
+        <a:solidFill>
+          <a:schemeClr val="bg1"/>
+        </a:solidFill>
+        <a:effectLst/>
+      </p:bgPr>
+    </p:bg>
     <p:spTree>
       <p:nvGrpSpPr>
         <p:cNvPr id="1" name=""/>
@@ -16190,6 +17866,121 @@
           <a:chExt cx="0" cy="0"/>
         </a:xfrm>
       </p:grpSpPr>
+      <p:sp useBgFill="1">
+        <p:nvSpPr>
+          <p:cNvPr id="3079" name="Rectangle 3078">
+            <a:extLst>
+              <a:ext uri="{FF2B5EF4-FFF2-40B4-BE49-F238E27FC236}">
+                <a16:creationId xmlns:a16="http://schemas.microsoft.com/office/drawing/2014/main" id="{0AB6E427-3F73-4C06-A5D5-AE52C3883B50}"/>
+              </a:ext>
+              <a:ext uri="{C183D7F6-B498-43B3-948B-1728B52AA6E4}">
+                <adec:decorative xmlns:adec="http://schemas.microsoft.com/office/drawing/2017/decorative" val="1"/>
+              </a:ext>
+            </a:extLst>
+          </p:cNvPr>
+          <p:cNvSpPr>
+            <a:spLocks noGrp="1" noRot="1" noChangeAspect="1" noMove="1" noResize="1" noEditPoints="1" noAdjustHandles="1" noChangeArrowheads="1" noChangeShapeType="1" noTextEdit="1"/>
+          </p:cNvSpPr>
+          <p:nvPr>
+            <p:extLst>
+              <p:ext uri="{386F3935-93C4-4BCD-93E2-E3B085C9AB24}">
+                <p16:designElem xmlns:p16="http://schemas.microsoft.com/office/powerpoint/2015/main" val="1"/>
+              </p:ext>
+            </p:extLst>
+          </p:nvPr>
+        </p:nvSpPr>
+        <p:spPr>
+          <a:xfrm>
+            <a:off x="5685" y="0"/>
+            <a:ext cx="12186315" cy="6858000"/>
+          </a:xfrm>
+          <a:prstGeom prst="rect">
+            <a:avLst/>
+          </a:prstGeom>
+          <a:ln>
+            <a:noFill/>
+          </a:ln>
+        </p:spPr>
+        <p:style>
+          <a:lnRef idx="2">
+            <a:schemeClr val="accent6">
+              <a:shade val="50000"/>
+            </a:schemeClr>
+          </a:lnRef>
+          <a:fillRef idx="1001">
+            <a:schemeClr val="lt1"/>
+          </a:fillRef>
+          <a:effectRef idx="0">
+            <a:schemeClr val="accent6"/>
+          </a:effectRef>
+          <a:fontRef idx="minor">
+            <a:schemeClr val="lt1"/>
+          </a:fontRef>
+        </p:style>
+        <p:txBody>
+          <a:bodyPr rtlCol="0" anchor="ctr"/>
+          <a:lstStyle/>
+          <a:p>
+            <a:pPr algn="ctr"/>
+            <a:endParaRPr lang="en-US"/>
+          </a:p>
+        </p:txBody>
+      </p:sp>
+      <p:sp>
+        <p:nvSpPr>
+          <p:cNvPr id="3081" name="Rectangle 3080">
+            <a:extLst>
+              <a:ext uri="{FF2B5EF4-FFF2-40B4-BE49-F238E27FC236}">
+                <a16:creationId xmlns:a16="http://schemas.microsoft.com/office/drawing/2014/main" id="{D8C9BDAA-0390-4B39-9B5C-BC95E5120DA4}"/>
+              </a:ext>
+              <a:ext uri="{C183D7F6-B498-43B3-948B-1728B52AA6E4}">
+                <adec:decorative xmlns:adec="http://schemas.microsoft.com/office/drawing/2017/decorative" val="1"/>
+              </a:ext>
+            </a:extLst>
+          </p:cNvPr>
+          <p:cNvSpPr>
+            <a:spLocks noGrp="1" noRot="1" noChangeAspect="1" noMove="1" noResize="1" noEditPoints="1" noAdjustHandles="1" noChangeArrowheads="1" noChangeShapeType="1" noTextEdit="1"/>
+          </p:cNvSpPr>
+          <p:nvPr>
+            <p:extLst>
+              <p:ext uri="{386F3935-93C4-4BCD-93E2-E3B085C9AB24}">
+                <p16:designElem xmlns:p16="http://schemas.microsoft.com/office/powerpoint/2015/main" val="1"/>
+              </p:ext>
+            </p:extLst>
+          </p:nvPr>
+        </p:nvSpPr>
+        <p:spPr>
+          <a:xfrm>
+            <a:off x="16" y="0"/>
+            <a:ext cx="4059919" cy="6858000"/>
+          </a:xfrm>
+          <a:prstGeom prst="rect">
+            <a:avLst/>
+          </a:prstGeom>
+          <a:solidFill>
+            <a:srgbClr val="5A4F41"/>
+          </a:solidFill>
+          <a:ln>
+            <a:noFill/>
+          </a:ln>
+        </p:spPr>
+        <p:style>
+          <a:lnRef idx="2">
+            <a:schemeClr val="accent1">
+              <a:shade val="50000"/>
+            </a:schemeClr>
+          </a:lnRef>
+          <a:fillRef idx="1">
+            <a:schemeClr val="accent1"/>
+          </a:fillRef>
+          <a:effectRef idx="0">
+            <a:schemeClr val="accent1"/>
+          </a:effectRef>
+          <a:fontRef idx="minor">
+            <a:schemeClr val="lt1"/>
+          </a:fontRef>
+        </p:style>
+      </p:sp>
       <p:sp>
         <p:nvSpPr>
           <p:cNvPr id="2" name="Title 1">
@@ -16206,19 +17997,86 @@
             <p:ph type="title"/>
           </p:nvPr>
         </p:nvSpPr>
-        <p:spPr/>
+        <p:spPr>
+          <a:xfrm>
+            <a:off x="492370" y="516836"/>
+            <a:ext cx="3084844" cy="1961086"/>
+          </a:xfrm>
+        </p:spPr>
         <p:txBody>
-          <a:bodyPr/>
+          <a:bodyPr>
+            <a:normAutofit/>
+          </a:bodyPr>
           <a:lstStyle/>
           <a:p>
             <a:r>
-              <a:rPr lang="en-US" dirty="0"/>
+              <a:rPr lang="en-US" sz="4000">
+                <a:solidFill>
+                  <a:srgbClr val="FFFFFF"/>
+                </a:solidFill>
+              </a:rPr>
               <a:t>SPDC - 2</a:t>
             </a:r>
-            <a:endParaRPr lang="en-CA" dirty="0"/>
+            <a:endParaRPr lang="en-CA" sz="4000">
+              <a:solidFill>
+                <a:srgbClr val="FFFFFF"/>
+              </a:solidFill>
+            </a:endParaRPr>
           </a:p>
         </p:txBody>
       </p:sp>
+      <p:cxnSp>
+        <p:nvCxnSpPr>
+          <p:cNvPr id="3083" name="Straight Connector 3082">
+            <a:extLst>
+              <a:ext uri="{FF2B5EF4-FFF2-40B4-BE49-F238E27FC236}">
+                <a16:creationId xmlns:a16="http://schemas.microsoft.com/office/drawing/2014/main" id="{E04A321A-A039-4720-87B4-66A4210E0D57}"/>
+              </a:ext>
+              <a:ext uri="{C183D7F6-B498-43B3-948B-1728B52AA6E4}">
+                <adec:decorative xmlns:adec="http://schemas.microsoft.com/office/drawing/2017/decorative" val="1"/>
+              </a:ext>
+            </a:extLst>
+          </p:cNvPr>
+          <p:cNvCxnSpPr>
+            <a:cxnSpLocks noGrp="1" noRot="1" noChangeAspect="1" noMove="1" noResize="1" noEditPoints="1" noAdjustHandles="1" noChangeArrowheads="1" noChangeShapeType="1"/>
+          </p:cNvCxnSpPr>
+          <p:nvPr>
+            <p:extLst>
+              <p:ext uri="{386F3935-93C4-4BCD-93E2-E3B085C9AB24}">
+                <p16:designElem xmlns:p16="http://schemas.microsoft.com/office/powerpoint/2015/main" val="1"/>
+              </p:ext>
+            </p:extLst>
+          </p:nvPr>
+        </p:nvCxnSpPr>
+        <p:spPr>
+          <a:xfrm>
+            <a:off x="571752" y="2638787"/>
+            <a:ext cx="2743200" cy="0"/>
+          </a:xfrm>
+          <a:prstGeom prst="line">
+            <a:avLst/>
+          </a:prstGeom>
+          <a:ln w="19050">
+            <a:solidFill>
+              <a:schemeClr val="accent1"/>
+            </a:solidFill>
+          </a:ln>
+        </p:spPr>
+        <p:style>
+          <a:lnRef idx="1">
+            <a:schemeClr val="accent1"/>
+          </a:lnRef>
+          <a:fillRef idx="0">
+            <a:schemeClr val="accent1"/>
+          </a:fillRef>
+          <a:effectRef idx="0">
+            <a:schemeClr val="accent1"/>
+          </a:effectRef>
+          <a:fontRef idx="minor">
+            <a:schemeClr val="tx1"/>
+          </a:fontRef>
+        </p:style>
+      </p:cxnSp>
       <p:sp>
         <p:nvSpPr>
           <p:cNvPr id="3" name="Content Placeholder 2">
@@ -16235,28 +18093,62 @@
             <p:ph idx="1"/>
           </p:nvPr>
         </p:nvSpPr>
-        <p:spPr/>
+        <p:spPr>
+          <a:xfrm>
+            <a:off x="571752" y="2799654"/>
+            <a:ext cx="3005462" cy="3189665"/>
+          </a:xfrm>
+        </p:spPr>
         <p:txBody>
-          <a:bodyPr/>
+          <a:bodyPr>
+            <a:normAutofit/>
+          </a:bodyPr>
           <a:lstStyle/>
           <a:p>
-            <a:r>
-              <a:rPr lang="en-CA" dirty="0"/>
+            <a:pPr>
+              <a:lnSpc>
+                <a:spcPct val="90000"/>
+              </a:lnSpc>
+            </a:pPr>
+            <a:r>
+              <a:rPr lang="en-CA" sz="1500" dirty="0">
+                <a:solidFill>
+                  <a:srgbClr val="FFFFFF"/>
+                </a:solidFill>
+              </a:rPr>
               <a:t>However, this is low efficiency process </a:t>
             </a:r>
           </a:p>
           <a:p>
-            <a:endParaRPr lang="en-CA" dirty="0"/>
-          </a:p>
-          <a:p>
-            <a:r>
-              <a:rPr lang="en-CA" dirty="0"/>
+            <a:pPr>
+              <a:lnSpc>
+                <a:spcPct val="90000"/>
+              </a:lnSpc>
+            </a:pPr>
+            <a:endParaRPr lang="en-CA" sz="1500" dirty="0">
+              <a:solidFill>
+                <a:srgbClr val="FFFFFF"/>
+              </a:solidFill>
+            </a:endParaRPr>
+          </a:p>
+          <a:p>
+            <a:pPr>
+              <a:lnSpc>
+                <a:spcPct val="90000"/>
+              </a:lnSpc>
+            </a:pPr>
+            <a:r>
+              <a:rPr lang="en-CA" sz="1500" dirty="0">
+                <a:solidFill>
+                  <a:srgbClr val="FFFFFF"/>
+                </a:solidFill>
+              </a:rPr>
               <a:t>For every </a:t>
             </a:r>
             <a:r>
-              <a:rPr lang="en-CA" sz="1800" dirty="0">
+              <a:rPr lang="en-CA" sz="1500" dirty="0">
                 <a:solidFill>
-                  <a:srgbClr val="000000"/>
+                  <a:srgbClr val="FFFFFF"/>
                 </a:solidFill>
                 <a:effectLst/>
                 <a:ea typeface="Times New Roman" panose="02020603050405020304" pitchFamily="18" charset="0"/>
@@ -16264,9 +18156,9 @@
               <a:t>10</a:t>
             </a:r>
             <a:r>
-              <a:rPr lang="en-CA" sz="1800" baseline="30000" dirty="0">
+              <a:rPr lang="en-CA" sz="1500" baseline="30000" dirty="0">
                 <a:solidFill>
-                  <a:srgbClr val="000000"/>
+                  <a:srgbClr val="FFFFFF"/>
                 </a:solidFill>
                 <a:effectLst/>
                 <a:ea typeface="Times New Roman" panose="02020603050405020304" pitchFamily="18" charset="0"/>
@@ -16274,29 +18166,153 @@
               <a:t>6</a:t>
             </a:r>
             <a:r>
-              <a:rPr lang="en-CA" dirty="0"/>
+              <a:rPr lang="en-CA" sz="1500" dirty="0">
+                <a:solidFill>
+                  <a:srgbClr val="FFFFFF"/>
+                </a:solidFill>
+              </a:rPr>
               <a:t> input photons only 4 are output </a:t>
             </a:r>
           </a:p>
           <a:p>
-            <a:pPr lvl="1"/>
-            <a:r>
-              <a:rPr lang="en-CA" dirty="0"/>
+            <a:pPr lvl="1">
+              <a:lnSpc>
+                <a:spcPct val="90000"/>
+              </a:lnSpc>
+            </a:pPr>
+            <a:r>
+              <a:rPr lang="en-CA" sz="1500" dirty="0">
+                <a:solidFill>
+                  <a:srgbClr val="FFFFFF"/>
+                </a:solidFill>
+              </a:rPr>
               <a:t>Those 4 are guaranteed to be entangling</a:t>
             </a:r>
           </a:p>
           <a:p>
-            <a:endParaRPr lang="en-CA" dirty="0"/>
-          </a:p>
-          <a:p>
-            <a:r>
-              <a:rPr lang="en-CA" dirty="0"/>
+            <a:pPr>
+              <a:lnSpc>
+                <a:spcPct val="90000"/>
+              </a:lnSpc>
+            </a:pPr>
+            <a:endParaRPr lang="en-CA" sz="1500" dirty="0">
+              <a:solidFill>
+                <a:srgbClr val="FFFFFF"/>
+              </a:solidFill>
+            </a:endParaRPr>
+          </a:p>
+          <a:p>
+            <a:pPr>
+              <a:lnSpc>
+                <a:spcPct val="90000"/>
+              </a:lnSpc>
+            </a:pPr>
+            <a:r>
+              <a:rPr lang="en-CA" sz="1500" dirty="0">
+                <a:solidFill>
+                  <a:srgbClr val="FFFFFF"/>
+                </a:solidFill>
+              </a:rPr>
               <a:t>Replace with a new process – The Quantum Dot</a:t>
             </a:r>
-            <a:endParaRPr lang="en-US" dirty="0"/>
-          </a:p>
-          <a:p>
-            <a:endParaRPr lang="en-CA" dirty="0"/>
+            <a:endParaRPr lang="en-US" sz="1500" dirty="0">
+              <a:solidFill>
+                <a:srgbClr val="FFFFFF"/>
+              </a:solidFill>
+            </a:endParaRPr>
+          </a:p>
+          <a:p>
+            <a:pPr>
+              <a:lnSpc>
+                <a:spcPct val="90000"/>
+              </a:lnSpc>
+            </a:pPr>
+            <a:endParaRPr lang="en-CA" sz="1500" dirty="0">
+              <a:solidFill>
+                <a:srgbClr val="FFFFFF"/>
+              </a:solidFill>
+            </a:endParaRPr>
+          </a:p>
+        </p:txBody>
+      </p:sp>
+      <p:pic>
+        <p:nvPicPr>
+          <p:cNvPr id="3074" name="Picture 2" descr="effective">
+            <a:extLst>
+              <a:ext uri="{FF2B5EF4-FFF2-40B4-BE49-F238E27FC236}">
+                <a16:creationId xmlns:a16="http://schemas.microsoft.com/office/drawing/2014/main" id="{DD123EAA-F022-9807-B2F0-C4926DE647F4}"/>
+              </a:ext>
+            </a:extLst>
+          </p:cNvPr>
+          <p:cNvPicPr>
+            <a:picLocks noChangeAspect="1" noChangeArrowheads="1"/>
+          </p:cNvPicPr>
+          <p:nvPr/>
+        </p:nvPicPr>
+        <p:blipFill>
+          <a:blip r:embed="rId2">
+            <a:extLst>
+              <a:ext uri="{28A0092B-C50C-407E-A947-70E740481C1C}">
+                <a14:useLocalDpi xmlns:a14="http://schemas.microsoft.com/office/drawing/2010/main" val="0"/>
+              </a:ext>
+            </a:extLst>
+          </a:blip>
+          <a:stretch>
+            <a:fillRect/>
+          </a:stretch>
+        </p:blipFill>
+        <p:spPr bwMode="auto">
+          <a:xfrm>
+            <a:off x="4901548" y="1128681"/>
+            <a:ext cx="6798082" cy="4809643"/>
+          </a:xfrm>
+          <a:prstGeom prst="rect">
+            <a:avLst/>
+          </a:prstGeom>
+          <a:noFill/>
+          <a:extLst>
+            <a:ext uri="{909E8E84-426E-40DD-AFC4-6F175D3DCCD1}">
+              <a14:hiddenFill xmlns:a14="http://schemas.microsoft.com/office/drawing/2010/main">
+                <a:solidFill>
+                  <a:srgbClr val="FFFFFF"/>
+                </a:solidFill>
+              </a14:hiddenFill>
+            </a:ext>
+          </a:extLst>
+        </p:spPr>
+      </p:pic>
+      <p:sp>
+        <p:nvSpPr>
+          <p:cNvPr id="4" name="TextBox 3">
+            <a:extLst>
+              <a:ext uri="{FF2B5EF4-FFF2-40B4-BE49-F238E27FC236}">
+                <a16:creationId xmlns:a16="http://schemas.microsoft.com/office/drawing/2014/main" id="{EC579029-0B4A-E292-1BBB-C1E253745B4B}"/>
+              </a:ext>
+            </a:extLst>
+          </p:cNvPr>
+          <p:cNvSpPr txBox="1"/>
+          <p:nvPr/>
+        </p:nvSpPr>
+        <p:spPr>
+          <a:xfrm>
+            <a:off x="7294544" y="6577460"/>
+            <a:ext cx="2012089" cy="184666"/>
+          </a:xfrm>
+          <a:prstGeom prst="rect">
+            <a:avLst/>
+          </a:prstGeom>
+          <a:noFill/>
+        </p:spPr>
+        <p:txBody>
+          <a:bodyPr wrap="none" rtlCol="0">
+            <a:spAutoFit/>
+          </a:bodyPr>
+          <a:lstStyle/>
+          <a:p>
+            <a:r>
+              <a:rPr lang="en-CA" sz="600" dirty="0"/>
+              <a:t>https://www.dqglobal.com/blog/efficient-be-ineffective/</a:t>
+            </a:r>
           </a:p>
         </p:txBody>
       </p:sp>
@@ -16316,6 +18332,14 @@
 <file path=ppt/slides/slide7.xml><?xml version="1.0" encoding="utf-8"?>
 <p:sld xmlns:a="http://schemas.openxmlformats.org/drawingml/2006/main" xmlns:r="http://schemas.openxmlformats.org/officeDocument/2006/relationships" xmlns:p="http://schemas.openxmlformats.org/presentationml/2006/main">
   <p:cSld>
+    <p:bg>
+      <p:bgPr>
+        <a:solidFill>
+          <a:schemeClr val="bg1"/>
+        </a:solidFill>
+        <a:effectLst/>
+      </p:bgPr>
+    </p:bg>
     <p:spTree>
       <p:nvGrpSpPr>
         <p:cNvPr id="1" name=""/>
@@ -16330,6 +18354,66 @@
           <a:chExt cx="0" cy="0"/>
         </a:xfrm>
       </p:grpSpPr>
+      <p:sp useBgFill="1">
+        <p:nvSpPr>
+          <p:cNvPr id="17" name="Rectangle 16">
+            <a:extLst>
+              <a:ext uri="{FF2B5EF4-FFF2-40B4-BE49-F238E27FC236}">
+                <a16:creationId xmlns:a16="http://schemas.microsoft.com/office/drawing/2014/main" id="{80861964-D86C-4A50-8F6D-B466384A61B1}"/>
+              </a:ext>
+              <a:ext uri="{C183D7F6-B498-43B3-948B-1728B52AA6E4}">
+                <adec:decorative xmlns:adec="http://schemas.microsoft.com/office/drawing/2017/decorative" val="1"/>
+              </a:ext>
+            </a:extLst>
+          </p:cNvPr>
+          <p:cNvSpPr>
+            <a:spLocks noGrp="1" noRot="1" noChangeAspect="1" noMove="1" noResize="1" noEditPoints="1" noAdjustHandles="1" noChangeArrowheads="1" noChangeShapeType="1" noTextEdit="1"/>
+          </p:cNvSpPr>
+          <p:nvPr>
+            <p:extLst>
+              <p:ext uri="{386F3935-93C4-4BCD-93E2-E3B085C9AB24}">
+                <p16:designElem xmlns:p16="http://schemas.microsoft.com/office/powerpoint/2015/main" val="1"/>
+              </p:ext>
+            </p:extLst>
+          </p:nvPr>
+        </p:nvSpPr>
+        <p:spPr>
+          <a:xfrm>
+            <a:off x="0" y="0"/>
+            <a:ext cx="12192001" cy="6858000"/>
+          </a:xfrm>
+          <a:prstGeom prst="rect">
+            <a:avLst/>
+          </a:prstGeom>
+          <a:ln>
+            <a:noFill/>
+          </a:ln>
+        </p:spPr>
+        <p:style>
+          <a:lnRef idx="2">
+            <a:schemeClr val="accent1">
+              <a:shade val="50000"/>
+            </a:schemeClr>
+          </a:lnRef>
+          <a:fillRef idx="1">
+            <a:schemeClr val="accent1"/>
+          </a:fillRef>
+          <a:effectRef idx="0">
+            <a:schemeClr val="accent1"/>
+          </a:effectRef>
+          <a:fontRef idx="minor">
+            <a:schemeClr val="lt1"/>
+          </a:fontRef>
+        </p:style>
+        <p:txBody>
+          <a:bodyPr rtlCol="0" anchor="ctr"/>
+          <a:lstStyle/>
+          <a:p>
+            <a:pPr algn="ctr"/>
+            <a:endParaRPr lang="en-US"/>
+          </a:p>
+        </p:txBody>
+      </p:sp>
       <p:sp>
         <p:nvSpPr>
           <p:cNvPr id="2" name="Title 1">
@@ -16346,19 +18430,81 @@
             <p:ph type="title"/>
           </p:nvPr>
         </p:nvSpPr>
-        <p:spPr/>
+        <p:spPr>
+          <a:xfrm>
+            <a:off x="7859485" y="634946"/>
+            <a:ext cx="3690257" cy="1450757"/>
+          </a:xfrm>
+        </p:spPr>
         <p:txBody>
-          <a:bodyPr/>
+          <a:bodyPr>
+            <a:normAutofit/>
+          </a:bodyPr>
           <a:lstStyle/>
           <a:p>
             <a:r>
-              <a:rPr lang="en-US" dirty="0"/>
+              <a:rPr lang="en-US" sz="3600"/>
               <a:t>Rabi Oscillations - 1</a:t>
             </a:r>
-            <a:endParaRPr lang="en-CA" dirty="0"/>
+            <a:endParaRPr lang="en-CA" sz="3600"/>
           </a:p>
         </p:txBody>
       </p:sp>
+      <p:cxnSp>
+        <p:nvCxnSpPr>
+          <p:cNvPr id="19" name="Straight Connector 18">
+            <a:extLst>
+              <a:ext uri="{FF2B5EF4-FFF2-40B4-BE49-F238E27FC236}">
+                <a16:creationId xmlns:a16="http://schemas.microsoft.com/office/drawing/2014/main" id="{754A678E-8F30-4E92-A5BF-F5D03D011394}"/>
+              </a:ext>
+              <a:ext uri="{C183D7F6-B498-43B3-948B-1728B52AA6E4}">
+                <adec:decorative xmlns:adec="http://schemas.microsoft.com/office/drawing/2017/decorative" val="1"/>
+              </a:ext>
+            </a:extLst>
+          </p:cNvPr>
+          <p:cNvCxnSpPr>
+            <a:cxnSpLocks noGrp="1" noRot="1" noChangeAspect="1" noMove="1" noResize="1" noEditPoints="1" noAdjustHandles="1" noChangeArrowheads="1" noChangeShapeType="1"/>
+          </p:cNvCxnSpPr>
+          <p:nvPr>
+            <p:extLst>
+              <p:ext uri="{386F3935-93C4-4BCD-93E2-E3B085C9AB24}">
+                <p16:designElem xmlns:p16="http://schemas.microsoft.com/office/powerpoint/2015/main" val="1"/>
+              </p:ext>
+            </p:extLst>
+          </p:nvPr>
+        </p:nvCxnSpPr>
+        <p:spPr>
+          <a:xfrm>
+            <a:off x="7898967" y="2246569"/>
+            <a:ext cx="3474720" cy="0"/>
+          </a:xfrm>
+          <a:prstGeom prst="line">
+            <a:avLst/>
+          </a:prstGeom>
+          <a:ln w="12700">
+            <a:solidFill>
+              <a:schemeClr val="tx1">
+                <a:lumMod val="75000"/>
+                <a:lumOff val="25000"/>
+              </a:schemeClr>
+            </a:solidFill>
+          </a:ln>
+        </p:spPr>
+        <p:style>
+          <a:lnRef idx="1">
+            <a:schemeClr val="accent1"/>
+          </a:lnRef>
+          <a:fillRef idx="0">
+            <a:schemeClr val="accent1"/>
+          </a:fillRef>
+          <a:effectRef idx="0">
+            <a:schemeClr val="accent1"/>
+          </a:effectRef>
+          <a:fontRef idx="minor">
+            <a:schemeClr val="tx1"/>
+          </a:fontRef>
+        </p:style>
+      </p:cxnSp>
       <p:sp>
         <p:nvSpPr>
           <p:cNvPr id="3" name="Content Placeholder 2">
@@ -16375,45 +18521,142 @@
             <p:ph idx="1"/>
           </p:nvPr>
         </p:nvSpPr>
-        <p:spPr/>
+        <p:spPr>
+          <a:xfrm>
+            <a:off x="7859485" y="2407436"/>
+            <a:ext cx="3690257" cy="3461658"/>
+          </a:xfrm>
+        </p:spPr>
         <p:txBody>
-          <a:bodyPr/>
+          <a:bodyPr>
+            <a:normAutofit/>
+          </a:bodyPr>
           <a:lstStyle/>
           <a:p>
-            <a:r>
-              <a:rPr lang="en-US" dirty="0"/>
+            <a:pPr>
+              <a:lnSpc>
+                <a:spcPct val="100000"/>
+              </a:lnSpc>
+            </a:pPr>
+            <a:r>
+              <a:rPr lang="en-US" sz="1500" dirty="0"/>
               <a:t>Measure the quantum nature of the object through the presence of Rabi Oscillations</a:t>
             </a:r>
           </a:p>
           <a:p>
-            <a:endParaRPr lang="en-US" dirty="0"/>
-          </a:p>
-          <a:p>
-            <a:r>
-              <a:rPr lang="en-US" dirty="0"/>
+            <a:pPr>
+              <a:lnSpc>
+                <a:spcPct val="100000"/>
+              </a:lnSpc>
+            </a:pPr>
+            <a:endParaRPr lang="en-US" sz="1500" dirty="0"/>
+          </a:p>
+          <a:p>
+            <a:pPr>
+              <a:lnSpc>
+                <a:spcPct val="100000"/>
+              </a:lnSpc>
+            </a:pPr>
+            <a:r>
+              <a:rPr lang="en-US" sz="1500" dirty="0"/>
               <a:t>Initial intuition that it was a one and done process</a:t>
             </a:r>
           </a:p>
           <a:p>
-            <a:endParaRPr lang="en-US" dirty="0"/>
-          </a:p>
-          <a:p>
-            <a:r>
-              <a:rPr lang="en-US" dirty="0"/>
+            <a:pPr>
+              <a:lnSpc>
+                <a:spcPct val="100000"/>
+              </a:lnSpc>
+            </a:pPr>
+            <a:endParaRPr lang="en-US" sz="1500" dirty="0"/>
+          </a:p>
+          <a:p>
+            <a:pPr>
+              <a:lnSpc>
+                <a:spcPct val="100000"/>
+              </a:lnSpc>
+            </a:pPr>
+            <a:r>
+              <a:rPr lang="en-US" sz="1500" dirty="0"/>
               <a:t>Found to by cyclical instead</a:t>
             </a:r>
           </a:p>
           <a:p>
-            <a:endParaRPr lang="en-US" dirty="0"/>
-          </a:p>
-          <a:p>
-            <a:r>
-              <a:rPr lang="en-US" dirty="0"/>
+            <a:pPr>
+              <a:lnSpc>
+                <a:spcPct val="100000"/>
+              </a:lnSpc>
+            </a:pPr>
+            <a:endParaRPr lang="en-US" sz="1500" dirty="0"/>
+          </a:p>
+          <a:p>
+            <a:pPr>
+              <a:lnSpc>
+                <a:spcPct val="100000"/>
+              </a:lnSpc>
+            </a:pPr>
+            <a:r>
+              <a:rPr lang="en-US" sz="1500" dirty="0"/>
               <a:t>Fundamentally quantum in nature due to repopulation of electrons</a:t>
             </a:r>
-            <a:endParaRPr lang="en-CA" dirty="0"/>
+            <a:endParaRPr lang="en-CA" sz="1500" dirty="0"/>
           </a:p>
         </p:txBody>
+      </p:sp>
+      <p:sp>
+        <p:nvSpPr>
+          <p:cNvPr id="21" name="Rectangle 20">
+            <a:extLst>
+              <a:ext uri="{FF2B5EF4-FFF2-40B4-BE49-F238E27FC236}">
+                <a16:creationId xmlns:a16="http://schemas.microsoft.com/office/drawing/2014/main" id="{F2BDE551-930A-4FE1-8434-09824E3247E6}"/>
+              </a:ext>
+              <a:ext uri="{C183D7F6-B498-43B3-948B-1728B52AA6E4}">
+                <adec:decorative xmlns:adec="http://schemas.microsoft.com/office/drawing/2017/decorative" val="1"/>
+              </a:ext>
+            </a:extLst>
+          </p:cNvPr>
+          <p:cNvSpPr>
+            <a:spLocks noGrp="1" noRot="1" noChangeAspect="1" noMove="1" noResize="1" noEditPoints="1" noAdjustHandles="1" noChangeArrowheads="1" noChangeShapeType="1" noTextEdit="1"/>
+          </p:cNvSpPr>
+          <p:nvPr>
+            <p:extLst>
+              <p:ext uri="{386F3935-93C4-4BCD-93E2-E3B085C9AB24}">
+                <p16:designElem xmlns:p16="http://schemas.microsoft.com/office/powerpoint/2015/main" val="1"/>
+              </p:ext>
+            </p:extLst>
+          </p:nvPr>
+        </p:nvSpPr>
+        <p:spPr>
+          <a:xfrm>
+            <a:off x="0" y="6400800"/>
+            <a:ext cx="12192000" cy="457200"/>
+          </a:xfrm>
+          <a:prstGeom prst="rect">
+            <a:avLst/>
+          </a:prstGeom>
+          <a:solidFill>
+            <a:srgbClr val="262626"/>
+          </a:solidFill>
+          <a:ln>
+            <a:noFill/>
+          </a:ln>
+        </p:spPr>
+        <p:style>
+          <a:lnRef idx="2">
+            <a:schemeClr val="accent1">
+              <a:shade val="50000"/>
+            </a:schemeClr>
+          </a:lnRef>
+          <a:fillRef idx="1">
+            <a:schemeClr val="accent1"/>
+          </a:fillRef>
+          <a:effectRef idx="0">
+            <a:schemeClr val="accent1"/>
+          </a:effectRef>
+          <a:fontRef idx="minor">
+            <a:schemeClr val="lt1"/>
+          </a:fontRef>
+        </p:style>
       </p:sp>
     </p:spTree>
     <p:extLst>
@@ -16431,6 +18674,17 @@
 <file path=ppt/slides/slide8.xml><?xml version="1.0" encoding="utf-8"?>
 <p:sld xmlns:a="http://schemas.openxmlformats.org/drawingml/2006/main" xmlns:r="http://schemas.openxmlformats.org/officeDocument/2006/relationships" xmlns:p="http://schemas.openxmlformats.org/presentationml/2006/main">
   <p:cSld>
+    <p:bg>
+      <p:bgPr>
+        <a:solidFill>
+          <a:schemeClr val="bg1">
+            <a:lumMod val="85000"/>
+            <a:lumOff val="15000"/>
+          </a:schemeClr>
+        </a:solidFill>
+        <a:effectLst/>
+      </p:bgPr>
+    </p:bg>
     <p:spTree>
       <p:nvGrpSpPr>
         <p:cNvPr id="1" name=""/>
@@ -16445,6 +18699,66 @@
           <a:chExt cx="0" cy="0"/>
         </a:xfrm>
       </p:grpSpPr>
+      <p:sp useBgFill="1">
+        <p:nvSpPr>
+          <p:cNvPr id="21" name="Rectangle 20">
+            <a:extLst>
+              <a:ext uri="{FF2B5EF4-FFF2-40B4-BE49-F238E27FC236}">
+                <a16:creationId xmlns:a16="http://schemas.microsoft.com/office/drawing/2014/main" id="{DF406866-B2B6-4970-BEE9-17E9330B2622}"/>
+              </a:ext>
+              <a:ext uri="{C183D7F6-B498-43B3-948B-1728B52AA6E4}">
+                <adec:decorative xmlns:adec="http://schemas.microsoft.com/office/drawing/2017/decorative" val="1"/>
+              </a:ext>
+            </a:extLst>
+          </p:cNvPr>
+          <p:cNvSpPr>
+            <a:spLocks noGrp="1" noRot="1" noChangeAspect="1" noMove="1" noResize="1" noEditPoints="1" noAdjustHandles="1" noChangeArrowheads="1" noChangeShapeType="1" noTextEdit="1"/>
+          </p:cNvSpPr>
+          <p:nvPr>
+            <p:extLst>
+              <p:ext uri="{386F3935-93C4-4BCD-93E2-E3B085C9AB24}">
+                <p16:designElem xmlns:p16="http://schemas.microsoft.com/office/powerpoint/2015/main" val="1"/>
+              </p:ext>
+            </p:extLst>
+          </p:nvPr>
+        </p:nvSpPr>
+        <p:spPr>
+          <a:xfrm>
+            <a:off x="0" y="0"/>
+            <a:ext cx="12190459" cy="6858000"/>
+          </a:xfrm>
+          <a:prstGeom prst="rect">
+            <a:avLst/>
+          </a:prstGeom>
+          <a:ln>
+            <a:noFill/>
+          </a:ln>
+        </p:spPr>
+        <p:style>
+          <a:lnRef idx="2">
+            <a:schemeClr val="accent1">
+              <a:shade val="50000"/>
+            </a:schemeClr>
+          </a:lnRef>
+          <a:fillRef idx="1">
+            <a:schemeClr val="accent1"/>
+          </a:fillRef>
+          <a:effectRef idx="0">
+            <a:schemeClr val="accent1"/>
+          </a:effectRef>
+          <a:fontRef idx="minor">
+            <a:schemeClr val="lt1"/>
+          </a:fontRef>
+        </p:style>
+        <p:txBody>
+          <a:bodyPr rtlCol="0" anchor="ctr"/>
+          <a:lstStyle/>
+          <a:p>
+            <a:pPr algn="ctr"/>
+            <a:endParaRPr lang="en-US"/>
+          </a:p>
+        </p:txBody>
+      </p:sp>
       <p:sp>
         <p:nvSpPr>
           <p:cNvPr id="2" name="Title 1">
@@ -16461,16 +18775,31 @@
             <p:ph type="title"/>
           </p:nvPr>
         </p:nvSpPr>
-        <p:spPr/>
+        <p:spPr>
+          <a:xfrm>
+            <a:off x="1097280" y="516835"/>
+            <a:ext cx="5977937" cy="1666501"/>
+          </a:xfrm>
+        </p:spPr>
         <p:txBody>
-          <a:bodyPr/>
+          <a:bodyPr>
+            <a:normAutofit/>
+          </a:bodyPr>
           <a:lstStyle/>
           <a:p>
             <a:r>
-              <a:rPr lang="en-US" dirty="0"/>
+              <a:rPr lang="en-US" sz="4400">
+                <a:solidFill>
+                  <a:schemeClr val="tx1"/>
+                </a:solidFill>
+              </a:rPr>
               <a:t>Rabi Oscillations - 2</a:t>
             </a:r>
-            <a:endParaRPr lang="en-CA" dirty="0"/>
+            <a:endParaRPr lang="en-CA" sz="4400">
+              <a:solidFill>
+                <a:schemeClr val="tx1"/>
+              </a:solidFill>
+            </a:endParaRPr>
           </a:p>
         </p:txBody>
       </p:sp>
@@ -16490,39 +18819,179 @@
             <p:ph idx="1"/>
           </p:nvPr>
         </p:nvSpPr>
-        <p:spPr/>
+        <p:spPr>
+          <a:xfrm>
+            <a:off x="1097279" y="2236304"/>
+            <a:ext cx="5977938" cy="3652667"/>
+          </a:xfrm>
+        </p:spPr>
         <p:txBody>
-          <a:bodyPr/>
+          <a:bodyPr>
+            <a:normAutofit lnSpcReduction="10000"/>
+          </a:bodyPr>
           <a:lstStyle/>
           <a:p>
-            <a:r>
-              <a:rPr lang="en-US" dirty="0"/>
-              <a:t>Demonstrate their presence using toy model</a:t>
-            </a:r>
-          </a:p>
-          <a:p>
-            <a:r>
-              <a:rPr lang="en-US" dirty="0"/>
+            <a:endParaRPr lang="en-US" sz="1800" dirty="0">
+              <a:solidFill>
+                <a:schemeClr val="tx1"/>
+              </a:solidFill>
+            </a:endParaRPr>
+          </a:p>
+          <a:p>
+            <a:r>
+              <a:rPr lang="en-US" sz="1800" dirty="0">
+                <a:solidFill>
+                  <a:schemeClr val="tx1"/>
+                </a:solidFill>
+              </a:rPr>
               <a:t>Hamiltonian of atom excited by an electric field</a:t>
             </a:r>
           </a:p>
           <a:p>
-            <a:r>
-              <a:rPr lang="en-US" dirty="0"/>
+            <a:pPr marL="0" indent="0">
+              <a:buNone/>
+            </a:pPr>
+            <a:endParaRPr lang="en-US" sz="1800" dirty="0">
+              <a:solidFill>
+                <a:schemeClr val="tx1"/>
+              </a:solidFill>
+            </a:endParaRPr>
+          </a:p>
+          <a:p>
+            <a:pPr marL="0" indent="0">
+              <a:buNone/>
+            </a:pPr>
+            <a:endParaRPr lang="en-US" sz="1800" dirty="0">
+              <a:solidFill>
+                <a:schemeClr val="tx1"/>
+              </a:solidFill>
+            </a:endParaRPr>
+          </a:p>
+          <a:p>
+            <a:r>
+              <a:rPr lang="en-US" sz="1800" dirty="0">
+                <a:solidFill>
+                  <a:schemeClr val="tx1"/>
+                </a:solidFill>
+              </a:rPr>
               <a:t>Solve it using the Schrodinger equation</a:t>
             </a:r>
           </a:p>
           <a:p>
-            <a:r>
-              <a:rPr lang="en-US" dirty="0"/>
-              <a:t>Solve the Second Order Differential Equation with some simplifications</a:t>
-            </a:r>
-          </a:p>
-          <a:p>
-            <a:endParaRPr lang="en-CA" dirty="0"/>
+            <a:endParaRPr lang="en-CA" sz="1800" dirty="0">
+              <a:solidFill>
+                <a:schemeClr val="tx1"/>
+              </a:solidFill>
+            </a:endParaRPr>
+          </a:p>
+          <a:p>
+            <a:endParaRPr lang="en-CA" sz="1800" dirty="0">
+              <a:solidFill>
+                <a:schemeClr val="tx1"/>
+              </a:solidFill>
+            </a:endParaRPr>
+          </a:p>
+          <a:p>
+            <a:r>
+              <a:rPr lang="en-CA" sz="1800" dirty="0">
+                <a:solidFill>
+                  <a:schemeClr val="tx1"/>
+                </a:solidFill>
+              </a:rPr>
+              <a:t>We find the following wavefunction</a:t>
+            </a:r>
           </a:p>
         </p:txBody>
       </p:sp>
+      <p:pic>
+        <p:nvPicPr>
+          <p:cNvPr id="7" name="Picture 6">
+            <a:extLst>
+              <a:ext uri="{FF2B5EF4-FFF2-40B4-BE49-F238E27FC236}">
+                <a16:creationId xmlns:a16="http://schemas.microsoft.com/office/drawing/2014/main" id="{24B8C637-D9F1-9DC8-F532-24B203A8ECA3}"/>
+              </a:ext>
+            </a:extLst>
+          </p:cNvPr>
+          <p:cNvPicPr>
+            <a:picLocks noChangeAspect="1"/>
+          </p:cNvPicPr>
+          <p:nvPr/>
+        </p:nvPicPr>
+        <p:blipFill rotWithShape="1">
+          <a:blip r:embed="rId2"/>
+          <a:srcRect t="4549" r="-2" b="4866"/>
+          <a:stretch/>
+        </p:blipFill>
+        <p:spPr>
+          <a:xfrm>
+            <a:off x="8054496" y="3598604"/>
+            <a:ext cx="3564913" cy="1463641"/>
+          </a:xfrm>
+          <a:prstGeom prst="rect">
+            <a:avLst/>
+          </a:prstGeom>
+        </p:spPr>
+      </p:pic>
+      <p:pic>
+        <p:nvPicPr>
+          <p:cNvPr id="11" name="Picture 10">
+            <a:extLst>
+              <a:ext uri="{FF2B5EF4-FFF2-40B4-BE49-F238E27FC236}">
+                <a16:creationId xmlns:a16="http://schemas.microsoft.com/office/drawing/2014/main" id="{6E2BE3F2-63F8-2C09-C330-203683261013}"/>
+              </a:ext>
+            </a:extLst>
+          </p:cNvPr>
+          <p:cNvPicPr>
+            <a:picLocks noChangeAspect="1"/>
+          </p:cNvPicPr>
+          <p:nvPr/>
+        </p:nvPicPr>
+        <p:blipFill>
+          <a:blip r:embed="rId3"/>
+          <a:stretch>
+            <a:fillRect/>
+          </a:stretch>
+        </p:blipFill>
+        <p:spPr>
+          <a:xfrm>
+            <a:off x="7867728" y="5186984"/>
+            <a:ext cx="3938451" cy="1403974"/>
+          </a:xfrm>
+          <a:prstGeom prst="rect">
+            <a:avLst/>
+          </a:prstGeom>
+        </p:spPr>
+      </p:pic>
+      <p:pic>
+        <p:nvPicPr>
+          <p:cNvPr id="15" name="Picture 14">
+            <a:extLst>
+              <a:ext uri="{FF2B5EF4-FFF2-40B4-BE49-F238E27FC236}">
+                <a16:creationId xmlns:a16="http://schemas.microsoft.com/office/drawing/2014/main" id="{04490171-C2E8-6A57-F12C-6D643F6EE231}"/>
+              </a:ext>
+            </a:extLst>
+          </p:cNvPr>
+          <p:cNvPicPr>
+            <a:picLocks noChangeAspect="1"/>
+          </p:cNvPicPr>
+          <p:nvPr/>
+        </p:nvPicPr>
+        <p:blipFill>
+          <a:blip r:embed="rId4"/>
+          <a:stretch>
+            <a:fillRect/>
+          </a:stretch>
+        </p:blipFill>
+        <p:spPr>
+          <a:xfrm>
+            <a:off x="8031452" y="2236304"/>
+            <a:ext cx="3366849" cy="1110343"/>
+          </a:xfrm>
+          <a:prstGeom prst="rect">
+            <a:avLst/>
+          </a:prstGeom>
+        </p:spPr>
+      </p:pic>
     </p:spTree>
     <p:extLst>
       <p:ext uri="{BB962C8B-B14F-4D97-AF65-F5344CB8AC3E}">
@@ -16531,7 +19000,7 @@
     </p:extLst>
   </p:cSld>
   <p:clrMapOvr>
-    <a:masterClrMapping/>
+    <a:overrideClrMapping bg1="dk1" tx1="lt1" bg2="dk2" tx2="lt2" accent1="accent1" accent2="accent2" accent3="accent3" accent4="accent4" accent5="accent5" accent6="accent6" hlink="hlink" folHlink="folHlink"/>
   </p:clrMapOvr>
 </p:sld>
 </file>
@@ -16539,6 +19008,17 @@
 <file path=ppt/slides/slide9.xml><?xml version="1.0" encoding="utf-8"?>
 <p:sld xmlns:a="http://schemas.openxmlformats.org/drawingml/2006/main" xmlns:r="http://schemas.openxmlformats.org/officeDocument/2006/relationships" xmlns:p="http://schemas.openxmlformats.org/presentationml/2006/main">
   <p:cSld>
+    <p:bg>
+      <p:bgPr>
+        <a:solidFill>
+          <a:schemeClr val="bg1">
+            <a:lumMod val="85000"/>
+            <a:lumOff val="15000"/>
+          </a:schemeClr>
+        </a:solidFill>
+        <a:effectLst/>
+      </p:bgPr>
+    </p:bg>
     <p:spTree>
       <p:nvGrpSpPr>
         <p:cNvPr id="1" name=""/>
@@ -16553,12 +19033,72 @@
           <a:chExt cx="0" cy="0"/>
         </a:xfrm>
       </p:grpSpPr>
+      <p:sp useBgFill="1">
+        <p:nvSpPr>
+          <p:cNvPr id="14" name="Rectangle 13">
+            <a:extLst>
+              <a:ext uri="{FF2B5EF4-FFF2-40B4-BE49-F238E27FC236}">
+                <a16:creationId xmlns:a16="http://schemas.microsoft.com/office/drawing/2014/main" id="{DF406866-B2B6-4970-BEE9-17E9330B2622}"/>
+              </a:ext>
+              <a:ext uri="{C183D7F6-B498-43B3-948B-1728B52AA6E4}">
+                <adec:decorative xmlns:adec="http://schemas.microsoft.com/office/drawing/2017/decorative" val="1"/>
+              </a:ext>
+            </a:extLst>
+          </p:cNvPr>
+          <p:cNvSpPr>
+            <a:spLocks noGrp="1" noRot="1" noChangeAspect="1" noMove="1" noResize="1" noEditPoints="1" noAdjustHandles="1" noChangeArrowheads="1" noChangeShapeType="1" noTextEdit="1"/>
+          </p:cNvSpPr>
+          <p:nvPr>
+            <p:extLst>
+              <p:ext uri="{386F3935-93C4-4BCD-93E2-E3B085C9AB24}">
+                <p16:designElem xmlns:p16="http://schemas.microsoft.com/office/powerpoint/2015/main" val="1"/>
+              </p:ext>
+            </p:extLst>
+          </p:nvPr>
+        </p:nvSpPr>
+        <p:spPr>
+          <a:xfrm>
+            <a:off x="0" y="0"/>
+            <a:ext cx="12190459" cy="6858000"/>
+          </a:xfrm>
+          <a:prstGeom prst="rect">
+            <a:avLst/>
+          </a:prstGeom>
+          <a:ln>
+            <a:noFill/>
+          </a:ln>
+        </p:spPr>
+        <p:style>
+          <a:lnRef idx="2">
+            <a:schemeClr val="accent1">
+              <a:shade val="50000"/>
+            </a:schemeClr>
+          </a:lnRef>
+          <a:fillRef idx="1">
+            <a:schemeClr val="accent1"/>
+          </a:fillRef>
+          <a:effectRef idx="0">
+            <a:schemeClr val="accent1"/>
+          </a:effectRef>
+          <a:fontRef idx="minor">
+            <a:schemeClr val="lt1"/>
+          </a:fontRef>
+        </p:style>
+        <p:txBody>
+          <a:bodyPr rtlCol="0" anchor="ctr"/>
+          <a:lstStyle/>
+          <a:p>
+            <a:pPr algn="ctr"/>
+            <a:endParaRPr lang="en-US"/>
+          </a:p>
+        </p:txBody>
+      </p:sp>
       <p:sp>
         <p:nvSpPr>
           <p:cNvPr id="2" name="Title 1">
             <a:extLst>
               <a:ext uri="{FF2B5EF4-FFF2-40B4-BE49-F238E27FC236}">
-                <a16:creationId xmlns:a16="http://schemas.microsoft.com/office/drawing/2014/main" id="{F12DEBEA-AEC5-52D3-F036-6849CEFFBE98}"/>
+                <a16:creationId xmlns:a16="http://schemas.microsoft.com/office/drawing/2014/main" id="{E3194248-D58A-2B6C-64CA-55F83DD11E41}"/>
               </a:ext>
             </a:extLst>
           </p:cNvPr>
@@ -16569,16 +19109,31 @@
             <p:ph type="title"/>
           </p:nvPr>
         </p:nvSpPr>
-        <p:spPr/>
+        <p:spPr>
+          <a:xfrm>
+            <a:off x="1097280" y="516835"/>
+            <a:ext cx="5977937" cy="1666501"/>
+          </a:xfrm>
+        </p:spPr>
         <p:txBody>
-          <a:bodyPr/>
+          <a:bodyPr>
+            <a:normAutofit/>
+          </a:bodyPr>
           <a:lstStyle/>
           <a:p>
             <a:r>
-              <a:rPr lang="en-US" dirty="0"/>
-              <a:t>Rabi Oscillations - 3</a:t>
-            </a:r>
-            <a:endParaRPr lang="en-CA" dirty="0"/>
+              <a:rPr lang="en-US" sz="4400">
+                <a:solidFill>
+                  <a:schemeClr val="tx1"/>
+                </a:solidFill>
+              </a:rPr>
+              <a:t>Rabi-Oscillations 3</a:t>
+            </a:r>
+            <a:endParaRPr lang="en-CA" sz="4400">
+              <a:solidFill>
+                <a:schemeClr val="tx1"/>
+              </a:solidFill>
+            </a:endParaRPr>
           </a:p>
         </p:txBody>
       </p:sp>
@@ -16587,7 +19142,7 @@
           <p:cNvPr id="3" name="Content Placeholder 2">
             <a:extLst>
               <a:ext uri="{FF2B5EF4-FFF2-40B4-BE49-F238E27FC236}">
-                <a16:creationId xmlns:a16="http://schemas.microsoft.com/office/drawing/2014/main" id="{E94CADF7-D7F0-224D-F98D-7E8BE07D4FF5}"/>
+                <a16:creationId xmlns:a16="http://schemas.microsoft.com/office/drawing/2014/main" id="{B2D96BC2-9B67-425D-0A88-4DC30BB7991C}"/>
               </a:ext>
             </a:extLst>
           </p:cNvPr>
@@ -16598,36 +19153,227 @@
             <p:ph idx="1"/>
           </p:nvPr>
         </p:nvSpPr>
-        <p:spPr/>
+        <p:spPr>
+          <a:xfrm>
+            <a:off x="1097279" y="2236304"/>
+            <a:ext cx="5977938" cy="3652667"/>
+          </a:xfrm>
+        </p:spPr>
         <p:txBody>
-          <a:bodyPr/>
+          <a:bodyPr>
+            <a:normAutofit/>
+          </a:bodyPr>
           <a:lstStyle/>
           <a:p>
             <a:r>
-              <a:rPr lang="en-US" dirty="0"/>
-              <a:t>Results in the following equation, wherein is the Rabi frequency</a:t>
-            </a:r>
-          </a:p>
-          <a:p>
-            <a:r>
-              <a:rPr lang="en-US" dirty="0"/>
-              <a:t>System Oscillates at Frequency </a:t>
-            </a:r>
-          </a:p>
-          <a:p>
-            <a:endParaRPr lang="en-CA" dirty="0"/>
+              <a:rPr lang="en-US" sz="1800">
+                <a:solidFill>
+                  <a:schemeClr val="tx1"/>
+                </a:solidFill>
+              </a:rPr>
+              <a:t>We can simplify this by considering:</a:t>
+            </a:r>
+          </a:p>
+          <a:p>
+            <a:pPr marL="0" indent="0">
+              <a:buNone/>
+            </a:pPr>
+            <a:endParaRPr lang="en-US" sz="1800">
+              <a:solidFill>
+                <a:schemeClr val="tx1"/>
+              </a:solidFill>
+            </a:endParaRPr>
+          </a:p>
+          <a:p>
+            <a:pPr lvl="1"/>
+            <a:r>
+              <a:rPr lang="en-US" sz="1800">
+                <a:solidFill>
+                  <a:schemeClr val="tx1"/>
+                </a:solidFill>
+              </a:rPr>
+              <a:t>Incident light is resonant with the energy separation between the ground and excited states</a:t>
+            </a:r>
+          </a:p>
+          <a:p>
+            <a:pPr lvl="1"/>
+            <a:endParaRPr lang="en-US" sz="1800">
+              <a:solidFill>
+                <a:schemeClr val="tx1"/>
+              </a:solidFill>
+            </a:endParaRPr>
+          </a:p>
+          <a:p>
+            <a:pPr lvl="1"/>
+            <a:endParaRPr lang="en-US" sz="1800">
+              <a:solidFill>
+                <a:schemeClr val="tx1"/>
+              </a:solidFill>
+            </a:endParaRPr>
+          </a:p>
+          <a:p>
+            <a:pPr lvl="1"/>
+            <a:r>
+              <a:rPr lang="en-US" sz="1800">
+                <a:solidFill>
+                  <a:schemeClr val="tx1"/>
+                </a:solidFill>
+              </a:rPr>
+              <a:t>Effect of electric field on an atomic dipole</a:t>
+            </a:r>
+          </a:p>
+          <a:p>
+            <a:pPr lvl="1"/>
+            <a:endParaRPr lang="en-US" sz="1800">
+              <a:solidFill>
+                <a:schemeClr val="tx1"/>
+              </a:solidFill>
+            </a:endParaRPr>
+          </a:p>
+          <a:p>
+            <a:pPr lvl="1"/>
+            <a:endParaRPr lang="en-US" sz="1800">
+              <a:solidFill>
+                <a:schemeClr val="tx1"/>
+              </a:solidFill>
+            </a:endParaRPr>
+          </a:p>
+          <a:p>
+            <a:pPr lvl="1"/>
+            <a:r>
+              <a:rPr lang="en-US" sz="1800">
+                <a:solidFill>
+                  <a:schemeClr val="tx1"/>
+                </a:solidFill>
+              </a:rPr>
+              <a:t>Taking the expectation value to simplify matrix elements</a:t>
+            </a:r>
+          </a:p>
+          <a:p>
+            <a:pPr lvl="1"/>
+            <a:endParaRPr lang="en-US" sz="1800">
+              <a:solidFill>
+                <a:schemeClr val="tx1"/>
+              </a:solidFill>
+            </a:endParaRPr>
+          </a:p>
+          <a:p>
+            <a:pPr lvl="1"/>
+            <a:endParaRPr lang="en-US" sz="1800">
+              <a:solidFill>
+                <a:schemeClr val="tx1"/>
+              </a:solidFill>
+            </a:endParaRPr>
+          </a:p>
+          <a:p>
+            <a:pPr lvl="1"/>
+            <a:endParaRPr lang="en-CA" sz="1800">
+              <a:solidFill>
+                <a:schemeClr val="tx1"/>
+              </a:solidFill>
+            </a:endParaRPr>
           </a:p>
         </p:txBody>
       </p:sp>
+      <p:pic>
+        <p:nvPicPr>
+          <p:cNvPr id="11" name="Picture 10">
+            <a:extLst>
+              <a:ext uri="{FF2B5EF4-FFF2-40B4-BE49-F238E27FC236}">
+                <a16:creationId xmlns:a16="http://schemas.microsoft.com/office/drawing/2014/main" id="{590D08D5-61BA-A8D6-5744-7D623606626F}"/>
+              </a:ext>
+            </a:extLst>
+          </p:cNvPr>
+          <p:cNvPicPr>
+            <a:picLocks noChangeAspect="1"/>
+          </p:cNvPicPr>
+          <p:nvPr/>
+        </p:nvPicPr>
+        <p:blipFill>
+          <a:blip r:embed="rId2"/>
+          <a:stretch>
+            <a:fillRect/>
+          </a:stretch>
+        </p:blipFill>
+        <p:spPr>
+          <a:xfrm>
+            <a:off x="8179346" y="5317442"/>
+            <a:ext cx="3422826" cy="571529"/>
+          </a:xfrm>
+          <a:prstGeom prst="rect">
+            <a:avLst/>
+          </a:prstGeom>
+        </p:spPr>
+      </p:pic>
+      <p:pic>
+        <p:nvPicPr>
+          <p:cNvPr id="13" name="Picture 12">
+            <a:extLst>
+              <a:ext uri="{FF2B5EF4-FFF2-40B4-BE49-F238E27FC236}">
+                <a16:creationId xmlns:a16="http://schemas.microsoft.com/office/drawing/2014/main" id="{4BE6D823-F8F7-865A-546A-B0EC8F1DFFDF}"/>
+              </a:ext>
+            </a:extLst>
+          </p:cNvPr>
+          <p:cNvPicPr>
+            <a:picLocks noChangeAspect="1"/>
+          </p:cNvPicPr>
+          <p:nvPr/>
+        </p:nvPicPr>
+        <p:blipFill>
+          <a:blip r:embed="rId3"/>
+          <a:stretch>
+            <a:fillRect/>
+          </a:stretch>
+        </p:blipFill>
+        <p:spPr>
+          <a:xfrm>
+            <a:off x="8398433" y="3127359"/>
+            <a:ext cx="2984653" cy="603281"/>
+          </a:xfrm>
+          <a:prstGeom prst="rect">
+            <a:avLst/>
+          </a:prstGeom>
+        </p:spPr>
+      </p:pic>
+      <p:pic>
+        <p:nvPicPr>
+          <p:cNvPr id="16" name="Picture 15">
+            <a:extLst>
+              <a:ext uri="{FF2B5EF4-FFF2-40B4-BE49-F238E27FC236}">
+                <a16:creationId xmlns:a16="http://schemas.microsoft.com/office/drawing/2014/main" id="{9830704D-8E28-D38F-B89C-524B24EBFB78}"/>
+              </a:ext>
+            </a:extLst>
+          </p:cNvPr>
+          <p:cNvPicPr>
+            <a:picLocks noChangeAspect="1"/>
+          </p:cNvPicPr>
+          <p:nvPr/>
+        </p:nvPicPr>
+        <p:blipFill>
+          <a:blip r:embed="rId4"/>
+          <a:stretch>
+            <a:fillRect/>
+          </a:stretch>
+        </p:blipFill>
+        <p:spPr>
+          <a:xfrm>
+            <a:off x="8839780" y="4256973"/>
+            <a:ext cx="2101958" cy="704886"/>
+          </a:xfrm>
+          <a:prstGeom prst="rect">
+            <a:avLst/>
+          </a:prstGeom>
+        </p:spPr>
+      </p:pic>
     </p:spTree>
     <p:extLst>
       <p:ext uri="{BB962C8B-B14F-4D97-AF65-F5344CB8AC3E}">
-        <p14:creationId xmlns:p14="http://schemas.microsoft.com/office/powerpoint/2010/main" val="3613884260"/>
+        <p14:creationId xmlns:p14="http://schemas.microsoft.com/office/powerpoint/2010/main" val="763668410"/>
       </p:ext>
     </p:extLst>
   </p:cSld>
   <p:clrMapOvr>
-    <a:masterClrMapping/>
+    <a:overrideClrMapping bg1="dk1" tx1="lt1" bg2="dk2" tx2="lt2" accent1="accent1" accent2="accent2" accent3="accent3" accent4="accent4" accent5="accent5" accent6="accent6" hlink="hlink" folHlink="folHlink"/>
   </p:clrMapOvr>
 </p:sld>
 </file>
@@ -17002,21 +19748,21 @@
 </file>
 
 <file path=customXml/item1.xml><?xml version="1.0" encoding="utf-8"?>
+<?mso-contentType ?>
+<FormTemplates xmlns="http://schemas.microsoft.com/sharepoint/v3/contenttype/forms">
+  <Display>DocumentLibraryForm</Display>
+  <Edit>DocumentLibraryForm</Edit>
+  <New>DocumentLibraryForm</New>
+</FormTemplates>
+</file>
+
+<file path=customXml/item2.xml><?xml version="1.0" encoding="utf-8"?>
 <p:properties xmlns:p="http://schemas.microsoft.com/office/2006/metadata/properties" xmlns:xsi="http://www.w3.org/2001/XMLSchema-instance" xmlns:pc="http://schemas.microsoft.com/office/infopath/2007/PartnerControls">
   <documentManagement>
     <Status xmlns="71af3243-3dd4-4a8d-8c0d-dd76da1f02a5">Not started</Status>
     <MediaServiceKeyPoints xmlns="71af3243-3dd4-4a8d-8c0d-dd76da1f02a5" xsi:nil="true"/>
   </documentManagement>
 </p:properties>
-</file>
-
-<file path=customXml/item2.xml><?xml version="1.0" encoding="utf-8"?>
-<?mso-contentType ?>
-<FormTemplates xmlns="http://schemas.microsoft.com/sharepoint/v3/contenttype/forms">
-  <Display>DocumentLibraryForm</Display>
-  <Edit>DocumentLibraryForm</Edit>
-  <New>DocumentLibraryForm</New>
-</FormTemplates>
 </file>
 
 <file path=customXml/item3.xml><?xml version="1.0" encoding="utf-8"?>
@@ -17241,19 +19987,19 @@
 </file>
 
 <file path=customXml/itemProps1.xml><?xml version="1.0" encoding="utf-8"?>
+<ds:datastoreItem xmlns:ds="http://schemas.openxmlformats.org/officeDocument/2006/customXml" ds:itemID="{AA3F7EDC-E5B4-4BBC-9D2A-CBE6D46C37AD}">
+  <ds:schemaRefs>
+    <ds:schemaRef ds:uri="http://schemas.microsoft.com/sharepoint/v3/contenttype/forms"/>
+  </ds:schemaRefs>
+</ds:datastoreItem>
+</file>
+
+<file path=customXml/itemProps2.xml><?xml version="1.0" encoding="utf-8"?>
 <ds:datastoreItem xmlns:ds="http://schemas.openxmlformats.org/officeDocument/2006/customXml" ds:itemID="{A03EEFF0-FB57-4CB4-8BFC-DF397689E2ED}">
   <ds:schemaRefs>
     <ds:schemaRef ds:uri="http://schemas.microsoft.com/office/2006/metadata/properties"/>
     <ds:schemaRef ds:uri="http://schemas.microsoft.com/office/infopath/2007/PartnerControls"/>
     <ds:schemaRef ds:uri="71af3243-3dd4-4a8d-8c0d-dd76da1f02a5"/>
-  </ds:schemaRefs>
-</ds:datastoreItem>
-</file>
-
-<file path=customXml/itemProps2.xml><?xml version="1.0" encoding="utf-8"?>
-<ds:datastoreItem xmlns:ds="http://schemas.openxmlformats.org/officeDocument/2006/customXml" ds:itemID="{AA3F7EDC-E5B4-4BBC-9D2A-CBE6D46C37AD}">
-  <ds:schemaRefs>
-    <ds:schemaRef ds:uri="http://schemas.microsoft.com/sharepoint/v3/contenttype/forms"/>
   </ds:schemaRefs>
 </ds:datastoreItem>
 </file>
